--- a/卒業論文本体/発表用スライド_川口.pptx
+++ b/卒業論文本体/発表用スライド_川口.pptx
@@ -6,7 +6,7 @@
     <p:sldMasterId id="2147483813" r:id="rId2"/>
   </p:sldMasterIdLst>
   <p:notesMasterIdLst>
-    <p:notesMasterId r:id="rId17"/>
+    <p:notesMasterId r:id="rId18"/>
   </p:notesMasterIdLst>
   <p:sldIdLst>
     <p:sldId id="256" r:id="rId3"/>
@@ -16,13 +16,14 @@
     <p:sldId id="260" r:id="rId7"/>
     <p:sldId id="261" r:id="rId8"/>
     <p:sldId id="264" r:id="rId9"/>
-    <p:sldId id="263" r:id="rId10"/>
-    <p:sldId id="262" r:id="rId11"/>
-    <p:sldId id="265" r:id="rId12"/>
-    <p:sldId id="266" r:id="rId13"/>
-    <p:sldId id="267" r:id="rId14"/>
-    <p:sldId id="268" r:id="rId15"/>
-    <p:sldId id="269" r:id="rId16"/>
+    <p:sldId id="270" r:id="rId10"/>
+    <p:sldId id="263" r:id="rId11"/>
+    <p:sldId id="262" r:id="rId12"/>
+    <p:sldId id="265" r:id="rId13"/>
+    <p:sldId id="266" r:id="rId14"/>
+    <p:sldId id="267" r:id="rId15"/>
+    <p:sldId id="268" r:id="rId16"/>
+    <p:sldId id="269" r:id="rId17"/>
   </p:sldIdLst>
   <p:sldSz cx="9144000" cy="6858000" type="screen4x3"/>
   <p:notesSz cx="6858000" cy="9144000"/>
@@ -141,923 +142,6 @@
 </file>
 
 <file path=ppt/charts/chart1.xml><?xml version="1.0" encoding="utf-8"?>
-<c:chartSpace xmlns:c="http://schemas.openxmlformats.org/drawingml/2006/chart" xmlns:a="http://schemas.openxmlformats.org/drawingml/2006/main" xmlns:r="http://schemas.openxmlformats.org/officeDocument/2006/relationships">
-  <c:date1904 val="0"/>
-  <c:lang val="ja-JP"/>
-  <c:roundedCorners val="0"/>
-  <mc:AlternateContent xmlns:mc="http://schemas.openxmlformats.org/markup-compatibility/2006">
-    <mc:Choice xmlns:c14="http://schemas.microsoft.com/office/drawing/2007/8/2/chart" Requires="c14">
-      <c14:style val="102"/>
-    </mc:Choice>
-    <mc:Fallback>
-      <c:style val="2"/>
-    </mc:Fallback>
-  </mc:AlternateContent>
-  <c:clrMapOvr bg1="lt1" tx1="dk1" bg2="lt2" tx2="dk2" accent1="accent1" accent2="accent2" accent3="accent3" accent4="accent4" accent5="accent5" accent6="accent6" hlink="hlink" folHlink="folHlink"/>
-  <c:chart>
-    <c:title>
-      <c:tx>
-        <c:rich>
-          <a:bodyPr rot="0" spcFirstLastPara="1" vertOverflow="ellipsis" vert="horz" wrap="square" anchor="ctr" anchorCtr="1"/>
-          <a:lstStyle/>
-          <a:p>
-            <a:pPr>
-              <a:defRPr sz="2000" b="1" i="0" u="none" strike="noStrike" kern="1200" cap="all" spc="120" normalizeH="0" baseline="0">
-                <a:solidFill>
-                  <a:schemeClr val="tx1">
-                    <a:lumMod val="65000"/>
-                    <a:lumOff val="35000"/>
-                  </a:schemeClr>
-                </a:solidFill>
-                <a:latin typeface="+mn-lt"/>
-                <a:ea typeface="+mn-ea"/>
-                <a:cs typeface="+mn-cs"/>
-              </a:defRPr>
-            </a:pPr>
-            <a:r>
-              <a:rPr lang="ja-JP" altLang="en-US" sz="2000"/>
-              <a:t>クラウドサービスの世界市場規模の推移及び予測</a:t>
-            </a:r>
-            <a:endParaRPr lang="ja-JP" sz="2000"/>
-          </a:p>
-        </c:rich>
-      </c:tx>
-      <c:layout/>
-      <c:overlay val="0"/>
-      <c:spPr>
-        <a:noFill/>
-        <a:ln>
-          <a:noFill/>
-        </a:ln>
-        <a:effectLst/>
-      </c:spPr>
-      <c:txPr>
-        <a:bodyPr rot="0" spcFirstLastPara="1" vertOverflow="ellipsis" vert="horz" wrap="square" anchor="ctr" anchorCtr="1"/>
-        <a:lstStyle/>
-        <a:p>
-          <a:pPr>
-            <a:defRPr sz="2000" b="1" i="0" u="none" strike="noStrike" kern="1200" cap="all" spc="120" normalizeH="0" baseline="0">
-              <a:solidFill>
-                <a:schemeClr val="tx1">
-                  <a:lumMod val="65000"/>
-                  <a:lumOff val="35000"/>
-                </a:schemeClr>
-              </a:solidFill>
-              <a:latin typeface="+mn-lt"/>
-              <a:ea typeface="+mn-ea"/>
-              <a:cs typeface="+mn-cs"/>
-            </a:defRPr>
-          </a:pPr>
-          <a:endParaRPr lang="ja-JP"/>
-        </a:p>
-      </c:txPr>
-    </c:title>
-    <c:autoTitleDeleted val="0"/>
-    <c:plotArea>
-      <c:layout/>
-      <c:barChart>
-        <c:barDir val="col"/>
-        <c:grouping val="stacked"/>
-        <c:varyColors val="0"/>
-        <c:ser>
-          <c:idx val="0"/>
-          <c:order val="0"/>
-          <c:tx>
-            <c:strRef>
-              <c:f>Sheet1!$D$2</c:f>
-              <c:strCache>
-                <c:ptCount val="1"/>
-                <c:pt idx="0">
-                  <c:v>IaaS</c:v>
-                </c:pt>
-              </c:strCache>
-            </c:strRef>
-          </c:tx>
-          <c:spPr>
-            <a:solidFill>
-              <a:schemeClr val="accent1"/>
-            </a:solidFill>
-            <a:ln>
-              <a:noFill/>
-            </a:ln>
-            <a:effectLst/>
-          </c:spPr>
-          <c:invertIfNegative val="0"/>
-          <c:dLbls>
-            <c:spPr>
-              <a:noFill/>
-              <a:ln>
-                <a:noFill/>
-              </a:ln>
-              <a:effectLst/>
-            </c:spPr>
-            <c:txPr>
-              <a:bodyPr rot="0" spcFirstLastPara="1" vertOverflow="ellipsis" vert="horz" wrap="square" lIns="38100" tIns="19050" rIns="38100" bIns="19050" anchor="ctr" anchorCtr="1">
-                <a:spAutoFit/>
-              </a:bodyPr>
-              <a:lstStyle/>
-              <a:p>
-                <a:pPr>
-                  <a:defRPr sz="1600" b="0" i="0" u="none" strike="noStrike" kern="1200" baseline="0">
-                    <a:solidFill>
-                      <a:schemeClr val="lt1"/>
-                    </a:solidFill>
-                    <a:latin typeface="+mn-lt"/>
-                    <a:ea typeface="+mn-ea"/>
-                    <a:cs typeface="+mn-cs"/>
-                  </a:defRPr>
-                </a:pPr>
-                <a:endParaRPr lang="ja-JP"/>
-              </a:p>
-            </c:txPr>
-            <c:dLblPos val="ctr"/>
-            <c:showLegendKey val="0"/>
-            <c:showVal val="1"/>
-            <c:showCatName val="0"/>
-            <c:showSerName val="0"/>
-            <c:showPercent val="0"/>
-            <c:showBubbleSize val="0"/>
-            <c:showLeaderLines val="0"/>
-            <c:extLst>
-              <c:ext xmlns:c15="http://schemas.microsoft.com/office/drawing/2012/chart" uri="{CE6537A1-D6FC-4f65-9D91-7224C49458BB}">
-                <c15:layout/>
-                <c15:showLeaderLines val="1"/>
-                <c15:leaderLines>
-                  <c:spPr>
-                    <a:ln w="9525">
-                      <a:solidFill>
-                        <a:schemeClr val="tx1">
-                          <a:lumMod val="35000"/>
-                          <a:lumOff val="65000"/>
-                        </a:schemeClr>
-                      </a:solidFill>
-                    </a:ln>
-                    <a:effectLst/>
-                  </c:spPr>
-                </c15:leaderLines>
-              </c:ext>
-            </c:extLst>
-          </c:dLbls>
-          <c:cat>
-            <c:numRef>
-              <c:f>Sheet1!$C$3:$C$9</c:f>
-              <c:numCache>
-                <c:formatCode>General</c:formatCode>
-                <c:ptCount val="7"/>
-                <c:pt idx="0">
-                  <c:v>2012</c:v>
-                </c:pt>
-                <c:pt idx="1">
-                  <c:v>2013</c:v>
-                </c:pt>
-                <c:pt idx="2">
-                  <c:v>2014</c:v>
-                </c:pt>
-                <c:pt idx="3">
-                  <c:v>2015</c:v>
-                </c:pt>
-                <c:pt idx="4">
-                  <c:v>2016</c:v>
-                </c:pt>
-                <c:pt idx="5">
-                  <c:v>2017</c:v>
-                </c:pt>
-                <c:pt idx="6">
-                  <c:v>2018</c:v>
-                </c:pt>
-              </c:numCache>
-            </c:numRef>
-          </c:cat>
-          <c:val>
-            <c:numRef>
-              <c:f>Sheet1!$D$3:$D$9</c:f>
-              <c:numCache>
-                <c:formatCode>General</c:formatCode>
-                <c:ptCount val="7"/>
-                <c:pt idx="0">
-                  <c:v>12.4</c:v>
-                </c:pt>
-                <c:pt idx="1">
-                  <c:v>16.399999999999999</c:v>
-                </c:pt>
-                <c:pt idx="2">
-                  <c:v>21.6</c:v>
-                </c:pt>
-                <c:pt idx="3">
-                  <c:v>27.5</c:v>
-                </c:pt>
-                <c:pt idx="4">
-                  <c:v>33.5</c:v>
-                </c:pt>
-                <c:pt idx="5">
-                  <c:v>39.299999999999997</c:v>
-                </c:pt>
-                <c:pt idx="6">
-                  <c:v>44.5</c:v>
-                </c:pt>
-              </c:numCache>
-            </c:numRef>
-          </c:val>
-        </c:ser>
-        <c:ser>
-          <c:idx val="1"/>
-          <c:order val="1"/>
-          <c:tx>
-            <c:strRef>
-              <c:f>Sheet1!$E$2</c:f>
-              <c:strCache>
-                <c:ptCount val="1"/>
-                <c:pt idx="0">
-                  <c:v>CaaS</c:v>
-                </c:pt>
-              </c:strCache>
-            </c:strRef>
-          </c:tx>
-          <c:spPr>
-            <a:solidFill>
-              <a:schemeClr val="accent2"/>
-            </a:solidFill>
-            <a:ln>
-              <a:noFill/>
-            </a:ln>
-            <a:effectLst/>
-          </c:spPr>
-          <c:invertIfNegative val="0"/>
-          <c:dLbls>
-            <c:spPr>
-              <a:noFill/>
-              <a:ln>
-                <a:noFill/>
-              </a:ln>
-              <a:effectLst/>
-            </c:spPr>
-            <c:txPr>
-              <a:bodyPr rot="0" spcFirstLastPara="1" vertOverflow="ellipsis" vert="horz" wrap="square" lIns="38100" tIns="19050" rIns="38100" bIns="19050" anchor="ctr" anchorCtr="1">
-                <a:spAutoFit/>
-              </a:bodyPr>
-              <a:lstStyle/>
-              <a:p>
-                <a:pPr>
-                  <a:defRPr sz="1200" b="0" i="0" u="none" strike="noStrike" kern="1200" baseline="0">
-                    <a:solidFill>
-                      <a:schemeClr val="lt1"/>
-                    </a:solidFill>
-                    <a:latin typeface="+mn-lt"/>
-                    <a:ea typeface="+mn-ea"/>
-                    <a:cs typeface="+mn-cs"/>
-                  </a:defRPr>
-                </a:pPr>
-                <a:endParaRPr lang="ja-JP"/>
-              </a:p>
-            </c:txPr>
-            <c:dLblPos val="ctr"/>
-            <c:showLegendKey val="0"/>
-            <c:showVal val="1"/>
-            <c:showCatName val="0"/>
-            <c:showSerName val="0"/>
-            <c:showPercent val="0"/>
-            <c:showBubbleSize val="0"/>
-            <c:showLeaderLines val="0"/>
-            <c:extLst>
-              <c:ext xmlns:c15="http://schemas.microsoft.com/office/drawing/2012/chart" uri="{CE6537A1-D6FC-4f65-9D91-7224C49458BB}">
-                <c15:layout/>
-                <c15:showLeaderLines val="1"/>
-                <c15:leaderLines>
-                  <c:spPr>
-                    <a:ln w="9525">
-                      <a:solidFill>
-                        <a:schemeClr val="tx1">
-                          <a:lumMod val="35000"/>
-                          <a:lumOff val="65000"/>
-                        </a:schemeClr>
-                      </a:solidFill>
-                    </a:ln>
-                    <a:effectLst/>
-                  </c:spPr>
-                </c15:leaderLines>
-              </c:ext>
-            </c:extLst>
-          </c:dLbls>
-          <c:cat>
-            <c:numRef>
-              <c:f>Sheet1!$C$3:$C$9</c:f>
-              <c:numCache>
-                <c:formatCode>General</c:formatCode>
-                <c:ptCount val="7"/>
-                <c:pt idx="0">
-                  <c:v>2012</c:v>
-                </c:pt>
-                <c:pt idx="1">
-                  <c:v>2013</c:v>
-                </c:pt>
-                <c:pt idx="2">
-                  <c:v>2014</c:v>
-                </c:pt>
-                <c:pt idx="3">
-                  <c:v>2015</c:v>
-                </c:pt>
-                <c:pt idx="4">
-                  <c:v>2016</c:v>
-                </c:pt>
-                <c:pt idx="5">
-                  <c:v>2017</c:v>
-                </c:pt>
-                <c:pt idx="6">
-                  <c:v>2018</c:v>
-                </c:pt>
-              </c:numCache>
-            </c:numRef>
-          </c:cat>
-          <c:val>
-            <c:numRef>
-              <c:f>Sheet1!$E$3:$E$9</c:f>
-              <c:numCache>
-                <c:formatCode>General</c:formatCode>
-                <c:ptCount val="7"/>
-                <c:pt idx="0">
-                  <c:v>0</c:v>
-                </c:pt>
-                <c:pt idx="1">
-                  <c:v>1.9</c:v>
-                </c:pt>
-                <c:pt idx="2">
-                  <c:v>5</c:v>
-                </c:pt>
-                <c:pt idx="3">
-                  <c:v>11.9</c:v>
-                </c:pt>
-                <c:pt idx="4">
-                  <c:v>23.6</c:v>
-                </c:pt>
-                <c:pt idx="5">
-                  <c:v>36.299999999999997</c:v>
-                </c:pt>
-                <c:pt idx="6">
-                  <c:v>45</c:v>
-                </c:pt>
-              </c:numCache>
-            </c:numRef>
-          </c:val>
-        </c:ser>
-        <c:ser>
-          <c:idx val="2"/>
-          <c:order val="2"/>
-          <c:tx>
-            <c:strRef>
-              <c:f>Sheet1!$F$2</c:f>
-              <c:strCache>
-                <c:ptCount val="1"/>
-                <c:pt idx="0">
-                  <c:v>PaaS</c:v>
-                </c:pt>
-              </c:strCache>
-            </c:strRef>
-          </c:tx>
-          <c:spPr>
-            <a:solidFill>
-              <a:schemeClr val="accent3"/>
-            </a:solidFill>
-            <a:ln>
-              <a:noFill/>
-            </a:ln>
-            <a:effectLst/>
-          </c:spPr>
-          <c:invertIfNegative val="0"/>
-          <c:dLbls>
-            <c:spPr>
-              <a:noFill/>
-              <a:ln>
-                <a:noFill/>
-              </a:ln>
-              <a:effectLst/>
-            </c:spPr>
-            <c:txPr>
-              <a:bodyPr rot="0" spcFirstLastPara="1" vertOverflow="ellipsis" vert="horz" wrap="square" lIns="38100" tIns="19050" rIns="38100" bIns="19050" anchor="ctr" anchorCtr="1">
-                <a:spAutoFit/>
-              </a:bodyPr>
-              <a:lstStyle/>
-              <a:p>
-                <a:pPr>
-                  <a:defRPr sz="1200" b="0" i="0" u="none" strike="noStrike" kern="1200" baseline="0">
-                    <a:solidFill>
-                      <a:schemeClr val="lt1"/>
-                    </a:solidFill>
-                    <a:latin typeface="+mn-lt"/>
-                    <a:ea typeface="+mn-ea"/>
-                    <a:cs typeface="+mn-cs"/>
-                  </a:defRPr>
-                </a:pPr>
-                <a:endParaRPr lang="ja-JP"/>
-              </a:p>
-            </c:txPr>
-            <c:dLblPos val="ctr"/>
-            <c:showLegendKey val="0"/>
-            <c:showVal val="1"/>
-            <c:showCatName val="0"/>
-            <c:showSerName val="0"/>
-            <c:showPercent val="0"/>
-            <c:showBubbleSize val="0"/>
-            <c:showLeaderLines val="0"/>
-            <c:extLst>
-              <c:ext xmlns:c15="http://schemas.microsoft.com/office/drawing/2012/chart" uri="{CE6537A1-D6FC-4f65-9D91-7224C49458BB}">
-                <c15:layout/>
-                <c15:showLeaderLines val="1"/>
-                <c15:leaderLines>
-                  <c:spPr>
-                    <a:ln w="9525">
-                      <a:solidFill>
-                        <a:schemeClr val="tx1">
-                          <a:lumMod val="35000"/>
-                          <a:lumOff val="65000"/>
-                        </a:schemeClr>
-                      </a:solidFill>
-                    </a:ln>
-                    <a:effectLst/>
-                  </c:spPr>
-                </c15:leaderLines>
-              </c:ext>
-            </c:extLst>
-          </c:dLbls>
-          <c:cat>
-            <c:numRef>
-              <c:f>Sheet1!$C$3:$C$9</c:f>
-              <c:numCache>
-                <c:formatCode>General</c:formatCode>
-                <c:ptCount val="7"/>
-                <c:pt idx="0">
-                  <c:v>2012</c:v>
-                </c:pt>
-                <c:pt idx="1">
-                  <c:v>2013</c:v>
-                </c:pt>
-                <c:pt idx="2">
-                  <c:v>2014</c:v>
-                </c:pt>
-                <c:pt idx="3">
-                  <c:v>2015</c:v>
-                </c:pt>
-                <c:pt idx="4">
-                  <c:v>2016</c:v>
-                </c:pt>
-                <c:pt idx="5">
-                  <c:v>2017</c:v>
-                </c:pt>
-                <c:pt idx="6">
-                  <c:v>2018</c:v>
-                </c:pt>
-              </c:numCache>
-            </c:numRef>
-          </c:cat>
-          <c:val>
-            <c:numRef>
-              <c:f>Sheet1!$F$3:$F$9</c:f>
-              <c:numCache>
-                <c:formatCode>General</c:formatCode>
-                <c:ptCount val="7"/>
-                <c:pt idx="0">
-                  <c:v>0</c:v>
-                </c:pt>
-                <c:pt idx="1">
-                  <c:v>0</c:v>
-                </c:pt>
-                <c:pt idx="2">
-                  <c:v>3.3</c:v>
-                </c:pt>
-                <c:pt idx="3">
-                  <c:v>6.8</c:v>
-                </c:pt>
-                <c:pt idx="4">
-                  <c:v>12.4</c:v>
-                </c:pt>
-                <c:pt idx="5">
-                  <c:v>19.7</c:v>
-                </c:pt>
-                <c:pt idx="6">
-                  <c:v>26.5</c:v>
-                </c:pt>
-              </c:numCache>
-            </c:numRef>
-          </c:val>
-        </c:ser>
-        <c:ser>
-          <c:idx val="3"/>
-          <c:order val="3"/>
-          <c:tx>
-            <c:strRef>
-              <c:f>Sheet1!$G$2</c:f>
-              <c:strCache>
-                <c:ptCount val="1"/>
-                <c:pt idx="0">
-                  <c:v>SaaS</c:v>
-                </c:pt>
-              </c:strCache>
-            </c:strRef>
-          </c:tx>
-          <c:spPr>
-            <a:solidFill>
-              <a:schemeClr val="accent4"/>
-            </a:solidFill>
-            <a:ln>
-              <a:noFill/>
-            </a:ln>
-            <a:effectLst/>
-          </c:spPr>
-          <c:invertIfNegative val="0"/>
-          <c:dLbls>
-            <c:spPr>
-              <a:noFill/>
-              <a:ln>
-                <a:noFill/>
-              </a:ln>
-              <a:effectLst/>
-            </c:spPr>
-            <c:txPr>
-              <a:bodyPr rot="0" spcFirstLastPara="1" vertOverflow="ellipsis" vert="horz" wrap="square" lIns="38100" tIns="19050" rIns="38100" bIns="19050" anchor="ctr" anchorCtr="1">
-                <a:spAutoFit/>
-              </a:bodyPr>
-              <a:lstStyle/>
-              <a:p>
-                <a:pPr>
-                  <a:defRPr sz="1200" b="0" i="0" u="none" strike="noStrike" kern="1200" baseline="0">
-                    <a:solidFill>
-                      <a:schemeClr val="lt1"/>
-                    </a:solidFill>
-                    <a:latin typeface="+mn-lt"/>
-                    <a:ea typeface="+mn-ea"/>
-                    <a:cs typeface="+mn-cs"/>
-                  </a:defRPr>
-                </a:pPr>
-                <a:endParaRPr lang="ja-JP"/>
-              </a:p>
-            </c:txPr>
-            <c:dLblPos val="ctr"/>
-            <c:showLegendKey val="0"/>
-            <c:showVal val="1"/>
-            <c:showCatName val="0"/>
-            <c:showSerName val="0"/>
-            <c:showPercent val="0"/>
-            <c:showBubbleSize val="0"/>
-            <c:showLeaderLines val="0"/>
-            <c:extLst>
-              <c:ext xmlns:c15="http://schemas.microsoft.com/office/drawing/2012/chart" uri="{CE6537A1-D6FC-4f65-9D91-7224C49458BB}">
-                <c15:layout/>
-                <c15:showLeaderLines val="1"/>
-                <c15:leaderLines>
-                  <c:spPr>
-                    <a:ln w="9525">
-                      <a:solidFill>
-                        <a:schemeClr val="tx1">
-                          <a:lumMod val="35000"/>
-                          <a:lumOff val="65000"/>
-                        </a:schemeClr>
-                      </a:solidFill>
-                    </a:ln>
-                    <a:effectLst/>
-                  </c:spPr>
-                </c15:leaderLines>
-              </c:ext>
-            </c:extLst>
-          </c:dLbls>
-          <c:cat>
-            <c:numRef>
-              <c:f>Sheet1!$C$3:$C$9</c:f>
-              <c:numCache>
-                <c:formatCode>General</c:formatCode>
-                <c:ptCount val="7"/>
-                <c:pt idx="0">
-                  <c:v>2012</c:v>
-                </c:pt>
-                <c:pt idx="1">
-                  <c:v>2013</c:v>
-                </c:pt>
-                <c:pt idx="2">
-                  <c:v>2014</c:v>
-                </c:pt>
-                <c:pt idx="3">
-                  <c:v>2015</c:v>
-                </c:pt>
-                <c:pt idx="4">
-                  <c:v>2016</c:v>
-                </c:pt>
-                <c:pt idx="5">
-                  <c:v>2017</c:v>
-                </c:pt>
-                <c:pt idx="6">
-                  <c:v>2018</c:v>
-                </c:pt>
-              </c:numCache>
-            </c:numRef>
-          </c:cat>
-          <c:val>
-            <c:numRef>
-              <c:f>Sheet1!$G$3:$G$9</c:f>
-              <c:numCache>
-                <c:formatCode>General</c:formatCode>
-                <c:ptCount val="7"/>
-                <c:pt idx="0">
-                  <c:v>14.2</c:v>
-                </c:pt>
-                <c:pt idx="1">
-                  <c:v>20.399999999999999</c:v>
-                </c:pt>
-                <c:pt idx="2">
-                  <c:v>29.6</c:v>
-                </c:pt>
-                <c:pt idx="3">
-                  <c:v>41.2</c:v>
-                </c:pt>
-                <c:pt idx="4">
-                  <c:v>54.7</c:v>
-                </c:pt>
-                <c:pt idx="5">
-                  <c:v>69.2</c:v>
-                </c:pt>
-                <c:pt idx="6">
-                  <c:v>84.1</c:v>
-                </c:pt>
-              </c:numCache>
-            </c:numRef>
-          </c:val>
-        </c:ser>
-        <c:dLbls>
-          <c:dLblPos val="ctr"/>
-          <c:showLegendKey val="0"/>
-          <c:showVal val="1"/>
-          <c:showCatName val="0"/>
-          <c:showSerName val="0"/>
-          <c:showPercent val="0"/>
-          <c:showBubbleSize val="0"/>
-        </c:dLbls>
-        <c:gapWidth val="79"/>
-        <c:overlap val="100"/>
-        <c:axId val="1123356672"/>
-        <c:axId val="1123358848"/>
-      </c:barChart>
-      <c:catAx>
-        <c:axId val="1123356672"/>
-        <c:scaling>
-          <c:orientation val="minMax"/>
-        </c:scaling>
-        <c:delete val="0"/>
-        <c:axPos val="b"/>
-        <c:majorGridlines>
-          <c:spPr>
-            <a:ln w="9525" cap="flat" cmpd="sng" algn="ctr">
-              <a:solidFill>
-                <a:schemeClr val="tx1">
-                  <a:lumMod val="15000"/>
-                  <a:lumOff val="85000"/>
-                </a:schemeClr>
-              </a:solidFill>
-              <a:round/>
-            </a:ln>
-            <a:effectLst/>
-          </c:spPr>
-        </c:majorGridlines>
-        <c:numFmt formatCode="General" sourceLinked="1"/>
-        <c:majorTickMark val="none"/>
-        <c:minorTickMark val="none"/>
-        <c:tickLblPos val="nextTo"/>
-        <c:spPr>
-          <a:noFill/>
-          <a:ln w="9525" cap="flat" cmpd="sng" algn="ctr">
-            <a:solidFill>
-              <a:schemeClr val="tx1">
-                <a:lumMod val="15000"/>
-                <a:lumOff val="85000"/>
-              </a:schemeClr>
-            </a:solidFill>
-            <a:round/>
-          </a:ln>
-          <a:effectLst/>
-        </c:spPr>
-        <c:txPr>
-          <a:bodyPr rot="-60000000" spcFirstLastPara="1" vertOverflow="ellipsis" vert="horz" wrap="square" anchor="ctr" anchorCtr="1"/>
-          <a:lstStyle/>
-          <a:p>
-            <a:pPr>
-              <a:defRPr sz="1800" b="0" i="0" u="none" strike="noStrike" kern="1200" cap="all" spc="120" normalizeH="0" baseline="0">
-                <a:solidFill>
-                  <a:schemeClr val="tx1">
-                    <a:lumMod val="65000"/>
-                    <a:lumOff val="35000"/>
-                  </a:schemeClr>
-                </a:solidFill>
-                <a:latin typeface="+mn-lt"/>
-                <a:ea typeface="+mn-ea"/>
-                <a:cs typeface="+mn-cs"/>
-              </a:defRPr>
-            </a:pPr>
-            <a:endParaRPr lang="ja-JP"/>
-          </a:p>
-        </c:txPr>
-        <c:crossAx val="1123358848"/>
-        <c:crosses val="autoZero"/>
-        <c:auto val="1"/>
-        <c:lblAlgn val="ctr"/>
-        <c:lblOffset val="100"/>
-        <c:noMultiLvlLbl val="0"/>
-      </c:catAx>
-      <c:valAx>
-        <c:axId val="1123358848"/>
-        <c:scaling>
-          <c:orientation val="minMax"/>
-          <c:max val="200"/>
-        </c:scaling>
-        <c:delete val="0"/>
-        <c:axPos val="l"/>
-        <c:minorGridlines>
-          <c:spPr>
-            <a:ln>
-              <a:solidFill>
-                <a:schemeClr val="tx1">
-                  <a:lumMod val="5000"/>
-                  <a:lumOff val="95000"/>
-                </a:schemeClr>
-              </a:solidFill>
-            </a:ln>
-            <a:effectLst/>
-          </c:spPr>
-        </c:minorGridlines>
-        <c:title>
-          <c:tx>
-            <c:rich>
-              <a:bodyPr rot="-5400000" spcFirstLastPara="1" vertOverflow="ellipsis" vert="horz" wrap="square" anchor="ctr" anchorCtr="1"/>
-              <a:lstStyle/>
-              <a:p>
-                <a:pPr>
-                  <a:defRPr sz="1800" b="0" i="0" u="none" strike="noStrike" kern="1200" cap="all" baseline="0">
-                    <a:solidFill>
-                      <a:schemeClr val="tx1">
-                        <a:lumMod val="65000"/>
-                        <a:lumOff val="35000"/>
-                      </a:schemeClr>
-                    </a:solidFill>
-                    <a:latin typeface="+mn-lt"/>
-                    <a:ea typeface="+mn-ea"/>
-                    <a:cs typeface="+mn-cs"/>
-                  </a:defRPr>
-                </a:pPr>
-                <a:r>
-                  <a:rPr lang="ja-JP" altLang="en-US" sz="1800"/>
-                  <a:t>市場規模</a:t>
-                </a:r>
-                <a:r>
-                  <a:rPr lang="en-US" altLang="ja-JP" sz="1800"/>
-                  <a:t>(</a:t>
-                </a:r>
-                <a:r>
-                  <a:rPr lang="ja-JP" altLang="en-US" sz="1800"/>
-                  <a:t>１０億円</a:t>
-                </a:r>
-                <a:r>
-                  <a:rPr lang="en-US" altLang="ja-JP" sz="1800"/>
-                  <a:t>)</a:t>
-                </a:r>
-                <a:endParaRPr lang="ja-JP" altLang="en-US" sz="1800"/>
-              </a:p>
-            </c:rich>
-          </c:tx>
-          <c:layout/>
-          <c:overlay val="0"/>
-          <c:spPr>
-            <a:noFill/>
-            <a:ln>
-              <a:noFill/>
-            </a:ln>
-            <a:effectLst/>
-          </c:spPr>
-          <c:txPr>
-            <a:bodyPr rot="-5400000" spcFirstLastPara="1" vertOverflow="ellipsis" vert="horz" wrap="square" anchor="ctr" anchorCtr="1"/>
-            <a:lstStyle/>
-            <a:p>
-              <a:pPr>
-                <a:defRPr sz="1800" b="0" i="0" u="none" strike="noStrike" kern="1200" cap="all" baseline="0">
-                  <a:solidFill>
-                    <a:schemeClr val="tx1">
-                      <a:lumMod val="65000"/>
-                      <a:lumOff val="35000"/>
-                    </a:schemeClr>
-                  </a:solidFill>
-                  <a:latin typeface="+mn-lt"/>
-                  <a:ea typeface="+mn-ea"/>
-                  <a:cs typeface="+mn-cs"/>
-                </a:defRPr>
-              </a:pPr>
-              <a:endParaRPr lang="ja-JP"/>
-            </a:p>
-          </c:txPr>
-        </c:title>
-        <c:numFmt formatCode="General" sourceLinked="1"/>
-        <c:majorTickMark val="out"/>
-        <c:minorTickMark val="none"/>
-        <c:tickLblPos val="nextTo"/>
-        <c:spPr>
-          <a:noFill/>
-          <a:ln w="9525" cap="flat" cmpd="sng" algn="ctr">
-            <a:solidFill>
-              <a:schemeClr val="dk1">
-                <a:lumMod val="15000"/>
-                <a:lumOff val="85000"/>
-              </a:schemeClr>
-            </a:solidFill>
-            <a:round/>
-          </a:ln>
-          <a:effectLst/>
-        </c:spPr>
-        <c:txPr>
-          <a:bodyPr rot="-60000000" spcFirstLastPara="1" vertOverflow="ellipsis" vert="horz" wrap="square" anchor="ctr" anchorCtr="1"/>
-          <a:lstStyle/>
-          <a:p>
-            <a:pPr>
-              <a:defRPr sz="1800" b="0" i="0" u="none" strike="noStrike" kern="1200" baseline="0">
-                <a:solidFill>
-                  <a:schemeClr val="tx1">
-                    <a:lumMod val="65000"/>
-                    <a:lumOff val="35000"/>
-                  </a:schemeClr>
-                </a:solidFill>
-                <a:latin typeface="+mn-lt"/>
-                <a:ea typeface="+mn-ea"/>
-                <a:cs typeface="+mn-cs"/>
-              </a:defRPr>
-            </a:pPr>
-            <a:endParaRPr lang="ja-JP"/>
-          </a:p>
-        </c:txPr>
-        <c:crossAx val="1123356672"/>
-        <c:crosses val="autoZero"/>
-        <c:crossBetween val="between"/>
-        <c:majorUnit val="40"/>
-      </c:valAx>
-      <c:spPr>
-        <a:noFill/>
-        <a:ln>
-          <a:noFill/>
-        </a:ln>
-        <a:effectLst/>
-      </c:spPr>
-    </c:plotArea>
-    <c:legend>
-      <c:legendPos val="b"/>
-      <c:layout/>
-      <c:overlay val="0"/>
-      <c:spPr>
-        <a:noFill/>
-        <a:ln>
-          <a:noFill/>
-        </a:ln>
-        <a:effectLst/>
-      </c:spPr>
-      <c:txPr>
-        <a:bodyPr rot="0" spcFirstLastPara="1" vertOverflow="ellipsis" vert="horz" wrap="square" anchor="ctr" anchorCtr="1"/>
-        <a:lstStyle/>
-        <a:p>
-          <a:pPr>
-            <a:defRPr sz="1600" b="0" i="0" u="none" strike="noStrike" kern="1200" baseline="0">
-              <a:solidFill>
-                <a:schemeClr val="tx1">
-                  <a:lumMod val="65000"/>
-                  <a:lumOff val="35000"/>
-                </a:schemeClr>
-              </a:solidFill>
-              <a:latin typeface="+mn-lt"/>
-              <a:ea typeface="+mn-ea"/>
-              <a:cs typeface="+mn-cs"/>
-            </a:defRPr>
-          </a:pPr>
-          <a:endParaRPr lang="ja-JP"/>
-        </a:p>
-      </c:txPr>
-    </c:legend>
-    <c:plotVisOnly val="1"/>
-    <c:dispBlanksAs val="gap"/>
-    <c:showDLblsOverMax val="0"/>
-  </c:chart>
-  <c:spPr>
-    <a:noFill/>
-    <a:ln>
-      <a:noFill/>
-    </a:ln>
-    <a:effectLst/>
-  </c:spPr>
-  <c:txPr>
-    <a:bodyPr/>
-    <a:lstStyle/>
-    <a:p>
-      <a:pPr>
-        <a:defRPr/>
-      </a:pPr>
-      <a:endParaRPr lang="ja-JP"/>
-    </a:p>
-  </c:txPr>
-  <c:externalData r:id="rId4">
-    <c:autoUpdate val="0"/>
-  </c:externalData>
-</c:chartSpace>
-</file>
-
-<file path=ppt/charts/chart2.xml><?xml version="1.0" encoding="utf-8"?>
 <c:chartSpace xmlns:c="http://schemas.openxmlformats.org/drawingml/2006/chart" xmlns:a="http://schemas.openxmlformats.org/drawingml/2006/main" xmlns:r="http://schemas.openxmlformats.org/officeDocument/2006/relationships">
   <c:date1904 val="0"/>
   <c:lang val="ja-JP"/>
@@ -1408,11 +492,11 @@
         </c:dLbls>
         <c:gapWidth val="219"/>
         <c:overlap val="-27"/>
-        <c:axId val="1123357216"/>
-        <c:axId val="1123351776"/>
+        <c:axId val="143610192"/>
+        <c:axId val="143609072"/>
       </c:barChart>
       <c:catAx>
-        <c:axId val="1123357216"/>
+        <c:axId val="143610192"/>
         <c:scaling>
           <c:orientation val="minMax"/>
         </c:scaling>
@@ -1511,7 +595,7 @@
             <a:endParaRPr lang="ja-JP"/>
           </a:p>
         </c:txPr>
-        <c:crossAx val="1123351776"/>
+        <c:crossAx val="143609072"/>
         <c:crosses val="autoZero"/>
         <c:auto val="1"/>
         <c:lblAlgn val="ctr"/>
@@ -1519,7 +603,7 @@
         <c:noMultiLvlLbl val="0"/>
       </c:catAx>
       <c:valAx>
-        <c:axId val="1123351776"/>
+        <c:axId val="143609072"/>
         <c:scaling>
           <c:orientation val="minMax"/>
         </c:scaling>
@@ -1639,7 +723,7 @@
             <a:endParaRPr lang="ja-JP"/>
           </a:p>
         </c:txPr>
-        <c:crossAx val="1123357216"/>
+        <c:crossAx val="143610192"/>
         <c:crosses val="autoZero"/>
         <c:crossBetween val="between"/>
       </c:valAx>
@@ -1710,7 +794,7 @@
 </c:chartSpace>
 </file>
 
-<file path=ppt/charts/chart3.xml><?xml version="1.0" encoding="utf-8"?>
+<file path=ppt/charts/chart2.xml><?xml version="1.0" encoding="utf-8"?>
 <c:chartSpace xmlns:c="http://schemas.openxmlformats.org/drawingml/2006/chart" xmlns:a="http://schemas.openxmlformats.org/drawingml/2006/main" xmlns:r="http://schemas.openxmlformats.org/officeDocument/2006/relationships">
   <c:date1904 val="0"/>
   <c:lang val="ja-JP"/>
@@ -2516,11 +1600,11 @@
         </c:dLbls>
         <c:gapWidth val="219"/>
         <c:overlap val="-27"/>
-        <c:axId val="1123357760"/>
-        <c:axId val="1123361024"/>
+        <c:axId val="141095808"/>
+        <c:axId val="141098048"/>
       </c:barChart>
       <c:catAx>
-        <c:axId val="1123357760"/>
+        <c:axId val="141095808"/>
         <c:scaling>
           <c:orientation val="minMax"/>
         </c:scaling>
@@ -2560,7 +1644,7 @@
             <a:endParaRPr lang="ja-JP"/>
           </a:p>
         </c:txPr>
-        <c:crossAx val="1123361024"/>
+        <c:crossAx val="141098048"/>
         <c:crosses val="autoZero"/>
         <c:auto val="1"/>
         <c:lblAlgn val="ctr"/>
@@ -2568,7 +1652,7 @@
         <c:noMultiLvlLbl val="0"/>
       </c:catAx>
       <c:valAx>
-        <c:axId val="1123361024"/>
+        <c:axId val="141098048"/>
         <c:scaling>
           <c:orientation val="minMax"/>
         </c:scaling>
@@ -2688,7 +1772,7 @@
             <a:endParaRPr lang="ja-JP"/>
           </a:p>
         </c:txPr>
-        <c:crossAx val="1123357760"/>
+        <c:crossAx val="141095808"/>
         <c:crosses val="autoZero"/>
         <c:crossBetween val="between"/>
       </c:valAx>
@@ -2760,7 +1844,7 @@
 </c:chartSpace>
 </file>
 
-<file path=ppt/charts/chart4.xml><?xml version="1.0" encoding="utf-8"?>
+<file path=ppt/charts/chart3.xml><?xml version="1.0" encoding="utf-8"?>
 <c:chartSpace xmlns:c="http://schemas.openxmlformats.org/drawingml/2006/chart" xmlns:a="http://schemas.openxmlformats.org/drawingml/2006/main" xmlns:r="http://schemas.openxmlformats.org/officeDocument/2006/relationships">
   <c:date1904 val="0"/>
   <c:lang val="ja-JP"/>
@@ -3248,11 +2332,11 @@
         </c:dLbls>
         <c:gapWidth val="219"/>
         <c:overlap val="-27"/>
-        <c:axId val="767630768"/>
-        <c:axId val="767629680"/>
+        <c:axId val="143789968"/>
+        <c:axId val="143787168"/>
       </c:barChart>
       <c:catAx>
-        <c:axId val="767630768"/>
+        <c:axId val="143789968"/>
         <c:scaling>
           <c:orientation val="minMax"/>
         </c:scaling>
@@ -3295,7 +2379,7 @@
             <a:endParaRPr lang="ja-JP"/>
           </a:p>
         </c:txPr>
-        <c:crossAx val="767629680"/>
+        <c:crossAx val="143787168"/>
         <c:crosses val="autoZero"/>
         <c:auto val="1"/>
         <c:lblAlgn val="ctr"/>
@@ -3303,7 +2387,7 @@
         <c:noMultiLvlLbl val="0"/>
       </c:catAx>
       <c:valAx>
-        <c:axId val="767629680"/>
+        <c:axId val="143787168"/>
         <c:scaling>
           <c:orientation val="minMax"/>
         </c:scaling>
@@ -3423,7 +2507,7 @@
             <a:endParaRPr lang="ja-JP"/>
           </a:p>
         </c:txPr>
-        <c:crossAx val="767630768"/>
+        <c:crossAx val="143789968"/>
         <c:crosses val="autoZero"/>
         <c:crossBetween val="between"/>
       </c:valAx>
@@ -3615,48 +2699,8 @@
 </cs:colorStyle>
 </file>
 
-<file path=ppt/charts/colors4.xml><?xml version="1.0" encoding="utf-8"?>
-<cs:colorStyle xmlns:cs="http://schemas.microsoft.com/office/drawing/2012/chartStyle" xmlns:a="http://schemas.openxmlformats.org/drawingml/2006/main" meth="cycle" id="10">
-  <a:schemeClr val="accent1"/>
-  <a:schemeClr val="accent2"/>
-  <a:schemeClr val="accent3"/>
-  <a:schemeClr val="accent4"/>
-  <a:schemeClr val="accent5"/>
-  <a:schemeClr val="accent6"/>
-  <cs:variation/>
-  <cs:variation>
-    <a:lumMod val="60000"/>
-  </cs:variation>
-  <cs:variation>
-    <a:lumMod val="80000"/>
-    <a:lumOff val="20000"/>
-  </cs:variation>
-  <cs:variation>
-    <a:lumMod val="80000"/>
-  </cs:variation>
-  <cs:variation>
-    <a:lumMod val="60000"/>
-    <a:lumOff val="40000"/>
-  </cs:variation>
-  <cs:variation>
-    <a:lumMod val="50000"/>
-  </cs:variation>
-  <cs:variation>
-    <a:lumMod val="70000"/>
-    <a:lumOff val="30000"/>
-  </cs:variation>
-  <cs:variation>
-    <a:lumMod val="70000"/>
-  </cs:variation>
-  <cs:variation>
-    <a:lumMod val="50000"/>
-    <a:lumOff val="50000"/>
-  </cs:variation>
-</cs:colorStyle>
-</file>
-
 <file path=ppt/charts/style1.xml><?xml version="1.0" encoding="utf-8"?>
-<cs:chartStyle xmlns:cs="http://schemas.microsoft.com/office/drawing/2012/chartStyle" xmlns:a="http://schemas.openxmlformats.org/drawingml/2006/main" id="298">
+<cs:chartStyle xmlns:cs="http://schemas.microsoft.com/office/drawing/2012/chartStyle" xmlns:a="http://schemas.openxmlformats.org/drawingml/2006/main" id="201">
   <cs:axisTitle>
     <cs:lnRef idx="0"/>
     <cs:fillRef idx="0"/>
@@ -3667,7 +2711,7 @@
         <a:lumOff val="35000"/>
       </a:schemeClr>
     </cs:fontRef>
-    <cs:defRPr sz="900" kern="1200" cap="all"/>
+    <cs:defRPr sz="1000" kern="1200"/>
   </cs:axisTitle>
   <cs:categoryAxis>
     <cs:lnRef idx="0"/>
@@ -3690,18 +2734,18 @@
         <a:round/>
       </a:ln>
     </cs:spPr>
-    <cs:defRPr sz="800" kern="1200" cap="all" spc="120" normalizeH="0" baseline="0"/>
+    <cs:defRPr sz="900" kern="1200"/>
   </cs:categoryAxis>
   <cs:chartArea mods="allowNoFillOverride allowNoLineOverride">
     <cs:lnRef idx="0"/>
     <cs:fillRef idx="0"/>
     <cs:effectRef idx="0"/>
     <cs:fontRef idx="minor">
-      <a:schemeClr val="dk1"/>
+      <a:schemeClr val="tx1"/>
     </cs:fontRef>
     <cs:spPr>
       <a:solidFill>
-        <a:schemeClr val="lt1"/>
+        <a:schemeClr val="bg1"/>
       </a:solidFill>
       <a:ln w="9525" cap="flat" cmpd="sng" algn="ctr">
         <a:solidFill>
@@ -3713,16 +2757,19 @@
         <a:round/>
       </a:ln>
     </cs:spPr>
-    <cs:defRPr sz="900" kern="1200"/>
+    <cs:defRPr sz="1000" kern="1200"/>
   </cs:chartArea>
   <cs:dataLabel>
     <cs:lnRef idx="0"/>
     <cs:fillRef idx="0"/>
     <cs:effectRef idx="0"/>
     <cs:fontRef idx="minor">
-      <a:schemeClr val="lt1"/>
+      <a:schemeClr val="tx1">
+        <a:lumMod val="75000"/>
+        <a:lumOff val="25000"/>
+      </a:schemeClr>
     </cs:fontRef>
-    <cs:defRPr sz="900" b="0" i="0" u="none" strike="noStrike" kern="1200" baseline="0"/>
+    <cs:defRPr sz="900" kern="1200"/>
   </cs:dataLabel>
   <cs:dataLabelCallout>
     <cs:lnRef idx="0"/>
@@ -3754,45 +2801,35 @@
   </cs:dataLabelCallout>
   <cs:dataPoint>
     <cs:lnRef idx="0"/>
-    <cs:fillRef idx="0">
+    <cs:fillRef idx="1">
       <cs:styleClr val="auto"/>
     </cs:fillRef>
     <cs:effectRef idx="0"/>
     <cs:fontRef idx="minor">
-      <a:schemeClr val="dk1"/>
+      <a:schemeClr val="tx1"/>
     </cs:fontRef>
-    <cs:spPr>
-      <a:solidFill>
-        <a:schemeClr val="phClr"/>
-      </a:solidFill>
-    </cs:spPr>
   </cs:dataPoint>
   <cs:dataPoint3D>
     <cs:lnRef idx="0"/>
-    <cs:fillRef idx="0">
+    <cs:fillRef idx="1">
       <cs:styleClr val="auto"/>
     </cs:fillRef>
     <cs:effectRef idx="0"/>
     <cs:fontRef idx="minor">
-      <a:schemeClr val="dk1"/>
+      <a:schemeClr val="tx1"/>
     </cs:fontRef>
-    <cs:spPr>
-      <a:solidFill>
-        <a:schemeClr val="phClr"/>
-      </a:solidFill>
-    </cs:spPr>
   </cs:dataPoint3D>
   <cs:dataPointLine>
     <cs:lnRef idx="0">
       <cs:styleClr val="auto"/>
     </cs:lnRef>
-    <cs:fillRef idx="0"/>
+    <cs:fillRef idx="1"/>
     <cs:effectRef idx="0"/>
     <cs:fontRef idx="minor">
-      <a:schemeClr val="dk1"/>
+      <a:schemeClr val="tx1"/>
     </cs:fontRef>
     <cs:spPr>
-      <a:ln w="22225" cap="rnd">
+      <a:ln w="28575" cap="rnd">
         <a:solidFill>
           <a:schemeClr val="phClr"/>
         </a:solidFill>
@@ -3804,34 +2841,30 @@
     <cs:lnRef idx="0">
       <cs:styleClr val="auto"/>
     </cs:lnRef>
-    <cs:fillRef idx="0">
+    <cs:fillRef idx="1">
       <cs:styleClr val="auto"/>
     </cs:fillRef>
     <cs:effectRef idx="0"/>
     <cs:fontRef idx="minor">
-      <a:schemeClr val="dk1"/>
+      <a:schemeClr val="tx1"/>
     </cs:fontRef>
     <cs:spPr>
-      <a:solidFill>
-        <a:schemeClr val="phClr"/>
-      </a:solidFill>
       <a:ln w="9525">
         <a:solidFill>
           <a:schemeClr val="phClr"/>
         </a:solidFill>
-        <a:round/>
       </a:ln>
     </cs:spPr>
   </cs:dataPointMarker>
-  <cs:dataPointMarkerLayout size="6"/>
+  <cs:dataPointMarkerLayout symbol="circle" size="5"/>
   <cs:dataPointWireframe>
     <cs:lnRef idx="0">
       <cs:styleClr val="auto"/>
     </cs:lnRef>
-    <cs:fillRef idx="0"/>
+    <cs:fillRef idx="1"/>
     <cs:effectRef idx="0"/>
     <cs:fontRef idx="minor">
-      <a:schemeClr val="dk1"/>
+      <a:schemeClr val="tx1"/>
     </cs:fontRef>
     <cs:spPr>
       <a:ln w="9525" cap="rnd">
@@ -3853,13 +2886,15 @@
       </a:schemeClr>
     </cs:fontRef>
     <cs:spPr>
-      <a:ln w="9525">
+      <a:noFill/>
+      <a:ln w="9525" cap="flat" cmpd="sng" algn="ctr">
         <a:solidFill>
           <a:schemeClr val="tx1">
             <a:lumMod val="15000"/>
             <a:lumOff val="85000"/>
           </a:schemeClr>
         </a:solidFill>
+        <a:round/>
       </a:ln>
     </cs:spPr>
     <cs:defRPr sz="900" kern="1200"/>
@@ -3874,15 +2909,15 @@
     <cs:spPr>
       <a:solidFill>
         <a:schemeClr val="dk1">
-          <a:lumMod val="75000"/>
-          <a:lumOff val="25000"/>
+          <a:lumMod val="65000"/>
+          <a:lumOff val="35000"/>
         </a:schemeClr>
       </a:solidFill>
       <a:ln w="9525">
         <a:solidFill>
           <a:schemeClr val="tx1">
-            <a:lumMod val="15000"/>
-            <a:lumOff val="85000"/>
+            <a:lumMod val="65000"/>
+            <a:lumOff val="35000"/>
           </a:schemeClr>
         </a:solidFill>
       </a:ln>
@@ -3893,16 +2928,17 @@
     <cs:fillRef idx="0"/>
     <cs:effectRef idx="0"/>
     <cs:fontRef idx="minor">
-      <a:schemeClr val="dk1"/>
+      <a:schemeClr val="tx1"/>
     </cs:fontRef>
     <cs:spPr>
-      <a:ln w="9525">
+      <a:ln w="9525" cap="flat" cmpd="sng" algn="ctr">
         <a:solidFill>
           <a:schemeClr val="tx1">
             <a:lumMod val="35000"/>
             <a:lumOff val="65000"/>
           </a:schemeClr>
         </a:solidFill>
+        <a:round/>
       </a:ln>
     </cs:spPr>
   </cs:dropLine>
@@ -3911,10 +2947,10 @@
     <cs:fillRef idx="0"/>
     <cs:effectRef idx="0"/>
     <cs:fontRef idx="minor">
-      <a:schemeClr val="dk1"/>
+      <a:schemeClr val="tx1"/>
     </cs:fontRef>
     <cs:spPr>
-      <a:ln w="9525">
+      <a:ln w="9525" cap="flat" cmpd="sng" algn="ctr">
         <a:solidFill>
           <a:schemeClr val="tx1">
             <a:lumMod val="65000"/>
@@ -3930,15 +2966,21 @@
     <cs:fillRef idx="0"/>
     <cs:effectRef idx="0"/>
     <cs:fontRef idx="minor">
-      <a:schemeClr val="dk1"/>
+      <a:schemeClr val="tx1"/>
     </cs:fontRef>
+    <cs:spPr>
+      <a:noFill/>
+      <a:ln>
+        <a:noFill/>
+      </a:ln>
+    </cs:spPr>
   </cs:floor>
   <cs:gridlineMajor>
     <cs:lnRef idx="0"/>
     <cs:fillRef idx="0"/>
     <cs:effectRef idx="0"/>
     <cs:fontRef idx="minor">
-      <a:schemeClr val="dk1"/>
+      <a:schemeClr val="tx1"/>
     </cs:fontRef>
     <cs:spPr>
       <a:ln w="9525" cap="flat" cmpd="sng" algn="ctr">
@@ -3957,16 +2999,17 @@
     <cs:fillRef idx="0"/>
     <cs:effectRef idx="0"/>
     <cs:fontRef idx="minor">
-      <a:schemeClr val="dk1"/>
+      <a:schemeClr val="tx1"/>
     </cs:fontRef>
     <cs:spPr>
-      <a:ln>
+      <a:ln w="9525" cap="flat" cmpd="sng" algn="ctr">
         <a:solidFill>
           <a:schemeClr val="tx1">
             <a:lumMod val="5000"/>
             <a:lumOff val="95000"/>
           </a:schemeClr>
         </a:solidFill>
+        <a:round/>
       </a:ln>
     </cs:spPr>
   </cs:gridlineMinor>
@@ -3975,16 +3018,17 @@
     <cs:fillRef idx="0"/>
     <cs:effectRef idx="0"/>
     <cs:fontRef idx="minor">
-      <a:schemeClr val="dk1"/>
+      <a:schemeClr val="tx1"/>
     </cs:fontRef>
     <cs:spPr>
-      <a:ln w="9525">
+      <a:ln w="9525" cap="flat" cmpd="sng" algn="ctr">
         <a:solidFill>
           <a:schemeClr val="tx1">
-            <a:lumMod val="50000"/>
-            <a:lumOff val="50000"/>
+            <a:lumMod val="75000"/>
+            <a:lumOff val="25000"/>
           </a:schemeClr>
         </a:solidFill>
+        <a:round/>
       </a:ln>
     </cs:spPr>
   </cs:hiLoLine>
@@ -3993,16 +3037,17 @@
     <cs:fillRef idx="0"/>
     <cs:effectRef idx="0"/>
     <cs:fontRef idx="minor">
-      <a:schemeClr val="dk1"/>
+      <a:schemeClr val="tx1"/>
     </cs:fontRef>
     <cs:spPr>
-      <a:ln w="9525">
+      <a:ln w="9525" cap="flat" cmpd="sng" algn="ctr">
         <a:solidFill>
           <a:schemeClr val="tx1">
             <a:lumMod val="35000"/>
             <a:lumOff val="65000"/>
           </a:schemeClr>
         </a:solidFill>
+        <a:round/>
       </a:ln>
     </cs:spPr>
   </cs:leaderLine>
@@ -4023,7 +3068,7 @@
     <cs:fillRef idx="0"/>
     <cs:effectRef idx="0"/>
     <cs:fontRef idx="minor">
-      <a:schemeClr val="dk1"/>
+      <a:schemeClr val="tx1"/>
     </cs:fontRef>
   </cs:plotArea>
   <cs:plotArea3D mods="allowNoFillOverride allowNoLineOverride">
@@ -4031,7 +3076,7 @@
     <cs:fillRef idx="0"/>
     <cs:effectRef idx="0"/>
     <cs:fontRef idx="minor">
-      <a:schemeClr val="dk1"/>
+      <a:schemeClr val="tx1"/>
     </cs:fontRef>
   </cs:plotArea3D>
   <cs:seriesAxis>
@@ -4044,17 +3089,6 @@
         <a:lumOff val="35000"/>
       </a:schemeClr>
     </cs:fontRef>
-    <cs:spPr>
-      <a:ln w="9525" cap="flat" cmpd="sng" algn="ctr">
-        <a:solidFill>
-          <a:schemeClr val="tx1">
-            <a:lumMod val="15000"/>
-            <a:lumOff val="85000"/>
-          </a:schemeClr>
-        </a:solidFill>
-        <a:round/>
-      </a:ln>
-    </cs:spPr>
     <cs:defRPr sz="900" kern="1200"/>
   </cs:seriesAxis>
   <cs:seriesLine>
@@ -4062,10 +3096,10 @@
     <cs:fillRef idx="0"/>
     <cs:effectRef idx="0"/>
     <cs:fontRef idx="minor">
-      <a:schemeClr val="dk1"/>
+      <a:schemeClr val="tx1"/>
     </cs:fontRef>
     <cs:spPr>
-      <a:ln w="9525">
+      <a:ln w="9525" cap="flat" cmpd="sng" algn="ctr">
         <a:solidFill>
           <a:schemeClr val="tx1">
             <a:lumMod val="35000"/>
@@ -4086,7 +3120,7 @@
         <a:lumOff val="35000"/>
       </a:schemeClr>
     </cs:fontRef>
-    <cs:defRPr sz="1600" b="1" kern="1200" cap="all" spc="120" normalizeH="0" baseline="0"/>
+    <cs:defRPr sz="1400" b="0" kern="1200" spc="0" baseline="0"/>
   </cs:title>
   <cs:trendline>
     <cs:lnRef idx="0">
@@ -4095,14 +3129,14 @@
     <cs:fillRef idx="0"/>
     <cs:effectRef idx="0"/>
     <cs:fontRef idx="minor">
-      <a:schemeClr val="dk1"/>
+      <a:schemeClr val="tx1"/>
     </cs:fontRef>
     <cs:spPr>
       <a:ln w="19050" cap="rnd">
         <a:solidFill>
           <a:schemeClr val="phClr"/>
         </a:solidFill>
-        <a:prstDash val="sysDash"/>
+        <a:prstDash val="sysDot"/>
       </a:ln>
     </cs:spPr>
   </cs:trendline>
@@ -4116,7 +3150,7 @@
         <a:lumOff val="35000"/>
       </a:schemeClr>
     </cs:fontRef>
-    <cs:defRPr sz="800" kern="1200"/>
+    <cs:defRPr sz="900" kern="1200"/>
   </cs:trendlineLabel>
   <cs:upBar>
     <cs:lnRef idx="0"/>
@@ -4132,8 +3166,8 @@
       <a:ln w="9525">
         <a:solidFill>
           <a:schemeClr val="tx1">
-            <a:lumMod val="65000"/>
-            <a:lumOff val="35000"/>
+            <a:lumMod val="15000"/>
+            <a:lumOff val="85000"/>
           </a:schemeClr>
         </a:solidFill>
       </a:ln>
@@ -4149,17 +3183,6 @@
         <a:lumOff val="35000"/>
       </a:schemeClr>
     </cs:fontRef>
-    <cs:spPr>
-      <a:ln w="9525" cap="flat" cmpd="sng" algn="ctr">
-        <a:solidFill>
-          <a:schemeClr val="dk1">
-            <a:lumMod val="15000"/>
-            <a:lumOff val="85000"/>
-          </a:schemeClr>
-        </a:solidFill>
-        <a:round/>
-      </a:ln>
-    </cs:spPr>
     <cs:defRPr sz="900" kern="1200"/>
   </cs:valueAxis>
   <cs:wall>
@@ -4167,8 +3190,14 @@
     <cs:fillRef idx="0"/>
     <cs:effectRef idx="0"/>
     <cs:fontRef idx="minor">
-      <a:schemeClr val="dk1"/>
+      <a:schemeClr val="tx1"/>
     </cs:fontRef>
+    <cs:spPr>
+      <a:noFill/>
+      <a:ln>
+        <a:noFill/>
+      </a:ln>
+    </cs:spPr>
   </cs:wall>
 </cs:chartStyle>
 </file>
@@ -4677,509 +3706,6 @@
 </file>
 
 <file path=ppt/charts/style3.xml><?xml version="1.0" encoding="utf-8"?>
-<cs:chartStyle xmlns:cs="http://schemas.microsoft.com/office/drawing/2012/chartStyle" xmlns:a="http://schemas.openxmlformats.org/drawingml/2006/main" id="201">
-  <cs:axisTitle>
-    <cs:lnRef idx="0"/>
-    <cs:fillRef idx="0"/>
-    <cs:effectRef idx="0"/>
-    <cs:fontRef idx="minor">
-      <a:schemeClr val="tx1">
-        <a:lumMod val="65000"/>
-        <a:lumOff val="35000"/>
-      </a:schemeClr>
-    </cs:fontRef>
-    <cs:defRPr sz="1000" kern="1200"/>
-  </cs:axisTitle>
-  <cs:categoryAxis>
-    <cs:lnRef idx="0"/>
-    <cs:fillRef idx="0"/>
-    <cs:effectRef idx="0"/>
-    <cs:fontRef idx="minor">
-      <a:schemeClr val="tx1">
-        <a:lumMod val="65000"/>
-        <a:lumOff val="35000"/>
-      </a:schemeClr>
-    </cs:fontRef>
-    <cs:spPr>
-      <a:ln w="9525" cap="flat" cmpd="sng" algn="ctr">
-        <a:solidFill>
-          <a:schemeClr val="tx1">
-            <a:lumMod val="15000"/>
-            <a:lumOff val="85000"/>
-          </a:schemeClr>
-        </a:solidFill>
-        <a:round/>
-      </a:ln>
-    </cs:spPr>
-    <cs:defRPr sz="900" kern="1200"/>
-  </cs:categoryAxis>
-  <cs:chartArea mods="allowNoFillOverride allowNoLineOverride">
-    <cs:lnRef idx="0"/>
-    <cs:fillRef idx="0"/>
-    <cs:effectRef idx="0"/>
-    <cs:fontRef idx="minor">
-      <a:schemeClr val="tx1"/>
-    </cs:fontRef>
-    <cs:spPr>
-      <a:solidFill>
-        <a:schemeClr val="bg1"/>
-      </a:solidFill>
-      <a:ln w="9525" cap="flat" cmpd="sng" algn="ctr">
-        <a:solidFill>
-          <a:schemeClr val="tx1">
-            <a:lumMod val="15000"/>
-            <a:lumOff val="85000"/>
-          </a:schemeClr>
-        </a:solidFill>
-        <a:round/>
-      </a:ln>
-    </cs:spPr>
-    <cs:defRPr sz="1000" kern="1200"/>
-  </cs:chartArea>
-  <cs:dataLabel>
-    <cs:lnRef idx="0"/>
-    <cs:fillRef idx="0"/>
-    <cs:effectRef idx="0"/>
-    <cs:fontRef idx="minor">
-      <a:schemeClr val="tx1">
-        <a:lumMod val="75000"/>
-        <a:lumOff val="25000"/>
-      </a:schemeClr>
-    </cs:fontRef>
-    <cs:defRPr sz="900" kern="1200"/>
-  </cs:dataLabel>
-  <cs:dataLabelCallout>
-    <cs:lnRef idx="0"/>
-    <cs:fillRef idx="0"/>
-    <cs:effectRef idx="0"/>
-    <cs:fontRef idx="minor">
-      <a:schemeClr val="dk1">
-        <a:lumMod val="65000"/>
-        <a:lumOff val="35000"/>
-      </a:schemeClr>
-    </cs:fontRef>
-    <cs:spPr>
-      <a:solidFill>
-        <a:schemeClr val="lt1"/>
-      </a:solidFill>
-      <a:ln>
-        <a:solidFill>
-          <a:schemeClr val="dk1">
-            <a:lumMod val="25000"/>
-            <a:lumOff val="75000"/>
-          </a:schemeClr>
-        </a:solidFill>
-      </a:ln>
-    </cs:spPr>
-    <cs:defRPr sz="900" kern="1200"/>
-    <cs:bodyPr rot="0" spcFirstLastPara="1" vertOverflow="clip" horzOverflow="clip" vert="horz" wrap="square" lIns="36576" tIns="18288" rIns="36576" bIns="18288" anchor="ctr" anchorCtr="1">
-      <a:spAutoFit/>
-    </cs:bodyPr>
-  </cs:dataLabelCallout>
-  <cs:dataPoint>
-    <cs:lnRef idx="0"/>
-    <cs:fillRef idx="1">
-      <cs:styleClr val="auto"/>
-    </cs:fillRef>
-    <cs:effectRef idx="0"/>
-    <cs:fontRef idx="minor">
-      <a:schemeClr val="tx1"/>
-    </cs:fontRef>
-  </cs:dataPoint>
-  <cs:dataPoint3D>
-    <cs:lnRef idx="0"/>
-    <cs:fillRef idx="1">
-      <cs:styleClr val="auto"/>
-    </cs:fillRef>
-    <cs:effectRef idx="0"/>
-    <cs:fontRef idx="minor">
-      <a:schemeClr val="tx1"/>
-    </cs:fontRef>
-  </cs:dataPoint3D>
-  <cs:dataPointLine>
-    <cs:lnRef idx="0">
-      <cs:styleClr val="auto"/>
-    </cs:lnRef>
-    <cs:fillRef idx="1"/>
-    <cs:effectRef idx="0"/>
-    <cs:fontRef idx="minor">
-      <a:schemeClr val="tx1"/>
-    </cs:fontRef>
-    <cs:spPr>
-      <a:ln w="28575" cap="rnd">
-        <a:solidFill>
-          <a:schemeClr val="phClr"/>
-        </a:solidFill>
-        <a:round/>
-      </a:ln>
-    </cs:spPr>
-  </cs:dataPointLine>
-  <cs:dataPointMarker>
-    <cs:lnRef idx="0">
-      <cs:styleClr val="auto"/>
-    </cs:lnRef>
-    <cs:fillRef idx="1">
-      <cs:styleClr val="auto"/>
-    </cs:fillRef>
-    <cs:effectRef idx="0"/>
-    <cs:fontRef idx="minor">
-      <a:schemeClr val="tx1"/>
-    </cs:fontRef>
-    <cs:spPr>
-      <a:ln w="9525">
-        <a:solidFill>
-          <a:schemeClr val="phClr"/>
-        </a:solidFill>
-      </a:ln>
-    </cs:spPr>
-  </cs:dataPointMarker>
-  <cs:dataPointMarkerLayout symbol="circle" size="5"/>
-  <cs:dataPointWireframe>
-    <cs:lnRef idx="0">
-      <cs:styleClr val="auto"/>
-    </cs:lnRef>
-    <cs:fillRef idx="1"/>
-    <cs:effectRef idx="0"/>
-    <cs:fontRef idx="minor">
-      <a:schemeClr val="tx1"/>
-    </cs:fontRef>
-    <cs:spPr>
-      <a:ln w="9525" cap="rnd">
-        <a:solidFill>
-          <a:schemeClr val="phClr"/>
-        </a:solidFill>
-        <a:round/>
-      </a:ln>
-    </cs:spPr>
-  </cs:dataPointWireframe>
-  <cs:dataTable>
-    <cs:lnRef idx="0"/>
-    <cs:fillRef idx="0"/>
-    <cs:effectRef idx="0"/>
-    <cs:fontRef idx="minor">
-      <a:schemeClr val="tx1">
-        <a:lumMod val="65000"/>
-        <a:lumOff val="35000"/>
-      </a:schemeClr>
-    </cs:fontRef>
-    <cs:spPr>
-      <a:noFill/>
-      <a:ln w="9525" cap="flat" cmpd="sng" algn="ctr">
-        <a:solidFill>
-          <a:schemeClr val="tx1">
-            <a:lumMod val="15000"/>
-            <a:lumOff val="85000"/>
-          </a:schemeClr>
-        </a:solidFill>
-        <a:round/>
-      </a:ln>
-    </cs:spPr>
-    <cs:defRPr sz="900" kern="1200"/>
-  </cs:dataTable>
-  <cs:downBar>
-    <cs:lnRef idx="0"/>
-    <cs:fillRef idx="0"/>
-    <cs:effectRef idx="0"/>
-    <cs:fontRef idx="minor">
-      <a:schemeClr val="dk1"/>
-    </cs:fontRef>
-    <cs:spPr>
-      <a:solidFill>
-        <a:schemeClr val="dk1">
-          <a:lumMod val="65000"/>
-          <a:lumOff val="35000"/>
-        </a:schemeClr>
-      </a:solidFill>
-      <a:ln w="9525">
-        <a:solidFill>
-          <a:schemeClr val="tx1">
-            <a:lumMod val="65000"/>
-            <a:lumOff val="35000"/>
-          </a:schemeClr>
-        </a:solidFill>
-      </a:ln>
-    </cs:spPr>
-  </cs:downBar>
-  <cs:dropLine>
-    <cs:lnRef idx="0"/>
-    <cs:fillRef idx="0"/>
-    <cs:effectRef idx="0"/>
-    <cs:fontRef idx="minor">
-      <a:schemeClr val="tx1"/>
-    </cs:fontRef>
-    <cs:spPr>
-      <a:ln w="9525" cap="flat" cmpd="sng" algn="ctr">
-        <a:solidFill>
-          <a:schemeClr val="tx1">
-            <a:lumMod val="35000"/>
-            <a:lumOff val="65000"/>
-          </a:schemeClr>
-        </a:solidFill>
-        <a:round/>
-      </a:ln>
-    </cs:spPr>
-  </cs:dropLine>
-  <cs:errorBar>
-    <cs:lnRef idx="0"/>
-    <cs:fillRef idx="0"/>
-    <cs:effectRef idx="0"/>
-    <cs:fontRef idx="minor">
-      <a:schemeClr val="tx1"/>
-    </cs:fontRef>
-    <cs:spPr>
-      <a:ln w="9525" cap="flat" cmpd="sng" algn="ctr">
-        <a:solidFill>
-          <a:schemeClr val="tx1">
-            <a:lumMod val="65000"/>
-            <a:lumOff val="35000"/>
-          </a:schemeClr>
-        </a:solidFill>
-        <a:round/>
-      </a:ln>
-    </cs:spPr>
-  </cs:errorBar>
-  <cs:floor>
-    <cs:lnRef idx="0"/>
-    <cs:fillRef idx="0"/>
-    <cs:effectRef idx="0"/>
-    <cs:fontRef idx="minor">
-      <a:schemeClr val="tx1"/>
-    </cs:fontRef>
-    <cs:spPr>
-      <a:noFill/>
-      <a:ln>
-        <a:noFill/>
-      </a:ln>
-    </cs:spPr>
-  </cs:floor>
-  <cs:gridlineMajor>
-    <cs:lnRef idx="0"/>
-    <cs:fillRef idx="0"/>
-    <cs:effectRef idx="0"/>
-    <cs:fontRef idx="minor">
-      <a:schemeClr val="tx1"/>
-    </cs:fontRef>
-    <cs:spPr>
-      <a:ln w="9525" cap="flat" cmpd="sng" algn="ctr">
-        <a:solidFill>
-          <a:schemeClr val="tx1">
-            <a:lumMod val="15000"/>
-            <a:lumOff val="85000"/>
-          </a:schemeClr>
-        </a:solidFill>
-        <a:round/>
-      </a:ln>
-    </cs:spPr>
-  </cs:gridlineMajor>
-  <cs:gridlineMinor>
-    <cs:lnRef idx="0"/>
-    <cs:fillRef idx="0"/>
-    <cs:effectRef idx="0"/>
-    <cs:fontRef idx="minor">
-      <a:schemeClr val="tx1"/>
-    </cs:fontRef>
-    <cs:spPr>
-      <a:ln w="9525" cap="flat" cmpd="sng" algn="ctr">
-        <a:solidFill>
-          <a:schemeClr val="tx1">
-            <a:lumMod val="5000"/>
-            <a:lumOff val="95000"/>
-          </a:schemeClr>
-        </a:solidFill>
-        <a:round/>
-      </a:ln>
-    </cs:spPr>
-  </cs:gridlineMinor>
-  <cs:hiLoLine>
-    <cs:lnRef idx="0"/>
-    <cs:fillRef idx="0"/>
-    <cs:effectRef idx="0"/>
-    <cs:fontRef idx="minor">
-      <a:schemeClr val="tx1"/>
-    </cs:fontRef>
-    <cs:spPr>
-      <a:ln w="9525" cap="flat" cmpd="sng" algn="ctr">
-        <a:solidFill>
-          <a:schemeClr val="tx1">
-            <a:lumMod val="75000"/>
-            <a:lumOff val="25000"/>
-          </a:schemeClr>
-        </a:solidFill>
-        <a:round/>
-      </a:ln>
-    </cs:spPr>
-  </cs:hiLoLine>
-  <cs:leaderLine>
-    <cs:lnRef idx="0"/>
-    <cs:fillRef idx="0"/>
-    <cs:effectRef idx="0"/>
-    <cs:fontRef idx="minor">
-      <a:schemeClr val="tx1"/>
-    </cs:fontRef>
-    <cs:spPr>
-      <a:ln w="9525" cap="flat" cmpd="sng" algn="ctr">
-        <a:solidFill>
-          <a:schemeClr val="tx1">
-            <a:lumMod val="35000"/>
-            <a:lumOff val="65000"/>
-          </a:schemeClr>
-        </a:solidFill>
-        <a:round/>
-      </a:ln>
-    </cs:spPr>
-  </cs:leaderLine>
-  <cs:legend>
-    <cs:lnRef idx="0"/>
-    <cs:fillRef idx="0"/>
-    <cs:effectRef idx="0"/>
-    <cs:fontRef idx="minor">
-      <a:schemeClr val="tx1">
-        <a:lumMod val="65000"/>
-        <a:lumOff val="35000"/>
-      </a:schemeClr>
-    </cs:fontRef>
-    <cs:defRPr sz="900" kern="1200"/>
-  </cs:legend>
-  <cs:plotArea mods="allowNoFillOverride allowNoLineOverride">
-    <cs:lnRef idx="0"/>
-    <cs:fillRef idx="0"/>
-    <cs:effectRef idx="0"/>
-    <cs:fontRef idx="minor">
-      <a:schemeClr val="tx1"/>
-    </cs:fontRef>
-  </cs:plotArea>
-  <cs:plotArea3D mods="allowNoFillOverride allowNoLineOverride">
-    <cs:lnRef idx="0"/>
-    <cs:fillRef idx="0"/>
-    <cs:effectRef idx="0"/>
-    <cs:fontRef idx="minor">
-      <a:schemeClr val="tx1"/>
-    </cs:fontRef>
-  </cs:plotArea3D>
-  <cs:seriesAxis>
-    <cs:lnRef idx="0"/>
-    <cs:fillRef idx="0"/>
-    <cs:effectRef idx="0"/>
-    <cs:fontRef idx="minor">
-      <a:schemeClr val="tx1">
-        <a:lumMod val="65000"/>
-        <a:lumOff val="35000"/>
-      </a:schemeClr>
-    </cs:fontRef>
-    <cs:defRPr sz="900" kern="1200"/>
-  </cs:seriesAxis>
-  <cs:seriesLine>
-    <cs:lnRef idx="0"/>
-    <cs:fillRef idx="0"/>
-    <cs:effectRef idx="0"/>
-    <cs:fontRef idx="minor">
-      <a:schemeClr val="tx1"/>
-    </cs:fontRef>
-    <cs:spPr>
-      <a:ln w="9525" cap="flat" cmpd="sng" algn="ctr">
-        <a:solidFill>
-          <a:schemeClr val="tx1">
-            <a:lumMod val="35000"/>
-            <a:lumOff val="65000"/>
-          </a:schemeClr>
-        </a:solidFill>
-        <a:round/>
-      </a:ln>
-    </cs:spPr>
-  </cs:seriesLine>
-  <cs:title>
-    <cs:lnRef idx="0"/>
-    <cs:fillRef idx="0"/>
-    <cs:effectRef idx="0"/>
-    <cs:fontRef idx="minor">
-      <a:schemeClr val="tx1">
-        <a:lumMod val="65000"/>
-        <a:lumOff val="35000"/>
-      </a:schemeClr>
-    </cs:fontRef>
-    <cs:defRPr sz="1400" b="0" kern="1200" spc="0" baseline="0"/>
-  </cs:title>
-  <cs:trendline>
-    <cs:lnRef idx="0">
-      <cs:styleClr val="auto"/>
-    </cs:lnRef>
-    <cs:fillRef idx="0"/>
-    <cs:effectRef idx="0"/>
-    <cs:fontRef idx="minor">
-      <a:schemeClr val="tx1"/>
-    </cs:fontRef>
-    <cs:spPr>
-      <a:ln w="19050" cap="rnd">
-        <a:solidFill>
-          <a:schemeClr val="phClr"/>
-        </a:solidFill>
-        <a:prstDash val="sysDot"/>
-      </a:ln>
-    </cs:spPr>
-  </cs:trendline>
-  <cs:trendlineLabel>
-    <cs:lnRef idx="0"/>
-    <cs:fillRef idx="0"/>
-    <cs:effectRef idx="0"/>
-    <cs:fontRef idx="minor">
-      <a:schemeClr val="tx1">
-        <a:lumMod val="65000"/>
-        <a:lumOff val="35000"/>
-      </a:schemeClr>
-    </cs:fontRef>
-    <cs:defRPr sz="900" kern="1200"/>
-  </cs:trendlineLabel>
-  <cs:upBar>
-    <cs:lnRef idx="0"/>
-    <cs:fillRef idx="0"/>
-    <cs:effectRef idx="0"/>
-    <cs:fontRef idx="minor">
-      <a:schemeClr val="dk1"/>
-    </cs:fontRef>
-    <cs:spPr>
-      <a:solidFill>
-        <a:schemeClr val="lt1"/>
-      </a:solidFill>
-      <a:ln w="9525">
-        <a:solidFill>
-          <a:schemeClr val="tx1">
-            <a:lumMod val="15000"/>
-            <a:lumOff val="85000"/>
-          </a:schemeClr>
-        </a:solidFill>
-      </a:ln>
-    </cs:spPr>
-  </cs:upBar>
-  <cs:valueAxis>
-    <cs:lnRef idx="0"/>
-    <cs:fillRef idx="0"/>
-    <cs:effectRef idx="0"/>
-    <cs:fontRef idx="minor">
-      <a:schemeClr val="tx1">
-        <a:lumMod val="65000"/>
-        <a:lumOff val="35000"/>
-      </a:schemeClr>
-    </cs:fontRef>
-    <cs:defRPr sz="900" kern="1200"/>
-  </cs:valueAxis>
-  <cs:wall>
-    <cs:lnRef idx="0"/>
-    <cs:fillRef idx="0"/>
-    <cs:effectRef idx="0"/>
-    <cs:fontRef idx="minor">
-      <a:schemeClr val="tx1"/>
-    </cs:fontRef>
-    <cs:spPr>
-      <a:noFill/>
-      <a:ln>
-        <a:noFill/>
-      </a:ln>
-    </cs:spPr>
-  </cs:wall>
-</cs:chartStyle>
-</file>
-
-<file path=ppt/charts/style4.xml><?xml version="1.0" encoding="utf-8"?>
 <cs:chartStyle xmlns:cs="http://schemas.microsoft.com/office/drawing/2012/chartStyle" xmlns:a="http://schemas.openxmlformats.org/drawingml/2006/main" id="201">
   <cs:axisTitle>
     <cs:lnRef idx="0"/>
@@ -6472,7 +4998,7 @@
           <a:p>
             <a:fld id="{1D2B6E0B-CE0C-4226-9022-18809A19516C}" type="datetimeFigureOut">
               <a:rPr kumimoji="1" lang="ja-JP" altLang="en-US" smtClean="0"/>
-              <a:t>2016/2/10</a:t>
+              <a:t>2016/2/11</a:t>
             </a:fld>
             <a:endParaRPr kumimoji="1" lang="ja-JP" altLang="en-US"/>
           </a:p>
@@ -7017,7 +5543,7 @@
           <a:p>
             <a:fld id="{DF09510C-AA94-416D-B6D7-C4F4BCE6ABE3}" type="slidenum">
               <a:rPr kumimoji="1" lang="ja-JP" altLang="en-US" smtClean="0"/>
-              <a:t>10</a:t>
+              <a:t>11</a:t>
             </a:fld>
             <a:endParaRPr kumimoji="1" lang="ja-JP" altLang="en-US"/>
           </a:p>
@@ -7185,7 +5711,7 @@
           <a:p>
             <a:fld id="{DF09510C-AA94-416D-B6D7-C4F4BCE6ABE3}" type="slidenum">
               <a:rPr kumimoji="1" lang="ja-JP" altLang="en-US" smtClean="0"/>
-              <a:t>11</a:t>
+              <a:t>12</a:t>
             </a:fld>
             <a:endParaRPr kumimoji="1" lang="ja-JP" altLang="en-US"/>
           </a:p>
@@ -7412,7 +5938,7 @@
           <a:p>
             <a:fld id="{DF09510C-AA94-416D-B6D7-C4F4BCE6ABE3}" type="slidenum">
               <a:rPr kumimoji="1" lang="ja-JP" altLang="en-US" smtClean="0"/>
-              <a:t>12</a:t>
+              <a:t>13</a:t>
             </a:fld>
             <a:endParaRPr kumimoji="1" lang="ja-JP" altLang="en-US"/>
           </a:p>
@@ -7573,7 +6099,7 @@
           <a:p>
             <a:fld id="{DF09510C-AA94-416D-B6D7-C4F4BCE6ABE3}" type="slidenum">
               <a:rPr kumimoji="1" lang="ja-JP" altLang="en-US" smtClean="0"/>
-              <a:t>13</a:t>
+              <a:t>14</a:t>
             </a:fld>
             <a:endParaRPr kumimoji="1" lang="ja-JP" altLang="en-US"/>
           </a:p>
@@ -8612,7 +7138,7 @@
           <a:p>
             <a:fld id="{DF09510C-AA94-416D-B6D7-C4F4BCE6ABE3}" type="slidenum">
               <a:rPr kumimoji="1" lang="ja-JP" altLang="en-US" smtClean="0"/>
-              <a:t>8</a:t>
+              <a:t>9</a:t>
             </a:fld>
             <a:endParaRPr kumimoji="1" lang="ja-JP" altLang="en-US"/>
           </a:p>
@@ -8778,7 +7304,7 @@
           <a:p>
             <a:fld id="{DF09510C-AA94-416D-B6D7-C4F4BCE6ABE3}" type="slidenum">
               <a:rPr kumimoji="1" lang="ja-JP" altLang="en-US" smtClean="0"/>
-              <a:t>9</a:t>
+              <a:t>10</a:t>
             </a:fld>
             <a:endParaRPr kumimoji="1" lang="ja-JP" altLang="en-US"/>
           </a:p>
@@ -8928,7 +7454,7 @@
           <a:p>
             <a:fld id="{A6C6E614-4836-42B6-A98A-93C794B969EB}" type="datetimeFigureOut">
               <a:rPr kumimoji="1" lang="ja-JP" altLang="en-US" smtClean="0"/>
-              <a:t>2016/2/10</a:t>
+              <a:t>2016/2/11</a:t>
             </a:fld>
             <a:endParaRPr kumimoji="1" lang="ja-JP" altLang="en-US"/>
           </a:p>
@@ -9130,7 +7656,7 @@
           <a:p>
             <a:fld id="{A6C6E614-4836-42B6-A98A-93C794B969EB}" type="datetimeFigureOut">
               <a:rPr kumimoji="1" lang="ja-JP" altLang="en-US" smtClean="0"/>
-              <a:t>2016/2/10</a:t>
+              <a:t>2016/2/11</a:t>
             </a:fld>
             <a:endParaRPr kumimoji="1" lang="ja-JP" altLang="en-US"/>
           </a:p>
@@ -9349,7 +7875,7 @@
           <a:p>
             <a:fld id="{A6C6E614-4836-42B6-A98A-93C794B969EB}" type="datetimeFigureOut">
               <a:rPr kumimoji="1" lang="ja-JP" altLang="en-US" smtClean="0"/>
-              <a:t>2016/2/10</a:t>
+              <a:t>2016/2/11</a:t>
             </a:fld>
             <a:endParaRPr kumimoji="1" lang="ja-JP" altLang="en-US"/>
           </a:p>
@@ -9895,7 +8421,7 @@
           <a:p>
             <a:fld id="{F5A27BD4-75F9-4C2C-8D66-695067FA1892}" type="datetimeFigureOut">
               <a:rPr kumimoji="1" lang="ja-JP" altLang="en-US" smtClean="0"/>
-              <a:t>2016/2/10</a:t>
+              <a:t>2016/2/11</a:t>
             </a:fld>
             <a:endParaRPr kumimoji="1" lang="ja-JP" altLang="en-US"/>
           </a:p>
@@ -10245,7 +8771,7 @@
           <a:p>
             <a:fld id="{F5A27BD4-75F9-4C2C-8D66-695067FA1892}" type="datetimeFigureOut">
               <a:rPr kumimoji="1" lang="ja-JP" altLang="en-US" smtClean="0"/>
-              <a:t>2016/2/10</a:t>
+              <a:t>2016/2/11</a:t>
             </a:fld>
             <a:endParaRPr kumimoji="1" lang="ja-JP" altLang="en-US"/>
           </a:p>
@@ -10591,7 +9117,7 @@
           <a:p>
             <a:fld id="{F5A27BD4-75F9-4C2C-8D66-695067FA1892}" type="datetimeFigureOut">
               <a:rPr kumimoji="1" lang="ja-JP" altLang="en-US" smtClean="0"/>
-              <a:t>2016/2/10</a:t>
+              <a:t>2016/2/11</a:t>
             </a:fld>
             <a:endParaRPr kumimoji="1" lang="ja-JP" altLang="en-US"/>
           </a:p>
@@ -11041,7 +9567,7 @@
           <a:p>
             <a:fld id="{F5A27BD4-75F9-4C2C-8D66-695067FA1892}" type="datetimeFigureOut">
               <a:rPr kumimoji="1" lang="ja-JP" altLang="en-US" smtClean="0"/>
-              <a:t>2016/2/10</a:t>
+              <a:t>2016/2/11</a:t>
             </a:fld>
             <a:endParaRPr kumimoji="1" lang="ja-JP" altLang="en-US"/>
           </a:p>
@@ -11166,7 +9692,7 @@
           <a:p>
             <a:fld id="{F5A27BD4-75F9-4C2C-8D66-695067FA1892}" type="datetimeFigureOut">
               <a:rPr kumimoji="1" lang="ja-JP" altLang="en-US" smtClean="0"/>
-              <a:t>2016/2/10</a:t>
+              <a:t>2016/2/11</a:t>
             </a:fld>
             <a:endParaRPr kumimoji="1" lang="ja-JP" altLang="en-US"/>
           </a:p>
@@ -11344,7 +9870,7 @@
           <a:p>
             <a:fld id="{F5A27BD4-75F9-4C2C-8D66-695067FA1892}" type="datetimeFigureOut">
               <a:rPr kumimoji="1" lang="ja-JP" altLang="en-US" smtClean="0"/>
-              <a:t>2016/2/10</a:t>
+              <a:t>2016/2/11</a:t>
             </a:fld>
             <a:endParaRPr kumimoji="1" lang="ja-JP" altLang="en-US"/>
           </a:p>
@@ -11737,7 +10263,7 @@
           <a:p>
             <a:fld id="{F5A27BD4-75F9-4C2C-8D66-695067FA1892}" type="datetimeFigureOut">
               <a:rPr kumimoji="1" lang="ja-JP" altLang="en-US" smtClean="0"/>
-              <a:t>2016/2/10</a:t>
+              <a:t>2016/2/11</a:t>
             </a:fld>
             <a:endParaRPr kumimoji="1" lang="ja-JP" altLang="en-US"/>
           </a:p>
@@ -11967,7 +10493,7 @@
           <a:p>
             <a:fld id="{A6C6E614-4836-42B6-A98A-93C794B969EB}" type="datetimeFigureOut">
               <a:rPr kumimoji="1" lang="ja-JP" altLang="en-US" smtClean="0"/>
-              <a:t>2016/2/10</a:t>
+              <a:t>2016/2/11</a:t>
             </a:fld>
             <a:endParaRPr kumimoji="1" lang="ja-JP" altLang="en-US"/>
           </a:p>
@@ -12328,7 +10854,7 @@
           <a:p>
             <a:fld id="{F5A27BD4-75F9-4C2C-8D66-695067FA1892}" type="datetimeFigureOut">
               <a:rPr kumimoji="1" lang="ja-JP" altLang="en-US" smtClean="0"/>
-              <a:t>2016/2/10</a:t>
+              <a:t>2016/2/11</a:t>
             </a:fld>
             <a:endParaRPr kumimoji="1" lang="ja-JP" altLang="en-US"/>
           </a:p>
@@ -12530,7 +11056,7 @@
           <a:p>
             <a:fld id="{F5A27BD4-75F9-4C2C-8D66-695067FA1892}" type="datetimeFigureOut">
               <a:rPr kumimoji="1" lang="ja-JP" altLang="en-US" smtClean="0"/>
-              <a:t>2016/2/10</a:t>
+              <a:t>2016/2/11</a:t>
             </a:fld>
             <a:endParaRPr kumimoji="1" lang="ja-JP" altLang="en-US"/>
           </a:p>
@@ -12818,7 +11344,7 @@
           <a:p>
             <a:fld id="{F5A27BD4-75F9-4C2C-8D66-695067FA1892}" type="datetimeFigureOut">
               <a:rPr kumimoji="1" lang="ja-JP" altLang="en-US" smtClean="0"/>
-              <a:t>2016/2/10</a:t>
+              <a:t>2016/2/11</a:t>
             </a:fld>
             <a:endParaRPr kumimoji="1" lang="ja-JP" altLang="en-US"/>
           </a:p>
@@ -12936,7 +11462,7 @@
           <a:p>
             <a:fld id="{F5A27BD4-75F9-4C2C-8D66-695067FA1892}" type="datetimeFigureOut">
               <a:rPr kumimoji="1" lang="ja-JP" altLang="en-US" smtClean="0"/>
-              <a:t>2016/2/10</a:t>
+              <a:t>2016/2/11</a:t>
             </a:fld>
             <a:endParaRPr kumimoji="1" lang="ja-JP" altLang="en-US"/>
           </a:p>
@@ -13189,7 +11715,7 @@
           <a:p>
             <a:fld id="{A6C6E614-4836-42B6-A98A-93C794B969EB}" type="datetimeFigureOut">
               <a:rPr kumimoji="1" lang="ja-JP" altLang="en-US" smtClean="0"/>
-              <a:t>2016/2/10</a:t>
+              <a:t>2016/2/11</a:t>
             </a:fld>
             <a:endParaRPr kumimoji="1" lang="ja-JP" altLang="en-US"/>
           </a:p>
@@ -13485,7 +12011,7 @@
           <a:p>
             <a:fld id="{A6C6E614-4836-42B6-A98A-93C794B969EB}" type="datetimeFigureOut">
               <a:rPr kumimoji="1" lang="ja-JP" altLang="en-US" smtClean="0"/>
-              <a:t>2016/2/10</a:t>
+              <a:t>2016/2/11</a:t>
             </a:fld>
             <a:endParaRPr kumimoji="1" lang="ja-JP" altLang="en-US"/>
           </a:p>
@@ -13916,7 +12442,7 @@
           <a:p>
             <a:fld id="{A6C6E614-4836-42B6-A98A-93C794B969EB}" type="datetimeFigureOut">
               <a:rPr kumimoji="1" lang="ja-JP" altLang="en-US" smtClean="0"/>
-              <a:t>2016/2/10</a:t>
+              <a:t>2016/2/11</a:t>
             </a:fld>
             <a:endParaRPr kumimoji="1" lang="ja-JP" altLang="en-US"/>
           </a:p>
@@ -14034,7 +12560,7 @@
           <a:p>
             <a:fld id="{A6C6E614-4836-42B6-A98A-93C794B969EB}" type="datetimeFigureOut">
               <a:rPr kumimoji="1" lang="ja-JP" altLang="en-US" smtClean="0"/>
-              <a:t>2016/2/10</a:t>
+              <a:t>2016/2/11</a:t>
             </a:fld>
             <a:endParaRPr kumimoji="1" lang="ja-JP" altLang="en-US"/>
           </a:p>
@@ -14129,7 +12655,7 @@
           <a:p>
             <a:fld id="{A6C6E614-4836-42B6-A98A-93C794B969EB}" type="datetimeFigureOut">
               <a:rPr kumimoji="1" lang="ja-JP" altLang="en-US" smtClean="0"/>
-              <a:t>2016/2/10</a:t>
+              <a:t>2016/2/11</a:t>
             </a:fld>
             <a:endParaRPr kumimoji="1" lang="ja-JP" altLang="en-US"/>
           </a:p>
@@ -14438,7 +12964,7 @@
           <a:p>
             <a:fld id="{A6C6E614-4836-42B6-A98A-93C794B969EB}" type="datetimeFigureOut">
               <a:rPr kumimoji="1" lang="ja-JP" altLang="en-US" smtClean="0"/>
-              <a:t>2016/2/10</a:t>
+              <a:t>2016/2/11</a:t>
             </a:fld>
             <a:endParaRPr kumimoji="1" lang="ja-JP" altLang="en-US"/>
           </a:p>
@@ -14698,7 +13224,7 @@
           <a:p>
             <a:fld id="{A6C6E614-4836-42B6-A98A-93C794B969EB}" type="datetimeFigureOut">
               <a:rPr kumimoji="1" lang="ja-JP" altLang="en-US" smtClean="0"/>
-              <a:t>2016/2/10</a:t>
+              <a:t>2016/2/11</a:t>
             </a:fld>
             <a:endParaRPr kumimoji="1" lang="ja-JP" altLang="en-US"/>
           </a:p>
@@ -14950,7 +13476,7 @@
           <a:p>
             <a:fld id="{A6C6E614-4836-42B6-A98A-93C794B969EB}" type="datetimeFigureOut">
               <a:rPr kumimoji="1" lang="ja-JP" altLang="en-US" smtClean="0"/>
-              <a:t>2016/2/10</a:t>
+              <a:t>2016/2/11</a:t>
             </a:fld>
             <a:endParaRPr kumimoji="1" lang="ja-JP" altLang="en-US"/>
           </a:p>
@@ -15542,7 +14068,7 @@
           <a:p>
             <a:fld id="{A6C6E614-4836-42B6-A98A-93C794B969EB}" type="datetimeFigureOut">
               <a:rPr kumimoji="1" lang="ja-JP" altLang="en-US" smtClean="0"/>
-              <a:t>2016/2/10</a:t>
+              <a:t>2016/2/11</a:t>
             </a:fld>
             <a:endParaRPr kumimoji="1" lang="ja-JP" altLang="en-US"/>
           </a:p>
@@ -16249,6 +14775,52 @@
       </p:grpSpPr>
       <p:sp>
         <p:nvSpPr>
+          <p:cNvPr id="20" name="正方形/長方形 19"/>
+          <p:cNvSpPr/>
+          <p:nvPr/>
+        </p:nvSpPr>
+        <p:spPr>
+          <a:xfrm>
+            <a:off x="354978" y="2410460"/>
+            <a:ext cx="1921207" cy="3554569"/>
+          </a:xfrm>
+          <a:prstGeom prst="rect">
+            <a:avLst/>
+          </a:prstGeom>
+          <a:solidFill>
+            <a:schemeClr val="accent2">
+              <a:lumMod val="20000"/>
+              <a:lumOff val="80000"/>
+            </a:schemeClr>
+          </a:solidFill>
+        </p:spPr>
+        <p:style>
+          <a:lnRef idx="2">
+            <a:schemeClr val="accent1">
+              <a:shade val="50000"/>
+            </a:schemeClr>
+          </a:lnRef>
+          <a:fillRef idx="1">
+            <a:schemeClr val="accent1"/>
+          </a:fillRef>
+          <a:effectRef idx="0">
+            <a:schemeClr val="accent1"/>
+          </a:effectRef>
+          <a:fontRef idx="minor">
+            <a:schemeClr val="lt1"/>
+          </a:fontRef>
+        </p:style>
+        <p:txBody>
+          <a:bodyPr rtlCol="0" anchor="ctr"/>
+          <a:lstStyle/>
+          <a:p>
+            <a:pPr algn="ctr"/>
+            <a:endParaRPr kumimoji="1" lang="ja-JP" altLang="en-US"/>
+          </a:p>
+        </p:txBody>
+      </p:sp>
+      <p:sp>
+        <p:nvSpPr>
           <p:cNvPr id="2" name="タイトル 1"/>
           <p:cNvSpPr>
             <a:spLocks noGrp="1"/>
@@ -16257,18 +14829,29 @@
             <p:ph type="title"/>
           </p:nvPr>
         </p:nvSpPr>
-        <p:spPr/>
-        <p:txBody>
-          <a:bodyPr/>
+        <p:spPr>
+          <a:xfrm>
+            <a:off x="13290" y="140513"/>
+            <a:ext cx="6451904" cy="754154"/>
+          </a:xfrm>
+        </p:spPr>
+        <p:txBody>
+          <a:bodyPr>
+            <a:normAutofit/>
+          </a:bodyPr>
           <a:lstStyle/>
           <a:p>
             <a:r>
-              <a:rPr kumimoji="1" lang="ja-JP" altLang="en-US" b="1" dirty="0" smtClean="0"/>
+              <a:rPr lang="ja-JP" altLang="en-US" b="1" dirty="0" smtClean="0"/>
               <a:t>評価</a:t>
             </a:r>
             <a:r>
-              <a:rPr kumimoji="1" lang="en-US" altLang="ja-JP" b="1" dirty="0" smtClean="0"/>
-              <a:t>(2/4)</a:t>
+              <a:rPr lang="en-US" altLang="ja-JP" b="1" dirty="0" smtClean="0"/>
+              <a:t>(</a:t>
+            </a:r>
+            <a:r>
+              <a:rPr lang="en-US" altLang="ja-JP" b="1" dirty="0" smtClean="0"/>
+              <a:t>1/3)</a:t>
             </a:r>
             <a:endParaRPr kumimoji="1" lang="ja-JP" altLang="en-US" b="1" dirty="0"/>
           </a:p>
@@ -16286,24 +14869,40 @@
         </p:nvSpPr>
         <p:spPr>
           <a:xfrm>
-            <a:off x="13290" y="1255216"/>
-            <a:ext cx="9130710" cy="1015794"/>
+            <a:off x="744722" y="1255216"/>
+            <a:ext cx="7547410" cy="959950"/>
           </a:xfrm>
         </p:spPr>
         <p:txBody>
           <a:bodyPr>
-            <a:normAutofit lnSpcReduction="10000"/>
+            <a:noAutofit/>
           </a:bodyPr>
           <a:lstStyle/>
           <a:p>
             <a:pPr algn="ctr"/>
+            <a:r>
+              <a:rPr kumimoji="1" lang="ja-JP" altLang="en-US" sz="2800" b="1" dirty="0" smtClean="0">
+                <a:solidFill>
+                  <a:srgbClr val="00B0F0"/>
+                </a:solidFill>
+              </a:rPr>
+              <a:t>被験者の前提知識学習時間，テンプレートファイル作成所要時間と</a:t>
+            </a:r>
+            <a:r>
+              <a:rPr lang="ja-JP" altLang="en-US" sz="2800" b="1" dirty="0" smtClean="0">
+                <a:solidFill>
+                  <a:srgbClr val="00B0F0"/>
+                </a:solidFill>
+              </a:rPr>
+              <a:t>エラー</a:t>
+            </a:r>
             <a:r>
               <a:rPr lang="ja-JP" altLang="en-US" sz="2800" b="1" dirty="0">
                 <a:solidFill>
                   <a:srgbClr val="00B0F0"/>
                 </a:solidFill>
               </a:rPr>
-              <a:t>従来</a:t>
+              <a:t>発生</a:t>
             </a:r>
             <a:r>
               <a:rPr lang="ja-JP" altLang="en-US" sz="2800" b="1" dirty="0" smtClean="0">
@@ -16311,27 +14910,644 @@
                   <a:srgbClr val="00B0F0"/>
                 </a:solidFill>
               </a:rPr>
-              <a:t>方式とオーケストレーション定義エディタ</a:t>
-            </a:r>
-            <a:endParaRPr lang="en-US" altLang="ja-JP" sz="2800" b="1" dirty="0" smtClean="0">
+              <a:t>回数を記録</a:t>
+            </a:r>
+            <a:endParaRPr kumimoji="1" lang="ja-JP" altLang="en-US" sz="2800" b="1" dirty="0">
               <a:solidFill>
                 <a:srgbClr val="00B0F0"/>
               </a:solidFill>
             </a:endParaRPr>
           </a:p>
-          <a:p>
-            <a:pPr marL="0" indent="0" algn="ctr">
-              <a:buNone/>
-            </a:pPr>
-            <a:r>
-              <a:rPr lang="ja-JP" altLang="en-US" sz="2800" b="1" dirty="0" smtClean="0">
+        </p:txBody>
+      </p:sp>
+      <p:sp>
+        <p:nvSpPr>
+          <p:cNvPr id="4" name="正方形/長方形 3"/>
+          <p:cNvSpPr/>
+          <p:nvPr/>
+        </p:nvSpPr>
+        <p:spPr>
+          <a:xfrm>
+            <a:off x="357230" y="2410460"/>
+            <a:ext cx="8397025" cy="3554569"/>
+          </a:xfrm>
+          <a:prstGeom prst="rect">
+            <a:avLst/>
+          </a:prstGeom>
+          <a:noFill/>
+        </p:spPr>
+        <p:style>
+          <a:lnRef idx="2">
+            <a:schemeClr val="accent1">
+              <a:shade val="50000"/>
+            </a:schemeClr>
+          </a:lnRef>
+          <a:fillRef idx="1">
+            <a:schemeClr val="accent1"/>
+          </a:fillRef>
+          <a:effectRef idx="0">
+            <a:schemeClr val="accent1"/>
+          </a:effectRef>
+          <a:fontRef idx="minor">
+            <a:schemeClr val="lt1"/>
+          </a:fontRef>
+        </p:style>
+        <p:txBody>
+          <a:bodyPr rtlCol="0" anchor="ctr"/>
+          <a:lstStyle/>
+          <a:p>
+            <a:pPr algn="ctr"/>
+            <a:endParaRPr kumimoji="1" lang="ja-JP" altLang="en-US"/>
+          </a:p>
+        </p:txBody>
+      </p:sp>
+      <p:cxnSp>
+        <p:nvCxnSpPr>
+          <p:cNvPr id="6" name="直線コネクタ 5"/>
+          <p:cNvCxnSpPr/>
+          <p:nvPr/>
+        </p:nvCxnSpPr>
+        <p:spPr>
+          <a:xfrm>
+            <a:off x="354978" y="3170314"/>
+            <a:ext cx="8399277" cy="0"/>
+          </a:xfrm>
+          <a:prstGeom prst="line">
+            <a:avLst/>
+          </a:prstGeom>
+          <a:ln>
+            <a:solidFill>
+              <a:schemeClr val="tx1"/>
+            </a:solidFill>
+          </a:ln>
+        </p:spPr>
+        <p:style>
+          <a:lnRef idx="1">
+            <a:schemeClr val="accent1"/>
+          </a:lnRef>
+          <a:fillRef idx="0">
+            <a:schemeClr val="accent1"/>
+          </a:fillRef>
+          <a:effectRef idx="0">
+            <a:schemeClr val="accent1"/>
+          </a:effectRef>
+          <a:fontRef idx="minor">
+            <a:schemeClr val="tx1"/>
+          </a:fontRef>
+        </p:style>
+      </p:cxnSp>
+      <p:sp>
+        <p:nvSpPr>
+          <p:cNvPr id="7" name="テキスト ボックス 6"/>
+          <p:cNvSpPr txBox="1"/>
+          <p:nvPr/>
+        </p:nvSpPr>
+        <p:spPr>
+          <a:xfrm>
+            <a:off x="324906" y="2592741"/>
+            <a:ext cx="1481070" cy="461665"/>
+          </a:xfrm>
+          <a:prstGeom prst="rect">
+            <a:avLst/>
+          </a:prstGeom>
+          <a:noFill/>
+        </p:spPr>
+        <p:txBody>
+          <a:bodyPr wrap="square" rtlCol="0">
+            <a:spAutoFit/>
+          </a:bodyPr>
+          <a:lstStyle/>
+          <a:p>
+            <a:r>
+              <a:rPr kumimoji="1" lang="ja-JP" altLang="en-US" sz="2400" b="1" dirty="0" smtClean="0"/>
+              <a:t>実験内容</a:t>
+            </a:r>
+            <a:endParaRPr kumimoji="1" lang="ja-JP" altLang="en-US" sz="2400" b="1" dirty="0"/>
+          </a:p>
+        </p:txBody>
+      </p:sp>
+      <p:cxnSp>
+        <p:nvCxnSpPr>
+          <p:cNvPr id="9" name="直線コネクタ 8"/>
+          <p:cNvCxnSpPr/>
+          <p:nvPr/>
+        </p:nvCxnSpPr>
+        <p:spPr>
+          <a:xfrm>
+            <a:off x="2284617" y="2410460"/>
+            <a:ext cx="0" cy="3554569"/>
+          </a:xfrm>
+          <a:prstGeom prst="line">
+            <a:avLst/>
+          </a:prstGeom>
+          <a:ln>
+            <a:solidFill>
+              <a:schemeClr val="tx1"/>
+            </a:solidFill>
+          </a:ln>
+        </p:spPr>
+        <p:style>
+          <a:lnRef idx="1">
+            <a:schemeClr val="accent1"/>
+          </a:lnRef>
+          <a:fillRef idx="0">
+            <a:schemeClr val="accent1"/>
+          </a:fillRef>
+          <a:effectRef idx="0">
+            <a:schemeClr val="accent1"/>
+          </a:effectRef>
+          <a:fontRef idx="minor">
+            <a:schemeClr val="tx1"/>
+          </a:fontRef>
+        </p:style>
+      </p:cxnSp>
+      <p:sp>
+        <p:nvSpPr>
+          <p:cNvPr id="10" name="テキスト ボックス 9"/>
+          <p:cNvSpPr txBox="1"/>
+          <p:nvPr/>
+        </p:nvSpPr>
+        <p:spPr>
+          <a:xfrm>
+            <a:off x="2276185" y="2473659"/>
+            <a:ext cx="5583580" cy="646331"/>
+          </a:xfrm>
+          <a:prstGeom prst="rect">
+            <a:avLst/>
+          </a:prstGeom>
+          <a:noFill/>
+        </p:spPr>
+        <p:txBody>
+          <a:bodyPr wrap="none" rtlCol="0">
+            <a:spAutoFit/>
+          </a:bodyPr>
+          <a:lstStyle/>
+          <a:p>
+            <a:r>
+              <a:rPr kumimoji="1" lang="ja-JP" altLang="en-US" b="1" dirty="0" smtClean="0"/>
+              <a:t>従来方式とオーケストレーション定義エディタそれぞれで</a:t>
+            </a:r>
+            <a:endParaRPr kumimoji="1" lang="en-US" altLang="ja-JP" b="1" dirty="0" smtClean="0"/>
+          </a:p>
+          <a:p>
+            <a:r>
+              <a:rPr kumimoji="1" lang="ja-JP" altLang="en-US" b="1" dirty="0" smtClean="0"/>
+              <a:t>同じシステム構成を構築</a:t>
+            </a:r>
+            <a:endParaRPr kumimoji="1" lang="ja-JP" altLang="en-US" b="1" dirty="0"/>
+          </a:p>
+        </p:txBody>
+      </p:sp>
+      <p:cxnSp>
+        <p:nvCxnSpPr>
+          <p:cNvPr id="12" name="直線コネクタ 11"/>
+          <p:cNvCxnSpPr/>
+          <p:nvPr/>
+        </p:nvCxnSpPr>
+        <p:spPr>
+          <a:xfrm>
+            <a:off x="354978" y="3736984"/>
+            <a:ext cx="8399277" cy="0"/>
+          </a:xfrm>
+          <a:prstGeom prst="line">
+            <a:avLst/>
+          </a:prstGeom>
+          <a:ln>
+            <a:solidFill>
+              <a:schemeClr val="tx1"/>
+            </a:solidFill>
+          </a:ln>
+        </p:spPr>
+        <p:style>
+          <a:lnRef idx="1">
+            <a:schemeClr val="accent1"/>
+          </a:lnRef>
+          <a:fillRef idx="0">
+            <a:schemeClr val="accent1"/>
+          </a:fillRef>
+          <a:effectRef idx="0">
+            <a:schemeClr val="accent1"/>
+          </a:effectRef>
+          <a:fontRef idx="minor">
+            <a:schemeClr val="tx1"/>
+          </a:fontRef>
+        </p:style>
+      </p:cxnSp>
+      <p:sp>
+        <p:nvSpPr>
+          <p:cNvPr id="13" name="テキスト ボックス 12"/>
+          <p:cNvSpPr txBox="1"/>
+          <p:nvPr/>
+        </p:nvSpPr>
+        <p:spPr>
+          <a:xfrm>
+            <a:off x="354978" y="3220639"/>
+            <a:ext cx="2453426" cy="461665"/>
+          </a:xfrm>
+          <a:prstGeom prst="rect">
+            <a:avLst/>
+          </a:prstGeom>
+          <a:noFill/>
+        </p:spPr>
+        <p:txBody>
+          <a:bodyPr wrap="square" rtlCol="0">
+            <a:spAutoFit/>
+          </a:bodyPr>
+          <a:lstStyle/>
+          <a:p>
+            <a:r>
+              <a:rPr kumimoji="1" lang="ja-JP" altLang="en-US" sz="2400" dirty="0" smtClean="0"/>
+              <a:t>計測項目</a:t>
+            </a:r>
+            <a:endParaRPr kumimoji="1" lang="ja-JP" altLang="en-US" sz="2400" dirty="0"/>
+          </a:p>
+        </p:txBody>
+      </p:sp>
+      <p:sp>
+        <p:nvSpPr>
+          <p:cNvPr id="15" name="テキスト ボックス 14"/>
+          <p:cNvSpPr txBox="1"/>
+          <p:nvPr/>
+        </p:nvSpPr>
+        <p:spPr>
+          <a:xfrm>
+            <a:off x="2284617" y="3237874"/>
+            <a:ext cx="5454791" cy="369332"/>
+          </a:xfrm>
+          <a:prstGeom prst="rect">
+            <a:avLst/>
+          </a:prstGeom>
+          <a:noFill/>
+        </p:spPr>
+        <p:txBody>
+          <a:bodyPr wrap="square" rtlCol="0">
+            <a:spAutoFit/>
+          </a:bodyPr>
+          <a:lstStyle/>
+          <a:p>
+            <a:r>
+              <a:rPr kumimoji="1" lang="ja-JP" altLang="en-US" b="1" dirty="0" smtClean="0"/>
+              <a:t>学習時間，作成所要</a:t>
+            </a:r>
+            <a:r>
+              <a:rPr kumimoji="1" lang="ja-JP" altLang="en-US" b="1" dirty="0" smtClean="0"/>
+              <a:t>時間</a:t>
+            </a:r>
+            <a:endParaRPr kumimoji="1" lang="ja-JP" altLang="en-US" b="1" dirty="0"/>
+          </a:p>
+        </p:txBody>
+      </p:sp>
+      <p:cxnSp>
+        <p:nvCxnSpPr>
+          <p:cNvPr id="17" name="直線コネクタ 16"/>
+          <p:cNvCxnSpPr/>
+          <p:nvPr/>
+        </p:nvCxnSpPr>
+        <p:spPr>
+          <a:xfrm>
+            <a:off x="354978" y="4265018"/>
+            <a:ext cx="8399278" cy="0"/>
+          </a:xfrm>
+          <a:prstGeom prst="line">
+            <a:avLst/>
+          </a:prstGeom>
+          <a:ln>
+            <a:solidFill>
+              <a:schemeClr val="tx1"/>
+            </a:solidFill>
+          </a:ln>
+        </p:spPr>
+        <p:style>
+          <a:lnRef idx="1">
+            <a:schemeClr val="accent1"/>
+          </a:lnRef>
+          <a:fillRef idx="0">
+            <a:schemeClr val="accent1"/>
+          </a:fillRef>
+          <a:effectRef idx="0">
+            <a:schemeClr val="accent1"/>
+          </a:effectRef>
+          <a:fontRef idx="minor">
+            <a:schemeClr val="tx1"/>
+          </a:fontRef>
+        </p:style>
+      </p:cxnSp>
+      <p:sp>
+        <p:nvSpPr>
+          <p:cNvPr id="18" name="テキスト ボックス 17"/>
+          <p:cNvSpPr txBox="1"/>
+          <p:nvPr/>
+        </p:nvSpPr>
+        <p:spPr>
+          <a:xfrm>
+            <a:off x="357231" y="3771466"/>
+            <a:ext cx="1738648" cy="461665"/>
+          </a:xfrm>
+          <a:prstGeom prst="rect">
+            <a:avLst/>
+          </a:prstGeom>
+          <a:noFill/>
+        </p:spPr>
+        <p:txBody>
+          <a:bodyPr wrap="square" rtlCol="0">
+            <a:spAutoFit/>
+          </a:bodyPr>
+          <a:lstStyle/>
+          <a:p>
+            <a:r>
+              <a:rPr kumimoji="1" lang="ja-JP" altLang="en-US" sz="2400" dirty="0" smtClean="0"/>
+              <a:t>被験者</a:t>
+            </a:r>
+            <a:endParaRPr kumimoji="1" lang="ja-JP" altLang="en-US" sz="2400" dirty="0"/>
+          </a:p>
+        </p:txBody>
+      </p:sp>
+      <p:sp>
+        <p:nvSpPr>
+          <p:cNvPr id="19" name="テキスト ボックス 18"/>
+          <p:cNvSpPr txBox="1"/>
+          <p:nvPr/>
+        </p:nvSpPr>
+        <p:spPr>
+          <a:xfrm>
+            <a:off x="354978" y="4331387"/>
+            <a:ext cx="1996226" cy="461665"/>
+          </a:xfrm>
+          <a:prstGeom prst="rect">
+            <a:avLst/>
+          </a:prstGeom>
+          <a:noFill/>
+        </p:spPr>
+        <p:txBody>
+          <a:bodyPr wrap="square" rtlCol="0">
+            <a:spAutoFit/>
+          </a:bodyPr>
+          <a:lstStyle/>
+          <a:p>
+            <a:r>
+              <a:rPr kumimoji="1" lang="ja-JP" altLang="en-US" sz="2400" dirty="0" smtClean="0"/>
+              <a:t>システム構成</a:t>
+            </a:r>
+            <a:endParaRPr kumimoji="1" lang="ja-JP" altLang="en-US" sz="2400" dirty="0"/>
+          </a:p>
+        </p:txBody>
+      </p:sp>
+      <p:sp>
+        <p:nvSpPr>
+          <p:cNvPr id="21" name="テキスト ボックス 20"/>
+          <p:cNvSpPr txBox="1"/>
+          <p:nvPr/>
+        </p:nvSpPr>
+        <p:spPr>
+          <a:xfrm>
+            <a:off x="2351203" y="4331385"/>
+            <a:ext cx="5810942" cy="923330"/>
+          </a:xfrm>
+          <a:prstGeom prst="rect">
+            <a:avLst/>
+          </a:prstGeom>
+          <a:noFill/>
+        </p:spPr>
+        <p:txBody>
+          <a:bodyPr wrap="square" rtlCol="0">
+            <a:spAutoFit/>
+          </a:bodyPr>
+          <a:lstStyle/>
+          <a:p>
+            <a:r>
+              <a:rPr kumimoji="1" lang="en-US" altLang="ja-JP" b="1" dirty="0" smtClean="0"/>
+              <a:t>(Ⅰ)1</a:t>
+            </a:r>
+            <a:r>
+              <a:rPr kumimoji="1" lang="ja-JP" altLang="en-US" b="1" dirty="0" smtClean="0"/>
+              <a:t>セグメント構成</a:t>
+            </a:r>
+            <a:r>
+              <a:rPr kumimoji="1" lang="en-US" altLang="ja-JP" b="1" dirty="0" smtClean="0"/>
+              <a:t>(</a:t>
+            </a:r>
+            <a:r>
+              <a:rPr kumimoji="1" lang="ja-JP" altLang="en-US" b="1" dirty="0" smtClean="0"/>
+              <a:t>インスタンス数</a:t>
+            </a:r>
+            <a:r>
+              <a:rPr kumimoji="1" lang="en-US" altLang="ja-JP" b="1" dirty="0" smtClean="0"/>
+              <a:t>5</a:t>
+            </a:r>
+            <a:r>
+              <a:rPr kumimoji="1" lang="ja-JP" altLang="en-US" b="1" dirty="0" smtClean="0"/>
+              <a:t>台</a:t>
+            </a:r>
+            <a:r>
+              <a:rPr kumimoji="1" lang="en-US" altLang="ja-JP" b="1" dirty="0" smtClean="0"/>
+              <a:t>)</a:t>
+            </a:r>
+          </a:p>
+          <a:p>
+            <a:r>
+              <a:rPr lang="en-US" altLang="ja-JP" b="1" dirty="0" smtClean="0"/>
+              <a:t>(Ⅱ)2</a:t>
+            </a:r>
+            <a:r>
+              <a:rPr lang="ja-JP" altLang="en-US" b="1" dirty="0" smtClean="0"/>
+              <a:t>セグメント構成</a:t>
+            </a:r>
+            <a:r>
+              <a:rPr lang="en-US" altLang="ja-JP" b="1" dirty="0" smtClean="0"/>
+              <a:t>(</a:t>
+            </a:r>
+            <a:r>
+              <a:rPr lang="ja-JP" altLang="en-US" b="1" dirty="0" smtClean="0"/>
+              <a:t>インスタンス数</a:t>
+            </a:r>
+            <a:r>
+              <a:rPr lang="en-US" altLang="ja-JP" b="1" dirty="0" smtClean="0"/>
+              <a:t>5</a:t>
+            </a:r>
+            <a:r>
+              <a:rPr lang="ja-JP" altLang="en-US" b="1" dirty="0" smtClean="0"/>
+              <a:t>台</a:t>
+            </a:r>
+            <a:r>
+              <a:rPr lang="en-US" altLang="ja-JP" b="1" dirty="0" smtClean="0"/>
+              <a:t>)</a:t>
+            </a:r>
+          </a:p>
+          <a:p>
+            <a:r>
+              <a:rPr kumimoji="1" lang="en-US" altLang="ja-JP" b="1" dirty="0" smtClean="0"/>
+              <a:t>(Ⅲ)3</a:t>
+            </a:r>
+            <a:r>
+              <a:rPr kumimoji="1" lang="ja-JP" altLang="en-US" b="1" dirty="0" smtClean="0"/>
+              <a:t>セグメント構成</a:t>
+            </a:r>
+            <a:r>
+              <a:rPr kumimoji="1" lang="en-US" altLang="ja-JP" b="1" dirty="0" smtClean="0"/>
+              <a:t>(</a:t>
+            </a:r>
+            <a:r>
+              <a:rPr kumimoji="1" lang="ja-JP" altLang="en-US" b="1" dirty="0" smtClean="0"/>
+              <a:t>インスタンス数</a:t>
+            </a:r>
+            <a:r>
+              <a:rPr kumimoji="1" lang="en-US" altLang="ja-JP" b="1" dirty="0" smtClean="0"/>
+              <a:t>5</a:t>
+            </a:r>
+            <a:r>
+              <a:rPr kumimoji="1" lang="ja-JP" altLang="en-US" b="1" dirty="0" smtClean="0"/>
+              <a:t>台</a:t>
+            </a:r>
+            <a:r>
+              <a:rPr kumimoji="1" lang="en-US" altLang="ja-JP" b="1" dirty="0" smtClean="0"/>
+              <a:t>)</a:t>
+            </a:r>
+            <a:endParaRPr kumimoji="1" lang="ja-JP" altLang="en-US" b="1" dirty="0"/>
+          </a:p>
+        </p:txBody>
+      </p:sp>
+      <p:sp>
+        <p:nvSpPr>
+          <p:cNvPr id="5" name="テキスト ボックス 4"/>
+          <p:cNvSpPr txBox="1"/>
+          <p:nvPr/>
+        </p:nvSpPr>
+        <p:spPr>
+          <a:xfrm>
+            <a:off x="2284616" y="3771466"/>
+            <a:ext cx="6469639" cy="369332"/>
+          </a:xfrm>
+          <a:prstGeom prst="rect">
+            <a:avLst/>
+          </a:prstGeom>
+          <a:noFill/>
+        </p:spPr>
+        <p:txBody>
+          <a:bodyPr wrap="square" rtlCol="0">
+            <a:spAutoFit/>
+          </a:bodyPr>
+          <a:lstStyle/>
+          <a:p>
+            <a:r>
+              <a:rPr kumimoji="1" lang="en-US" altLang="ja-JP" b="1" dirty="0" smtClean="0"/>
+              <a:t>OpenStack</a:t>
+            </a:r>
+            <a:r>
+              <a:rPr kumimoji="1" lang="ja-JP" altLang="en-US" b="1" dirty="0" smtClean="0"/>
+              <a:t>に関する基本的な知識を有したインフラエンジニア５名</a:t>
+            </a:r>
+            <a:endParaRPr kumimoji="1" lang="ja-JP" altLang="en-US" b="1" dirty="0"/>
+          </a:p>
+        </p:txBody>
+      </p:sp>
+    </p:spTree>
+    <p:extLst>
+      <p:ext uri="{BB962C8B-B14F-4D97-AF65-F5344CB8AC3E}">
+        <p14:creationId xmlns:p14="http://schemas.microsoft.com/office/powerpoint/2010/main" val="3352068285"/>
+      </p:ext>
+    </p:extLst>
+  </p:cSld>
+  <p:clrMapOvr>
+    <a:masterClrMapping/>
+  </p:clrMapOvr>
+  <p:timing>
+    <p:tnLst>
+      <p:par>
+        <p:cTn id="1" dur="indefinite" restart="never" nodeType="tmRoot"/>
+      </p:par>
+    </p:tnLst>
+  </p:timing>
+</p:sld>
+</file>
+
+<file path=ppt/slides/slide11.xml><?xml version="1.0" encoding="utf-8"?>
+<p:sld xmlns:a="http://schemas.openxmlformats.org/drawingml/2006/main" xmlns:r="http://schemas.openxmlformats.org/officeDocument/2006/relationships" xmlns:p="http://schemas.openxmlformats.org/presentationml/2006/main">
+  <p:cSld>
+    <p:spTree>
+      <p:nvGrpSpPr>
+        <p:cNvPr id="1" name=""/>
+        <p:cNvGrpSpPr/>
+        <p:nvPr/>
+      </p:nvGrpSpPr>
+      <p:grpSpPr>
+        <a:xfrm>
+          <a:off x="0" y="0"/>
+          <a:ext cx="0" cy="0"/>
+          <a:chOff x="0" y="0"/>
+          <a:chExt cx="0" cy="0"/>
+        </a:xfrm>
+      </p:grpSpPr>
+      <p:sp>
+        <p:nvSpPr>
+          <p:cNvPr id="2" name="タイトル 1"/>
+          <p:cNvSpPr>
+            <a:spLocks noGrp="1"/>
+          </p:cNvSpPr>
+          <p:nvPr>
+            <p:ph type="title"/>
+          </p:nvPr>
+        </p:nvSpPr>
+        <p:spPr/>
+        <p:txBody>
+          <a:bodyPr/>
+          <a:lstStyle/>
+          <a:p>
+            <a:r>
+              <a:rPr kumimoji="1" lang="ja-JP" altLang="en-US" b="1" dirty="0" smtClean="0"/>
+              <a:t>評価</a:t>
+            </a:r>
+            <a:r>
+              <a:rPr kumimoji="1" lang="en-US" altLang="ja-JP" b="1" dirty="0" smtClean="0"/>
+              <a:t>(</a:t>
+            </a:r>
+            <a:r>
+              <a:rPr kumimoji="1" lang="en-US" altLang="ja-JP" b="1" dirty="0" smtClean="0"/>
+              <a:t>2/3)</a:t>
+            </a:r>
+            <a:endParaRPr kumimoji="1" lang="ja-JP" altLang="en-US" b="1" dirty="0"/>
+          </a:p>
+        </p:txBody>
+      </p:sp>
+      <p:sp>
+        <p:nvSpPr>
+          <p:cNvPr id="3" name="コンテンツ プレースホルダー 2"/>
+          <p:cNvSpPr>
+            <a:spLocks noGrp="1"/>
+          </p:cNvSpPr>
+          <p:nvPr>
+            <p:ph idx="1"/>
+          </p:nvPr>
+        </p:nvSpPr>
+        <p:spPr>
+          <a:xfrm>
+            <a:off x="13290" y="1255216"/>
+            <a:ext cx="9130710" cy="1015794"/>
+          </a:xfrm>
+        </p:spPr>
+        <p:txBody>
+          <a:bodyPr>
+            <a:normAutofit/>
+          </a:bodyPr>
+          <a:lstStyle/>
+          <a:p>
+            <a:pPr algn="ctr"/>
+            <a:r>
+              <a:rPr lang="ja-JP" altLang="en-US" sz="3200" b="1" dirty="0" smtClean="0">
                 <a:solidFill>
                   <a:srgbClr val="00B0F0"/>
                 </a:solidFill>
               </a:rPr>
-              <a:t>それぞれの学習時間比較</a:t>
-            </a:r>
-            <a:endParaRPr kumimoji="1" lang="ja-JP" altLang="en-US" sz="2800" b="1" dirty="0">
+              <a:t>学習</a:t>
+            </a:r>
+            <a:r>
+              <a:rPr lang="ja-JP" altLang="en-US" sz="3200" b="1" dirty="0" smtClean="0">
+                <a:solidFill>
+                  <a:srgbClr val="00B0F0"/>
+                </a:solidFill>
+              </a:rPr>
+              <a:t>時間比較</a:t>
+            </a:r>
+            <a:endParaRPr kumimoji="1" lang="ja-JP" altLang="en-US" sz="3200" b="1" dirty="0">
               <a:solidFill>
                 <a:srgbClr val="00B0F0"/>
               </a:solidFill>
@@ -16383,7 +15599,7 @@
 </p:sld>
 </file>
 
-<file path=ppt/slides/slide11.xml><?xml version="1.0" encoding="utf-8"?>
+<file path=ppt/slides/slide12.xml><?xml version="1.0" encoding="utf-8"?>
 <p:sld xmlns:a="http://schemas.openxmlformats.org/drawingml/2006/main" xmlns:r="http://schemas.openxmlformats.org/officeDocument/2006/relationships" xmlns:p="http://schemas.openxmlformats.org/presentationml/2006/main">
   <p:cSld>
     <p:spTree>
@@ -16421,7 +15637,11 @@
             </a:r>
             <a:r>
               <a:rPr kumimoji="1" lang="en-US" altLang="ja-JP" b="1" dirty="0" smtClean="0"/>
-              <a:t>(3/4)</a:t>
+              <a:t>(</a:t>
+            </a:r>
+            <a:r>
+              <a:rPr kumimoji="1" lang="en-US" altLang="ja-JP" b="1" dirty="0" smtClean="0"/>
+              <a:t>3/3)</a:t>
             </a:r>
             <a:endParaRPr kumimoji="1" lang="ja-JP" altLang="en-US" b="1" dirty="0"/>
           </a:p>
@@ -16436,13 +15656,13 @@
           <p:nvPr>
             <p:extLst>
               <p:ext uri="{D42A27DB-BD31-4B8C-83A1-F6EECF244321}">
-                <p14:modId xmlns:p14="http://schemas.microsoft.com/office/powerpoint/2010/main" val="2705289611"/>
+                <p14:modId xmlns:p14="http://schemas.microsoft.com/office/powerpoint/2010/main" val="2210292100"/>
               </p:ext>
             </p:extLst>
           </p:nvPr>
         </p:nvGraphicFramePr>
         <p:xfrm>
-          <a:off x="273664" y="1836485"/>
+          <a:off x="273664" y="1538384"/>
           <a:ext cx="8609961" cy="5165977"/>
         </p:xfrm>
         <a:graphic>
@@ -16509,40 +15729,22 @@
           <a:p>
             <a:pPr algn="ctr"/>
             <a:r>
-              <a:rPr lang="ja-JP" altLang="en-US" sz="2400" b="1" dirty="0">
+              <a:rPr lang="ja-JP" altLang="en-US" sz="3200" b="1" dirty="0" smtClean="0">
                 <a:solidFill>
                   <a:srgbClr val="00B0F0"/>
                 </a:solidFill>
               </a:rPr>
-              <a:t>従来</a:t>
-            </a:r>
-            <a:r>
-              <a:rPr lang="ja-JP" altLang="en-US" sz="2400" b="1" dirty="0" smtClean="0">
+              <a:t>作成</a:t>
+            </a:r>
+            <a:r>
+              <a:rPr lang="ja-JP" altLang="en-US" sz="3200" b="1" dirty="0" smtClean="0">
                 <a:solidFill>
                   <a:srgbClr val="00B0F0"/>
                 </a:solidFill>
               </a:rPr>
-              <a:t>方式とオーケストレーション定義エディタ</a:t>
-            </a:r>
-            <a:endParaRPr lang="en-US" altLang="ja-JP" sz="2400" b="1" dirty="0" smtClean="0">
-              <a:solidFill>
-                <a:srgbClr val="00B0F0"/>
-              </a:solidFill>
-            </a:endParaRPr>
-          </a:p>
-          <a:p>
-            <a:pPr marL="0" indent="0" algn="ctr">
-              <a:buNone/>
-            </a:pPr>
-            <a:r>
-              <a:rPr lang="ja-JP" altLang="en-US" sz="2400" b="1" dirty="0" smtClean="0">
-                <a:solidFill>
-                  <a:srgbClr val="00B0F0"/>
-                </a:solidFill>
-              </a:rPr>
-              <a:t>それぞれのテンプレートファイル作成所要時間比較</a:t>
-            </a:r>
-            <a:endParaRPr kumimoji="1" lang="ja-JP" altLang="en-US" sz="2400" b="1" dirty="0">
+              <a:t>所要時間比較</a:t>
+            </a:r>
+            <a:endParaRPr kumimoji="1" lang="ja-JP" altLang="en-US" sz="3200" b="1" dirty="0">
               <a:solidFill>
                 <a:srgbClr val="00B0F0"/>
               </a:solidFill>
@@ -16570,8 +15772,8 @@
 </p:sld>
 </file>
 
-<file path=ppt/slides/slide12.xml><?xml version="1.0" encoding="utf-8"?>
-<p:sld xmlns:a="http://schemas.openxmlformats.org/drawingml/2006/main" xmlns:r="http://schemas.openxmlformats.org/officeDocument/2006/relationships" xmlns:p="http://schemas.openxmlformats.org/presentationml/2006/main">
+<file path=ppt/slides/slide13.xml><?xml version="1.0" encoding="utf-8"?>
+<p:sld xmlns:a="http://schemas.openxmlformats.org/drawingml/2006/main" xmlns:r="http://schemas.openxmlformats.org/officeDocument/2006/relationships" xmlns:p="http://schemas.openxmlformats.org/presentationml/2006/main" show="0">
   <p:cSld>
     <p:spTree>
       <p:nvGrpSpPr>
@@ -16713,6 +15915,14 @@
   <p:clrMapOvr>
     <a:masterClrMapping/>
   </p:clrMapOvr>
+  <mc:AlternateContent xmlns:mc="http://schemas.openxmlformats.org/markup-compatibility/2006">
+    <mc:Choice xmlns:p14="http://schemas.microsoft.com/office/powerpoint/2010/main" Requires="p14">
+      <p:transition spd="slow" p14:dur="2000"/>
+    </mc:Choice>
+    <mc:Fallback>
+      <p:transition spd="slow"/>
+    </mc:Fallback>
+  </mc:AlternateContent>
   <p:timing>
     <p:tnLst>
       <p:par>
@@ -16723,7 +15933,7 @@
 </p:sld>
 </file>
 
-<file path=ppt/slides/slide13.xml><?xml version="1.0" encoding="utf-8"?>
+<file path=ppt/slides/slide14.xml><?xml version="1.0" encoding="utf-8"?>
 <p:sld xmlns:a="http://schemas.openxmlformats.org/drawingml/2006/main" xmlns:r="http://schemas.openxmlformats.org/officeDocument/2006/relationships" xmlns:p="http://schemas.openxmlformats.org/presentationml/2006/main">
   <p:cSld>
     <p:spTree>
@@ -16772,7 +15982,7 @@
         <p:spPr>
           <a:xfrm>
             <a:off x="107576" y="1229445"/>
-            <a:ext cx="8905795" cy="461665"/>
+            <a:ext cx="8905795" cy="584775"/>
           </a:xfrm>
           <a:prstGeom prst="rect">
             <a:avLst/>
@@ -16786,7 +15996,7 @@
           <a:lstStyle/>
           <a:p>
             <a:r>
-              <a:rPr kumimoji="1" lang="ja-JP" altLang="en-US" sz="2400" dirty="0" smtClean="0">
+              <a:rPr kumimoji="1" lang="ja-JP" altLang="en-US" sz="3200" dirty="0" smtClean="0">
                 <a:solidFill>
                   <a:schemeClr val="accent1">
                     <a:lumMod val="60000"/>
@@ -16796,7 +16006,7 @@
               </a:rPr>
               <a:t>オーケストレーション定義エディタ</a:t>
             </a:r>
-            <a:endParaRPr kumimoji="1" lang="ja-JP" altLang="en-US" sz="2400" dirty="0">
+            <a:endParaRPr kumimoji="1" lang="ja-JP" altLang="en-US" sz="3200" dirty="0">
               <a:solidFill>
                 <a:schemeClr val="accent1">
                   <a:lumMod val="60000"/>
@@ -16815,8 +16025,8 @@
         </p:nvSpPr>
         <p:spPr>
           <a:xfrm>
-            <a:off x="238205" y="1691110"/>
-            <a:ext cx="8775166" cy="2369880"/>
+            <a:off x="238205" y="2148998"/>
+            <a:ext cx="8775166" cy="830997"/>
           </a:xfrm>
           <a:prstGeom prst="rect">
             <a:avLst/>
@@ -16829,124 +16039,40 @@
           </a:bodyPr>
           <a:lstStyle/>
           <a:p>
-            <a:pPr marL="285750" indent="-285750">
+            <a:pPr marL="342900" indent="-342900">
               <a:buFont typeface="Wingdings" panose="05000000000000000000" pitchFamily="2" charset="2"/>
               <a:buChar char="u"/>
             </a:pPr>
             <a:r>
-              <a:rPr lang="ja-JP" altLang="en-US" sz="2000" dirty="0"/>
-              <a:t>構成確認</a:t>
-            </a:r>
-            <a:r>
-              <a:rPr lang="ja-JP" altLang="en-US" sz="2000" dirty="0" smtClean="0"/>
-              <a:t>画面ではシステム構成を確認，ネットワークに関する項目の追加が可能</a:t>
-            </a:r>
-            <a:endParaRPr lang="en-US" altLang="ja-JP" sz="2000" dirty="0" smtClean="0"/>
-          </a:p>
-          <a:p>
-            <a:pPr marL="285750" indent="-285750">
-              <a:buFont typeface="Wingdings" panose="05000000000000000000" pitchFamily="2" charset="2"/>
-              <a:buChar char="u"/>
-            </a:pPr>
-            <a:r>
-              <a:rPr kumimoji="1" lang="ja-JP" altLang="en-US" sz="2000" dirty="0"/>
-              <a:t>詳細設定</a:t>
-            </a:r>
-            <a:r>
-              <a:rPr kumimoji="1" lang="ja-JP" altLang="en-US" sz="2000" dirty="0" smtClean="0"/>
-              <a:t>画面</a:t>
-            </a:r>
-            <a:r>
-              <a:rPr kumimoji="1" lang="ja-JP" altLang="en-US" sz="2000" dirty="0"/>
-              <a:t>で</a:t>
-            </a:r>
-            <a:r>
-              <a:rPr kumimoji="1" lang="ja-JP" altLang="en-US" sz="2000" dirty="0" smtClean="0"/>
-              <a:t>はインスタンスの詳細項目を</a:t>
-            </a:r>
-            <a:r>
-              <a:rPr kumimoji="1" lang="ja-JP" altLang="en-US" sz="2000" dirty="0" smtClean="0"/>
-              <a:t>入力可能</a:t>
-            </a:r>
-            <a:endParaRPr kumimoji="1" lang="en-US" altLang="ja-JP" sz="2000" dirty="0" smtClean="0"/>
-          </a:p>
-          <a:p>
-            <a:pPr marL="285750" indent="-285750">
-              <a:buFont typeface="Wingdings" panose="05000000000000000000" pitchFamily="2" charset="2"/>
-              <a:buChar char="u"/>
-            </a:pPr>
-            <a:r>
-              <a:rPr lang="ja-JP" altLang="en-US" sz="2000" dirty="0" smtClean="0"/>
-              <a:t>被験者の能力に影響されず短い一定時間でテンプレートファイルを作成可能</a:t>
-            </a:r>
-            <a:endParaRPr lang="en-US" altLang="ja-JP" sz="2000" dirty="0" smtClean="0"/>
-          </a:p>
-          <a:p>
-            <a:pPr marL="285750" indent="-285750">
-              <a:buFont typeface="Wingdings" panose="05000000000000000000" pitchFamily="2" charset="2"/>
-              <a:buChar char="u"/>
-            </a:pPr>
-            <a:r>
-              <a:rPr kumimoji="1" lang="ja-JP" altLang="en-US" sz="2000" dirty="0" smtClean="0"/>
-              <a:t>被験者は</a:t>
-            </a:r>
-            <a:r>
-              <a:rPr kumimoji="1" lang="en-US" altLang="ja-JP" sz="2000" dirty="0" smtClean="0"/>
+              <a:rPr kumimoji="1" lang="en-US" altLang="ja-JP" sz="2400" dirty="0" smtClean="0"/>
               <a:t>Heat</a:t>
             </a:r>
             <a:r>
-              <a:rPr kumimoji="1" lang="ja-JP" altLang="en-US" sz="2000" dirty="0" smtClean="0"/>
-              <a:t>の専門知識を意識することなくテンプレートファイルを作成可能</a:t>
-            </a:r>
-            <a:endParaRPr kumimoji="1" lang="en-US" altLang="ja-JP" sz="2000" dirty="0" smtClean="0"/>
-          </a:p>
-          <a:p>
-            <a:pPr marL="742950" lvl="1" indent="-285750">
-              <a:buFont typeface="Wingdings" panose="05000000000000000000" pitchFamily="2" charset="2"/>
-              <a:buChar char="Ø"/>
-            </a:pPr>
-            <a:r>
-              <a:rPr kumimoji="1" lang="ja-JP" altLang="en-US" sz="2400" u="sng" dirty="0" smtClean="0"/>
-              <a:t>従来の方式より</a:t>
-            </a:r>
-            <a:r>
-              <a:rPr kumimoji="1" lang="ja-JP" altLang="en-US" sz="2400" u="sng" dirty="0" smtClean="0"/>
-              <a:t>も少ない学習時間で容易</a:t>
-            </a:r>
-            <a:r>
-              <a:rPr lang="ja-JP" altLang="en-US" sz="2400" u="sng" dirty="0"/>
-              <a:t>に</a:t>
-            </a:r>
-            <a:r>
-              <a:rPr kumimoji="1" lang="ja-JP" altLang="en-US" sz="2400" u="sng" dirty="0" smtClean="0"/>
-              <a:t>短時間</a:t>
-            </a:r>
-            <a:r>
-              <a:rPr kumimoji="1" lang="ja-JP" altLang="en-US" sz="2400" u="sng" dirty="0" smtClean="0"/>
-              <a:t>かつ正確に</a:t>
-            </a:r>
-            <a:r>
-              <a:rPr kumimoji="1" lang="en-US" altLang="ja-JP" sz="2400" u="sng" dirty="0" smtClean="0"/>
+              <a:rPr kumimoji="1" lang="ja-JP" altLang="en-US" sz="2400" dirty="0" smtClean="0"/>
+              <a:t>専門知識を意識することなく</a:t>
+            </a:r>
+            <a:r>
+              <a:rPr kumimoji="1" lang="en-US" altLang="ja-JP" sz="2400" dirty="0" smtClean="0"/>
               <a:t>Heat</a:t>
             </a:r>
             <a:r>
-              <a:rPr kumimoji="1" lang="ja-JP" altLang="en-US" sz="2400" u="sng" dirty="0" smtClean="0"/>
-              <a:t>テンプレートファイルを作成可能</a:t>
-            </a:r>
-            <a:endParaRPr kumimoji="1" lang="ja-JP" altLang="en-US" sz="2400" u="sng" dirty="0"/>
-          </a:p>
-        </p:txBody>
-      </p:sp>
-      <p:sp>
-        <p:nvSpPr>
-          <p:cNvPr id="3" name="テキスト ボックス 2"/>
+              <a:rPr kumimoji="1" lang="ja-JP" altLang="en-US" sz="2400" dirty="0" smtClean="0"/>
+              <a:t>テンプレートファイルを作成可能なオーケストレーション定義エディタを実現</a:t>
+            </a:r>
+            <a:endParaRPr kumimoji="1" lang="en-US" altLang="ja-JP" sz="2400" dirty="0" smtClean="0"/>
+          </a:p>
+        </p:txBody>
+      </p:sp>
+      <p:sp>
+        <p:nvSpPr>
+          <p:cNvPr id="7" name="テキスト ボックス 6"/>
           <p:cNvSpPr txBox="1"/>
           <p:nvPr/>
         </p:nvSpPr>
         <p:spPr>
           <a:xfrm>
-            <a:off x="187062" y="4768874"/>
-            <a:ext cx="4438726" cy="461665"/>
+            <a:off x="172890" y="4288665"/>
+            <a:ext cx="8905795" cy="1231106"/>
           </a:xfrm>
           <a:prstGeom prst="rect">
             <a:avLst/>
@@ -16959,79 +16085,71 @@
           </a:bodyPr>
           <a:lstStyle/>
           <a:p>
-            <a:r>
-              <a:rPr kumimoji="1" lang="ja-JP" altLang="en-US" sz="2400" dirty="0" smtClean="0">
-                <a:solidFill>
-                  <a:srgbClr val="00B0F0"/>
-                </a:solidFill>
-              </a:rPr>
-              <a:t>今後の課題</a:t>
-            </a:r>
-            <a:endParaRPr kumimoji="1" lang="ja-JP" altLang="en-US" sz="2400" dirty="0">
-              <a:solidFill>
-                <a:srgbClr val="00B0F0"/>
-              </a:solidFill>
-            </a:endParaRPr>
-          </a:p>
-        </p:txBody>
-      </p:sp>
-      <p:sp>
-        <p:nvSpPr>
-          <p:cNvPr id="6" name="テキスト ボックス 5"/>
-          <p:cNvSpPr txBox="1"/>
+            <a:pPr marL="342900" lvl="1" indent="-342900">
+              <a:buFont typeface="Wingdings" panose="05000000000000000000" pitchFamily="2" charset="2"/>
+              <a:buChar char="Ø"/>
+            </a:pPr>
+            <a:r>
+              <a:rPr lang="ja-JP" altLang="en-US" sz="2800" u="sng" dirty="0"/>
+              <a:t>従来の方式よりも少ない学習時間で容易に短時間かつ正確に</a:t>
+            </a:r>
+            <a:r>
+              <a:rPr lang="en-US" altLang="ja-JP" sz="2800" u="sng" dirty="0"/>
+              <a:t>Heat</a:t>
+            </a:r>
+            <a:r>
+              <a:rPr lang="ja-JP" altLang="en-US" sz="2800" u="sng" dirty="0"/>
+              <a:t>テンプレートファイルを作成可能</a:t>
+            </a:r>
+          </a:p>
+          <a:p>
+            <a:endParaRPr kumimoji="1" lang="ja-JP" altLang="en-US" dirty="0"/>
+          </a:p>
+        </p:txBody>
+      </p:sp>
+      <p:sp>
+        <p:nvSpPr>
+          <p:cNvPr id="9" name="角丸四角形 8"/>
+          <p:cNvSpPr/>
           <p:nvPr/>
         </p:nvSpPr>
         <p:spPr>
           <a:xfrm>
-            <a:off x="316116" y="5230539"/>
-            <a:ext cx="8619344" cy="1015663"/>
+            <a:off x="188301" y="4073530"/>
+            <a:ext cx="8744344" cy="1541659"/>
           </a:xfrm>
-          <a:prstGeom prst="rect">
+          <a:prstGeom prst="roundRect">
             <a:avLst/>
           </a:prstGeom>
           <a:noFill/>
+          <a:ln>
+            <a:solidFill>
+              <a:srgbClr val="FF0000"/>
+            </a:solidFill>
+          </a:ln>
         </p:spPr>
-        <p:txBody>
-          <a:bodyPr wrap="square" rtlCol="0">
-            <a:spAutoFit/>
-          </a:bodyPr>
+        <p:style>
+          <a:lnRef idx="2">
+            <a:schemeClr val="accent1">
+              <a:shade val="50000"/>
+            </a:schemeClr>
+          </a:lnRef>
+          <a:fillRef idx="1">
+            <a:schemeClr val="accent1"/>
+          </a:fillRef>
+          <a:effectRef idx="0">
+            <a:schemeClr val="accent1"/>
+          </a:effectRef>
+          <a:fontRef idx="minor">
+            <a:schemeClr val="lt1"/>
+          </a:fontRef>
+        </p:style>
+        <p:txBody>
+          <a:bodyPr rtlCol="0" anchor="ctr"/>
           <a:lstStyle/>
           <a:p>
-            <a:pPr marL="285750" indent="-285750">
-              <a:buFont typeface="Wingdings" panose="05000000000000000000" pitchFamily="2" charset="2"/>
-              <a:buChar char="u"/>
-            </a:pPr>
-            <a:r>
-              <a:rPr lang="ja-JP" altLang="en-US" sz="2000" dirty="0" smtClean="0"/>
-              <a:t>項目の削除機能追加</a:t>
-            </a:r>
-            <a:endParaRPr lang="en-US" altLang="ja-JP" sz="2000" dirty="0" smtClean="0"/>
-          </a:p>
-          <a:p>
-            <a:pPr marL="285750" indent="-285750">
-              <a:buFont typeface="Wingdings" panose="05000000000000000000" pitchFamily="2" charset="2"/>
-              <a:buChar char="u"/>
-            </a:pPr>
-            <a:r>
-              <a:rPr kumimoji="1" lang="ja-JP" altLang="en-US" sz="2000" dirty="0" smtClean="0"/>
-              <a:t>インスタンス，ネットワークを複数個同時に追加可能に</a:t>
-            </a:r>
-            <a:endParaRPr kumimoji="1" lang="en-US" altLang="ja-JP" sz="2000" dirty="0" smtClean="0"/>
-          </a:p>
-          <a:p>
-            <a:pPr marL="285750" indent="-285750">
-              <a:buFont typeface="Wingdings" panose="05000000000000000000" pitchFamily="2" charset="2"/>
-              <a:buChar char="u"/>
-            </a:pPr>
-            <a:r>
-              <a:rPr lang="ja-JP" altLang="en-US" sz="2000" dirty="0"/>
-              <a:t>構築可能</a:t>
-            </a:r>
-            <a:r>
-              <a:rPr lang="ja-JP" altLang="en-US" sz="2000" dirty="0" smtClean="0"/>
-              <a:t>なシステム構成規模の増大</a:t>
-            </a:r>
-            <a:endParaRPr kumimoji="1" lang="ja-JP" altLang="en-US" sz="2000" dirty="0"/>
+            <a:pPr algn="ctr"/>
+            <a:endParaRPr kumimoji="1" lang="ja-JP" altLang="en-US"/>
           </a:p>
         </p:txBody>
       </p:sp>
@@ -17048,14 +16166,129 @@
   <p:timing>
     <p:tnLst>
       <p:par>
-        <p:cTn id="1" dur="indefinite" restart="never" nodeType="tmRoot"/>
+        <p:cTn id="1" dur="indefinite" restart="never" nodeType="tmRoot">
+          <p:childTnLst>
+            <p:seq concurrent="1" nextAc="seek">
+              <p:cTn id="2" dur="indefinite" nodeType="mainSeq">
+                <p:childTnLst>
+                  <p:par>
+                    <p:cTn id="3" fill="hold">
+                      <p:stCondLst>
+                        <p:cond delay="indefinite"/>
+                      </p:stCondLst>
+                      <p:childTnLst>
+                        <p:par>
+                          <p:cTn id="4" fill="hold">
+                            <p:stCondLst>
+                              <p:cond delay="0"/>
+                            </p:stCondLst>
+                            <p:childTnLst>
+                              <p:par>
+                                <p:cTn id="5" presetID="10" presetClass="entr" presetSubtype="0" fill="hold" grpId="0" nodeType="clickEffect">
+                                  <p:stCondLst>
+                                    <p:cond delay="0"/>
+                                  </p:stCondLst>
+                                  <p:childTnLst>
+                                    <p:set>
+                                      <p:cBhvr>
+                                        <p:cTn id="6" dur="1" fill="hold">
+                                          <p:stCondLst>
+                                            <p:cond delay="0"/>
+                                          </p:stCondLst>
+                                        </p:cTn>
+                                        <p:tgtEl>
+                                          <p:spTgt spid="7"/>
+                                        </p:tgtEl>
+                                        <p:attrNameLst>
+                                          <p:attrName>style.visibility</p:attrName>
+                                        </p:attrNameLst>
+                                      </p:cBhvr>
+                                      <p:to>
+                                        <p:strVal val="visible"/>
+                                      </p:to>
+                                    </p:set>
+                                    <p:animEffect transition="in" filter="fade">
+                                      <p:cBhvr>
+                                        <p:cTn id="7" dur="500"/>
+                                        <p:tgtEl>
+                                          <p:spTgt spid="7"/>
+                                        </p:tgtEl>
+                                      </p:cBhvr>
+                                    </p:animEffect>
+                                  </p:childTnLst>
+                                </p:cTn>
+                              </p:par>
+                              <p:par>
+                                <p:cTn id="8" presetID="10" presetClass="entr" presetSubtype="0" fill="hold" grpId="0" nodeType="withEffect">
+                                  <p:stCondLst>
+                                    <p:cond delay="0"/>
+                                  </p:stCondLst>
+                                  <p:childTnLst>
+                                    <p:set>
+                                      <p:cBhvr>
+                                        <p:cTn id="9" dur="1" fill="hold">
+                                          <p:stCondLst>
+                                            <p:cond delay="0"/>
+                                          </p:stCondLst>
+                                        </p:cTn>
+                                        <p:tgtEl>
+                                          <p:spTgt spid="9"/>
+                                        </p:tgtEl>
+                                        <p:attrNameLst>
+                                          <p:attrName>style.visibility</p:attrName>
+                                        </p:attrNameLst>
+                                      </p:cBhvr>
+                                      <p:to>
+                                        <p:strVal val="visible"/>
+                                      </p:to>
+                                    </p:set>
+                                    <p:animEffect transition="in" filter="fade">
+                                      <p:cBhvr>
+                                        <p:cTn id="10" dur="500"/>
+                                        <p:tgtEl>
+                                          <p:spTgt spid="9"/>
+                                        </p:tgtEl>
+                                      </p:cBhvr>
+                                    </p:animEffect>
+                                  </p:childTnLst>
+                                </p:cTn>
+                              </p:par>
+                            </p:childTnLst>
+                          </p:cTn>
+                        </p:par>
+                      </p:childTnLst>
+                    </p:cTn>
+                  </p:par>
+                </p:childTnLst>
+              </p:cTn>
+              <p:prevCondLst>
+                <p:cond evt="onPrev" delay="0">
+                  <p:tgtEl>
+                    <p:sldTgt/>
+                  </p:tgtEl>
+                </p:cond>
+              </p:prevCondLst>
+              <p:nextCondLst>
+                <p:cond evt="onNext" delay="0">
+                  <p:tgtEl>
+                    <p:sldTgt/>
+                  </p:tgtEl>
+                </p:cond>
+              </p:nextCondLst>
+            </p:seq>
+          </p:childTnLst>
+        </p:cTn>
       </p:par>
     </p:tnLst>
+    <p:bldLst>
+      <p:bldP spid="7" grpId="0"/>
+      <p:bldP spid="9" grpId="0" animBg="1"/>
+    </p:bldLst>
   </p:timing>
 </p:sld>
 </file>
 
-<file path=ppt/slides/slide14.xml><?xml version="1.0" encoding="utf-8"?>
+<file path=ppt/slides/slide15.xml><?xml version="1.0" encoding="utf-8"?>
 <p:sld xmlns:a="http://schemas.openxmlformats.org/drawingml/2006/main" xmlns:r="http://schemas.openxmlformats.org/officeDocument/2006/relationships" xmlns:p="http://schemas.openxmlformats.org/presentationml/2006/main">
   <p:cSld>
     <p:spTree>
@@ -17181,64 +16414,45 @@
             <p:ph idx="1"/>
           </p:nvPr>
         </p:nvSpPr>
-        <p:spPr/>
+        <p:spPr>
+          <a:xfrm>
+            <a:off x="0" y="1435520"/>
+            <a:ext cx="9144000" cy="365399"/>
+          </a:xfrm>
+        </p:spPr>
         <p:txBody>
           <a:bodyPr>
-            <a:normAutofit lnSpcReduction="10000"/>
+            <a:noAutofit/>
           </a:bodyPr>
           <a:lstStyle/>
           <a:p>
             <a:pPr algn="ctr"/>
             <a:r>
-              <a:rPr kumimoji="1" lang="ja-JP" altLang="en-US" dirty="0" smtClean="0"/>
+              <a:rPr kumimoji="1" lang="ja-JP" altLang="en-US" sz="2800" u="sng" dirty="0" smtClean="0"/>
               <a:t>近年クラウドが普及し，今後</a:t>
             </a:r>
             <a:r>
-              <a:rPr kumimoji="1" lang="en-US" altLang="ja-JP" dirty="0" smtClean="0"/>
+              <a:rPr kumimoji="1" lang="en-US" altLang="ja-JP" sz="2800" u="sng" dirty="0" smtClean="0"/>
               <a:t>IaaS</a:t>
             </a:r>
             <a:r>
-              <a:rPr kumimoji="1" lang="ja-JP" altLang="en-US" dirty="0" smtClean="0"/>
+              <a:rPr kumimoji="1" lang="ja-JP" altLang="en-US" sz="2800" u="sng" dirty="0" smtClean="0"/>
               <a:t>の需要が増加</a:t>
             </a:r>
-            <a:endParaRPr kumimoji="1" lang="ja-JP" altLang="en-US" dirty="0"/>
-          </a:p>
-        </p:txBody>
-      </p:sp>
-      <p:graphicFrame>
-        <p:nvGraphicFramePr>
-          <p:cNvPr id="5" name="グラフ 4"/>
-          <p:cNvGraphicFramePr>
-            <a:graphicFrameLocks/>
-          </p:cNvGraphicFramePr>
-          <p:nvPr>
-            <p:extLst>
-              <p:ext uri="{D42A27DB-BD31-4B8C-83A1-F6EECF244321}">
-                <p14:modId xmlns:p14="http://schemas.microsoft.com/office/powerpoint/2010/main" val="2341226726"/>
-              </p:ext>
-            </p:extLst>
-          </p:nvPr>
-        </p:nvGraphicFramePr>
-        <p:xfrm>
-          <a:off x="475781" y="1741036"/>
-          <a:ext cx="8077306" cy="4723484"/>
-        </p:xfrm>
-        <a:graphic>
-          <a:graphicData uri="http://schemas.openxmlformats.org/drawingml/2006/chart">
-            <c:chart xmlns:c="http://schemas.openxmlformats.org/drawingml/2006/chart" xmlns:r="http://schemas.openxmlformats.org/officeDocument/2006/relationships" r:id="rId3"/>
-          </a:graphicData>
-        </a:graphic>
-      </p:graphicFrame>
-      <p:sp>
-        <p:nvSpPr>
-          <p:cNvPr id="6" name="テキスト ボックス 5"/>
+            <a:endParaRPr kumimoji="1" lang="ja-JP" altLang="en-US" sz="2800" u="sng" dirty="0"/>
+          </a:p>
+        </p:txBody>
+      </p:sp>
+      <p:sp>
+        <p:nvSpPr>
+          <p:cNvPr id="4" name="テキスト ボックス 3"/>
           <p:cNvSpPr txBox="1"/>
           <p:nvPr/>
         </p:nvSpPr>
         <p:spPr>
           <a:xfrm>
-            <a:off x="3884227" y="6464520"/>
-            <a:ext cx="5259773" cy="369332"/>
+            <a:off x="502276" y="2089800"/>
+            <a:ext cx="8319752" cy="892552"/>
           </a:xfrm>
           <a:prstGeom prst="rect">
             <a:avLst/>
@@ -17246,48 +16460,183 @@
           <a:noFill/>
         </p:spPr>
         <p:txBody>
-          <a:bodyPr wrap="none" rtlCol="0">
+          <a:bodyPr wrap="square" rtlCol="0">
             <a:spAutoFit/>
           </a:bodyPr>
           <a:lstStyle/>
           <a:p>
             <a:r>
-              <a:rPr lang="ja-JP" altLang="en-US" dirty="0" smtClean="0"/>
-              <a:t>出展</a:t>
-            </a:r>
-            <a:r>
-              <a:rPr lang="en-US" altLang="ja-JP" dirty="0" smtClean="0"/>
-              <a:t>:</a:t>
-            </a:r>
-            <a:r>
-              <a:rPr lang="ja-JP" altLang="en-US" dirty="0" smtClean="0"/>
-              <a:t>総務省 平成</a:t>
-            </a:r>
-            <a:r>
-              <a:rPr lang="en-US" altLang="ja-JP" dirty="0" smtClean="0"/>
-              <a:t>27</a:t>
-            </a:r>
-            <a:r>
-              <a:rPr lang="ja-JP" altLang="en-US" dirty="0" smtClean="0"/>
-              <a:t>年版 情報通信白書 第</a:t>
-            </a:r>
-            <a:r>
-              <a:rPr lang="en-US" altLang="ja-JP" dirty="0" smtClean="0"/>
-              <a:t>5</a:t>
-            </a:r>
-            <a:r>
-              <a:rPr lang="ja-JP" altLang="en-US" dirty="0" smtClean="0"/>
-              <a:t>章第</a:t>
-            </a:r>
-            <a:r>
-              <a:rPr lang="en-US" altLang="ja-JP" dirty="0" smtClean="0"/>
-              <a:t>2</a:t>
-            </a:r>
-            <a:r>
-              <a:rPr lang="ja-JP" altLang="en-US" dirty="0" smtClean="0"/>
-              <a:t>節</a:t>
-            </a:r>
-            <a:endParaRPr kumimoji="1" lang="ja-JP" altLang="en-US" dirty="0"/>
+              <a:rPr kumimoji="1" lang="ja-JP" altLang="en-US" sz="2800" dirty="0" smtClean="0"/>
+              <a:t>クラウドとは</a:t>
+            </a:r>
+            <a:endParaRPr kumimoji="1" lang="en-US" altLang="ja-JP" sz="2800" dirty="0" smtClean="0"/>
+          </a:p>
+          <a:p>
+            <a:pPr marL="342900" indent="-342900">
+              <a:buFont typeface="Wingdings" panose="05000000000000000000" pitchFamily="2" charset="2"/>
+              <a:buChar char="u"/>
+            </a:pPr>
+            <a:r>
+              <a:rPr lang="ja-JP" altLang="en-US" sz="2400" dirty="0"/>
+              <a:t>データ</a:t>
+            </a:r>
+            <a:r>
+              <a:rPr lang="ja-JP" altLang="en-US" sz="2400" dirty="0" smtClean="0"/>
+              <a:t>をインターネット上に保存する手法</a:t>
+            </a:r>
+            <a:endParaRPr kumimoji="1" lang="ja-JP" altLang="en-US" sz="2400" dirty="0"/>
+          </a:p>
+        </p:txBody>
+      </p:sp>
+      <p:sp>
+        <p:nvSpPr>
+          <p:cNvPr id="7" name="テキスト ボックス 6"/>
+          <p:cNvSpPr txBox="1"/>
+          <p:nvPr/>
+        </p:nvSpPr>
+        <p:spPr>
+          <a:xfrm>
+            <a:off x="502276" y="3271234"/>
+            <a:ext cx="8435662" cy="1261884"/>
+          </a:xfrm>
+          <a:prstGeom prst="rect">
+            <a:avLst/>
+          </a:prstGeom>
+          <a:noFill/>
+        </p:spPr>
+        <p:txBody>
+          <a:bodyPr wrap="square" rtlCol="0">
+            <a:spAutoFit/>
+          </a:bodyPr>
+          <a:lstStyle/>
+          <a:p>
+            <a:r>
+              <a:rPr lang="en-US" altLang="ja-JP" sz="2800" dirty="0" smtClean="0"/>
+              <a:t>IaaS</a:t>
+            </a:r>
+            <a:r>
+              <a:rPr lang="ja-JP" altLang="en-US" sz="2800" dirty="0" smtClean="0"/>
+              <a:t>とは</a:t>
+            </a:r>
+            <a:endParaRPr lang="en-US" altLang="ja-JP" sz="2800" dirty="0" smtClean="0"/>
+          </a:p>
+          <a:p>
+            <a:pPr marL="342900" indent="-342900">
+              <a:buFont typeface="Wingdings" panose="05000000000000000000" pitchFamily="2" charset="2"/>
+              <a:buChar char="u"/>
+            </a:pPr>
+            <a:r>
+              <a:rPr kumimoji="1" lang="ja-JP" altLang="en-US" sz="2400" dirty="0" smtClean="0"/>
+              <a:t>クラウドコンピューティング</a:t>
+            </a:r>
+            <a:r>
+              <a:rPr kumimoji="1" lang="ja-JP" altLang="en-US" sz="2400" dirty="0"/>
+              <a:t>で</a:t>
+            </a:r>
+            <a:r>
+              <a:rPr kumimoji="1" lang="ja-JP" altLang="en-US" sz="2400" dirty="0" smtClean="0"/>
+              <a:t>あり，</a:t>
+            </a:r>
+            <a:r>
+              <a:rPr kumimoji="1" lang="en-US" altLang="ja-JP" sz="2400" dirty="0" smtClean="0"/>
+              <a:t>CPU</a:t>
+            </a:r>
+            <a:r>
+              <a:rPr kumimoji="1" lang="ja-JP" altLang="en-US" sz="2400" dirty="0" smtClean="0"/>
+              <a:t>やメモリ，ストレージ等の</a:t>
+            </a:r>
+            <a:r>
+              <a:rPr kumimoji="1" lang="en-US" altLang="ja-JP" sz="2400" dirty="0" smtClean="0"/>
+              <a:t>IT</a:t>
+            </a:r>
+            <a:r>
+              <a:rPr kumimoji="1" lang="ja-JP" altLang="en-US" sz="2400" dirty="0" smtClean="0"/>
+              <a:t>インフラをインターネット経由で提供するサービス</a:t>
+            </a:r>
+            <a:endParaRPr kumimoji="1" lang="ja-JP" altLang="en-US" sz="2400" dirty="0"/>
+          </a:p>
+        </p:txBody>
+      </p:sp>
+      <p:sp>
+        <p:nvSpPr>
+          <p:cNvPr id="8" name="下矢印 7"/>
+          <p:cNvSpPr/>
+          <p:nvPr/>
+        </p:nvSpPr>
+        <p:spPr>
+          <a:xfrm>
+            <a:off x="4031087" y="4636149"/>
+            <a:ext cx="1081825" cy="605552"/>
+          </a:xfrm>
+          <a:prstGeom prst="downArrow">
+            <a:avLst/>
+          </a:prstGeom>
+          <a:solidFill>
+            <a:schemeClr val="accent1">
+              <a:lumMod val="60000"/>
+              <a:lumOff val="40000"/>
+            </a:schemeClr>
+          </a:solidFill>
+        </p:spPr>
+        <p:style>
+          <a:lnRef idx="2">
+            <a:schemeClr val="accent1">
+              <a:shade val="50000"/>
+            </a:schemeClr>
+          </a:lnRef>
+          <a:fillRef idx="1">
+            <a:schemeClr val="accent1"/>
+          </a:fillRef>
+          <a:effectRef idx="0">
+            <a:schemeClr val="accent1"/>
+          </a:effectRef>
+          <a:fontRef idx="minor">
+            <a:schemeClr val="lt1"/>
+          </a:fontRef>
+        </p:style>
+        <p:txBody>
+          <a:bodyPr rtlCol="0" anchor="ctr"/>
+          <a:lstStyle/>
+          <a:p>
+            <a:pPr algn="ctr"/>
+            <a:endParaRPr kumimoji="1" lang="ja-JP" altLang="en-US"/>
+          </a:p>
+        </p:txBody>
+      </p:sp>
+      <p:sp>
+        <p:nvSpPr>
+          <p:cNvPr id="9" name="テキスト ボックス 8"/>
+          <p:cNvSpPr txBox="1"/>
+          <p:nvPr/>
+        </p:nvSpPr>
+        <p:spPr>
+          <a:xfrm>
+            <a:off x="804930" y="5241701"/>
+            <a:ext cx="7830354" cy="954107"/>
+          </a:xfrm>
+          <a:prstGeom prst="rect">
+            <a:avLst/>
+          </a:prstGeom>
+          <a:noFill/>
+        </p:spPr>
+        <p:txBody>
+          <a:bodyPr wrap="square" rtlCol="0">
+            <a:spAutoFit/>
+          </a:bodyPr>
+          <a:lstStyle/>
+          <a:p>
+            <a:r>
+              <a:rPr kumimoji="1" lang="ja-JP" altLang="en-US" sz="2800" u="sng" dirty="0" smtClean="0"/>
+              <a:t>大規模なシステム構成の再現には</a:t>
+            </a:r>
+            <a:endParaRPr kumimoji="1" lang="en-US" altLang="ja-JP" sz="2800" u="sng" dirty="0" smtClean="0"/>
+          </a:p>
+          <a:p>
+            <a:r>
+              <a:rPr kumimoji="1" lang="ja-JP" altLang="en-US" sz="2800" u="sng" dirty="0" smtClean="0"/>
+              <a:t>作業の効率化が求められている</a:t>
+            </a:r>
+            <a:endParaRPr kumimoji="1" lang="ja-JP" altLang="en-US" sz="2800" u="sng" dirty="0"/>
           </a:p>
         </p:txBody>
       </p:sp>
@@ -17304,9 +16653,124 @@
   <p:timing>
     <p:tnLst>
       <p:par>
-        <p:cTn id="1" dur="indefinite" restart="never" nodeType="tmRoot"/>
+        <p:cTn id="1" dur="indefinite" restart="never" nodeType="tmRoot">
+          <p:childTnLst>
+            <p:seq concurrent="1" nextAc="seek">
+              <p:cTn id="2" dur="indefinite" nodeType="mainSeq">
+                <p:childTnLst>
+                  <p:par>
+                    <p:cTn id="3" fill="hold">
+                      <p:stCondLst>
+                        <p:cond delay="indefinite"/>
+                      </p:stCondLst>
+                      <p:childTnLst>
+                        <p:par>
+                          <p:cTn id="4" fill="hold">
+                            <p:stCondLst>
+                              <p:cond delay="0"/>
+                            </p:stCondLst>
+                            <p:childTnLst>
+                              <p:par>
+                                <p:cTn id="5" presetID="10" presetClass="entr" presetSubtype="0" fill="hold" grpId="0" nodeType="clickEffect">
+                                  <p:stCondLst>
+                                    <p:cond delay="0"/>
+                                  </p:stCondLst>
+                                  <p:childTnLst>
+                                    <p:set>
+                                      <p:cBhvr>
+                                        <p:cTn id="6" dur="1" fill="hold">
+                                          <p:stCondLst>
+                                            <p:cond delay="0"/>
+                                          </p:stCondLst>
+                                        </p:cTn>
+                                        <p:tgtEl>
+                                          <p:spTgt spid="8"/>
+                                        </p:tgtEl>
+                                        <p:attrNameLst>
+                                          <p:attrName>style.visibility</p:attrName>
+                                        </p:attrNameLst>
+                                      </p:cBhvr>
+                                      <p:to>
+                                        <p:strVal val="visible"/>
+                                      </p:to>
+                                    </p:set>
+                                    <p:animEffect transition="in" filter="fade">
+                                      <p:cBhvr>
+                                        <p:cTn id="7" dur="500"/>
+                                        <p:tgtEl>
+                                          <p:spTgt spid="8"/>
+                                        </p:tgtEl>
+                                      </p:cBhvr>
+                                    </p:animEffect>
+                                  </p:childTnLst>
+                                </p:cTn>
+                              </p:par>
+                              <p:par>
+                                <p:cTn id="8" presetID="10" presetClass="entr" presetSubtype="0" fill="hold" grpId="0" nodeType="withEffect">
+                                  <p:stCondLst>
+                                    <p:cond delay="0"/>
+                                  </p:stCondLst>
+                                  <p:childTnLst>
+                                    <p:set>
+                                      <p:cBhvr>
+                                        <p:cTn id="9" dur="1" fill="hold">
+                                          <p:stCondLst>
+                                            <p:cond delay="0"/>
+                                          </p:stCondLst>
+                                        </p:cTn>
+                                        <p:tgtEl>
+                                          <p:spTgt spid="9"/>
+                                        </p:tgtEl>
+                                        <p:attrNameLst>
+                                          <p:attrName>style.visibility</p:attrName>
+                                        </p:attrNameLst>
+                                      </p:cBhvr>
+                                      <p:to>
+                                        <p:strVal val="visible"/>
+                                      </p:to>
+                                    </p:set>
+                                    <p:animEffect transition="in" filter="fade">
+                                      <p:cBhvr>
+                                        <p:cTn id="10" dur="500"/>
+                                        <p:tgtEl>
+                                          <p:spTgt spid="9"/>
+                                        </p:tgtEl>
+                                      </p:cBhvr>
+                                    </p:animEffect>
+                                  </p:childTnLst>
+                                </p:cTn>
+                              </p:par>
+                            </p:childTnLst>
+                          </p:cTn>
+                        </p:par>
+                      </p:childTnLst>
+                    </p:cTn>
+                  </p:par>
+                </p:childTnLst>
+              </p:cTn>
+              <p:prevCondLst>
+                <p:cond evt="onPrev" delay="0">
+                  <p:tgtEl>
+                    <p:sldTgt/>
+                  </p:tgtEl>
+                </p:cond>
+              </p:prevCondLst>
+              <p:nextCondLst>
+                <p:cond evt="onNext" delay="0">
+                  <p:tgtEl>
+                    <p:sldTgt/>
+                  </p:tgtEl>
+                </p:cond>
+              </p:nextCondLst>
+            </p:seq>
+          </p:childTnLst>
+        </p:cTn>
       </p:par>
     </p:tnLst>
+    <p:bldLst>
+      <p:bldP spid="8" grpId="0" animBg="1"/>
+      <p:bldP spid="9" grpId="0"/>
+    </p:bldLst>
   </p:timing>
 </p:sld>
 </file>
@@ -17368,12 +16832,12 @@
         <p:spPr>
           <a:xfrm>
             <a:off x="895149" y="1372447"/>
-            <a:ext cx="7547410" cy="399204"/>
+            <a:ext cx="7547410" cy="520747"/>
           </a:xfrm>
         </p:spPr>
         <p:txBody>
           <a:bodyPr>
-            <a:normAutofit fontScale="55000" lnSpcReduction="20000"/>
+            <a:normAutofit fontScale="77500" lnSpcReduction="20000"/>
           </a:bodyPr>
           <a:lstStyle/>
           <a:p>
@@ -17433,8 +16897,8 @@
         </p:nvSpPr>
         <p:spPr>
           <a:xfrm>
-            <a:off x="895149" y="1771651"/>
-            <a:ext cx="7331528" cy="1015663"/>
+            <a:off x="895149" y="1893194"/>
+            <a:ext cx="7331528" cy="1938992"/>
           </a:xfrm>
           <a:prstGeom prst="rect">
             <a:avLst/>
@@ -17452,14 +16916,14 @@
               <a:buChar char="u"/>
             </a:pPr>
             <a:r>
-              <a:rPr kumimoji="1" lang="en-US" altLang="ja-JP" sz="2000" dirty="0" smtClean="0"/>
+              <a:rPr kumimoji="1" lang="en-US" altLang="ja-JP" sz="2400" dirty="0" smtClean="0"/>
               <a:t>IaaS</a:t>
             </a:r>
             <a:r>
-              <a:rPr kumimoji="1" lang="ja-JP" altLang="en-US" sz="2000" dirty="0" smtClean="0"/>
+              <a:rPr kumimoji="1" lang="ja-JP" altLang="en-US" sz="2400" dirty="0" smtClean="0"/>
               <a:t>基盤構築ソフトウェア</a:t>
             </a:r>
-            <a:endParaRPr kumimoji="1" lang="en-US" altLang="ja-JP" sz="2000" dirty="0" smtClean="0"/>
+            <a:endParaRPr kumimoji="1" lang="en-US" altLang="ja-JP" sz="2400" dirty="0" smtClean="0"/>
           </a:p>
           <a:p>
             <a:pPr marL="285750" indent="-285750">
@@ -17467,10 +16931,10 @@
               <a:buChar char="u"/>
             </a:pPr>
             <a:r>
-              <a:rPr kumimoji="1" lang="ja-JP" altLang="en-US" sz="2000" dirty="0" smtClean="0"/>
+              <a:rPr kumimoji="1" lang="ja-JP" altLang="en-US" sz="2400" dirty="0" smtClean="0"/>
               <a:t>様々なコンポーネントから構成されている</a:t>
             </a:r>
-            <a:endParaRPr kumimoji="1" lang="en-US" altLang="ja-JP" sz="2000" dirty="0" smtClean="0"/>
+            <a:endParaRPr kumimoji="1" lang="en-US" altLang="ja-JP" sz="2400" dirty="0" smtClean="0"/>
           </a:p>
           <a:p>
             <a:pPr marL="742950" lvl="1" indent="-285750">
@@ -17478,47 +16942,131 @@
               <a:buChar char="p"/>
             </a:pPr>
             <a:r>
-              <a:rPr kumimoji="1" lang="en-US" altLang="ja-JP" sz="2000" dirty="0" smtClean="0"/>
+              <a:rPr kumimoji="1" lang="ja-JP" altLang="en-US" sz="2400" dirty="0" smtClean="0"/>
+              <a:t>インスタンス</a:t>
+            </a:r>
+            <a:r>
+              <a:rPr kumimoji="1" lang="en-US" altLang="ja-JP" sz="2400" dirty="0" smtClean="0"/>
+              <a:t>(</a:t>
+            </a:r>
+            <a:r>
+              <a:rPr kumimoji="1" lang="ja-JP" altLang="en-US" sz="2400" dirty="0" smtClean="0"/>
+              <a:t>仮想マシン</a:t>
+            </a:r>
+            <a:r>
+              <a:rPr kumimoji="1" lang="en-US" altLang="ja-JP" sz="2400" dirty="0" smtClean="0"/>
+              <a:t>)</a:t>
+            </a:r>
+            <a:r>
+              <a:rPr kumimoji="1" lang="ja-JP" altLang="en-US" sz="2400" dirty="0" smtClean="0"/>
+              <a:t>や仮想ネットワーク，仮想ルーターを構築</a:t>
+            </a:r>
+            <a:endParaRPr lang="en-US" altLang="ja-JP" sz="2400" dirty="0"/>
+          </a:p>
+          <a:p>
+            <a:pPr marL="342900" indent="-342900">
+              <a:buFont typeface="Wingdings" panose="05000000000000000000" pitchFamily="2" charset="2"/>
+              <a:buChar char="u"/>
+            </a:pPr>
+            <a:r>
+              <a:rPr kumimoji="1" lang="en-US" altLang="ja-JP" sz="2400" dirty="0" smtClean="0"/>
               <a:t>Heat</a:t>
             </a:r>
             <a:r>
-              <a:rPr kumimoji="1" lang="ja-JP" altLang="en-US" sz="2000" dirty="0" smtClean="0"/>
-              <a:t>は仮想環境構築を自動化する</a:t>
-            </a:r>
-            <a:endParaRPr kumimoji="1" lang="ja-JP" altLang="en-US" sz="2000" dirty="0"/>
-          </a:p>
-        </p:txBody>
-      </p:sp>
-      <p:pic>
-        <p:nvPicPr>
-          <p:cNvPr id="5" name="図 4"/>
-          <p:cNvPicPr>
-            <a:picLocks noChangeAspect="1"/>
-          </p:cNvPicPr>
+              <a:rPr kumimoji="1" lang="ja-JP" altLang="en-US" sz="2400" dirty="0" smtClean="0"/>
+              <a:t>はそれらの定義を一括でおこなう</a:t>
+            </a:r>
+            <a:endParaRPr kumimoji="1" lang="en-US" altLang="ja-JP" sz="2400" dirty="0" smtClean="0"/>
+          </a:p>
+        </p:txBody>
+      </p:sp>
+      <p:sp>
+        <p:nvSpPr>
+          <p:cNvPr id="6" name="下矢印 5"/>
+          <p:cNvSpPr/>
           <p:nvPr/>
-        </p:nvPicPr>
-        <p:blipFill>
-          <a:blip r:embed="rId3">
-            <a:extLst>
-              <a:ext uri="{28A0092B-C50C-407E-A947-70E740481C1C}">
-                <a14:useLocalDpi xmlns:a14="http://schemas.microsoft.com/office/drawing/2010/main" val="0"/>
-              </a:ext>
-            </a:extLst>
-          </a:blip>
-          <a:stretch>
-            <a:fillRect/>
-          </a:stretch>
-        </p:blipFill>
+        </p:nvSpPr>
         <p:spPr>
           <a:xfrm>
-            <a:off x="1613090" y="2733412"/>
-            <a:ext cx="5762072" cy="4124588"/>
+            <a:off x="4089304" y="4056845"/>
+            <a:ext cx="1159099" cy="888642"/>
+          </a:xfrm>
+          <a:prstGeom prst="downArrow">
+            <a:avLst/>
+          </a:prstGeom>
+          <a:solidFill>
+            <a:srgbClr val="FF0000"/>
+          </a:solidFill>
+        </p:spPr>
+        <p:style>
+          <a:lnRef idx="2">
+            <a:schemeClr val="accent1">
+              <a:shade val="50000"/>
+            </a:schemeClr>
+          </a:lnRef>
+          <a:fillRef idx="1">
+            <a:schemeClr val="accent1"/>
+          </a:fillRef>
+          <a:effectRef idx="0">
+            <a:schemeClr val="accent1"/>
+          </a:effectRef>
+          <a:fontRef idx="minor">
+            <a:schemeClr val="lt1"/>
+          </a:fontRef>
+        </p:style>
+        <p:txBody>
+          <a:bodyPr rtlCol="0" anchor="ctr"/>
+          <a:lstStyle/>
+          <a:p>
+            <a:pPr algn="ctr"/>
+            <a:endParaRPr kumimoji="1" lang="ja-JP" altLang="en-US"/>
+          </a:p>
+        </p:txBody>
+      </p:sp>
+      <p:sp>
+        <p:nvSpPr>
+          <p:cNvPr id="7" name="テキスト ボックス 6"/>
+          <p:cNvSpPr txBox="1"/>
+          <p:nvPr/>
+        </p:nvSpPr>
+        <p:spPr>
+          <a:xfrm>
+            <a:off x="2777032" y="5170146"/>
+            <a:ext cx="3783644" cy="584775"/>
           </a:xfrm>
           <a:prstGeom prst="rect">
             <a:avLst/>
           </a:prstGeom>
+          <a:noFill/>
         </p:spPr>
-      </p:pic>
+        <p:txBody>
+          <a:bodyPr wrap="square" rtlCol="0">
+            <a:spAutoFit/>
+          </a:bodyPr>
+          <a:lstStyle/>
+          <a:p>
+            <a:r>
+              <a:rPr kumimoji="1" lang="ja-JP" altLang="en-US" sz="3200" b="1" dirty="0" smtClean="0">
+                <a:solidFill>
+                  <a:schemeClr val="accent1">
+                    <a:lumMod val="60000"/>
+                    <a:lumOff val="40000"/>
+                  </a:schemeClr>
+                </a:solidFill>
+              </a:rPr>
+              <a:t>オーケストレーション</a:t>
+            </a:r>
+            <a:endParaRPr kumimoji="1" lang="ja-JP" altLang="en-US" sz="3200" b="1" dirty="0">
+              <a:solidFill>
+                <a:schemeClr val="accent1">
+                  <a:lumMod val="60000"/>
+                  <a:lumOff val="40000"/>
+                </a:schemeClr>
+              </a:solidFill>
+            </a:endParaRPr>
+          </a:p>
+        </p:txBody>
+      </p:sp>
     </p:spTree>
     <p:extLst>
       <p:ext uri="{BB962C8B-B14F-4D97-AF65-F5344CB8AC3E}">
@@ -17532,9 +17080,142 @@
   <p:timing>
     <p:tnLst>
       <p:par>
-        <p:cTn id="1" dur="indefinite" restart="never" nodeType="tmRoot"/>
+        <p:cTn id="1" dur="indefinite" restart="never" nodeType="tmRoot">
+          <p:childTnLst>
+            <p:seq concurrent="1" nextAc="seek">
+              <p:cTn id="2" dur="indefinite" nodeType="mainSeq">
+                <p:childTnLst>
+                  <p:par>
+                    <p:cTn id="3" fill="hold">
+                      <p:stCondLst>
+                        <p:cond delay="indefinite"/>
+                      </p:stCondLst>
+                      <p:childTnLst>
+                        <p:par>
+                          <p:cTn id="4" fill="hold">
+                            <p:stCondLst>
+                              <p:cond delay="0"/>
+                            </p:stCondLst>
+                            <p:childTnLst>
+                              <p:par>
+                                <p:cTn id="5" presetID="10" presetClass="entr" presetSubtype="0" fill="hold" grpId="0" nodeType="clickEffect">
+                                  <p:stCondLst>
+                                    <p:cond delay="0"/>
+                                  </p:stCondLst>
+                                  <p:childTnLst>
+                                    <p:set>
+                                      <p:cBhvr>
+                                        <p:cTn id="6" dur="1" fill="hold">
+                                          <p:stCondLst>
+                                            <p:cond delay="0"/>
+                                          </p:stCondLst>
+                                        </p:cTn>
+                                        <p:tgtEl>
+                                          <p:spTgt spid="6"/>
+                                        </p:tgtEl>
+                                        <p:attrNameLst>
+                                          <p:attrName>style.visibility</p:attrName>
+                                        </p:attrNameLst>
+                                      </p:cBhvr>
+                                      <p:to>
+                                        <p:strVal val="visible"/>
+                                      </p:to>
+                                    </p:set>
+                                    <p:animEffect transition="in" filter="fade">
+                                      <p:cBhvr>
+                                        <p:cTn id="7" dur="500"/>
+                                        <p:tgtEl>
+                                          <p:spTgt spid="6"/>
+                                        </p:tgtEl>
+                                      </p:cBhvr>
+                                    </p:animEffect>
+                                  </p:childTnLst>
+                                </p:cTn>
+                              </p:par>
+                            </p:childTnLst>
+                          </p:cTn>
+                        </p:par>
+                      </p:childTnLst>
+                    </p:cTn>
+                  </p:par>
+                  <p:par>
+                    <p:cTn id="8" fill="hold">
+                      <p:stCondLst>
+                        <p:cond delay="indefinite"/>
+                      </p:stCondLst>
+                      <p:childTnLst>
+                        <p:par>
+                          <p:cTn id="9" fill="hold">
+                            <p:stCondLst>
+                              <p:cond delay="0"/>
+                            </p:stCondLst>
+                            <p:childTnLst>
+                              <p:par>
+                                <p:cTn id="10" presetID="10" presetClass="entr" presetSubtype="0" fill="hold" grpId="0" nodeType="clickEffect">
+                                  <p:stCondLst>
+                                    <p:cond delay="0"/>
+                                  </p:stCondLst>
+                                  <p:childTnLst>
+                                    <p:set>
+                                      <p:cBhvr>
+                                        <p:cTn id="11" dur="1" fill="hold">
+                                          <p:stCondLst>
+                                            <p:cond delay="0"/>
+                                          </p:stCondLst>
+                                        </p:cTn>
+                                        <p:tgtEl>
+                                          <p:spTgt spid="7"/>
+                                        </p:tgtEl>
+                                        <p:attrNameLst>
+                                          <p:attrName>style.visibility</p:attrName>
+                                        </p:attrNameLst>
+                                      </p:cBhvr>
+                                      <p:to>
+                                        <p:strVal val="visible"/>
+                                      </p:to>
+                                    </p:set>
+                                    <p:animEffect transition="in" filter="fade">
+                                      <p:cBhvr>
+                                        <p:cTn id="12" dur="500"/>
+                                        <p:tgtEl>
+                                          <p:spTgt spid="7"/>
+                                        </p:tgtEl>
+                                      </p:cBhvr>
+                                    </p:animEffect>
+                                  </p:childTnLst>
+                                </p:cTn>
+                              </p:par>
+                            </p:childTnLst>
+                          </p:cTn>
+                        </p:par>
+                      </p:childTnLst>
+                    </p:cTn>
+                  </p:par>
+                </p:childTnLst>
+              </p:cTn>
+              <p:prevCondLst>
+                <p:cond evt="onPrev" delay="0">
+                  <p:tgtEl>
+                    <p:sldTgt/>
+                  </p:tgtEl>
+                </p:cond>
+              </p:prevCondLst>
+              <p:nextCondLst>
+                <p:cond evt="onNext" delay="0">
+                  <p:tgtEl>
+                    <p:sldTgt/>
+                  </p:tgtEl>
+                </p:cond>
+              </p:nextCondLst>
+            </p:seq>
+          </p:childTnLst>
+        </p:cTn>
       </p:par>
     </p:tnLst>
+    <p:bldLst>
+      <p:bldP spid="6" grpId="0" animBg="1"/>
+      <p:bldP spid="7" grpId="0"/>
+    </p:bldLst>
   </p:timing>
 </p:sld>
 </file>
@@ -17593,7 +17274,12 @@
             <p:ph idx="1"/>
           </p:nvPr>
         </p:nvSpPr>
-        <p:spPr/>
+        <p:spPr>
+          <a:xfrm>
+            <a:off x="744722" y="1255216"/>
+            <a:ext cx="7547410" cy="438429"/>
+          </a:xfrm>
+        </p:spPr>
         <p:txBody>
           <a:bodyPr>
             <a:noAutofit/>
@@ -17601,7 +17287,7 @@
           <a:lstStyle/>
           <a:p>
             <a:r>
-              <a:rPr kumimoji="1" lang="en-US" altLang="ja-JP" sz="2500" dirty="0" smtClean="0">
+              <a:rPr kumimoji="1" lang="en-US" altLang="ja-JP" sz="3600" dirty="0" smtClean="0">
                 <a:solidFill>
                   <a:schemeClr val="accent1">
                     <a:lumMod val="60000"/>
@@ -17611,7 +17297,7 @@
               </a:rPr>
               <a:t>Heat</a:t>
             </a:r>
-            <a:endParaRPr kumimoji="1" lang="ja-JP" altLang="en-US" sz="2500" dirty="0">
+            <a:endParaRPr kumimoji="1" lang="ja-JP" altLang="en-US" sz="3600" dirty="0">
               <a:solidFill>
                 <a:schemeClr val="accent1">
                   <a:lumMod val="60000"/>
@@ -17675,7 +17361,7 @@
         </p:nvSpPr>
         <p:spPr>
           <a:xfrm>
-            <a:off x="744722" y="2366821"/>
+            <a:off x="744722" y="2601000"/>
             <a:ext cx="7347857" cy="461665"/>
           </a:xfrm>
           <a:prstGeom prst="rect">
@@ -17705,7 +17391,7 @@
         </p:nvSpPr>
         <p:spPr>
           <a:xfrm>
-            <a:off x="895149" y="2749575"/>
+            <a:off x="878961" y="3185388"/>
             <a:ext cx="7413171" cy="1015663"/>
           </a:xfrm>
           <a:prstGeom prst="rect">
@@ -18013,9 +17699,299 @@
   <p:timing>
     <p:tnLst>
       <p:par>
-        <p:cTn id="1" dur="indefinite" restart="never" nodeType="tmRoot"/>
+        <p:cTn id="1" dur="indefinite" restart="never" nodeType="tmRoot">
+          <p:childTnLst>
+            <p:seq concurrent="1" nextAc="seek">
+              <p:cTn id="2" dur="indefinite" nodeType="mainSeq">
+                <p:childTnLst>
+                  <p:par>
+                    <p:cTn id="3" fill="hold">
+                      <p:stCondLst>
+                        <p:cond delay="indefinite"/>
+                      </p:stCondLst>
+                      <p:childTnLst>
+                        <p:par>
+                          <p:cTn id="4" fill="hold">
+                            <p:stCondLst>
+                              <p:cond delay="0"/>
+                            </p:stCondLst>
+                            <p:childTnLst>
+                              <p:par>
+                                <p:cTn id="5" presetID="10" presetClass="entr" presetSubtype="0" fill="hold" nodeType="clickEffect">
+                                  <p:stCondLst>
+                                    <p:cond delay="0"/>
+                                  </p:stCondLst>
+                                  <p:childTnLst>
+                                    <p:set>
+                                      <p:cBhvr>
+                                        <p:cTn id="6" dur="1" fill="hold">
+                                          <p:stCondLst>
+                                            <p:cond delay="0"/>
+                                          </p:stCondLst>
+                                        </p:cTn>
+                                        <p:tgtEl>
+                                          <p:spTgt spid="10"/>
+                                        </p:tgtEl>
+                                        <p:attrNameLst>
+                                          <p:attrName>style.visibility</p:attrName>
+                                        </p:attrNameLst>
+                                      </p:cBhvr>
+                                      <p:to>
+                                        <p:strVal val="visible"/>
+                                      </p:to>
+                                    </p:set>
+                                    <p:animEffect transition="in" filter="fade">
+                                      <p:cBhvr>
+                                        <p:cTn id="7" dur="500"/>
+                                        <p:tgtEl>
+                                          <p:spTgt spid="10"/>
+                                        </p:tgtEl>
+                                      </p:cBhvr>
+                                    </p:animEffect>
+                                  </p:childTnLst>
+                                </p:cTn>
+                              </p:par>
+                              <p:par>
+                                <p:cTn id="8" presetID="10" presetClass="entr" presetSubtype="0" fill="hold" nodeType="withEffect">
+                                  <p:stCondLst>
+                                    <p:cond delay="0"/>
+                                  </p:stCondLst>
+                                  <p:childTnLst>
+                                    <p:set>
+                                      <p:cBhvr>
+                                        <p:cTn id="9" dur="1" fill="hold">
+                                          <p:stCondLst>
+                                            <p:cond delay="0"/>
+                                          </p:stCondLst>
+                                        </p:cTn>
+                                        <p:tgtEl>
+                                          <p:spTgt spid="11"/>
+                                        </p:tgtEl>
+                                        <p:attrNameLst>
+                                          <p:attrName>style.visibility</p:attrName>
+                                        </p:attrNameLst>
+                                      </p:cBhvr>
+                                      <p:to>
+                                        <p:strVal val="visible"/>
+                                      </p:to>
+                                    </p:set>
+                                    <p:animEffect transition="in" filter="fade">
+                                      <p:cBhvr>
+                                        <p:cTn id="10" dur="500"/>
+                                        <p:tgtEl>
+                                          <p:spTgt spid="11"/>
+                                        </p:tgtEl>
+                                      </p:cBhvr>
+                                    </p:animEffect>
+                                  </p:childTnLst>
+                                </p:cTn>
+                              </p:par>
+                              <p:par>
+                                <p:cTn id="11" presetID="10" presetClass="entr" presetSubtype="0" fill="hold" nodeType="withEffect">
+                                  <p:stCondLst>
+                                    <p:cond delay="0"/>
+                                  </p:stCondLst>
+                                  <p:childTnLst>
+                                    <p:set>
+                                      <p:cBhvr>
+                                        <p:cTn id="12" dur="1" fill="hold">
+                                          <p:stCondLst>
+                                            <p:cond delay="0"/>
+                                          </p:stCondLst>
+                                        </p:cTn>
+                                        <p:tgtEl>
+                                          <p:spTgt spid="12"/>
+                                        </p:tgtEl>
+                                        <p:attrNameLst>
+                                          <p:attrName>style.visibility</p:attrName>
+                                        </p:attrNameLst>
+                                      </p:cBhvr>
+                                      <p:to>
+                                        <p:strVal val="visible"/>
+                                      </p:to>
+                                    </p:set>
+                                    <p:animEffect transition="in" filter="fade">
+                                      <p:cBhvr>
+                                        <p:cTn id="13" dur="500"/>
+                                        <p:tgtEl>
+                                          <p:spTgt spid="12"/>
+                                        </p:tgtEl>
+                                      </p:cBhvr>
+                                    </p:animEffect>
+                                  </p:childTnLst>
+                                </p:cTn>
+                              </p:par>
+                              <p:par>
+                                <p:cTn id="14" presetID="10" presetClass="entr" presetSubtype="0" fill="hold" nodeType="withEffect">
+                                  <p:stCondLst>
+                                    <p:cond delay="0"/>
+                                  </p:stCondLst>
+                                  <p:childTnLst>
+                                    <p:set>
+                                      <p:cBhvr>
+                                        <p:cTn id="15" dur="1" fill="hold">
+                                          <p:stCondLst>
+                                            <p:cond delay="0"/>
+                                          </p:stCondLst>
+                                        </p:cTn>
+                                        <p:tgtEl>
+                                          <p:spTgt spid="13"/>
+                                        </p:tgtEl>
+                                        <p:attrNameLst>
+                                          <p:attrName>style.visibility</p:attrName>
+                                        </p:attrNameLst>
+                                      </p:cBhvr>
+                                      <p:to>
+                                        <p:strVal val="visible"/>
+                                      </p:to>
+                                    </p:set>
+                                    <p:animEffect transition="in" filter="fade">
+                                      <p:cBhvr>
+                                        <p:cTn id="16" dur="500"/>
+                                        <p:tgtEl>
+                                          <p:spTgt spid="13"/>
+                                        </p:tgtEl>
+                                      </p:cBhvr>
+                                    </p:animEffect>
+                                  </p:childTnLst>
+                                </p:cTn>
+                              </p:par>
+                              <p:par>
+                                <p:cTn id="17" presetID="10" presetClass="entr" presetSubtype="0" fill="hold" nodeType="withEffect">
+                                  <p:stCondLst>
+                                    <p:cond delay="0"/>
+                                  </p:stCondLst>
+                                  <p:childTnLst>
+                                    <p:set>
+                                      <p:cBhvr>
+                                        <p:cTn id="18" dur="1" fill="hold">
+                                          <p:stCondLst>
+                                            <p:cond delay="0"/>
+                                          </p:stCondLst>
+                                        </p:cTn>
+                                        <p:tgtEl>
+                                          <p:spTgt spid="14"/>
+                                        </p:tgtEl>
+                                        <p:attrNameLst>
+                                          <p:attrName>style.visibility</p:attrName>
+                                        </p:attrNameLst>
+                                      </p:cBhvr>
+                                      <p:to>
+                                        <p:strVal val="visible"/>
+                                      </p:to>
+                                    </p:set>
+                                    <p:animEffect transition="in" filter="fade">
+                                      <p:cBhvr>
+                                        <p:cTn id="19" dur="500"/>
+                                        <p:tgtEl>
+                                          <p:spTgt spid="14"/>
+                                        </p:tgtEl>
+                                      </p:cBhvr>
+                                    </p:animEffect>
+                                  </p:childTnLst>
+                                </p:cTn>
+                              </p:par>
+                              <p:par>
+                                <p:cTn id="20" presetID="10" presetClass="entr" presetSubtype="0" fill="hold" grpId="0" nodeType="withEffect">
+                                  <p:stCondLst>
+                                    <p:cond delay="0"/>
+                                  </p:stCondLst>
+                                  <p:childTnLst>
+                                    <p:set>
+                                      <p:cBhvr>
+                                        <p:cTn id="21" dur="1" fill="hold">
+                                          <p:stCondLst>
+                                            <p:cond delay="0"/>
+                                          </p:stCondLst>
+                                        </p:cTn>
+                                        <p:tgtEl>
+                                          <p:spTgt spid="15"/>
+                                        </p:tgtEl>
+                                        <p:attrNameLst>
+                                          <p:attrName>style.visibility</p:attrName>
+                                        </p:attrNameLst>
+                                      </p:cBhvr>
+                                      <p:to>
+                                        <p:strVal val="visible"/>
+                                      </p:to>
+                                    </p:set>
+                                    <p:animEffect transition="in" filter="fade">
+                                      <p:cBhvr>
+                                        <p:cTn id="22" dur="500"/>
+                                        <p:tgtEl>
+                                          <p:spTgt spid="15"/>
+                                        </p:tgtEl>
+                                      </p:cBhvr>
+                                    </p:animEffect>
+                                  </p:childTnLst>
+                                </p:cTn>
+                              </p:par>
+                              <p:par>
+                                <p:cTn id="23" presetID="10" presetClass="entr" presetSubtype="0" fill="hold" grpId="0" nodeType="withEffect">
+                                  <p:stCondLst>
+                                    <p:cond delay="0"/>
+                                  </p:stCondLst>
+                                  <p:childTnLst>
+                                    <p:set>
+                                      <p:cBhvr>
+                                        <p:cTn id="24" dur="1" fill="hold">
+                                          <p:stCondLst>
+                                            <p:cond delay="0"/>
+                                          </p:stCondLst>
+                                        </p:cTn>
+                                        <p:tgtEl>
+                                          <p:spTgt spid="19"/>
+                                        </p:tgtEl>
+                                        <p:attrNameLst>
+                                          <p:attrName>style.visibility</p:attrName>
+                                        </p:attrNameLst>
+                                      </p:cBhvr>
+                                      <p:to>
+                                        <p:strVal val="visible"/>
+                                      </p:to>
+                                    </p:set>
+                                    <p:animEffect transition="in" filter="fade">
+                                      <p:cBhvr>
+                                        <p:cTn id="25" dur="500"/>
+                                        <p:tgtEl>
+                                          <p:spTgt spid="19"/>
+                                        </p:tgtEl>
+                                      </p:cBhvr>
+                                    </p:animEffect>
+                                  </p:childTnLst>
+                                </p:cTn>
+                              </p:par>
+                            </p:childTnLst>
+                          </p:cTn>
+                        </p:par>
+                      </p:childTnLst>
+                    </p:cTn>
+                  </p:par>
+                </p:childTnLst>
+              </p:cTn>
+              <p:prevCondLst>
+                <p:cond evt="onPrev" delay="0">
+                  <p:tgtEl>
+                    <p:sldTgt/>
+                  </p:tgtEl>
+                </p:cond>
+              </p:prevCondLst>
+              <p:nextCondLst>
+                <p:cond evt="onNext" delay="0">
+                  <p:tgtEl>
+                    <p:sldTgt/>
+                  </p:tgtEl>
+                </p:cond>
+              </p:nextCondLst>
+            </p:seq>
+          </p:childTnLst>
+        </p:cTn>
       </p:par>
     </p:tnLst>
+    <p:bldLst>
+      <p:bldP spid="15" grpId="0" animBg="1"/>
+      <p:bldP spid="19" grpId="0"/>
+    </p:bldLst>
   </p:timing>
 </p:sld>
 </file>
@@ -18066,94 +18042,6 @@
       </p:sp>
       <p:sp>
         <p:nvSpPr>
-          <p:cNvPr id="3" name="コンテンツ プレースホルダー 2"/>
-          <p:cNvSpPr>
-            <a:spLocks noGrp="1"/>
-          </p:cNvSpPr>
-          <p:nvPr>
-            <p:ph idx="1"/>
-          </p:nvPr>
-        </p:nvSpPr>
-        <p:spPr>
-          <a:xfrm>
-            <a:off x="13290" y="1315296"/>
-            <a:ext cx="9130710" cy="365399"/>
-          </a:xfrm>
-        </p:spPr>
-        <p:txBody>
-          <a:bodyPr>
-            <a:noAutofit/>
-          </a:bodyPr>
-          <a:lstStyle/>
-          <a:p>
-            <a:pPr marL="0" indent="0" algn="ctr">
-              <a:buNone/>
-            </a:pPr>
-            <a:r>
-              <a:rPr kumimoji="1" lang="ja-JP" altLang="en-US" sz="2800" b="1" dirty="0" smtClean="0"/>
-              <a:t>そのため</a:t>
-            </a:r>
-            <a:endParaRPr kumimoji="1" lang="ja-JP" altLang="en-US" sz="2800" b="1" dirty="0"/>
-          </a:p>
-        </p:txBody>
-      </p:sp>
-      <p:sp>
-        <p:nvSpPr>
-          <p:cNvPr id="4" name="テキスト ボックス 3"/>
-          <p:cNvSpPr txBox="1"/>
-          <p:nvPr/>
-        </p:nvSpPr>
-        <p:spPr>
-          <a:xfrm>
-            <a:off x="13291" y="1853293"/>
-            <a:ext cx="9130710" cy="954107"/>
-          </a:xfrm>
-          <a:prstGeom prst="rect">
-            <a:avLst/>
-          </a:prstGeom>
-          <a:noFill/>
-        </p:spPr>
-        <p:txBody>
-          <a:bodyPr wrap="square" rtlCol="0">
-            <a:spAutoFit/>
-          </a:bodyPr>
-          <a:lstStyle/>
-          <a:p>
-            <a:pPr algn="ctr"/>
-            <a:r>
-              <a:rPr lang="ja-JP" altLang="en-US" sz="2800" dirty="0" smtClean="0">
-                <a:solidFill>
-                  <a:srgbClr val="FF0000"/>
-                </a:solidFill>
-              </a:rPr>
-              <a:t>手動でのテンプレートファイル記述には時間がかかり，</a:t>
-            </a:r>
-            <a:endParaRPr lang="en-US" altLang="ja-JP" sz="2800" dirty="0" smtClean="0">
-              <a:solidFill>
-                <a:srgbClr val="FF0000"/>
-              </a:solidFill>
-            </a:endParaRPr>
-          </a:p>
-          <a:p>
-            <a:pPr algn="ctr"/>
-            <a:r>
-              <a:rPr lang="ja-JP" altLang="en-US" sz="2800" dirty="0" smtClean="0">
-                <a:solidFill>
-                  <a:srgbClr val="FF0000"/>
-                </a:solidFill>
-              </a:rPr>
-              <a:t>記述ミスが起きやすい</a:t>
-            </a:r>
-            <a:endParaRPr kumimoji="1" lang="ja-JP" altLang="en-US" sz="2800" dirty="0">
-              <a:solidFill>
-                <a:srgbClr val="FF0000"/>
-              </a:solidFill>
-            </a:endParaRPr>
-          </a:p>
-        </p:txBody>
-      </p:sp>
-      <p:sp>
-        <p:nvSpPr>
           <p:cNvPr id="5" name="コンテンツ プレースホルダー 2"/>
           <p:cNvSpPr txBox="1">
             <a:spLocks/>
@@ -18162,7 +18050,7 @@
         </p:nvSpPr>
         <p:spPr>
           <a:xfrm>
-            <a:off x="13290" y="3766026"/>
+            <a:off x="-46928" y="1620615"/>
             <a:ext cx="9130710" cy="365399"/>
           </a:xfrm>
           <a:prstGeom prst="rect">
@@ -18440,8 +18328,8 @@
         </p:nvSpPr>
         <p:spPr>
           <a:xfrm>
-            <a:off x="13290" y="4316186"/>
-            <a:ext cx="9130710" cy="1384995"/>
+            <a:off x="1028860" y="2706482"/>
+            <a:ext cx="7445440" cy="1569660"/>
           </a:xfrm>
           <a:prstGeom prst="rect">
             <a:avLst/>
@@ -18454,9 +18342,8 @@
           </a:bodyPr>
           <a:lstStyle/>
           <a:p>
-            <a:pPr algn="ctr"/>
-            <a:r>
-              <a:rPr kumimoji="1" lang="en-US" altLang="ja-JP" sz="2800" dirty="0" smtClean="0">
+            <a:r>
+              <a:rPr kumimoji="1" lang="en-US" altLang="ja-JP" sz="3200" dirty="0" smtClean="0">
                 <a:solidFill>
                   <a:srgbClr val="00B0F0"/>
                 </a:solidFill>
@@ -18464,39 +18351,37 @@
               <a:t>GUI</a:t>
             </a:r>
             <a:r>
-              <a:rPr kumimoji="1" lang="ja-JP" altLang="en-US" sz="2800" dirty="0" smtClean="0">
+              <a:rPr kumimoji="1" lang="ja-JP" altLang="en-US" sz="3200" dirty="0" smtClean="0">
                 <a:solidFill>
                   <a:srgbClr val="00B0F0"/>
                 </a:solidFill>
               </a:rPr>
               <a:t>ベースで構成内容を容易に把握でき，</a:t>
             </a:r>
-            <a:endParaRPr kumimoji="1" lang="en-US" altLang="ja-JP" sz="2800" dirty="0" smtClean="0">
+            <a:endParaRPr kumimoji="1" lang="en-US" altLang="ja-JP" sz="3200" dirty="0" smtClean="0">
               <a:solidFill>
                 <a:srgbClr val="00B0F0"/>
               </a:solidFill>
             </a:endParaRPr>
           </a:p>
           <a:p>
-            <a:pPr algn="ctr"/>
-            <a:r>
-              <a:rPr lang="ja-JP" altLang="en-US" sz="2800" dirty="0" smtClean="0">
+            <a:r>
+              <a:rPr lang="ja-JP" altLang="en-US" sz="3200" dirty="0" smtClean="0">
                 <a:solidFill>
                   <a:srgbClr val="00B0F0"/>
                 </a:solidFill>
               </a:rPr>
               <a:t>テキスト入力を極力撤廃した</a:t>
             </a:r>
-            <a:endParaRPr lang="en-US" altLang="ja-JP" sz="2800" dirty="0" smtClean="0">
+            <a:endParaRPr lang="en-US" altLang="ja-JP" sz="3200" dirty="0" smtClean="0">
               <a:solidFill>
                 <a:srgbClr val="00B0F0"/>
               </a:solidFill>
             </a:endParaRPr>
           </a:p>
           <a:p>
-            <a:pPr algn="ctr"/>
-            <a:r>
-              <a:rPr kumimoji="1" lang="ja-JP" altLang="en-US" sz="2800" dirty="0">
+            <a:r>
+              <a:rPr kumimoji="1" lang="ja-JP" altLang="en-US" sz="3200" dirty="0">
                 <a:solidFill>
                   <a:srgbClr val="00B0F0"/>
                 </a:solidFill>
@@ -18504,14 +18389,14 @@
               <a:t>オーケストレーション定義</a:t>
             </a:r>
             <a:r>
-              <a:rPr kumimoji="1" lang="ja-JP" altLang="en-US" sz="2800" dirty="0" smtClean="0">
+              <a:rPr kumimoji="1" lang="ja-JP" altLang="en-US" sz="3200" dirty="0" smtClean="0">
                 <a:solidFill>
                   <a:srgbClr val="00B0F0"/>
                 </a:solidFill>
               </a:rPr>
               <a:t>エディタを提案</a:t>
             </a:r>
-            <a:endParaRPr kumimoji="1" lang="ja-JP" altLang="en-US" sz="2800" dirty="0">
+            <a:endParaRPr kumimoji="1" lang="ja-JP" altLang="en-US" sz="3200" dirty="0">
               <a:solidFill>
                 <a:srgbClr val="00B0F0"/>
               </a:solidFill>
@@ -18584,11 +18469,19 @@
             </a:r>
             <a:r>
               <a:rPr lang="ja-JP" altLang="en-US" b="1" dirty="0" smtClean="0"/>
-              <a:t>定義エディタの提案</a:t>
+              <a:t>定義エディタ</a:t>
+            </a:r>
+            <a:r>
+              <a:rPr lang="ja-JP" altLang="en-US" b="1" dirty="0" smtClean="0"/>
+              <a:t>の</a:t>
+            </a:r>
+            <a:r>
+              <a:rPr lang="ja-JP" altLang="en-US" b="1" dirty="0"/>
+              <a:t>概要</a:t>
             </a:r>
             <a:r>
               <a:rPr lang="en-US" altLang="ja-JP" b="1" dirty="0" smtClean="0"/>
-              <a:t>(1/3)</a:t>
+              <a:t>(1/4)</a:t>
             </a:r>
             <a:endParaRPr kumimoji="1" lang="ja-JP" altLang="en-US" b="1" dirty="0"/>
           </a:p>
@@ -18606,7 +18499,7 @@
         </p:nvSpPr>
         <p:spPr>
           <a:xfrm>
-            <a:off x="744722" y="1255216"/>
+            <a:off x="512545" y="1271716"/>
             <a:ext cx="7547410" cy="581747"/>
           </a:xfrm>
         </p:spPr>
@@ -18617,7 +18510,7 @@
           <a:lstStyle/>
           <a:p>
             <a:r>
-              <a:rPr kumimoji="1" lang="ja-JP" altLang="en-US" sz="2500" dirty="0" smtClean="0">
+              <a:rPr kumimoji="1" lang="ja-JP" altLang="en-US" sz="3200" dirty="0" smtClean="0">
                 <a:solidFill>
                   <a:schemeClr val="accent1">
                     <a:lumMod val="60000"/>
@@ -18627,7 +18520,7 @@
               </a:rPr>
               <a:t>オーケストレーション定義エディタ</a:t>
             </a:r>
-            <a:endParaRPr kumimoji="1" lang="ja-JP" altLang="en-US" sz="2500" dirty="0">
+            <a:endParaRPr kumimoji="1" lang="ja-JP" altLang="en-US" sz="3200" dirty="0">
               <a:solidFill>
                 <a:schemeClr val="accent1">
                   <a:lumMod val="60000"/>
@@ -18646,8 +18539,8 @@
         </p:nvSpPr>
         <p:spPr>
           <a:xfrm>
-            <a:off x="898071" y="1836964"/>
-            <a:ext cx="7723415" cy="707886"/>
+            <a:off x="744722" y="1841372"/>
+            <a:ext cx="8413354" cy="830997"/>
           </a:xfrm>
           <a:prstGeom prst="rect">
             <a:avLst/>
@@ -18665,22 +18558,22 @@
               <a:buChar char="u"/>
             </a:pPr>
             <a:r>
-              <a:rPr lang="ja-JP" altLang="en-US" sz="2000" dirty="0"/>
+              <a:rPr lang="ja-JP" altLang="en-US" sz="2400" dirty="0"/>
               <a:t>構成確認画面で</a:t>
             </a:r>
             <a:r>
-              <a:rPr lang="ja-JP" altLang="en-US" sz="2000" dirty="0" smtClean="0"/>
+              <a:rPr lang="ja-JP" altLang="en-US" sz="2400" dirty="0" smtClean="0"/>
               <a:t>システム</a:t>
             </a:r>
             <a:r>
-              <a:rPr lang="ja-JP" altLang="en-US" sz="2000" dirty="0"/>
+              <a:rPr lang="ja-JP" altLang="en-US" sz="2400" dirty="0"/>
               <a:t>構成</a:t>
             </a:r>
             <a:r>
-              <a:rPr lang="ja-JP" altLang="en-US" sz="2000" dirty="0" smtClean="0"/>
+              <a:rPr lang="ja-JP" altLang="en-US" sz="2400" dirty="0" smtClean="0"/>
               <a:t>を可視化</a:t>
             </a:r>
-            <a:endParaRPr lang="en-US" altLang="ja-JP" sz="2000" dirty="0" smtClean="0"/>
+            <a:endParaRPr lang="en-US" altLang="ja-JP" sz="2400" dirty="0" smtClean="0"/>
           </a:p>
           <a:p>
             <a:pPr marL="342900" indent="-342900">
@@ -18688,18 +18581,18 @@
               <a:buChar char="u"/>
             </a:pPr>
             <a:r>
-              <a:rPr lang="ja-JP" altLang="en-US" sz="2000" dirty="0" smtClean="0"/>
+              <a:rPr lang="ja-JP" altLang="en-US" sz="2400" dirty="0" smtClean="0"/>
               <a:t>詳細</a:t>
             </a:r>
             <a:r>
-              <a:rPr lang="ja-JP" altLang="en-US" sz="2000" dirty="0"/>
+              <a:rPr lang="ja-JP" altLang="en-US" sz="2400" dirty="0"/>
               <a:t>設定画面で入力項目をプルダウンメニューから選択</a:t>
             </a:r>
             <a:r>
-              <a:rPr lang="ja-JP" altLang="en-US" sz="2000" dirty="0" smtClean="0"/>
+              <a:rPr lang="ja-JP" altLang="en-US" sz="2400" dirty="0" smtClean="0"/>
               <a:t>する</a:t>
             </a:r>
-            <a:endParaRPr kumimoji="1" lang="en-US" altLang="ja-JP" sz="2000" dirty="0" smtClean="0"/>
+            <a:endParaRPr kumimoji="1" lang="en-US" altLang="ja-JP" sz="2400" dirty="0" smtClean="0"/>
           </a:p>
         </p:txBody>
       </p:sp>
@@ -18980,11 +18873,15 @@
           <a:p>
             <a:r>
               <a:rPr kumimoji="1" lang="ja-JP" altLang="en-US" b="1" dirty="0" smtClean="0"/>
-              <a:t>オーケストレーション定義エディタの提案</a:t>
+              <a:t>オーケストレーション定義エディタ</a:t>
+            </a:r>
+            <a:r>
+              <a:rPr kumimoji="1" lang="ja-JP" altLang="en-US" b="1" dirty="0" smtClean="0"/>
+              <a:t>の概要</a:t>
             </a:r>
             <a:r>
               <a:rPr kumimoji="1" lang="en-US" altLang="ja-JP" b="1" dirty="0" smtClean="0"/>
-              <a:t>(2/3)</a:t>
+              <a:t>(2/4)</a:t>
             </a:r>
             <a:endParaRPr kumimoji="1" lang="ja-JP" altLang="en-US" b="1" dirty="0"/>
           </a:p>
@@ -19027,8 +18924,8 @@
         </p:nvSpPr>
         <p:spPr>
           <a:xfrm>
-            <a:off x="466147" y="1156321"/>
-            <a:ext cx="5177083" cy="1015663"/>
+            <a:off x="76841" y="1156321"/>
+            <a:ext cx="5566390" cy="1261884"/>
           </a:xfrm>
           <a:prstGeom prst="rect">
             <a:avLst/>
@@ -19046,10 +18943,10 @@
               <a:buChar char="u"/>
             </a:pPr>
             <a:r>
-              <a:rPr kumimoji="1" lang="ja-JP" altLang="en-US" sz="2000" dirty="0" smtClean="0"/>
+              <a:rPr kumimoji="1" lang="ja-JP" altLang="en-US" sz="2800" dirty="0" smtClean="0"/>
               <a:t>システム構成の可視化</a:t>
             </a:r>
-            <a:endParaRPr kumimoji="1" lang="en-US" altLang="ja-JP" sz="2000" dirty="0" smtClean="0"/>
+            <a:endParaRPr kumimoji="1" lang="en-US" altLang="ja-JP" sz="2800" dirty="0" smtClean="0"/>
           </a:p>
           <a:p>
             <a:pPr marL="800100" lvl="1" indent="-342900">
@@ -19057,14 +18954,14 @@
               <a:buChar char="Ø"/>
             </a:pPr>
             <a:r>
-              <a:rPr lang="en-US" altLang="ja-JP" sz="2000" dirty="0" smtClean="0"/>
+              <a:rPr lang="en-US" altLang="ja-JP" sz="2400" dirty="0" smtClean="0"/>
               <a:t>GUI</a:t>
             </a:r>
             <a:r>
-              <a:rPr lang="ja-JP" altLang="en-US" sz="2000" dirty="0" smtClean="0"/>
+              <a:rPr lang="ja-JP" altLang="en-US" sz="2400" dirty="0" smtClean="0"/>
               <a:t>ベースにすることでテキストではわかりづらかった構成を可視化</a:t>
             </a:r>
-            <a:endParaRPr kumimoji="1" lang="ja-JP" altLang="en-US" sz="2000" dirty="0"/>
+            <a:endParaRPr kumimoji="1" lang="ja-JP" altLang="en-US" sz="2400" dirty="0"/>
           </a:p>
         </p:txBody>
       </p:sp>
@@ -19090,7 +18987,7 @@
         </p:blipFill>
         <p:spPr>
           <a:xfrm>
-            <a:off x="144956" y="2536866"/>
+            <a:off x="263264" y="2581976"/>
             <a:ext cx="1631085" cy="3810146"/>
           </a:xfrm>
           <a:prstGeom prst="rect">
@@ -19120,7 +19017,7 @@
         </p:blipFill>
         <p:spPr>
           <a:xfrm>
-            <a:off x="1877259" y="2536866"/>
+            <a:off x="1995567" y="2581976"/>
             <a:ext cx="1677130" cy="3863934"/>
           </a:xfrm>
           <a:prstGeom prst="rect">
@@ -19150,7 +19047,7 @@
         </p:blipFill>
         <p:spPr>
           <a:xfrm>
-            <a:off x="3655607" y="2536866"/>
+            <a:off x="3773915" y="2581976"/>
             <a:ext cx="1523533" cy="1527988"/>
           </a:xfrm>
           <a:prstGeom prst="rect">
@@ -19166,7 +19063,7 @@
         </p:nvCxnSpPr>
         <p:spPr>
           <a:xfrm>
-            <a:off x="1776041" y="2289842"/>
+            <a:off x="1894349" y="2334952"/>
             <a:ext cx="0" cy="4180114"/>
           </a:xfrm>
           <a:prstGeom prst="line">
@@ -19201,7 +19098,7 @@
         </p:nvCxnSpPr>
         <p:spPr>
           <a:xfrm>
-            <a:off x="3554389" y="2289842"/>
+            <a:off x="3672697" y="2334952"/>
             <a:ext cx="0" cy="4180114"/>
           </a:xfrm>
           <a:prstGeom prst="line">
@@ -19236,7 +19133,7 @@
         </p:nvSpPr>
         <p:spPr>
           <a:xfrm>
-            <a:off x="76840" y="2289842"/>
+            <a:off x="195148" y="2334952"/>
             <a:ext cx="5102300" cy="4180114"/>
           </a:xfrm>
           <a:prstGeom prst="rect">
@@ -19282,7 +19179,7 @@
         </p:nvSpPr>
         <p:spPr>
           <a:xfrm>
-            <a:off x="4833358" y="4064854"/>
+            <a:off x="4951666" y="4109964"/>
             <a:ext cx="691563" cy="322730"/>
           </a:xfrm>
           <a:prstGeom prst="rightArrow">
@@ -19352,7 +19249,7 @@
         </p:nvSpPr>
         <p:spPr>
           <a:xfrm>
-            <a:off x="1334462" y="6488668"/>
+            <a:off x="1452770" y="6533778"/>
             <a:ext cx="2587055" cy="369332"/>
           </a:xfrm>
           <a:prstGeom prst="rect">
@@ -19458,7 +19355,7 @@
         <p:spPr>
           <a:xfrm>
             <a:off x="13290" y="140513"/>
-            <a:ext cx="9033274" cy="754154"/>
+            <a:ext cx="8808738" cy="754154"/>
           </a:xfrm>
         </p:spPr>
         <p:txBody>
@@ -19468,16 +19365,567 @@
           <a:lstStyle/>
           <a:p>
             <a:r>
+              <a:rPr kumimoji="1" lang="ja-JP" altLang="en-US" dirty="0" smtClean="0"/>
+              <a:t>オーケストレーション定義エディタの概要</a:t>
+            </a:r>
+            <a:r>
+              <a:rPr kumimoji="1" lang="en-US" altLang="ja-JP" dirty="0" smtClean="0"/>
+              <a:t>(3/4)</a:t>
+            </a:r>
+            <a:endParaRPr kumimoji="1" lang="ja-JP" altLang="en-US" dirty="0"/>
+          </a:p>
+        </p:txBody>
+      </p:sp>
+      <p:sp>
+        <p:nvSpPr>
+          <p:cNvPr id="4" name="テキスト ボックス 3"/>
+          <p:cNvSpPr txBox="1"/>
+          <p:nvPr/>
+        </p:nvSpPr>
+        <p:spPr>
+          <a:xfrm>
+            <a:off x="76841" y="1156321"/>
+            <a:ext cx="5566390" cy="523220"/>
+          </a:xfrm>
+          <a:prstGeom prst="rect">
+            <a:avLst/>
+          </a:prstGeom>
+          <a:noFill/>
+        </p:spPr>
+        <p:txBody>
+          <a:bodyPr wrap="square" rtlCol="0">
+            <a:spAutoFit/>
+          </a:bodyPr>
+          <a:lstStyle/>
+          <a:p>
+            <a:pPr marL="342900" indent="-342900">
+              <a:buFont typeface="Wingdings" panose="05000000000000000000" pitchFamily="2" charset="2"/>
+              <a:buChar char="u"/>
+            </a:pPr>
+            <a:r>
+              <a:rPr kumimoji="1" lang="ja-JP" altLang="en-US" sz="2800" dirty="0" smtClean="0"/>
+              <a:t>構成確認画面の動き</a:t>
+            </a:r>
+            <a:endParaRPr kumimoji="1" lang="ja-JP" altLang="en-US" sz="2800" dirty="0"/>
+          </a:p>
+        </p:txBody>
+      </p:sp>
+      <p:pic>
+        <p:nvPicPr>
+          <p:cNvPr id="5" name="図 4"/>
+          <p:cNvPicPr>
+            <a:picLocks noChangeAspect="1"/>
+          </p:cNvPicPr>
+          <p:nvPr/>
+        </p:nvPicPr>
+        <p:blipFill>
+          <a:blip r:embed="rId2">
+            <a:extLst>
+              <a:ext uri="{28A0092B-C50C-407E-A947-70E740481C1C}">
+                <a14:useLocalDpi xmlns:a14="http://schemas.microsoft.com/office/drawing/2010/main" val="0"/>
+              </a:ext>
+            </a:extLst>
+          </a:blip>
+          <a:stretch>
+            <a:fillRect/>
+          </a:stretch>
+        </p:blipFill>
+        <p:spPr>
+          <a:xfrm>
+            <a:off x="2816314" y="1679541"/>
+            <a:ext cx="2826917" cy="4769694"/>
+          </a:xfrm>
+          <a:prstGeom prst="rect">
+            <a:avLst/>
+          </a:prstGeom>
+        </p:spPr>
+      </p:pic>
+      <p:pic>
+        <p:nvPicPr>
+          <p:cNvPr id="6" name="図 5"/>
+          <p:cNvPicPr>
+            <a:picLocks noChangeAspect="1"/>
+          </p:cNvPicPr>
+          <p:nvPr/>
+        </p:nvPicPr>
+        <p:blipFill>
+          <a:blip r:embed="rId3">
+            <a:extLst>
+              <a:ext uri="{28A0092B-C50C-407E-A947-70E740481C1C}">
+                <a14:useLocalDpi xmlns:a14="http://schemas.microsoft.com/office/drawing/2010/main" val="0"/>
+              </a:ext>
+            </a:extLst>
+          </a:blip>
+          <a:stretch>
+            <a:fillRect/>
+          </a:stretch>
+        </p:blipFill>
+        <p:spPr>
+          <a:xfrm>
+            <a:off x="2860036" y="1670022"/>
+            <a:ext cx="2841857" cy="4788732"/>
+          </a:xfrm>
+          <a:prstGeom prst="rect">
+            <a:avLst/>
+          </a:prstGeom>
+        </p:spPr>
+      </p:pic>
+      <p:pic>
+        <p:nvPicPr>
+          <p:cNvPr id="7" name="図 6"/>
+          <p:cNvPicPr>
+            <a:picLocks noChangeAspect="1"/>
+          </p:cNvPicPr>
+          <p:nvPr/>
+        </p:nvPicPr>
+        <p:blipFill>
+          <a:blip r:embed="rId4">
+            <a:extLst>
+              <a:ext uri="{28A0092B-C50C-407E-A947-70E740481C1C}">
+                <a14:useLocalDpi xmlns:a14="http://schemas.microsoft.com/office/drawing/2010/main" val="0"/>
+              </a:ext>
+            </a:extLst>
+          </a:blip>
+          <a:stretch>
+            <a:fillRect/>
+          </a:stretch>
+        </p:blipFill>
+        <p:spPr>
+          <a:xfrm>
+            <a:off x="2865371" y="1670022"/>
+            <a:ext cx="2836522" cy="4772099"/>
+          </a:xfrm>
+          <a:prstGeom prst="rect">
+            <a:avLst/>
+          </a:prstGeom>
+        </p:spPr>
+      </p:pic>
+      <p:pic>
+        <p:nvPicPr>
+          <p:cNvPr id="8" name="図 7"/>
+          <p:cNvPicPr>
+            <a:picLocks noChangeAspect="1"/>
+          </p:cNvPicPr>
+          <p:nvPr/>
+        </p:nvPicPr>
+        <p:blipFill>
+          <a:blip r:embed="rId5">
+            <a:extLst>
+              <a:ext uri="{28A0092B-C50C-407E-A947-70E740481C1C}">
+                <a14:useLocalDpi xmlns:a14="http://schemas.microsoft.com/office/drawing/2010/main" val="0"/>
+              </a:ext>
+            </a:extLst>
+          </a:blip>
+          <a:stretch>
+            <a:fillRect/>
+          </a:stretch>
+        </p:blipFill>
+        <p:spPr>
+          <a:xfrm>
+            <a:off x="2860036" y="1670022"/>
+            <a:ext cx="2842331" cy="4793522"/>
+          </a:xfrm>
+          <a:prstGeom prst="rect">
+            <a:avLst/>
+          </a:prstGeom>
+        </p:spPr>
+      </p:pic>
+      <p:pic>
+        <p:nvPicPr>
+          <p:cNvPr id="9" name="図 8"/>
+          <p:cNvPicPr>
+            <a:picLocks noChangeAspect="1"/>
+          </p:cNvPicPr>
+          <p:nvPr/>
+        </p:nvPicPr>
+        <p:blipFill>
+          <a:blip r:embed="rId6">
+            <a:extLst>
+              <a:ext uri="{28A0092B-C50C-407E-A947-70E740481C1C}">
+                <a14:useLocalDpi xmlns:a14="http://schemas.microsoft.com/office/drawing/2010/main" val="0"/>
+              </a:ext>
+            </a:extLst>
+          </a:blip>
+          <a:stretch>
+            <a:fillRect/>
+          </a:stretch>
+        </p:blipFill>
+        <p:spPr>
+          <a:xfrm>
+            <a:off x="2866923" y="1684021"/>
+            <a:ext cx="2834970" cy="4777128"/>
+          </a:xfrm>
+          <a:prstGeom prst="rect">
+            <a:avLst/>
+          </a:prstGeom>
+        </p:spPr>
+      </p:pic>
+    </p:spTree>
+    <p:extLst>
+      <p:ext uri="{BB962C8B-B14F-4D97-AF65-F5344CB8AC3E}">
+        <p14:creationId xmlns:p14="http://schemas.microsoft.com/office/powerpoint/2010/main" val="3681186858"/>
+      </p:ext>
+    </p:extLst>
+  </p:cSld>
+  <p:clrMapOvr>
+    <a:masterClrMapping/>
+  </p:clrMapOvr>
+  <p:timing>
+    <p:tnLst>
+      <p:par>
+        <p:cTn id="1" dur="indefinite" restart="never" nodeType="tmRoot">
+          <p:childTnLst>
+            <p:seq concurrent="1" nextAc="seek">
+              <p:cTn id="2" dur="indefinite" nodeType="mainSeq">
+                <p:childTnLst>
+                  <p:par>
+                    <p:cTn id="3" fill="hold">
+                      <p:stCondLst>
+                        <p:cond delay="indefinite"/>
+                      </p:stCondLst>
+                      <p:childTnLst>
+                        <p:par>
+                          <p:cTn id="4" fill="hold">
+                            <p:stCondLst>
+                              <p:cond delay="0"/>
+                            </p:stCondLst>
+                            <p:childTnLst>
+                              <p:par>
+                                <p:cTn id="5" presetID="10" presetClass="entr" presetSubtype="0" fill="hold" nodeType="clickEffect">
+                                  <p:stCondLst>
+                                    <p:cond delay="0"/>
+                                  </p:stCondLst>
+                                  <p:childTnLst>
+                                    <p:set>
+                                      <p:cBhvr>
+                                        <p:cTn id="6" dur="1" fill="hold">
+                                          <p:stCondLst>
+                                            <p:cond delay="0"/>
+                                          </p:stCondLst>
+                                        </p:cTn>
+                                        <p:tgtEl>
+                                          <p:spTgt spid="5"/>
+                                        </p:tgtEl>
+                                        <p:attrNameLst>
+                                          <p:attrName>style.visibility</p:attrName>
+                                        </p:attrNameLst>
+                                      </p:cBhvr>
+                                      <p:to>
+                                        <p:strVal val="visible"/>
+                                      </p:to>
+                                    </p:set>
+                                    <p:animEffect transition="in" filter="fade">
+                                      <p:cBhvr>
+                                        <p:cTn id="7" dur="500"/>
+                                        <p:tgtEl>
+                                          <p:spTgt spid="5"/>
+                                        </p:tgtEl>
+                                      </p:cBhvr>
+                                    </p:animEffect>
+                                  </p:childTnLst>
+                                </p:cTn>
+                              </p:par>
+                            </p:childTnLst>
+                          </p:cTn>
+                        </p:par>
+                      </p:childTnLst>
+                    </p:cTn>
+                  </p:par>
+                  <p:par>
+                    <p:cTn id="8" fill="hold">
+                      <p:stCondLst>
+                        <p:cond delay="indefinite"/>
+                      </p:stCondLst>
+                      <p:childTnLst>
+                        <p:par>
+                          <p:cTn id="9" fill="hold">
+                            <p:stCondLst>
+                              <p:cond delay="0"/>
+                            </p:stCondLst>
+                            <p:childTnLst>
+                              <p:par>
+                                <p:cTn id="10" presetID="10" presetClass="entr" presetSubtype="0" fill="hold" nodeType="clickEffect">
+                                  <p:stCondLst>
+                                    <p:cond delay="0"/>
+                                  </p:stCondLst>
+                                  <p:childTnLst>
+                                    <p:set>
+                                      <p:cBhvr>
+                                        <p:cTn id="11" dur="1" fill="hold">
+                                          <p:stCondLst>
+                                            <p:cond delay="0"/>
+                                          </p:stCondLst>
+                                        </p:cTn>
+                                        <p:tgtEl>
+                                          <p:spTgt spid="6"/>
+                                        </p:tgtEl>
+                                        <p:attrNameLst>
+                                          <p:attrName>style.visibility</p:attrName>
+                                        </p:attrNameLst>
+                                      </p:cBhvr>
+                                      <p:to>
+                                        <p:strVal val="visible"/>
+                                      </p:to>
+                                    </p:set>
+                                    <p:animEffect transition="in" filter="fade">
+                                      <p:cBhvr>
+                                        <p:cTn id="12" dur="500"/>
+                                        <p:tgtEl>
+                                          <p:spTgt spid="6"/>
+                                        </p:tgtEl>
+                                      </p:cBhvr>
+                                    </p:animEffect>
+                                  </p:childTnLst>
+                                </p:cTn>
+                              </p:par>
+                            </p:childTnLst>
+                          </p:cTn>
+                        </p:par>
+                      </p:childTnLst>
+                    </p:cTn>
+                  </p:par>
+                  <p:par>
+                    <p:cTn id="13" fill="hold">
+                      <p:stCondLst>
+                        <p:cond delay="indefinite"/>
+                      </p:stCondLst>
+                      <p:childTnLst>
+                        <p:par>
+                          <p:cTn id="14" fill="hold">
+                            <p:stCondLst>
+                              <p:cond delay="0"/>
+                            </p:stCondLst>
+                            <p:childTnLst>
+                              <p:par>
+                                <p:cTn id="15" presetID="10" presetClass="entr" presetSubtype="0" fill="hold" nodeType="clickEffect">
+                                  <p:stCondLst>
+                                    <p:cond delay="0"/>
+                                  </p:stCondLst>
+                                  <p:childTnLst>
+                                    <p:set>
+                                      <p:cBhvr>
+                                        <p:cTn id="16" dur="1" fill="hold">
+                                          <p:stCondLst>
+                                            <p:cond delay="0"/>
+                                          </p:stCondLst>
+                                        </p:cTn>
+                                        <p:tgtEl>
+                                          <p:spTgt spid="7"/>
+                                        </p:tgtEl>
+                                        <p:attrNameLst>
+                                          <p:attrName>style.visibility</p:attrName>
+                                        </p:attrNameLst>
+                                      </p:cBhvr>
+                                      <p:to>
+                                        <p:strVal val="visible"/>
+                                      </p:to>
+                                    </p:set>
+                                    <p:animEffect transition="in" filter="fade">
+                                      <p:cBhvr>
+                                        <p:cTn id="17" dur="500"/>
+                                        <p:tgtEl>
+                                          <p:spTgt spid="7"/>
+                                        </p:tgtEl>
+                                      </p:cBhvr>
+                                    </p:animEffect>
+                                  </p:childTnLst>
+                                </p:cTn>
+                              </p:par>
+                            </p:childTnLst>
+                          </p:cTn>
+                        </p:par>
+                      </p:childTnLst>
+                    </p:cTn>
+                  </p:par>
+                  <p:par>
+                    <p:cTn id="18" fill="hold">
+                      <p:stCondLst>
+                        <p:cond delay="indefinite"/>
+                      </p:stCondLst>
+                      <p:childTnLst>
+                        <p:par>
+                          <p:cTn id="19" fill="hold">
+                            <p:stCondLst>
+                              <p:cond delay="0"/>
+                            </p:stCondLst>
+                            <p:childTnLst>
+                              <p:par>
+                                <p:cTn id="20" presetID="10" presetClass="entr" presetSubtype="0" fill="hold" nodeType="clickEffect">
+                                  <p:stCondLst>
+                                    <p:cond delay="0"/>
+                                  </p:stCondLst>
+                                  <p:childTnLst>
+                                    <p:set>
+                                      <p:cBhvr>
+                                        <p:cTn id="21" dur="1" fill="hold">
+                                          <p:stCondLst>
+                                            <p:cond delay="0"/>
+                                          </p:stCondLst>
+                                        </p:cTn>
+                                        <p:tgtEl>
+                                          <p:spTgt spid="8"/>
+                                        </p:tgtEl>
+                                        <p:attrNameLst>
+                                          <p:attrName>style.visibility</p:attrName>
+                                        </p:attrNameLst>
+                                      </p:cBhvr>
+                                      <p:to>
+                                        <p:strVal val="visible"/>
+                                      </p:to>
+                                    </p:set>
+                                    <p:animEffect transition="in" filter="fade">
+                                      <p:cBhvr>
+                                        <p:cTn id="22" dur="500"/>
+                                        <p:tgtEl>
+                                          <p:spTgt spid="8"/>
+                                        </p:tgtEl>
+                                      </p:cBhvr>
+                                    </p:animEffect>
+                                  </p:childTnLst>
+                                </p:cTn>
+                              </p:par>
+                            </p:childTnLst>
+                          </p:cTn>
+                        </p:par>
+                      </p:childTnLst>
+                    </p:cTn>
+                  </p:par>
+                  <p:par>
+                    <p:cTn id="23" fill="hold">
+                      <p:stCondLst>
+                        <p:cond delay="indefinite"/>
+                      </p:stCondLst>
+                      <p:childTnLst>
+                        <p:par>
+                          <p:cTn id="24" fill="hold">
+                            <p:stCondLst>
+                              <p:cond delay="0"/>
+                            </p:stCondLst>
+                            <p:childTnLst>
+                              <p:par>
+                                <p:cTn id="25" presetID="10" presetClass="entr" presetSubtype="0" fill="hold" nodeType="clickEffect">
+                                  <p:stCondLst>
+                                    <p:cond delay="0"/>
+                                  </p:stCondLst>
+                                  <p:childTnLst>
+                                    <p:set>
+                                      <p:cBhvr>
+                                        <p:cTn id="26" dur="1" fill="hold">
+                                          <p:stCondLst>
+                                            <p:cond delay="0"/>
+                                          </p:stCondLst>
+                                        </p:cTn>
+                                        <p:tgtEl>
+                                          <p:spTgt spid="9"/>
+                                        </p:tgtEl>
+                                        <p:attrNameLst>
+                                          <p:attrName>style.visibility</p:attrName>
+                                        </p:attrNameLst>
+                                      </p:cBhvr>
+                                      <p:to>
+                                        <p:strVal val="visible"/>
+                                      </p:to>
+                                    </p:set>
+                                    <p:animEffect transition="in" filter="fade">
+                                      <p:cBhvr>
+                                        <p:cTn id="27" dur="500"/>
+                                        <p:tgtEl>
+                                          <p:spTgt spid="9"/>
+                                        </p:tgtEl>
+                                      </p:cBhvr>
+                                    </p:animEffect>
+                                  </p:childTnLst>
+                                </p:cTn>
+                              </p:par>
+                            </p:childTnLst>
+                          </p:cTn>
+                        </p:par>
+                      </p:childTnLst>
+                    </p:cTn>
+                  </p:par>
+                </p:childTnLst>
+              </p:cTn>
+              <p:prevCondLst>
+                <p:cond evt="onPrev" delay="0">
+                  <p:tgtEl>
+                    <p:sldTgt/>
+                  </p:tgtEl>
+                </p:cond>
+              </p:prevCondLst>
+              <p:nextCondLst>
+                <p:cond evt="onNext" delay="0">
+                  <p:tgtEl>
+                    <p:sldTgt/>
+                  </p:tgtEl>
+                </p:cond>
+              </p:nextCondLst>
+            </p:seq>
+          </p:childTnLst>
+        </p:cTn>
+      </p:par>
+    </p:tnLst>
+  </p:timing>
+</p:sld>
+</file>
+
+<file path=ppt/slides/slide9.xml><?xml version="1.0" encoding="utf-8"?>
+<p:sld xmlns:a="http://schemas.openxmlformats.org/drawingml/2006/main" xmlns:r="http://schemas.openxmlformats.org/officeDocument/2006/relationships" xmlns:p="http://schemas.openxmlformats.org/presentationml/2006/main">
+  <p:cSld>
+    <p:spTree>
+      <p:nvGrpSpPr>
+        <p:cNvPr id="1" name=""/>
+        <p:cNvGrpSpPr/>
+        <p:nvPr/>
+      </p:nvGrpSpPr>
+      <p:grpSpPr>
+        <a:xfrm>
+          <a:off x="0" y="0"/>
+          <a:ext cx="0" cy="0"/>
+          <a:chOff x="0" y="0"/>
+          <a:chExt cx="0" cy="0"/>
+        </a:xfrm>
+      </p:grpSpPr>
+      <p:sp>
+        <p:nvSpPr>
+          <p:cNvPr id="2" name="タイトル 1"/>
+          <p:cNvSpPr>
+            <a:spLocks noGrp="1"/>
+          </p:cNvSpPr>
+          <p:nvPr>
+            <p:ph type="title"/>
+          </p:nvPr>
+        </p:nvSpPr>
+        <p:spPr>
+          <a:xfrm>
+            <a:off x="13290" y="140513"/>
+            <a:ext cx="9033274" cy="754154"/>
+          </a:xfrm>
+        </p:spPr>
+        <p:txBody>
+          <a:bodyPr>
+            <a:normAutofit/>
+          </a:bodyPr>
+          <a:lstStyle/>
+          <a:p>
+            <a:r>
               <a:rPr lang="ja-JP" altLang="en-US" b="1" dirty="0"/>
               <a:t>オーケストレーション定義</a:t>
             </a:r>
             <a:r>
               <a:rPr lang="ja-JP" altLang="en-US" b="1" dirty="0" smtClean="0"/>
-              <a:t>エディタの提案</a:t>
+              <a:t>エディタ</a:t>
+            </a:r>
+            <a:r>
+              <a:rPr lang="ja-JP" altLang="en-US" b="1" dirty="0" smtClean="0"/>
+              <a:t>の</a:t>
+            </a:r>
+            <a:r>
+              <a:rPr lang="ja-JP" altLang="en-US" b="1" dirty="0"/>
+              <a:t>概要</a:t>
             </a:r>
             <a:r>
               <a:rPr lang="en-US" altLang="ja-JP" b="1" dirty="0" smtClean="0"/>
-              <a:t>(3/3)</a:t>
+              <a:t>(4/4)</a:t>
             </a:r>
             <a:endParaRPr kumimoji="1" lang="ja-JP" altLang="en-US" b="1" dirty="0"/>
           </a:p>
@@ -19866,702 +20314,6 @@
     <p:extLst>
       <p:ext uri="{BB962C8B-B14F-4D97-AF65-F5344CB8AC3E}">
         <p14:creationId xmlns:p14="http://schemas.microsoft.com/office/powerpoint/2010/main" val="573159715"/>
-      </p:ext>
-    </p:extLst>
-  </p:cSld>
-  <p:clrMapOvr>
-    <a:masterClrMapping/>
-  </p:clrMapOvr>
-  <p:timing>
-    <p:tnLst>
-      <p:par>
-        <p:cTn id="1" dur="indefinite" restart="never" nodeType="tmRoot"/>
-      </p:par>
-    </p:tnLst>
-  </p:timing>
-</p:sld>
-</file>
-
-<file path=ppt/slides/slide9.xml><?xml version="1.0" encoding="utf-8"?>
-<p:sld xmlns:a="http://schemas.openxmlformats.org/drawingml/2006/main" xmlns:r="http://schemas.openxmlformats.org/officeDocument/2006/relationships" xmlns:p="http://schemas.openxmlformats.org/presentationml/2006/main">
-  <p:cSld>
-    <p:spTree>
-      <p:nvGrpSpPr>
-        <p:cNvPr id="1" name=""/>
-        <p:cNvGrpSpPr/>
-        <p:nvPr/>
-      </p:nvGrpSpPr>
-      <p:grpSpPr>
-        <a:xfrm>
-          <a:off x="0" y="0"/>
-          <a:ext cx="0" cy="0"/>
-          <a:chOff x="0" y="0"/>
-          <a:chExt cx="0" cy="0"/>
-        </a:xfrm>
-      </p:grpSpPr>
-      <p:sp>
-        <p:nvSpPr>
-          <p:cNvPr id="20" name="正方形/長方形 19"/>
-          <p:cNvSpPr/>
-          <p:nvPr/>
-        </p:nvSpPr>
-        <p:spPr>
-          <a:xfrm>
-            <a:off x="354978" y="2410460"/>
-            <a:ext cx="1921207" cy="3554569"/>
-          </a:xfrm>
-          <a:prstGeom prst="rect">
-            <a:avLst/>
-          </a:prstGeom>
-          <a:solidFill>
-            <a:schemeClr val="accent2">
-              <a:lumMod val="20000"/>
-              <a:lumOff val="80000"/>
-            </a:schemeClr>
-          </a:solidFill>
-        </p:spPr>
-        <p:style>
-          <a:lnRef idx="2">
-            <a:schemeClr val="accent1">
-              <a:shade val="50000"/>
-            </a:schemeClr>
-          </a:lnRef>
-          <a:fillRef idx="1">
-            <a:schemeClr val="accent1"/>
-          </a:fillRef>
-          <a:effectRef idx="0">
-            <a:schemeClr val="accent1"/>
-          </a:effectRef>
-          <a:fontRef idx="minor">
-            <a:schemeClr val="lt1"/>
-          </a:fontRef>
-        </p:style>
-        <p:txBody>
-          <a:bodyPr rtlCol="0" anchor="ctr"/>
-          <a:lstStyle/>
-          <a:p>
-            <a:pPr algn="ctr"/>
-            <a:endParaRPr kumimoji="1" lang="ja-JP" altLang="en-US"/>
-          </a:p>
-        </p:txBody>
-      </p:sp>
-      <p:sp>
-        <p:nvSpPr>
-          <p:cNvPr id="2" name="タイトル 1"/>
-          <p:cNvSpPr>
-            <a:spLocks noGrp="1"/>
-          </p:cNvSpPr>
-          <p:nvPr>
-            <p:ph type="title"/>
-          </p:nvPr>
-        </p:nvSpPr>
-        <p:spPr>
-          <a:xfrm>
-            <a:off x="13290" y="140513"/>
-            <a:ext cx="6451904" cy="754154"/>
-          </a:xfrm>
-        </p:spPr>
-        <p:txBody>
-          <a:bodyPr>
-            <a:normAutofit/>
-          </a:bodyPr>
-          <a:lstStyle/>
-          <a:p>
-            <a:r>
-              <a:rPr lang="ja-JP" altLang="en-US" b="1" dirty="0" smtClean="0"/>
-              <a:t>評価</a:t>
-            </a:r>
-            <a:r>
-              <a:rPr lang="en-US" altLang="ja-JP" b="1" dirty="0" smtClean="0"/>
-              <a:t>(1/4)</a:t>
-            </a:r>
-            <a:endParaRPr kumimoji="1" lang="ja-JP" altLang="en-US" b="1" dirty="0"/>
-          </a:p>
-        </p:txBody>
-      </p:sp>
-      <p:sp>
-        <p:nvSpPr>
-          <p:cNvPr id="3" name="コンテンツ プレースホルダー 2"/>
-          <p:cNvSpPr>
-            <a:spLocks noGrp="1"/>
-          </p:cNvSpPr>
-          <p:nvPr>
-            <p:ph idx="1"/>
-          </p:nvPr>
-        </p:nvSpPr>
-        <p:spPr>
-          <a:xfrm>
-            <a:off x="744722" y="1255216"/>
-            <a:ext cx="7547410" cy="959950"/>
-          </a:xfrm>
-        </p:spPr>
-        <p:txBody>
-          <a:bodyPr>
-            <a:noAutofit/>
-          </a:bodyPr>
-          <a:lstStyle/>
-          <a:p>
-            <a:pPr algn="ctr"/>
-            <a:r>
-              <a:rPr kumimoji="1" lang="ja-JP" altLang="en-US" sz="2800" b="1" dirty="0" smtClean="0">
-                <a:solidFill>
-                  <a:srgbClr val="00B0F0"/>
-                </a:solidFill>
-              </a:rPr>
-              <a:t>被験者の前提知識学習時間，テンプレートファイル作成所要時間と</a:t>
-            </a:r>
-            <a:r>
-              <a:rPr lang="ja-JP" altLang="en-US" sz="2800" b="1" dirty="0" smtClean="0">
-                <a:solidFill>
-                  <a:srgbClr val="00B0F0"/>
-                </a:solidFill>
-              </a:rPr>
-              <a:t>エラー</a:t>
-            </a:r>
-            <a:r>
-              <a:rPr lang="ja-JP" altLang="en-US" sz="2800" b="1" dirty="0">
-                <a:solidFill>
-                  <a:srgbClr val="00B0F0"/>
-                </a:solidFill>
-              </a:rPr>
-              <a:t>発生</a:t>
-            </a:r>
-            <a:r>
-              <a:rPr lang="ja-JP" altLang="en-US" sz="2800" b="1" dirty="0" smtClean="0">
-                <a:solidFill>
-                  <a:srgbClr val="00B0F0"/>
-                </a:solidFill>
-              </a:rPr>
-              <a:t>回数を記録</a:t>
-            </a:r>
-            <a:endParaRPr kumimoji="1" lang="ja-JP" altLang="en-US" sz="2800" b="1" dirty="0">
-              <a:solidFill>
-                <a:srgbClr val="00B0F0"/>
-              </a:solidFill>
-            </a:endParaRPr>
-          </a:p>
-        </p:txBody>
-      </p:sp>
-      <p:sp>
-        <p:nvSpPr>
-          <p:cNvPr id="4" name="正方形/長方形 3"/>
-          <p:cNvSpPr/>
-          <p:nvPr/>
-        </p:nvSpPr>
-        <p:spPr>
-          <a:xfrm>
-            <a:off x="357230" y="2410460"/>
-            <a:ext cx="8397025" cy="3554569"/>
-          </a:xfrm>
-          <a:prstGeom prst="rect">
-            <a:avLst/>
-          </a:prstGeom>
-          <a:noFill/>
-        </p:spPr>
-        <p:style>
-          <a:lnRef idx="2">
-            <a:schemeClr val="accent1">
-              <a:shade val="50000"/>
-            </a:schemeClr>
-          </a:lnRef>
-          <a:fillRef idx="1">
-            <a:schemeClr val="accent1"/>
-          </a:fillRef>
-          <a:effectRef idx="0">
-            <a:schemeClr val="accent1"/>
-          </a:effectRef>
-          <a:fontRef idx="minor">
-            <a:schemeClr val="lt1"/>
-          </a:fontRef>
-        </p:style>
-        <p:txBody>
-          <a:bodyPr rtlCol="0" anchor="ctr"/>
-          <a:lstStyle/>
-          <a:p>
-            <a:pPr algn="ctr"/>
-            <a:endParaRPr kumimoji="1" lang="ja-JP" altLang="en-US"/>
-          </a:p>
-        </p:txBody>
-      </p:sp>
-      <p:cxnSp>
-        <p:nvCxnSpPr>
-          <p:cNvPr id="6" name="直線コネクタ 5"/>
-          <p:cNvCxnSpPr/>
-          <p:nvPr/>
-        </p:nvCxnSpPr>
-        <p:spPr>
-          <a:xfrm>
-            <a:off x="354978" y="3170314"/>
-            <a:ext cx="8399277" cy="0"/>
-          </a:xfrm>
-          <a:prstGeom prst="line">
-            <a:avLst/>
-          </a:prstGeom>
-          <a:ln>
-            <a:solidFill>
-              <a:schemeClr val="tx1"/>
-            </a:solidFill>
-          </a:ln>
-        </p:spPr>
-        <p:style>
-          <a:lnRef idx="1">
-            <a:schemeClr val="accent1"/>
-          </a:lnRef>
-          <a:fillRef idx="0">
-            <a:schemeClr val="accent1"/>
-          </a:fillRef>
-          <a:effectRef idx="0">
-            <a:schemeClr val="accent1"/>
-          </a:effectRef>
-          <a:fontRef idx="minor">
-            <a:schemeClr val="tx1"/>
-          </a:fontRef>
-        </p:style>
-      </p:cxnSp>
-      <p:sp>
-        <p:nvSpPr>
-          <p:cNvPr id="7" name="テキスト ボックス 6"/>
-          <p:cNvSpPr txBox="1"/>
-          <p:nvPr/>
-        </p:nvSpPr>
-        <p:spPr>
-          <a:xfrm>
-            <a:off x="324906" y="2592741"/>
-            <a:ext cx="1481070" cy="461665"/>
-          </a:xfrm>
-          <a:prstGeom prst="rect">
-            <a:avLst/>
-          </a:prstGeom>
-          <a:noFill/>
-        </p:spPr>
-        <p:txBody>
-          <a:bodyPr wrap="square" rtlCol="0">
-            <a:spAutoFit/>
-          </a:bodyPr>
-          <a:lstStyle/>
-          <a:p>
-            <a:r>
-              <a:rPr kumimoji="1" lang="ja-JP" altLang="en-US" sz="2400" b="1" dirty="0" smtClean="0"/>
-              <a:t>実験内容</a:t>
-            </a:r>
-            <a:endParaRPr kumimoji="1" lang="ja-JP" altLang="en-US" sz="2400" b="1" dirty="0"/>
-          </a:p>
-        </p:txBody>
-      </p:sp>
-      <p:cxnSp>
-        <p:nvCxnSpPr>
-          <p:cNvPr id="9" name="直線コネクタ 8"/>
-          <p:cNvCxnSpPr/>
-          <p:nvPr/>
-        </p:nvCxnSpPr>
-        <p:spPr>
-          <a:xfrm>
-            <a:off x="2284617" y="2410460"/>
-            <a:ext cx="0" cy="3554569"/>
-          </a:xfrm>
-          <a:prstGeom prst="line">
-            <a:avLst/>
-          </a:prstGeom>
-          <a:ln>
-            <a:solidFill>
-              <a:schemeClr val="tx1"/>
-            </a:solidFill>
-          </a:ln>
-        </p:spPr>
-        <p:style>
-          <a:lnRef idx="1">
-            <a:schemeClr val="accent1"/>
-          </a:lnRef>
-          <a:fillRef idx="0">
-            <a:schemeClr val="accent1"/>
-          </a:fillRef>
-          <a:effectRef idx="0">
-            <a:schemeClr val="accent1"/>
-          </a:effectRef>
-          <a:fontRef idx="minor">
-            <a:schemeClr val="tx1"/>
-          </a:fontRef>
-        </p:style>
-      </p:cxnSp>
-      <p:sp>
-        <p:nvSpPr>
-          <p:cNvPr id="10" name="テキスト ボックス 9"/>
-          <p:cNvSpPr txBox="1"/>
-          <p:nvPr/>
-        </p:nvSpPr>
-        <p:spPr>
-          <a:xfrm>
-            <a:off x="2276185" y="2473659"/>
-            <a:ext cx="5583580" cy="646331"/>
-          </a:xfrm>
-          <a:prstGeom prst="rect">
-            <a:avLst/>
-          </a:prstGeom>
-          <a:noFill/>
-        </p:spPr>
-        <p:txBody>
-          <a:bodyPr wrap="none" rtlCol="0">
-            <a:spAutoFit/>
-          </a:bodyPr>
-          <a:lstStyle/>
-          <a:p>
-            <a:r>
-              <a:rPr kumimoji="1" lang="ja-JP" altLang="en-US" b="1" dirty="0" smtClean="0"/>
-              <a:t>従来方式とオーケストレーション定義エディタそれぞれで</a:t>
-            </a:r>
-            <a:endParaRPr kumimoji="1" lang="en-US" altLang="ja-JP" b="1" dirty="0" smtClean="0"/>
-          </a:p>
-          <a:p>
-            <a:r>
-              <a:rPr kumimoji="1" lang="ja-JP" altLang="en-US" b="1" dirty="0" smtClean="0"/>
-              <a:t>同じシステム構成を構築</a:t>
-            </a:r>
-            <a:endParaRPr kumimoji="1" lang="ja-JP" altLang="en-US" b="1" dirty="0"/>
-          </a:p>
-        </p:txBody>
-      </p:sp>
-      <p:cxnSp>
-        <p:nvCxnSpPr>
-          <p:cNvPr id="12" name="直線コネクタ 11"/>
-          <p:cNvCxnSpPr/>
-          <p:nvPr/>
-        </p:nvCxnSpPr>
-        <p:spPr>
-          <a:xfrm>
-            <a:off x="354978" y="3736984"/>
-            <a:ext cx="8399277" cy="0"/>
-          </a:xfrm>
-          <a:prstGeom prst="line">
-            <a:avLst/>
-          </a:prstGeom>
-          <a:ln>
-            <a:solidFill>
-              <a:schemeClr val="tx1"/>
-            </a:solidFill>
-          </a:ln>
-        </p:spPr>
-        <p:style>
-          <a:lnRef idx="1">
-            <a:schemeClr val="accent1"/>
-          </a:lnRef>
-          <a:fillRef idx="0">
-            <a:schemeClr val="accent1"/>
-          </a:fillRef>
-          <a:effectRef idx="0">
-            <a:schemeClr val="accent1"/>
-          </a:effectRef>
-          <a:fontRef idx="minor">
-            <a:schemeClr val="tx1"/>
-          </a:fontRef>
-        </p:style>
-      </p:cxnSp>
-      <p:sp>
-        <p:nvSpPr>
-          <p:cNvPr id="13" name="テキスト ボックス 12"/>
-          <p:cNvSpPr txBox="1"/>
-          <p:nvPr/>
-        </p:nvSpPr>
-        <p:spPr>
-          <a:xfrm>
-            <a:off x="354978" y="3220639"/>
-            <a:ext cx="2453426" cy="461665"/>
-          </a:xfrm>
-          <a:prstGeom prst="rect">
-            <a:avLst/>
-          </a:prstGeom>
-          <a:noFill/>
-        </p:spPr>
-        <p:txBody>
-          <a:bodyPr wrap="square" rtlCol="0">
-            <a:spAutoFit/>
-          </a:bodyPr>
-          <a:lstStyle/>
-          <a:p>
-            <a:r>
-              <a:rPr kumimoji="1" lang="ja-JP" altLang="en-US" sz="2400" dirty="0" smtClean="0"/>
-              <a:t>計測項目</a:t>
-            </a:r>
-            <a:endParaRPr kumimoji="1" lang="ja-JP" altLang="en-US" sz="2400" dirty="0"/>
-          </a:p>
-        </p:txBody>
-      </p:sp>
-      <p:sp>
-        <p:nvSpPr>
-          <p:cNvPr id="15" name="テキスト ボックス 14"/>
-          <p:cNvSpPr txBox="1"/>
-          <p:nvPr/>
-        </p:nvSpPr>
-        <p:spPr>
-          <a:xfrm>
-            <a:off x="2284617" y="3237874"/>
-            <a:ext cx="5454791" cy="369332"/>
-          </a:xfrm>
-          <a:prstGeom prst="rect">
-            <a:avLst/>
-          </a:prstGeom>
-          <a:noFill/>
-        </p:spPr>
-        <p:txBody>
-          <a:bodyPr wrap="square" rtlCol="0">
-            <a:spAutoFit/>
-          </a:bodyPr>
-          <a:lstStyle/>
-          <a:p>
-            <a:r>
-              <a:rPr kumimoji="1" lang="ja-JP" altLang="en-US" b="1" dirty="0" smtClean="0"/>
-              <a:t>学習時間，作成所要時間，エラー発生回数</a:t>
-            </a:r>
-            <a:endParaRPr kumimoji="1" lang="ja-JP" altLang="en-US" b="1" dirty="0"/>
-          </a:p>
-        </p:txBody>
-      </p:sp>
-      <p:cxnSp>
-        <p:nvCxnSpPr>
-          <p:cNvPr id="17" name="直線コネクタ 16"/>
-          <p:cNvCxnSpPr/>
-          <p:nvPr/>
-        </p:nvCxnSpPr>
-        <p:spPr>
-          <a:xfrm>
-            <a:off x="354978" y="4265018"/>
-            <a:ext cx="8399278" cy="0"/>
-          </a:xfrm>
-          <a:prstGeom prst="line">
-            <a:avLst/>
-          </a:prstGeom>
-          <a:ln>
-            <a:solidFill>
-              <a:schemeClr val="tx1"/>
-            </a:solidFill>
-          </a:ln>
-        </p:spPr>
-        <p:style>
-          <a:lnRef idx="1">
-            <a:schemeClr val="accent1"/>
-          </a:lnRef>
-          <a:fillRef idx="0">
-            <a:schemeClr val="accent1"/>
-          </a:fillRef>
-          <a:effectRef idx="0">
-            <a:schemeClr val="accent1"/>
-          </a:effectRef>
-          <a:fontRef idx="minor">
-            <a:schemeClr val="tx1"/>
-          </a:fontRef>
-        </p:style>
-      </p:cxnSp>
-      <p:sp>
-        <p:nvSpPr>
-          <p:cNvPr id="18" name="テキスト ボックス 17"/>
-          <p:cNvSpPr txBox="1"/>
-          <p:nvPr/>
-        </p:nvSpPr>
-        <p:spPr>
-          <a:xfrm>
-            <a:off x="357231" y="3771466"/>
-            <a:ext cx="1738648" cy="461665"/>
-          </a:xfrm>
-          <a:prstGeom prst="rect">
-            <a:avLst/>
-          </a:prstGeom>
-          <a:noFill/>
-        </p:spPr>
-        <p:txBody>
-          <a:bodyPr wrap="square" rtlCol="0">
-            <a:spAutoFit/>
-          </a:bodyPr>
-          <a:lstStyle/>
-          <a:p>
-            <a:r>
-              <a:rPr kumimoji="1" lang="ja-JP" altLang="en-US" sz="2400" dirty="0" smtClean="0"/>
-              <a:t>被験者</a:t>
-            </a:r>
-            <a:endParaRPr kumimoji="1" lang="ja-JP" altLang="en-US" sz="2400" dirty="0"/>
-          </a:p>
-        </p:txBody>
-      </p:sp>
-      <p:sp>
-        <p:nvSpPr>
-          <p:cNvPr id="19" name="テキスト ボックス 18"/>
-          <p:cNvSpPr txBox="1"/>
-          <p:nvPr/>
-        </p:nvSpPr>
-        <p:spPr>
-          <a:xfrm>
-            <a:off x="354978" y="4331387"/>
-            <a:ext cx="1996226" cy="461665"/>
-          </a:xfrm>
-          <a:prstGeom prst="rect">
-            <a:avLst/>
-          </a:prstGeom>
-          <a:noFill/>
-        </p:spPr>
-        <p:txBody>
-          <a:bodyPr wrap="square" rtlCol="0">
-            <a:spAutoFit/>
-          </a:bodyPr>
-          <a:lstStyle/>
-          <a:p>
-            <a:r>
-              <a:rPr kumimoji="1" lang="ja-JP" altLang="en-US" sz="2400" dirty="0" smtClean="0"/>
-              <a:t>システム構成</a:t>
-            </a:r>
-            <a:endParaRPr kumimoji="1" lang="ja-JP" altLang="en-US" sz="2400" dirty="0"/>
-          </a:p>
-        </p:txBody>
-      </p:sp>
-      <p:sp>
-        <p:nvSpPr>
-          <p:cNvPr id="21" name="テキスト ボックス 20"/>
-          <p:cNvSpPr txBox="1"/>
-          <p:nvPr/>
-        </p:nvSpPr>
-        <p:spPr>
-          <a:xfrm>
-            <a:off x="2351203" y="4331385"/>
-            <a:ext cx="5810942" cy="923330"/>
-          </a:xfrm>
-          <a:prstGeom prst="rect">
-            <a:avLst/>
-          </a:prstGeom>
-          <a:noFill/>
-        </p:spPr>
-        <p:txBody>
-          <a:bodyPr wrap="square" rtlCol="0">
-            <a:spAutoFit/>
-          </a:bodyPr>
-          <a:lstStyle/>
-          <a:p>
-            <a:r>
-              <a:rPr kumimoji="1" lang="en-US" altLang="ja-JP" b="1" dirty="0" smtClean="0"/>
-              <a:t>(Ⅰ)1</a:t>
-            </a:r>
-            <a:r>
-              <a:rPr kumimoji="1" lang="ja-JP" altLang="en-US" b="1" dirty="0" smtClean="0"/>
-              <a:t>セグメント構成</a:t>
-            </a:r>
-            <a:r>
-              <a:rPr kumimoji="1" lang="en-US" altLang="ja-JP" b="1" dirty="0" smtClean="0"/>
-              <a:t>(</a:t>
-            </a:r>
-            <a:r>
-              <a:rPr kumimoji="1" lang="ja-JP" altLang="en-US" b="1" dirty="0" smtClean="0"/>
-              <a:t>インスタンス数</a:t>
-            </a:r>
-            <a:r>
-              <a:rPr kumimoji="1" lang="en-US" altLang="ja-JP" b="1" dirty="0" smtClean="0"/>
-              <a:t>5</a:t>
-            </a:r>
-            <a:r>
-              <a:rPr kumimoji="1" lang="ja-JP" altLang="en-US" b="1" dirty="0" smtClean="0"/>
-              <a:t>台</a:t>
-            </a:r>
-            <a:r>
-              <a:rPr kumimoji="1" lang="en-US" altLang="ja-JP" b="1" dirty="0" smtClean="0"/>
-              <a:t>)</a:t>
-            </a:r>
-          </a:p>
-          <a:p>
-            <a:r>
-              <a:rPr lang="en-US" altLang="ja-JP" b="1" dirty="0" smtClean="0"/>
-              <a:t>(Ⅱ)2</a:t>
-            </a:r>
-            <a:r>
-              <a:rPr lang="ja-JP" altLang="en-US" b="1" dirty="0" smtClean="0"/>
-              <a:t>セグメント構成</a:t>
-            </a:r>
-            <a:r>
-              <a:rPr lang="en-US" altLang="ja-JP" b="1" dirty="0" smtClean="0"/>
-              <a:t>(</a:t>
-            </a:r>
-            <a:r>
-              <a:rPr lang="ja-JP" altLang="en-US" b="1" dirty="0" smtClean="0"/>
-              <a:t>インスタンス数</a:t>
-            </a:r>
-            <a:r>
-              <a:rPr lang="en-US" altLang="ja-JP" b="1" dirty="0" smtClean="0"/>
-              <a:t>5</a:t>
-            </a:r>
-            <a:r>
-              <a:rPr lang="ja-JP" altLang="en-US" b="1" dirty="0" smtClean="0"/>
-              <a:t>台</a:t>
-            </a:r>
-            <a:r>
-              <a:rPr lang="en-US" altLang="ja-JP" b="1" dirty="0" smtClean="0"/>
-              <a:t>)</a:t>
-            </a:r>
-          </a:p>
-          <a:p>
-            <a:r>
-              <a:rPr kumimoji="1" lang="en-US" altLang="ja-JP" b="1" dirty="0" smtClean="0"/>
-              <a:t>(Ⅲ)3</a:t>
-            </a:r>
-            <a:r>
-              <a:rPr kumimoji="1" lang="ja-JP" altLang="en-US" b="1" dirty="0" smtClean="0"/>
-              <a:t>セグメント構成</a:t>
-            </a:r>
-            <a:r>
-              <a:rPr kumimoji="1" lang="en-US" altLang="ja-JP" b="1" dirty="0" smtClean="0"/>
-              <a:t>(</a:t>
-            </a:r>
-            <a:r>
-              <a:rPr kumimoji="1" lang="ja-JP" altLang="en-US" b="1" dirty="0" smtClean="0"/>
-              <a:t>インスタンス数</a:t>
-            </a:r>
-            <a:r>
-              <a:rPr kumimoji="1" lang="en-US" altLang="ja-JP" b="1" dirty="0" smtClean="0"/>
-              <a:t>5</a:t>
-            </a:r>
-            <a:r>
-              <a:rPr kumimoji="1" lang="ja-JP" altLang="en-US" b="1" dirty="0" smtClean="0"/>
-              <a:t>台</a:t>
-            </a:r>
-            <a:r>
-              <a:rPr kumimoji="1" lang="en-US" altLang="ja-JP" b="1" dirty="0" smtClean="0"/>
-              <a:t>)</a:t>
-            </a:r>
-            <a:endParaRPr kumimoji="1" lang="ja-JP" altLang="en-US" b="1" dirty="0"/>
-          </a:p>
-        </p:txBody>
-      </p:sp>
-      <p:sp>
-        <p:nvSpPr>
-          <p:cNvPr id="5" name="テキスト ボックス 4"/>
-          <p:cNvSpPr txBox="1"/>
-          <p:nvPr/>
-        </p:nvSpPr>
-        <p:spPr>
-          <a:xfrm>
-            <a:off x="2284616" y="3771466"/>
-            <a:ext cx="6469639" cy="369332"/>
-          </a:xfrm>
-          <a:prstGeom prst="rect">
-            <a:avLst/>
-          </a:prstGeom>
-          <a:noFill/>
-        </p:spPr>
-        <p:txBody>
-          <a:bodyPr wrap="square" rtlCol="0">
-            <a:spAutoFit/>
-          </a:bodyPr>
-          <a:lstStyle/>
-          <a:p>
-            <a:r>
-              <a:rPr kumimoji="1" lang="en-US" altLang="ja-JP" b="1" dirty="0" smtClean="0"/>
-              <a:t>OpenStack</a:t>
-            </a:r>
-            <a:r>
-              <a:rPr kumimoji="1" lang="ja-JP" altLang="en-US" b="1" dirty="0" smtClean="0"/>
-              <a:t>に関する基本的な知識を有したインフラエンジニア５名</a:t>
-            </a:r>
-            <a:endParaRPr kumimoji="1" lang="ja-JP" altLang="en-US" b="1" dirty="0"/>
-          </a:p>
-        </p:txBody>
-      </p:sp>
-    </p:spTree>
-    <p:extLst>
-      <p:ext uri="{BB962C8B-B14F-4D97-AF65-F5344CB8AC3E}">
-        <p14:creationId xmlns:p14="http://schemas.microsoft.com/office/powerpoint/2010/main" val="3352068285"/>
       </p:ext>
     </p:extLst>
   </p:cSld>
@@ -22137,256 +21889,4 @@
     </a:bgFillStyleLst>
   </a:fmtScheme>
 </a:themeOverride>
-</file>
-
-<file path=ppt/theme/themeOverride4.xml><?xml version="1.0" encoding="utf-8"?>
-<a:themeOverride xmlns:a="http://schemas.openxmlformats.org/drawingml/2006/main">
-  <a:clrScheme name="Office">
-    <a:dk1>
-      <a:sysClr val="windowText" lastClr="000000"/>
-    </a:dk1>
-    <a:lt1>
-      <a:sysClr val="window" lastClr="FFFFFF"/>
-    </a:lt1>
-    <a:dk2>
-      <a:srgbClr val="44546A"/>
-    </a:dk2>
-    <a:lt2>
-      <a:srgbClr val="E7E6E6"/>
-    </a:lt2>
-    <a:accent1>
-      <a:srgbClr val="5B9BD5"/>
-    </a:accent1>
-    <a:accent2>
-      <a:srgbClr val="ED7D31"/>
-    </a:accent2>
-    <a:accent3>
-      <a:srgbClr val="A5A5A5"/>
-    </a:accent3>
-    <a:accent4>
-      <a:srgbClr val="FFC000"/>
-    </a:accent4>
-    <a:accent5>
-      <a:srgbClr val="4472C4"/>
-    </a:accent5>
-    <a:accent6>
-      <a:srgbClr val="70AD47"/>
-    </a:accent6>
-    <a:hlink>
-      <a:srgbClr val="0563C1"/>
-    </a:hlink>
-    <a:folHlink>
-      <a:srgbClr val="954F72"/>
-    </a:folHlink>
-  </a:clrScheme>
-  <a:fontScheme name="Office">
-    <a:majorFont>
-      <a:latin typeface="Calibri Light" panose="020F0302020204030204"/>
-      <a:ea typeface=""/>
-      <a:cs typeface=""/>
-      <a:font script="Jpan" typeface="ＭＳ Ｐゴシック"/>
-      <a:font script="Hang" typeface="맑은 고딕"/>
-      <a:font script="Hans" typeface="宋体"/>
-      <a:font script="Hant" typeface="新細明體"/>
-      <a:font script="Arab" typeface="Times New Roman"/>
-      <a:font script="Hebr" typeface="Times New Roman"/>
-      <a:font script="Thai" typeface="Tahoma"/>
-      <a:font script="Ethi" typeface="Nyala"/>
-      <a:font script="Beng" typeface="Vrinda"/>
-      <a:font script="Gujr" typeface="Shruti"/>
-      <a:font script="Khmr" typeface="MoolBoran"/>
-      <a:font script="Knda" typeface="Tunga"/>
-      <a:font script="Guru" typeface="Raavi"/>
-      <a:font script="Cans" typeface="Euphemia"/>
-      <a:font script="Cher" typeface="Plantagenet Cherokee"/>
-      <a:font script="Yiii" typeface="Microsoft Yi Baiti"/>
-      <a:font script="Tibt" typeface="Microsoft Himalaya"/>
-      <a:font script="Thaa" typeface="MV Boli"/>
-      <a:font script="Deva" typeface="Mangal"/>
-      <a:font script="Telu" typeface="Gautami"/>
-      <a:font script="Taml" typeface="Latha"/>
-      <a:font script="Syrc" typeface="Estrangelo Edessa"/>
-      <a:font script="Orya" typeface="Kalinga"/>
-      <a:font script="Mlym" typeface="Kartika"/>
-      <a:font script="Laoo" typeface="DokChampa"/>
-      <a:font script="Sinh" typeface="Iskoola Pota"/>
-      <a:font script="Mong" typeface="Mongolian Baiti"/>
-      <a:font script="Viet" typeface="Times New Roman"/>
-      <a:font script="Uigh" typeface="Microsoft Uighur"/>
-      <a:font script="Geor" typeface="Sylfaen"/>
-    </a:majorFont>
-    <a:minorFont>
-      <a:latin typeface="Calibri" panose="020F0502020204030204"/>
-      <a:ea typeface=""/>
-      <a:cs typeface=""/>
-      <a:font script="Jpan" typeface="ＭＳ Ｐゴシック"/>
-      <a:font script="Hang" typeface="맑은 고딕"/>
-      <a:font script="Hans" typeface="宋体"/>
-      <a:font script="Hant" typeface="新細明體"/>
-      <a:font script="Arab" typeface="Arial"/>
-      <a:font script="Hebr" typeface="Arial"/>
-      <a:font script="Thai" typeface="Tahoma"/>
-      <a:font script="Ethi" typeface="Nyala"/>
-      <a:font script="Beng" typeface="Vrinda"/>
-      <a:font script="Gujr" typeface="Shruti"/>
-      <a:font script="Khmr" typeface="DaunPenh"/>
-      <a:font script="Knda" typeface="Tunga"/>
-      <a:font script="Guru" typeface="Raavi"/>
-      <a:font script="Cans" typeface="Euphemia"/>
-      <a:font script="Cher" typeface="Plantagenet Cherokee"/>
-      <a:font script="Yiii" typeface="Microsoft Yi Baiti"/>
-      <a:font script="Tibt" typeface="Microsoft Himalaya"/>
-      <a:font script="Thaa" typeface="MV Boli"/>
-      <a:font script="Deva" typeface="Mangal"/>
-      <a:font script="Telu" typeface="Gautami"/>
-      <a:font script="Taml" typeface="Latha"/>
-      <a:font script="Syrc" typeface="Estrangelo Edessa"/>
-      <a:font script="Orya" typeface="Kalinga"/>
-      <a:font script="Mlym" typeface="Kartika"/>
-      <a:font script="Laoo" typeface="DokChampa"/>
-      <a:font script="Sinh" typeface="Iskoola Pota"/>
-      <a:font script="Mong" typeface="Mongolian Baiti"/>
-      <a:font script="Viet" typeface="Arial"/>
-      <a:font script="Uigh" typeface="Microsoft Uighur"/>
-      <a:font script="Geor" typeface="Sylfaen"/>
-    </a:minorFont>
-  </a:fontScheme>
-  <a:fmtScheme name="Office">
-    <a:fillStyleLst>
-      <a:solidFill>
-        <a:schemeClr val="phClr"/>
-      </a:solidFill>
-      <a:gradFill rotWithShape="1">
-        <a:gsLst>
-          <a:gs pos="0">
-            <a:schemeClr val="phClr">
-              <a:lumMod val="110000"/>
-              <a:satMod val="105000"/>
-              <a:tint val="67000"/>
-            </a:schemeClr>
-          </a:gs>
-          <a:gs pos="50000">
-            <a:schemeClr val="phClr">
-              <a:lumMod val="105000"/>
-              <a:satMod val="103000"/>
-              <a:tint val="73000"/>
-            </a:schemeClr>
-          </a:gs>
-          <a:gs pos="100000">
-            <a:schemeClr val="phClr">
-              <a:lumMod val="105000"/>
-              <a:satMod val="109000"/>
-              <a:tint val="81000"/>
-            </a:schemeClr>
-          </a:gs>
-        </a:gsLst>
-        <a:lin ang="5400000" scaled="0"/>
-      </a:gradFill>
-      <a:gradFill rotWithShape="1">
-        <a:gsLst>
-          <a:gs pos="0">
-            <a:schemeClr val="phClr">
-              <a:satMod val="103000"/>
-              <a:lumMod val="102000"/>
-              <a:tint val="94000"/>
-            </a:schemeClr>
-          </a:gs>
-          <a:gs pos="50000">
-            <a:schemeClr val="phClr">
-              <a:satMod val="110000"/>
-              <a:lumMod val="100000"/>
-              <a:shade val="100000"/>
-            </a:schemeClr>
-          </a:gs>
-          <a:gs pos="100000">
-            <a:schemeClr val="phClr">
-              <a:lumMod val="99000"/>
-              <a:satMod val="120000"/>
-              <a:shade val="78000"/>
-            </a:schemeClr>
-          </a:gs>
-        </a:gsLst>
-        <a:lin ang="5400000" scaled="0"/>
-      </a:gradFill>
-    </a:fillStyleLst>
-    <a:lnStyleLst>
-      <a:ln w="6350" cap="flat" cmpd="sng" algn="ctr">
-        <a:solidFill>
-          <a:schemeClr val="phClr"/>
-        </a:solidFill>
-        <a:prstDash val="solid"/>
-        <a:miter lim="800000"/>
-      </a:ln>
-      <a:ln w="12700" cap="flat" cmpd="sng" algn="ctr">
-        <a:solidFill>
-          <a:schemeClr val="phClr"/>
-        </a:solidFill>
-        <a:prstDash val="solid"/>
-        <a:miter lim="800000"/>
-      </a:ln>
-      <a:ln w="19050" cap="flat" cmpd="sng" algn="ctr">
-        <a:solidFill>
-          <a:schemeClr val="phClr"/>
-        </a:solidFill>
-        <a:prstDash val="solid"/>
-        <a:miter lim="800000"/>
-      </a:ln>
-    </a:lnStyleLst>
-    <a:effectStyleLst>
-      <a:effectStyle>
-        <a:effectLst/>
-      </a:effectStyle>
-      <a:effectStyle>
-        <a:effectLst/>
-      </a:effectStyle>
-      <a:effectStyle>
-        <a:effectLst>
-          <a:outerShdw blurRad="57150" dist="19050" dir="5400000" algn="ctr" rotWithShape="0">
-            <a:srgbClr val="000000">
-              <a:alpha val="63000"/>
-            </a:srgbClr>
-          </a:outerShdw>
-        </a:effectLst>
-      </a:effectStyle>
-    </a:effectStyleLst>
-    <a:bgFillStyleLst>
-      <a:solidFill>
-        <a:schemeClr val="phClr"/>
-      </a:solidFill>
-      <a:solidFill>
-        <a:schemeClr val="phClr">
-          <a:tint val="95000"/>
-          <a:satMod val="170000"/>
-        </a:schemeClr>
-      </a:solidFill>
-      <a:gradFill rotWithShape="1">
-        <a:gsLst>
-          <a:gs pos="0">
-            <a:schemeClr val="phClr">
-              <a:tint val="93000"/>
-              <a:satMod val="150000"/>
-              <a:shade val="98000"/>
-              <a:lumMod val="102000"/>
-            </a:schemeClr>
-          </a:gs>
-          <a:gs pos="50000">
-            <a:schemeClr val="phClr">
-              <a:tint val="98000"/>
-              <a:satMod val="130000"/>
-              <a:shade val="90000"/>
-              <a:lumMod val="103000"/>
-            </a:schemeClr>
-          </a:gs>
-          <a:gs pos="100000">
-            <a:schemeClr val="phClr">
-              <a:shade val="63000"/>
-              <a:satMod val="120000"/>
-            </a:schemeClr>
-          </a:gs>
-        </a:gsLst>
-        <a:lin ang="5400000" scaled="0"/>
-      </a:gradFill>
-    </a:bgFillStyleLst>
-  </a:fmtScheme>
-</a:themeOverride>
 </file>
--- a/卒業論文本体/発表用スライド_川口.pptx
+++ b/卒業論文本体/発表用スライド_川口.pptx
@@ -6,7 +6,7 @@
     <p:sldMasterId id="2147483813" r:id="rId2"/>
   </p:sldMasterIdLst>
   <p:notesMasterIdLst>
-    <p:notesMasterId r:id="rId18"/>
+    <p:notesMasterId r:id="rId19"/>
   </p:notesMasterIdLst>
   <p:sldIdLst>
     <p:sldId id="256" r:id="rId3"/>
@@ -20,10 +20,11 @@
     <p:sldId id="263" r:id="rId11"/>
     <p:sldId id="262" r:id="rId12"/>
     <p:sldId id="265" r:id="rId13"/>
-    <p:sldId id="266" r:id="rId14"/>
-    <p:sldId id="267" r:id="rId15"/>
-    <p:sldId id="268" r:id="rId16"/>
-    <p:sldId id="269" r:id="rId17"/>
+    <p:sldId id="271" r:id="rId14"/>
+    <p:sldId id="266" r:id="rId15"/>
+    <p:sldId id="267" r:id="rId16"/>
+    <p:sldId id="268" r:id="rId17"/>
+    <p:sldId id="269" r:id="rId18"/>
   </p:sldIdLst>
   <p:sldSz cx="9144000" cy="6858000" type="screen4x3"/>
   <p:notesSz cx="6858000" cy="9144000"/>
@@ -176,13 +177,12 @@
               </a:defRPr>
             </a:pPr>
             <a:r>
-              <a:rPr lang="ja-JP" altLang="en-US" sz="1600"/>
+              <a:rPr lang="ja-JP" altLang="en-US" sz="1800" dirty="0"/>
               <a:t>各方式学習時間比較</a:t>
             </a:r>
           </a:p>
         </c:rich>
       </c:tx>
-      <c:layout/>
       <c:overlay val="0"/>
       <c:spPr>
         <a:noFill/>
@@ -283,7 +283,6 @@
             <c:showLeaderLines val="0"/>
             <c:extLst>
               <c:ext xmlns:c15="http://schemas.microsoft.com/office/drawing/2012/chart" uri="{CE6537A1-D6FC-4f65-9D91-7224C49458BB}">
-                <c15:layout/>
                 <c15:showLeaderLines val="1"/>
                 <c15:leaderLines>
                   <c:spPr>
@@ -414,7 +413,6 @@
             <c:showLeaderLines val="0"/>
             <c:extLst>
               <c:ext xmlns:c15="http://schemas.microsoft.com/office/drawing/2012/chart" uri="{CE6537A1-D6FC-4f65-9D91-7224C49458BB}">
-                <c15:layout/>
                 <c15:showLeaderLines val="1"/>
                 <c15:leaderLines>
                   <c:spPr>
@@ -492,11 +490,11 @@
         </c:dLbls>
         <c:gapWidth val="219"/>
         <c:overlap val="-27"/>
-        <c:axId val="143610192"/>
-        <c:axId val="143609072"/>
+        <c:axId val="-152934208"/>
+        <c:axId val="-152927680"/>
       </c:barChart>
       <c:catAx>
-        <c:axId val="143610192"/>
+        <c:axId val="-152934208"/>
         <c:scaling>
           <c:orientation val="minMax"/>
         </c:scaling>
@@ -509,7 +507,7 @@
               <a:lstStyle/>
               <a:p>
                 <a:pPr>
-                  <a:defRPr sz="1200" b="0" i="0" u="none" strike="noStrike" kern="1200" baseline="0">
+                  <a:defRPr sz="1800" b="0" i="0" u="none" strike="noStrike" kern="1200" baseline="0">
                     <a:solidFill>
                       <a:schemeClr val="tx1">
                         <a:lumMod val="65000"/>
@@ -522,13 +520,12 @@
                   </a:defRPr>
                 </a:pPr>
                 <a:r>
-                  <a:rPr lang="ja-JP" altLang="en-US" sz="1200"/>
+                  <a:rPr lang="ja-JP" altLang="en-US" sz="1800"/>
                   <a:t>被験者</a:t>
                 </a:r>
               </a:p>
             </c:rich>
           </c:tx>
-          <c:layout/>
           <c:overlay val="0"/>
           <c:spPr>
             <a:noFill/>
@@ -542,7 +539,7 @@
             <a:lstStyle/>
             <a:p>
               <a:pPr>
-                <a:defRPr sz="1200" b="0" i="0" u="none" strike="noStrike" kern="1200" baseline="0">
+                <a:defRPr sz="1800" b="0" i="0" u="none" strike="noStrike" kern="1200" baseline="0">
                   <a:solidFill>
                     <a:schemeClr val="tx1">
                       <a:lumMod val="65000"/>
@@ -580,7 +577,7 @@
           <a:lstStyle/>
           <a:p>
             <a:pPr>
-              <a:defRPr sz="1400" b="0" i="0" u="none" strike="noStrike" kern="1200" baseline="0">
+              <a:defRPr sz="1800" b="0" i="0" u="none" strike="noStrike" kern="1200" baseline="0">
                 <a:solidFill>
                   <a:schemeClr val="tx1">
                     <a:lumMod val="65000"/>
@@ -595,7 +592,7 @@
             <a:endParaRPr lang="ja-JP"/>
           </a:p>
         </c:txPr>
-        <c:crossAx val="143609072"/>
+        <c:crossAx val="-152927680"/>
         <c:crosses val="autoZero"/>
         <c:auto val="1"/>
         <c:lblAlgn val="ctr"/>
@@ -603,7 +600,7 @@
         <c:noMultiLvlLbl val="0"/>
       </c:catAx>
       <c:valAx>
-        <c:axId val="143609072"/>
+        <c:axId val="-152927680"/>
         <c:scaling>
           <c:orientation val="minMax"/>
         </c:scaling>
@@ -630,7 +627,7 @@
               <a:lstStyle/>
               <a:p>
                 <a:pPr>
-                  <a:defRPr sz="1200" b="0" i="0" u="none" strike="noStrike" kern="1200" baseline="0">
+                  <a:defRPr sz="1800" b="0" i="0" u="none" strike="noStrike" kern="1200" baseline="0">
                     <a:solidFill>
                       <a:schemeClr val="tx1">
                         <a:lumMod val="65000"/>
@@ -643,26 +640,25 @@
                   </a:defRPr>
                 </a:pPr>
                 <a:r>
-                  <a:rPr lang="ja-JP" altLang="en-US" sz="1200"/>
+                  <a:rPr lang="ja-JP" altLang="en-US" sz="1800"/>
                   <a:t>学習時間</a:t>
                 </a:r>
                 <a:r>
-                  <a:rPr lang="en-US" altLang="ja-JP" sz="1200"/>
+                  <a:rPr lang="en-US" altLang="ja-JP" sz="1800"/>
                   <a:t>(</a:t>
                 </a:r>
                 <a:r>
-                  <a:rPr lang="ja-JP" altLang="en-US" sz="1200"/>
+                  <a:rPr lang="ja-JP" altLang="en-US" sz="1800"/>
                   <a:t>秒</a:t>
                 </a:r>
                 <a:r>
-                  <a:rPr lang="en-US" altLang="ja-JP" sz="1200"/>
+                  <a:rPr lang="en-US" altLang="ja-JP" sz="1800"/>
                   <a:t>)</a:t>
                 </a:r>
-                <a:endParaRPr lang="ja-JP" altLang="en-US" sz="1200"/>
+                <a:endParaRPr lang="ja-JP" altLang="en-US" sz="1800"/>
               </a:p>
             </c:rich>
           </c:tx>
-          <c:layout/>
           <c:overlay val="0"/>
           <c:spPr>
             <a:noFill/>
@@ -676,7 +672,7 @@
             <a:lstStyle/>
             <a:p>
               <a:pPr>
-                <a:defRPr sz="1200" b="0" i="0" u="none" strike="noStrike" kern="1200" baseline="0">
+                <a:defRPr sz="1800" b="0" i="0" u="none" strike="noStrike" kern="1200" baseline="0">
                   <a:solidFill>
                     <a:schemeClr val="tx1">
                       <a:lumMod val="65000"/>
@@ -708,7 +704,7 @@
           <a:lstStyle/>
           <a:p>
             <a:pPr>
-              <a:defRPr sz="1400" b="0" i="0" u="none" strike="noStrike" kern="1200" baseline="0">
+              <a:defRPr sz="1800" b="0" i="0" u="none" strike="noStrike" kern="1200" baseline="0">
                 <a:solidFill>
                   <a:schemeClr val="tx1">
                     <a:lumMod val="65000"/>
@@ -723,7 +719,7 @@
             <a:endParaRPr lang="ja-JP"/>
           </a:p>
         </c:txPr>
-        <c:crossAx val="143610192"/>
+        <c:crossAx val="-152934208"/>
         <c:crosses val="autoZero"/>
         <c:crossBetween val="between"/>
       </c:valAx>
@@ -737,7 +733,6 @@
     </c:plotArea>
     <c:legend>
       <c:legendPos val="b"/>
-      <c:layout/>
       <c:overlay val="0"/>
       <c:spPr>
         <a:noFill/>
@@ -751,7 +746,7 @@
         <a:lstStyle/>
         <a:p>
           <a:pPr>
-            <a:defRPr sz="1200" b="0" i="0" u="none" strike="noStrike" kern="1200" baseline="0">
+            <a:defRPr sz="1800" b="0" i="0" u="none" strike="noStrike" kern="1200" baseline="0">
               <a:solidFill>
                 <a:schemeClr val="tx1">
                   <a:lumMod val="65000"/>
@@ -795,6 +790,657 @@
 </file>
 
 <file path=ppt/charts/chart2.xml><?xml version="1.0" encoding="utf-8"?>
+<c:chartSpace xmlns:c="http://schemas.openxmlformats.org/drawingml/2006/chart" xmlns:a="http://schemas.openxmlformats.org/drawingml/2006/main" xmlns:r="http://schemas.openxmlformats.org/officeDocument/2006/relationships">
+  <c:date1904 val="0"/>
+  <c:lang val="ja-JP"/>
+  <c:roundedCorners val="0"/>
+  <mc:AlternateContent xmlns:mc="http://schemas.openxmlformats.org/markup-compatibility/2006">
+    <mc:Choice xmlns:c14="http://schemas.microsoft.com/office/drawing/2007/8/2/chart" Requires="c14">
+      <c14:style val="102"/>
+    </mc:Choice>
+    <mc:Fallback>
+      <c:style val="2"/>
+    </mc:Fallback>
+  </mc:AlternateContent>
+  <c:clrMapOvr bg1="lt1" tx1="dk1" bg2="lt2" tx2="dk2" accent1="accent1" accent2="accent2" accent3="accent3" accent4="accent4" accent5="accent5" accent6="accent6" hlink="hlink" folHlink="folHlink"/>
+  <c:chart>
+    <c:title>
+      <c:tx>
+        <c:rich>
+          <a:bodyPr rot="0" spcFirstLastPara="1" vertOverflow="ellipsis" vert="horz" wrap="square" anchor="ctr" anchorCtr="1"/>
+          <a:lstStyle/>
+          <a:p>
+            <a:pPr>
+              <a:defRPr sz="1800" b="0" i="0" u="none" strike="noStrike" kern="1200" spc="0" baseline="0">
+                <a:solidFill>
+                  <a:schemeClr val="tx1">
+                    <a:lumMod val="65000"/>
+                    <a:lumOff val="35000"/>
+                  </a:schemeClr>
+                </a:solidFill>
+                <a:latin typeface="+mn-lt"/>
+                <a:ea typeface="+mn-ea"/>
+                <a:cs typeface="+mn-cs"/>
+              </a:defRPr>
+            </a:pPr>
+            <a:r>
+              <a:rPr lang="en-US" altLang="ja-JP" sz="1800"/>
+              <a:t>3</a:t>
+            </a:r>
+            <a:r>
+              <a:rPr lang="ja-JP" altLang="en-US" sz="1800"/>
+              <a:t>セグメント構成作成所要時間比較</a:t>
+            </a:r>
+          </a:p>
+        </c:rich>
+      </c:tx>
+      <c:overlay val="0"/>
+      <c:spPr>
+        <a:noFill/>
+        <a:ln>
+          <a:noFill/>
+        </a:ln>
+        <a:effectLst/>
+      </c:spPr>
+      <c:txPr>
+        <a:bodyPr rot="0" spcFirstLastPara="1" vertOverflow="ellipsis" vert="horz" wrap="square" anchor="ctr" anchorCtr="1"/>
+        <a:lstStyle/>
+        <a:p>
+          <a:pPr>
+            <a:defRPr sz="1800" b="0" i="0" u="none" strike="noStrike" kern="1200" spc="0" baseline="0">
+              <a:solidFill>
+                <a:schemeClr val="tx1">
+                  <a:lumMod val="65000"/>
+                  <a:lumOff val="35000"/>
+                </a:schemeClr>
+              </a:solidFill>
+              <a:latin typeface="+mn-lt"/>
+              <a:ea typeface="+mn-ea"/>
+              <a:cs typeface="+mn-cs"/>
+            </a:defRPr>
+          </a:pPr>
+          <a:endParaRPr lang="ja-JP"/>
+        </a:p>
+      </c:txPr>
+    </c:title>
+    <c:autoTitleDeleted val="0"/>
+    <c:plotArea>
+      <c:layout/>
+      <c:barChart>
+        <c:barDir val="col"/>
+        <c:grouping val="clustered"/>
+        <c:varyColors val="0"/>
+        <c:ser>
+          <c:idx val="0"/>
+          <c:order val="0"/>
+          <c:tx>
+            <c:strRef>
+              <c:f>論文掲載用データ!$B$174</c:f>
+              <c:strCache>
+                <c:ptCount val="1"/>
+                <c:pt idx="0">
+                  <c:v>オーケストレーション定義エディタ</c:v>
+                </c:pt>
+              </c:strCache>
+            </c:strRef>
+          </c:tx>
+          <c:spPr>
+            <a:solidFill>
+              <a:schemeClr val="accent2"/>
+            </a:solidFill>
+            <a:ln>
+              <a:noFill/>
+            </a:ln>
+            <a:effectLst/>
+          </c:spPr>
+          <c:invertIfNegative val="0"/>
+          <c:dLbls>
+            <c:spPr>
+              <a:noFill/>
+              <a:ln>
+                <a:noFill/>
+              </a:ln>
+              <a:effectLst/>
+            </c:spPr>
+            <c:txPr>
+              <a:bodyPr rot="0" spcFirstLastPara="1" vertOverflow="ellipsis" vert="horz" wrap="square" lIns="38100" tIns="19050" rIns="38100" bIns="19050" anchor="ctr" anchorCtr="1">
+                <a:spAutoFit/>
+              </a:bodyPr>
+              <a:lstStyle/>
+              <a:p>
+                <a:pPr>
+                  <a:defRPr sz="1800" b="0" i="0" u="none" strike="noStrike" kern="1200" baseline="0">
+                    <a:solidFill>
+                      <a:schemeClr val="tx1">
+                        <a:lumMod val="75000"/>
+                        <a:lumOff val="25000"/>
+                      </a:schemeClr>
+                    </a:solidFill>
+                    <a:latin typeface="+mn-lt"/>
+                    <a:ea typeface="+mn-ea"/>
+                    <a:cs typeface="+mn-cs"/>
+                  </a:defRPr>
+                </a:pPr>
+                <a:endParaRPr lang="ja-JP"/>
+              </a:p>
+            </c:txPr>
+            <c:dLblPos val="outEnd"/>
+            <c:showLegendKey val="0"/>
+            <c:showVal val="1"/>
+            <c:showCatName val="0"/>
+            <c:showSerName val="0"/>
+            <c:showPercent val="0"/>
+            <c:showBubbleSize val="0"/>
+            <c:showLeaderLines val="0"/>
+            <c:extLst>
+              <c:ext xmlns:c15="http://schemas.microsoft.com/office/drawing/2012/chart" uri="{CE6537A1-D6FC-4f65-9D91-7224C49458BB}">
+                <c15:showLeaderLines val="1"/>
+                <c15:leaderLines>
+                  <c:spPr>
+                    <a:ln w="9525" cap="flat" cmpd="sng" algn="ctr">
+                      <a:solidFill>
+                        <a:schemeClr val="tx1">
+                          <a:lumMod val="35000"/>
+                          <a:lumOff val="65000"/>
+                        </a:schemeClr>
+                      </a:solidFill>
+                      <a:round/>
+                    </a:ln>
+                    <a:effectLst/>
+                  </c:spPr>
+                </c15:leaderLines>
+              </c:ext>
+            </c:extLst>
+          </c:dLbls>
+          <c:cat>
+            <c:strRef>
+              <c:f>論文掲載用データ!$C$173:$G$173</c:f>
+              <c:strCache>
+                <c:ptCount val="5"/>
+                <c:pt idx="0">
+                  <c:v>A</c:v>
+                </c:pt>
+                <c:pt idx="1">
+                  <c:v>B</c:v>
+                </c:pt>
+                <c:pt idx="2">
+                  <c:v>C</c:v>
+                </c:pt>
+                <c:pt idx="3">
+                  <c:v>D</c:v>
+                </c:pt>
+                <c:pt idx="4">
+                  <c:v>E</c:v>
+                </c:pt>
+              </c:strCache>
+            </c:strRef>
+          </c:cat>
+          <c:val>
+            <c:numRef>
+              <c:f>論文掲載用データ!$C$174:$G$174</c:f>
+              <c:numCache>
+                <c:formatCode>General</c:formatCode>
+                <c:ptCount val="5"/>
+                <c:pt idx="0">
+                  <c:v>160</c:v>
+                </c:pt>
+                <c:pt idx="1">
+                  <c:v>160</c:v>
+                </c:pt>
+                <c:pt idx="2">
+                  <c:v>162</c:v>
+                </c:pt>
+                <c:pt idx="3">
+                  <c:v>145</c:v>
+                </c:pt>
+                <c:pt idx="4">
+                  <c:v>229</c:v>
+                </c:pt>
+              </c:numCache>
+            </c:numRef>
+          </c:val>
+        </c:ser>
+        <c:ser>
+          <c:idx val="1"/>
+          <c:order val="1"/>
+          <c:tx>
+            <c:strRef>
+              <c:f>論文掲載用データ!$B$175</c:f>
+              <c:strCache>
+                <c:ptCount val="1"/>
+                <c:pt idx="0">
+                  <c:v>従来方式</c:v>
+                </c:pt>
+              </c:strCache>
+            </c:strRef>
+          </c:tx>
+          <c:spPr>
+            <a:solidFill>
+              <a:schemeClr val="accent1"/>
+            </a:solidFill>
+            <a:ln>
+              <a:noFill/>
+            </a:ln>
+            <a:effectLst/>
+          </c:spPr>
+          <c:invertIfNegative val="0"/>
+          <c:dLbls>
+            <c:spPr>
+              <a:noFill/>
+              <a:ln>
+                <a:noFill/>
+              </a:ln>
+              <a:effectLst/>
+            </c:spPr>
+            <c:txPr>
+              <a:bodyPr rot="0" spcFirstLastPara="1" vertOverflow="ellipsis" vert="horz" wrap="square" lIns="38100" tIns="19050" rIns="38100" bIns="19050" anchor="ctr" anchorCtr="1">
+                <a:spAutoFit/>
+              </a:bodyPr>
+              <a:lstStyle/>
+              <a:p>
+                <a:pPr>
+                  <a:defRPr sz="1800" b="0" i="0" u="none" strike="noStrike" kern="1200" baseline="0">
+                    <a:solidFill>
+                      <a:schemeClr val="tx1">
+                        <a:lumMod val="75000"/>
+                        <a:lumOff val="25000"/>
+                      </a:schemeClr>
+                    </a:solidFill>
+                    <a:latin typeface="+mn-lt"/>
+                    <a:ea typeface="+mn-ea"/>
+                    <a:cs typeface="+mn-cs"/>
+                  </a:defRPr>
+                </a:pPr>
+                <a:endParaRPr lang="ja-JP"/>
+              </a:p>
+            </c:txPr>
+            <c:dLblPos val="outEnd"/>
+            <c:showLegendKey val="0"/>
+            <c:showVal val="1"/>
+            <c:showCatName val="0"/>
+            <c:showSerName val="0"/>
+            <c:showPercent val="0"/>
+            <c:showBubbleSize val="0"/>
+            <c:showLeaderLines val="0"/>
+            <c:extLst>
+              <c:ext xmlns:c15="http://schemas.microsoft.com/office/drawing/2012/chart" uri="{CE6537A1-D6FC-4f65-9D91-7224C49458BB}">
+                <c15:showLeaderLines val="1"/>
+                <c15:leaderLines>
+                  <c:spPr>
+                    <a:ln w="9525" cap="flat" cmpd="sng" algn="ctr">
+                      <a:solidFill>
+                        <a:schemeClr val="tx1">
+                          <a:lumMod val="35000"/>
+                          <a:lumOff val="65000"/>
+                        </a:schemeClr>
+                      </a:solidFill>
+                      <a:round/>
+                    </a:ln>
+                    <a:effectLst/>
+                  </c:spPr>
+                </c15:leaderLines>
+              </c:ext>
+            </c:extLst>
+          </c:dLbls>
+          <c:cat>
+            <c:strRef>
+              <c:f>論文掲載用データ!$C$173:$G$173</c:f>
+              <c:strCache>
+                <c:ptCount val="5"/>
+                <c:pt idx="0">
+                  <c:v>A</c:v>
+                </c:pt>
+                <c:pt idx="1">
+                  <c:v>B</c:v>
+                </c:pt>
+                <c:pt idx="2">
+                  <c:v>C</c:v>
+                </c:pt>
+                <c:pt idx="3">
+                  <c:v>D</c:v>
+                </c:pt>
+                <c:pt idx="4">
+                  <c:v>E</c:v>
+                </c:pt>
+              </c:strCache>
+            </c:strRef>
+          </c:cat>
+          <c:val>
+            <c:numRef>
+              <c:f>論文掲載用データ!$C$175:$G$175</c:f>
+              <c:numCache>
+                <c:formatCode>General</c:formatCode>
+                <c:ptCount val="5"/>
+                <c:pt idx="0">
+                  <c:v>660</c:v>
+                </c:pt>
+                <c:pt idx="1">
+                  <c:v>730</c:v>
+                </c:pt>
+                <c:pt idx="2">
+                  <c:v>2990</c:v>
+                </c:pt>
+                <c:pt idx="3">
+                  <c:v>1946</c:v>
+                </c:pt>
+                <c:pt idx="4">
+                  <c:v>1191</c:v>
+                </c:pt>
+              </c:numCache>
+            </c:numRef>
+          </c:val>
+        </c:ser>
+        <c:dLbls>
+          <c:dLblPos val="outEnd"/>
+          <c:showLegendKey val="0"/>
+          <c:showVal val="1"/>
+          <c:showCatName val="0"/>
+          <c:showSerName val="0"/>
+          <c:showPercent val="0"/>
+          <c:showBubbleSize val="0"/>
+        </c:dLbls>
+        <c:gapWidth val="219"/>
+        <c:overlap val="-27"/>
+        <c:axId val="-286819904"/>
+        <c:axId val="-286817728"/>
+      </c:barChart>
+      <c:catAx>
+        <c:axId val="-286819904"/>
+        <c:scaling>
+          <c:orientation val="minMax"/>
+        </c:scaling>
+        <c:delete val="0"/>
+        <c:axPos val="b"/>
+        <c:title>
+          <c:tx>
+            <c:rich>
+              <a:bodyPr rot="0" spcFirstLastPara="1" vertOverflow="ellipsis" vert="horz" wrap="square" anchor="ctr" anchorCtr="1"/>
+              <a:lstStyle/>
+              <a:p>
+                <a:pPr>
+                  <a:defRPr sz="1800" b="0" i="0" u="none" strike="noStrike" kern="1200" baseline="0">
+                    <a:solidFill>
+                      <a:schemeClr val="tx1">
+                        <a:lumMod val="65000"/>
+                        <a:lumOff val="35000"/>
+                      </a:schemeClr>
+                    </a:solidFill>
+                    <a:latin typeface="+mn-lt"/>
+                    <a:ea typeface="+mn-ea"/>
+                    <a:cs typeface="+mn-cs"/>
+                  </a:defRPr>
+                </a:pPr>
+                <a:r>
+                  <a:rPr lang="ja-JP" altLang="en-US" sz="1800"/>
+                  <a:t>被験者</a:t>
+                </a:r>
+              </a:p>
+            </c:rich>
+          </c:tx>
+          <c:overlay val="0"/>
+          <c:spPr>
+            <a:noFill/>
+            <a:ln>
+              <a:noFill/>
+            </a:ln>
+            <a:effectLst/>
+          </c:spPr>
+          <c:txPr>
+            <a:bodyPr rot="0" spcFirstLastPara="1" vertOverflow="ellipsis" vert="horz" wrap="square" anchor="ctr" anchorCtr="1"/>
+            <a:lstStyle/>
+            <a:p>
+              <a:pPr>
+                <a:defRPr sz="1800" b="0" i="0" u="none" strike="noStrike" kern="1200" baseline="0">
+                  <a:solidFill>
+                    <a:schemeClr val="tx1">
+                      <a:lumMod val="65000"/>
+                      <a:lumOff val="35000"/>
+                    </a:schemeClr>
+                  </a:solidFill>
+                  <a:latin typeface="+mn-lt"/>
+                  <a:ea typeface="+mn-ea"/>
+                  <a:cs typeface="+mn-cs"/>
+                </a:defRPr>
+              </a:pPr>
+              <a:endParaRPr lang="ja-JP"/>
+            </a:p>
+          </c:txPr>
+        </c:title>
+        <c:numFmt formatCode="General" sourceLinked="1"/>
+        <c:majorTickMark val="none"/>
+        <c:minorTickMark val="none"/>
+        <c:tickLblPos val="nextTo"/>
+        <c:spPr>
+          <a:noFill/>
+          <a:ln w="9525" cap="flat" cmpd="sng" algn="ctr">
+            <a:solidFill>
+              <a:schemeClr val="tx1">
+                <a:lumMod val="15000"/>
+                <a:lumOff val="85000"/>
+              </a:schemeClr>
+            </a:solidFill>
+            <a:round/>
+          </a:ln>
+          <a:effectLst/>
+        </c:spPr>
+        <c:txPr>
+          <a:bodyPr rot="-60000000" spcFirstLastPara="1" vertOverflow="ellipsis" vert="horz" wrap="square" anchor="ctr" anchorCtr="1"/>
+          <a:lstStyle/>
+          <a:p>
+            <a:pPr>
+              <a:defRPr sz="1800" b="0" i="0" u="none" strike="noStrike" kern="1200" baseline="0">
+                <a:solidFill>
+                  <a:schemeClr val="tx1">
+                    <a:lumMod val="65000"/>
+                    <a:lumOff val="35000"/>
+                  </a:schemeClr>
+                </a:solidFill>
+                <a:latin typeface="+mn-lt"/>
+                <a:ea typeface="+mn-ea"/>
+                <a:cs typeface="+mn-cs"/>
+              </a:defRPr>
+            </a:pPr>
+            <a:endParaRPr lang="ja-JP"/>
+          </a:p>
+        </c:txPr>
+        <c:crossAx val="-286817728"/>
+        <c:crosses val="autoZero"/>
+        <c:auto val="1"/>
+        <c:lblAlgn val="ctr"/>
+        <c:lblOffset val="100"/>
+        <c:noMultiLvlLbl val="0"/>
+      </c:catAx>
+      <c:valAx>
+        <c:axId val="-286817728"/>
+        <c:scaling>
+          <c:orientation val="minMax"/>
+        </c:scaling>
+        <c:delete val="0"/>
+        <c:axPos val="l"/>
+        <c:majorGridlines>
+          <c:spPr>
+            <a:ln w="9525" cap="flat" cmpd="sng" algn="ctr">
+              <a:solidFill>
+                <a:schemeClr val="tx1">
+                  <a:lumMod val="15000"/>
+                  <a:lumOff val="85000"/>
+                </a:schemeClr>
+              </a:solidFill>
+              <a:round/>
+            </a:ln>
+            <a:effectLst/>
+          </c:spPr>
+        </c:majorGridlines>
+        <c:title>
+          <c:tx>
+            <c:rich>
+              <a:bodyPr rot="-5400000" spcFirstLastPara="1" vertOverflow="ellipsis" vert="horz" wrap="square" anchor="ctr" anchorCtr="1"/>
+              <a:lstStyle/>
+              <a:p>
+                <a:pPr>
+                  <a:defRPr sz="1800" b="0" i="0" u="none" strike="noStrike" kern="1200" baseline="0">
+                    <a:solidFill>
+                      <a:schemeClr val="tx1">
+                        <a:lumMod val="65000"/>
+                        <a:lumOff val="35000"/>
+                      </a:schemeClr>
+                    </a:solidFill>
+                    <a:latin typeface="+mn-lt"/>
+                    <a:ea typeface="+mn-ea"/>
+                    <a:cs typeface="+mn-cs"/>
+                  </a:defRPr>
+                </a:pPr>
+                <a:r>
+                  <a:rPr lang="ja-JP" altLang="en-US" sz="1800"/>
+                  <a:t>作成所要時間</a:t>
+                </a:r>
+                <a:r>
+                  <a:rPr lang="en-US" altLang="ja-JP" sz="1800"/>
+                  <a:t>(</a:t>
+                </a:r>
+                <a:r>
+                  <a:rPr lang="ja-JP" altLang="en-US" sz="1800"/>
+                  <a:t>秒</a:t>
+                </a:r>
+                <a:r>
+                  <a:rPr lang="en-US" altLang="ja-JP" sz="1800"/>
+                  <a:t>)</a:t>
+                </a:r>
+                <a:endParaRPr lang="ja-JP" altLang="en-US" sz="1800"/>
+              </a:p>
+            </c:rich>
+          </c:tx>
+          <c:overlay val="0"/>
+          <c:spPr>
+            <a:noFill/>
+            <a:ln>
+              <a:noFill/>
+            </a:ln>
+            <a:effectLst/>
+          </c:spPr>
+          <c:txPr>
+            <a:bodyPr rot="-5400000" spcFirstLastPara="1" vertOverflow="ellipsis" vert="horz" wrap="square" anchor="ctr" anchorCtr="1"/>
+            <a:lstStyle/>
+            <a:p>
+              <a:pPr>
+                <a:defRPr sz="1800" b="0" i="0" u="none" strike="noStrike" kern="1200" baseline="0">
+                  <a:solidFill>
+                    <a:schemeClr val="tx1">
+                      <a:lumMod val="65000"/>
+                      <a:lumOff val="35000"/>
+                    </a:schemeClr>
+                  </a:solidFill>
+                  <a:latin typeface="+mn-lt"/>
+                  <a:ea typeface="+mn-ea"/>
+                  <a:cs typeface="+mn-cs"/>
+                </a:defRPr>
+              </a:pPr>
+              <a:endParaRPr lang="ja-JP"/>
+            </a:p>
+          </c:txPr>
+        </c:title>
+        <c:numFmt formatCode="General" sourceLinked="1"/>
+        <c:majorTickMark val="none"/>
+        <c:minorTickMark val="none"/>
+        <c:tickLblPos val="nextTo"/>
+        <c:spPr>
+          <a:noFill/>
+          <a:ln>
+            <a:noFill/>
+          </a:ln>
+          <a:effectLst/>
+        </c:spPr>
+        <c:txPr>
+          <a:bodyPr rot="-60000000" spcFirstLastPara="1" vertOverflow="ellipsis" vert="horz" wrap="square" anchor="ctr" anchorCtr="1"/>
+          <a:lstStyle/>
+          <a:p>
+            <a:pPr>
+              <a:defRPr sz="1800" b="0" i="0" u="none" strike="noStrike" kern="1200" baseline="0">
+                <a:solidFill>
+                  <a:schemeClr val="tx1">
+                    <a:lumMod val="65000"/>
+                    <a:lumOff val="35000"/>
+                  </a:schemeClr>
+                </a:solidFill>
+                <a:latin typeface="+mn-lt"/>
+                <a:ea typeface="+mn-ea"/>
+                <a:cs typeface="+mn-cs"/>
+              </a:defRPr>
+            </a:pPr>
+            <a:endParaRPr lang="ja-JP"/>
+          </a:p>
+        </c:txPr>
+        <c:crossAx val="-286819904"/>
+        <c:crosses val="autoZero"/>
+        <c:crossBetween val="between"/>
+      </c:valAx>
+      <c:spPr>
+        <a:noFill/>
+        <a:ln>
+          <a:noFill/>
+        </a:ln>
+        <a:effectLst/>
+      </c:spPr>
+    </c:plotArea>
+    <c:legend>
+      <c:legendPos val="b"/>
+      <c:overlay val="0"/>
+      <c:spPr>
+        <a:noFill/>
+        <a:ln>
+          <a:noFill/>
+        </a:ln>
+        <a:effectLst/>
+      </c:spPr>
+      <c:txPr>
+        <a:bodyPr rot="0" spcFirstLastPara="1" vertOverflow="ellipsis" vert="horz" wrap="square" anchor="ctr" anchorCtr="1"/>
+        <a:lstStyle/>
+        <a:p>
+          <a:pPr>
+            <a:defRPr sz="1800" b="0" i="0" u="none" strike="noStrike" kern="1200" baseline="0">
+              <a:solidFill>
+                <a:schemeClr val="tx1">
+                  <a:lumMod val="65000"/>
+                  <a:lumOff val="35000"/>
+                </a:schemeClr>
+              </a:solidFill>
+              <a:latin typeface="+mn-lt"/>
+              <a:ea typeface="+mn-ea"/>
+              <a:cs typeface="+mn-cs"/>
+            </a:defRPr>
+          </a:pPr>
+          <a:endParaRPr lang="ja-JP"/>
+        </a:p>
+      </c:txPr>
+    </c:legend>
+    <c:plotVisOnly val="1"/>
+    <c:dispBlanksAs val="gap"/>
+    <c:showDLblsOverMax val="0"/>
+  </c:chart>
+  <c:spPr>
+    <a:noFill/>
+    <a:ln>
+      <a:noFill/>
+    </a:ln>
+    <a:effectLst/>
+  </c:spPr>
+  <c:txPr>
+    <a:bodyPr/>
+    <a:lstStyle/>
+    <a:p>
+      <a:pPr>
+        <a:defRPr/>
+      </a:pPr>
+      <a:endParaRPr lang="ja-JP"/>
+    </a:p>
+  </c:txPr>
+  <c:externalData r:id="rId4">
+    <c:autoUpdate val="0"/>
+  </c:externalData>
+</c:chartSpace>
+</file>
+
+<file path=ppt/charts/chart3.xml><?xml version="1.0" encoding="utf-8"?>
 <c:chartSpace xmlns:c="http://schemas.openxmlformats.org/drawingml/2006/chart" xmlns:a="http://schemas.openxmlformats.org/drawingml/2006/main" xmlns:r="http://schemas.openxmlformats.org/officeDocument/2006/relationships">
   <c:date1904 val="0"/>
   <c:lang val="ja-JP"/>
@@ -932,9 +1578,7 @@
               <c:showPercent val="0"/>
               <c:showBubbleSize val="0"/>
               <c:extLst>
-                <c:ext xmlns:c15="http://schemas.microsoft.com/office/drawing/2012/chart" uri="{CE6537A1-D6FC-4f65-9D91-7224C49458BB}">
-                  <c15:layout/>
-                </c:ext>
+                <c:ext xmlns:c15="http://schemas.microsoft.com/office/drawing/2012/chart" uri="{CE6537A1-D6FC-4f65-9D91-7224C49458BB}"/>
               </c:extLst>
             </c:dLbl>
             <c:dLbl>
@@ -953,9 +1597,7 @@
               <c:showPercent val="0"/>
               <c:showBubbleSize val="0"/>
               <c:extLst>
-                <c:ext xmlns:c15="http://schemas.microsoft.com/office/drawing/2012/chart" uri="{CE6537A1-D6FC-4f65-9D91-7224C49458BB}">
-                  <c15:layout/>
-                </c:ext>
+                <c:ext xmlns:c15="http://schemas.microsoft.com/office/drawing/2012/chart" uri="{CE6537A1-D6FC-4f65-9D91-7224C49458BB}"/>
               </c:extLst>
             </c:dLbl>
             <c:dLbl>
@@ -974,9 +1616,7 @@
               <c:showPercent val="0"/>
               <c:showBubbleSize val="0"/>
               <c:extLst>
-                <c:ext xmlns:c15="http://schemas.microsoft.com/office/drawing/2012/chart" uri="{CE6537A1-D6FC-4f65-9D91-7224C49458BB}">
-                  <c15:layout/>
-                </c:ext>
+                <c:ext xmlns:c15="http://schemas.microsoft.com/office/drawing/2012/chart" uri="{CE6537A1-D6FC-4f65-9D91-7224C49458BB}"/>
               </c:extLst>
             </c:dLbl>
             <c:dLbl>
@@ -995,9 +1635,7 @@
               <c:showPercent val="0"/>
               <c:showBubbleSize val="0"/>
               <c:extLst>
-                <c:ext xmlns:c15="http://schemas.microsoft.com/office/drawing/2012/chart" uri="{CE6537A1-D6FC-4f65-9D91-7224C49458BB}">
-                  <c15:layout/>
-                </c:ext>
+                <c:ext xmlns:c15="http://schemas.microsoft.com/office/drawing/2012/chart" uri="{CE6537A1-D6FC-4f65-9D91-7224C49458BB}"/>
               </c:extLst>
             </c:dLbl>
             <c:dLbl>
@@ -1016,9 +1654,7 @@
               <c:showPercent val="0"/>
               <c:showBubbleSize val="0"/>
               <c:extLst>
-                <c:ext xmlns:c15="http://schemas.microsoft.com/office/drawing/2012/chart" uri="{CE6537A1-D6FC-4f65-9D91-7224C49458BB}">
-                  <c15:layout/>
-                </c:ext>
+                <c:ext xmlns:c15="http://schemas.microsoft.com/office/drawing/2012/chart" uri="{CE6537A1-D6FC-4f65-9D91-7224C49458BB}"/>
               </c:extLst>
             </c:dLbl>
             <c:dLbl>
@@ -1037,9 +1673,7 @@
               <c:showPercent val="0"/>
               <c:showBubbleSize val="0"/>
               <c:extLst>
-                <c:ext xmlns:c15="http://schemas.microsoft.com/office/drawing/2012/chart" uri="{CE6537A1-D6FC-4f65-9D91-7224C49458BB}">
-                  <c15:layout/>
-                </c:ext>
+                <c:ext xmlns:c15="http://schemas.microsoft.com/office/drawing/2012/chart" uri="{CE6537A1-D6FC-4f65-9D91-7224C49458BB}"/>
               </c:extLst>
             </c:dLbl>
             <c:dLbl>
@@ -1058,9 +1692,7 @@
               <c:showPercent val="0"/>
               <c:showBubbleSize val="0"/>
               <c:extLst>
-                <c:ext xmlns:c15="http://schemas.microsoft.com/office/drawing/2012/chart" uri="{CE6537A1-D6FC-4f65-9D91-7224C49458BB}">
-                  <c15:layout/>
-                </c:ext>
+                <c:ext xmlns:c15="http://schemas.microsoft.com/office/drawing/2012/chart" uri="{CE6537A1-D6FC-4f65-9D91-7224C49458BB}"/>
               </c:extLst>
             </c:dLbl>
             <c:dLbl>
@@ -1079,9 +1711,7 @@
               <c:showPercent val="0"/>
               <c:showBubbleSize val="0"/>
               <c:extLst>
-                <c:ext xmlns:c15="http://schemas.microsoft.com/office/drawing/2012/chart" uri="{CE6537A1-D6FC-4f65-9D91-7224C49458BB}">
-                  <c15:layout/>
-                </c:ext>
+                <c:ext xmlns:c15="http://schemas.microsoft.com/office/drawing/2012/chart" uri="{CE6537A1-D6FC-4f65-9D91-7224C49458BB}"/>
               </c:extLst>
             </c:dLbl>
             <c:dLbl>
@@ -1100,9 +1730,7 @@
               <c:showPercent val="0"/>
               <c:showBubbleSize val="0"/>
               <c:extLst>
-                <c:ext xmlns:c15="http://schemas.microsoft.com/office/drawing/2012/chart" uri="{CE6537A1-D6FC-4f65-9D91-7224C49458BB}">
-                  <c15:layout/>
-                </c:ext>
+                <c:ext xmlns:c15="http://schemas.microsoft.com/office/drawing/2012/chart" uri="{CE6537A1-D6FC-4f65-9D91-7224C49458BB}"/>
               </c:extLst>
             </c:dLbl>
             <c:dLbl>
@@ -1121,9 +1749,7 @@
               <c:showPercent val="0"/>
               <c:showBubbleSize val="0"/>
               <c:extLst>
-                <c:ext xmlns:c15="http://schemas.microsoft.com/office/drawing/2012/chart" uri="{CE6537A1-D6FC-4f65-9D91-7224C49458BB}">
-                  <c15:layout/>
-                </c:ext>
+                <c:ext xmlns:c15="http://schemas.microsoft.com/office/drawing/2012/chart" uri="{CE6537A1-D6FC-4f65-9D91-7224C49458BB}"/>
               </c:extLst>
             </c:dLbl>
             <c:dLbl>
@@ -1142,9 +1768,7 @@
               <c:showPercent val="0"/>
               <c:showBubbleSize val="0"/>
               <c:extLst>
-                <c:ext xmlns:c15="http://schemas.microsoft.com/office/drawing/2012/chart" uri="{CE6537A1-D6FC-4f65-9D91-7224C49458BB}">
-                  <c15:layout/>
-                </c:ext>
+                <c:ext xmlns:c15="http://schemas.microsoft.com/office/drawing/2012/chart" uri="{CE6537A1-D6FC-4f65-9D91-7224C49458BB}"/>
               </c:extLst>
             </c:dLbl>
             <c:dLbl>
@@ -1163,9 +1787,7 @@
               <c:showPercent val="0"/>
               <c:showBubbleSize val="0"/>
               <c:extLst>
-                <c:ext xmlns:c15="http://schemas.microsoft.com/office/drawing/2012/chart" uri="{CE6537A1-D6FC-4f65-9D91-7224C49458BB}">
-                  <c15:layout/>
-                </c:ext>
+                <c:ext xmlns:c15="http://schemas.microsoft.com/office/drawing/2012/chart" uri="{CE6537A1-D6FC-4f65-9D91-7224C49458BB}"/>
               </c:extLst>
             </c:dLbl>
             <c:dLbl>
@@ -1184,9 +1806,7 @@
               <c:showPercent val="0"/>
               <c:showBubbleSize val="0"/>
               <c:extLst>
-                <c:ext xmlns:c15="http://schemas.microsoft.com/office/drawing/2012/chart" uri="{CE6537A1-D6FC-4f65-9D91-7224C49458BB}">
-                  <c15:layout/>
-                </c:ext>
+                <c:ext xmlns:c15="http://schemas.microsoft.com/office/drawing/2012/chart" uri="{CE6537A1-D6FC-4f65-9D91-7224C49458BB}"/>
               </c:extLst>
             </c:dLbl>
             <c:dLbl>
@@ -1205,9 +1825,7 @@
               <c:showPercent val="0"/>
               <c:showBubbleSize val="0"/>
               <c:extLst>
-                <c:ext xmlns:c15="http://schemas.microsoft.com/office/drawing/2012/chart" uri="{CE6537A1-D6FC-4f65-9D91-7224C49458BB}">
-                  <c15:layout/>
-                </c:ext>
+                <c:ext xmlns:c15="http://schemas.microsoft.com/office/drawing/2012/chart" uri="{CE6537A1-D6FC-4f65-9D91-7224C49458BB}"/>
               </c:extLst>
             </c:dLbl>
             <c:dLbl>
@@ -1226,9 +1844,7 @@
               <c:showPercent val="0"/>
               <c:showBubbleSize val="0"/>
               <c:extLst>
-                <c:ext xmlns:c15="http://schemas.microsoft.com/office/drawing/2012/chart" uri="{CE6537A1-D6FC-4f65-9D91-7224C49458BB}">
-                  <c15:layout/>
-                </c:ext>
+                <c:ext xmlns:c15="http://schemas.microsoft.com/office/drawing/2012/chart" uri="{CE6537A1-D6FC-4f65-9D91-7224C49458BB}"/>
               </c:extLst>
             </c:dLbl>
             <c:spPr>
@@ -1462,7 +2078,6 @@
             <c:showLeaderLines val="0"/>
             <c:extLst>
               <c:ext xmlns:c15="http://schemas.microsoft.com/office/drawing/2012/chart" uri="{CE6537A1-D6FC-4f65-9D91-7224C49458BB}">
-                <c15:layout/>
                 <c15:showLeaderLines val="1"/>
                 <c15:leaderLines>
                   <c:spPr>
@@ -1600,11 +2215,11 @@
         </c:dLbls>
         <c:gapWidth val="219"/>
         <c:overlap val="-27"/>
-        <c:axId val="141095808"/>
-        <c:axId val="141098048"/>
+        <c:axId val="-152924960"/>
+        <c:axId val="-152928768"/>
       </c:barChart>
       <c:catAx>
-        <c:axId val="141095808"/>
+        <c:axId val="-152924960"/>
         <c:scaling>
           <c:orientation val="minMax"/>
         </c:scaling>
@@ -1644,7 +2259,7 @@
             <a:endParaRPr lang="ja-JP"/>
           </a:p>
         </c:txPr>
-        <c:crossAx val="141098048"/>
+        <c:crossAx val="-152928768"/>
         <c:crosses val="autoZero"/>
         <c:auto val="1"/>
         <c:lblAlgn val="ctr"/>
@@ -1652,7 +2267,7 @@
         <c:noMultiLvlLbl val="0"/>
       </c:catAx>
       <c:valAx>
-        <c:axId val="141098048"/>
+        <c:axId val="-152928768"/>
         <c:scaling>
           <c:orientation val="minMax"/>
         </c:scaling>
@@ -1711,7 +2326,6 @@
               </a:p>
             </c:rich>
           </c:tx>
-          <c:layout/>
           <c:overlay val="0"/>
           <c:spPr>
             <a:noFill/>
@@ -1772,7 +2386,7 @@
             <a:endParaRPr lang="ja-JP"/>
           </a:p>
         </c:txPr>
-        <c:crossAx val="141095808"/>
+        <c:crossAx val="-152924960"/>
         <c:crosses val="autoZero"/>
         <c:crossBetween val="between"/>
       </c:valAx>
@@ -1786,7 +2400,6 @@
     </c:plotArea>
     <c:legend>
       <c:legendPos val="b"/>
-      <c:layout/>
       <c:overlay val="0"/>
       <c:spPr>
         <a:noFill/>
@@ -1844,7 +2457,7 @@
 </c:chartSpace>
 </file>
 
-<file path=ppt/charts/chart3.xml><?xml version="1.0" encoding="utf-8"?>
+<file path=ppt/charts/chart4.xml><?xml version="1.0" encoding="utf-8"?>
 <c:chartSpace xmlns:c="http://schemas.openxmlformats.org/drawingml/2006/chart" xmlns:a="http://schemas.openxmlformats.org/drawingml/2006/main" xmlns:r="http://schemas.openxmlformats.org/officeDocument/2006/relationships">
   <c:date1904 val="0"/>
   <c:lang val="ja-JP"/>
@@ -2332,11 +2945,11 @@
         </c:dLbls>
         <c:gapWidth val="219"/>
         <c:overlap val="-27"/>
-        <c:axId val="143789968"/>
-        <c:axId val="143787168"/>
+        <c:axId val="-152927136"/>
+        <c:axId val="-152930400"/>
       </c:barChart>
       <c:catAx>
-        <c:axId val="143789968"/>
+        <c:axId val="-152927136"/>
         <c:scaling>
           <c:orientation val="minMax"/>
         </c:scaling>
@@ -2379,7 +2992,7 @@
             <a:endParaRPr lang="ja-JP"/>
           </a:p>
         </c:txPr>
-        <c:crossAx val="143787168"/>
+        <c:crossAx val="-152930400"/>
         <c:crosses val="autoZero"/>
         <c:auto val="1"/>
         <c:lblAlgn val="ctr"/>
@@ -2387,7 +3000,7 @@
         <c:noMultiLvlLbl val="0"/>
       </c:catAx>
       <c:valAx>
-        <c:axId val="143787168"/>
+        <c:axId val="-152930400"/>
         <c:scaling>
           <c:orientation val="minMax"/>
         </c:scaling>
@@ -2507,7 +3120,7 @@
             <a:endParaRPr lang="ja-JP"/>
           </a:p>
         </c:txPr>
-        <c:crossAx val="143789968"/>
+        <c:crossAx val="-152927136"/>
         <c:crosses val="autoZero"/>
         <c:crossBetween val="between"/>
       </c:valAx>
@@ -2660,6 +3273,46 @@
 </file>
 
 <file path=ppt/charts/colors3.xml><?xml version="1.0" encoding="utf-8"?>
+<cs:colorStyle xmlns:cs="http://schemas.microsoft.com/office/drawing/2012/chartStyle" xmlns:a="http://schemas.openxmlformats.org/drawingml/2006/main" meth="cycle" id="10">
+  <a:schemeClr val="accent1"/>
+  <a:schemeClr val="accent2"/>
+  <a:schemeClr val="accent3"/>
+  <a:schemeClr val="accent4"/>
+  <a:schemeClr val="accent5"/>
+  <a:schemeClr val="accent6"/>
+  <cs:variation/>
+  <cs:variation>
+    <a:lumMod val="60000"/>
+  </cs:variation>
+  <cs:variation>
+    <a:lumMod val="80000"/>
+    <a:lumOff val="20000"/>
+  </cs:variation>
+  <cs:variation>
+    <a:lumMod val="80000"/>
+  </cs:variation>
+  <cs:variation>
+    <a:lumMod val="60000"/>
+    <a:lumOff val="40000"/>
+  </cs:variation>
+  <cs:variation>
+    <a:lumMod val="50000"/>
+  </cs:variation>
+  <cs:variation>
+    <a:lumMod val="70000"/>
+    <a:lumOff val="30000"/>
+  </cs:variation>
+  <cs:variation>
+    <a:lumMod val="70000"/>
+  </cs:variation>
+  <cs:variation>
+    <a:lumMod val="50000"/>
+    <a:lumOff val="50000"/>
+  </cs:variation>
+</cs:colorStyle>
+</file>
+
+<file path=ppt/charts/colors4.xml><?xml version="1.0" encoding="utf-8"?>
 <cs:colorStyle xmlns:cs="http://schemas.microsoft.com/office/drawing/2012/chartStyle" xmlns:a="http://schemas.openxmlformats.org/drawingml/2006/main" meth="cycle" id="10">
   <a:schemeClr val="accent1"/>
   <a:schemeClr val="accent2"/>
@@ -4208,6 +4861,509 @@
 </cs:chartStyle>
 </file>
 
+<file path=ppt/charts/style4.xml><?xml version="1.0" encoding="utf-8"?>
+<cs:chartStyle xmlns:cs="http://schemas.microsoft.com/office/drawing/2012/chartStyle" xmlns:a="http://schemas.openxmlformats.org/drawingml/2006/main" id="201">
+  <cs:axisTitle>
+    <cs:lnRef idx="0"/>
+    <cs:fillRef idx="0"/>
+    <cs:effectRef idx="0"/>
+    <cs:fontRef idx="minor">
+      <a:schemeClr val="tx1">
+        <a:lumMod val="65000"/>
+        <a:lumOff val="35000"/>
+      </a:schemeClr>
+    </cs:fontRef>
+    <cs:defRPr sz="1000" kern="1200"/>
+  </cs:axisTitle>
+  <cs:categoryAxis>
+    <cs:lnRef idx="0"/>
+    <cs:fillRef idx="0"/>
+    <cs:effectRef idx="0"/>
+    <cs:fontRef idx="minor">
+      <a:schemeClr val="tx1">
+        <a:lumMod val="65000"/>
+        <a:lumOff val="35000"/>
+      </a:schemeClr>
+    </cs:fontRef>
+    <cs:spPr>
+      <a:ln w="9525" cap="flat" cmpd="sng" algn="ctr">
+        <a:solidFill>
+          <a:schemeClr val="tx1">
+            <a:lumMod val="15000"/>
+            <a:lumOff val="85000"/>
+          </a:schemeClr>
+        </a:solidFill>
+        <a:round/>
+      </a:ln>
+    </cs:spPr>
+    <cs:defRPr sz="900" kern="1200"/>
+  </cs:categoryAxis>
+  <cs:chartArea mods="allowNoFillOverride allowNoLineOverride">
+    <cs:lnRef idx="0"/>
+    <cs:fillRef idx="0"/>
+    <cs:effectRef idx="0"/>
+    <cs:fontRef idx="minor">
+      <a:schemeClr val="tx1"/>
+    </cs:fontRef>
+    <cs:spPr>
+      <a:solidFill>
+        <a:schemeClr val="bg1"/>
+      </a:solidFill>
+      <a:ln w="9525" cap="flat" cmpd="sng" algn="ctr">
+        <a:solidFill>
+          <a:schemeClr val="tx1">
+            <a:lumMod val="15000"/>
+            <a:lumOff val="85000"/>
+          </a:schemeClr>
+        </a:solidFill>
+        <a:round/>
+      </a:ln>
+    </cs:spPr>
+    <cs:defRPr sz="1000" kern="1200"/>
+  </cs:chartArea>
+  <cs:dataLabel>
+    <cs:lnRef idx="0"/>
+    <cs:fillRef idx="0"/>
+    <cs:effectRef idx="0"/>
+    <cs:fontRef idx="minor">
+      <a:schemeClr val="tx1">
+        <a:lumMod val="75000"/>
+        <a:lumOff val="25000"/>
+      </a:schemeClr>
+    </cs:fontRef>
+    <cs:defRPr sz="900" kern="1200"/>
+  </cs:dataLabel>
+  <cs:dataLabelCallout>
+    <cs:lnRef idx="0"/>
+    <cs:fillRef idx="0"/>
+    <cs:effectRef idx="0"/>
+    <cs:fontRef idx="minor">
+      <a:schemeClr val="dk1">
+        <a:lumMod val="65000"/>
+        <a:lumOff val="35000"/>
+      </a:schemeClr>
+    </cs:fontRef>
+    <cs:spPr>
+      <a:solidFill>
+        <a:schemeClr val="lt1"/>
+      </a:solidFill>
+      <a:ln>
+        <a:solidFill>
+          <a:schemeClr val="dk1">
+            <a:lumMod val="25000"/>
+            <a:lumOff val="75000"/>
+          </a:schemeClr>
+        </a:solidFill>
+      </a:ln>
+    </cs:spPr>
+    <cs:defRPr sz="900" kern="1200"/>
+    <cs:bodyPr rot="0" spcFirstLastPara="1" vertOverflow="clip" horzOverflow="clip" vert="horz" wrap="square" lIns="36576" tIns="18288" rIns="36576" bIns="18288" anchor="ctr" anchorCtr="1">
+      <a:spAutoFit/>
+    </cs:bodyPr>
+  </cs:dataLabelCallout>
+  <cs:dataPoint>
+    <cs:lnRef idx="0"/>
+    <cs:fillRef idx="1">
+      <cs:styleClr val="auto"/>
+    </cs:fillRef>
+    <cs:effectRef idx="0"/>
+    <cs:fontRef idx="minor">
+      <a:schemeClr val="tx1"/>
+    </cs:fontRef>
+  </cs:dataPoint>
+  <cs:dataPoint3D>
+    <cs:lnRef idx="0"/>
+    <cs:fillRef idx="1">
+      <cs:styleClr val="auto"/>
+    </cs:fillRef>
+    <cs:effectRef idx="0"/>
+    <cs:fontRef idx="minor">
+      <a:schemeClr val="tx1"/>
+    </cs:fontRef>
+  </cs:dataPoint3D>
+  <cs:dataPointLine>
+    <cs:lnRef idx="0">
+      <cs:styleClr val="auto"/>
+    </cs:lnRef>
+    <cs:fillRef idx="1"/>
+    <cs:effectRef idx="0"/>
+    <cs:fontRef idx="minor">
+      <a:schemeClr val="tx1"/>
+    </cs:fontRef>
+    <cs:spPr>
+      <a:ln w="28575" cap="rnd">
+        <a:solidFill>
+          <a:schemeClr val="phClr"/>
+        </a:solidFill>
+        <a:round/>
+      </a:ln>
+    </cs:spPr>
+  </cs:dataPointLine>
+  <cs:dataPointMarker>
+    <cs:lnRef idx="0">
+      <cs:styleClr val="auto"/>
+    </cs:lnRef>
+    <cs:fillRef idx="1">
+      <cs:styleClr val="auto"/>
+    </cs:fillRef>
+    <cs:effectRef idx="0"/>
+    <cs:fontRef idx="minor">
+      <a:schemeClr val="tx1"/>
+    </cs:fontRef>
+    <cs:spPr>
+      <a:ln w="9525">
+        <a:solidFill>
+          <a:schemeClr val="phClr"/>
+        </a:solidFill>
+      </a:ln>
+    </cs:spPr>
+  </cs:dataPointMarker>
+  <cs:dataPointMarkerLayout symbol="circle" size="5"/>
+  <cs:dataPointWireframe>
+    <cs:lnRef idx="0">
+      <cs:styleClr val="auto"/>
+    </cs:lnRef>
+    <cs:fillRef idx="1"/>
+    <cs:effectRef idx="0"/>
+    <cs:fontRef idx="minor">
+      <a:schemeClr val="tx1"/>
+    </cs:fontRef>
+    <cs:spPr>
+      <a:ln w="9525" cap="rnd">
+        <a:solidFill>
+          <a:schemeClr val="phClr"/>
+        </a:solidFill>
+        <a:round/>
+      </a:ln>
+    </cs:spPr>
+  </cs:dataPointWireframe>
+  <cs:dataTable>
+    <cs:lnRef idx="0"/>
+    <cs:fillRef idx="0"/>
+    <cs:effectRef idx="0"/>
+    <cs:fontRef idx="minor">
+      <a:schemeClr val="tx1">
+        <a:lumMod val="65000"/>
+        <a:lumOff val="35000"/>
+      </a:schemeClr>
+    </cs:fontRef>
+    <cs:spPr>
+      <a:noFill/>
+      <a:ln w="9525" cap="flat" cmpd="sng" algn="ctr">
+        <a:solidFill>
+          <a:schemeClr val="tx1">
+            <a:lumMod val="15000"/>
+            <a:lumOff val="85000"/>
+          </a:schemeClr>
+        </a:solidFill>
+        <a:round/>
+      </a:ln>
+    </cs:spPr>
+    <cs:defRPr sz="900" kern="1200"/>
+  </cs:dataTable>
+  <cs:downBar>
+    <cs:lnRef idx="0"/>
+    <cs:fillRef idx="0"/>
+    <cs:effectRef idx="0"/>
+    <cs:fontRef idx="minor">
+      <a:schemeClr val="dk1"/>
+    </cs:fontRef>
+    <cs:spPr>
+      <a:solidFill>
+        <a:schemeClr val="dk1">
+          <a:lumMod val="65000"/>
+          <a:lumOff val="35000"/>
+        </a:schemeClr>
+      </a:solidFill>
+      <a:ln w="9525">
+        <a:solidFill>
+          <a:schemeClr val="tx1">
+            <a:lumMod val="65000"/>
+            <a:lumOff val="35000"/>
+          </a:schemeClr>
+        </a:solidFill>
+      </a:ln>
+    </cs:spPr>
+  </cs:downBar>
+  <cs:dropLine>
+    <cs:lnRef idx="0"/>
+    <cs:fillRef idx="0"/>
+    <cs:effectRef idx="0"/>
+    <cs:fontRef idx="minor">
+      <a:schemeClr val="tx1"/>
+    </cs:fontRef>
+    <cs:spPr>
+      <a:ln w="9525" cap="flat" cmpd="sng" algn="ctr">
+        <a:solidFill>
+          <a:schemeClr val="tx1">
+            <a:lumMod val="35000"/>
+            <a:lumOff val="65000"/>
+          </a:schemeClr>
+        </a:solidFill>
+        <a:round/>
+      </a:ln>
+    </cs:spPr>
+  </cs:dropLine>
+  <cs:errorBar>
+    <cs:lnRef idx="0"/>
+    <cs:fillRef idx="0"/>
+    <cs:effectRef idx="0"/>
+    <cs:fontRef idx="minor">
+      <a:schemeClr val="tx1"/>
+    </cs:fontRef>
+    <cs:spPr>
+      <a:ln w="9525" cap="flat" cmpd="sng" algn="ctr">
+        <a:solidFill>
+          <a:schemeClr val="tx1">
+            <a:lumMod val="65000"/>
+            <a:lumOff val="35000"/>
+          </a:schemeClr>
+        </a:solidFill>
+        <a:round/>
+      </a:ln>
+    </cs:spPr>
+  </cs:errorBar>
+  <cs:floor>
+    <cs:lnRef idx="0"/>
+    <cs:fillRef idx="0"/>
+    <cs:effectRef idx="0"/>
+    <cs:fontRef idx="minor">
+      <a:schemeClr val="tx1"/>
+    </cs:fontRef>
+    <cs:spPr>
+      <a:noFill/>
+      <a:ln>
+        <a:noFill/>
+      </a:ln>
+    </cs:spPr>
+  </cs:floor>
+  <cs:gridlineMajor>
+    <cs:lnRef idx="0"/>
+    <cs:fillRef idx="0"/>
+    <cs:effectRef idx="0"/>
+    <cs:fontRef idx="minor">
+      <a:schemeClr val="tx1"/>
+    </cs:fontRef>
+    <cs:spPr>
+      <a:ln w="9525" cap="flat" cmpd="sng" algn="ctr">
+        <a:solidFill>
+          <a:schemeClr val="tx1">
+            <a:lumMod val="15000"/>
+            <a:lumOff val="85000"/>
+          </a:schemeClr>
+        </a:solidFill>
+        <a:round/>
+      </a:ln>
+    </cs:spPr>
+  </cs:gridlineMajor>
+  <cs:gridlineMinor>
+    <cs:lnRef idx="0"/>
+    <cs:fillRef idx="0"/>
+    <cs:effectRef idx="0"/>
+    <cs:fontRef idx="minor">
+      <a:schemeClr val="tx1"/>
+    </cs:fontRef>
+    <cs:spPr>
+      <a:ln w="9525" cap="flat" cmpd="sng" algn="ctr">
+        <a:solidFill>
+          <a:schemeClr val="tx1">
+            <a:lumMod val="5000"/>
+            <a:lumOff val="95000"/>
+          </a:schemeClr>
+        </a:solidFill>
+        <a:round/>
+      </a:ln>
+    </cs:spPr>
+  </cs:gridlineMinor>
+  <cs:hiLoLine>
+    <cs:lnRef idx="0"/>
+    <cs:fillRef idx="0"/>
+    <cs:effectRef idx="0"/>
+    <cs:fontRef idx="minor">
+      <a:schemeClr val="tx1"/>
+    </cs:fontRef>
+    <cs:spPr>
+      <a:ln w="9525" cap="flat" cmpd="sng" algn="ctr">
+        <a:solidFill>
+          <a:schemeClr val="tx1">
+            <a:lumMod val="75000"/>
+            <a:lumOff val="25000"/>
+          </a:schemeClr>
+        </a:solidFill>
+        <a:round/>
+      </a:ln>
+    </cs:spPr>
+  </cs:hiLoLine>
+  <cs:leaderLine>
+    <cs:lnRef idx="0"/>
+    <cs:fillRef idx="0"/>
+    <cs:effectRef idx="0"/>
+    <cs:fontRef idx="minor">
+      <a:schemeClr val="tx1"/>
+    </cs:fontRef>
+    <cs:spPr>
+      <a:ln w="9525" cap="flat" cmpd="sng" algn="ctr">
+        <a:solidFill>
+          <a:schemeClr val="tx1">
+            <a:lumMod val="35000"/>
+            <a:lumOff val="65000"/>
+          </a:schemeClr>
+        </a:solidFill>
+        <a:round/>
+      </a:ln>
+    </cs:spPr>
+  </cs:leaderLine>
+  <cs:legend>
+    <cs:lnRef idx="0"/>
+    <cs:fillRef idx="0"/>
+    <cs:effectRef idx="0"/>
+    <cs:fontRef idx="minor">
+      <a:schemeClr val="tx1">
+        <a:lumMod val="65000"/>
+        <a:lumOff val="35000"/>
+      </a:schemeClr>
+    </cs:fontRef>
+    <cs:defRPr sz="900" kern="1200"/>
+  </cs:legend>
+  <cs:plotArea mods="allowNoFillOverride allowNoLineOverride">
+    <cs:lnRef idx="0"/>
+    <cs:fillRef idx="0"/>
+    <cs:effectRef idx="0"/>
+    <cs:fontRef idx="minor">
+      <a:schemeClr val="tx1"/>
+    </cs:fontRef>
+  </cs:plotArea>
+  <cs:plotArea3D mods="allowNoFillOverride allowNoLineOverride">
+    <cs:lnRef idx="0"/>
+    <cs:fillRef idx="0"/>
+    <cs:effectRef idx="0"/>
+    <cs:fontRef idx="minor">
+      <a:schemeClr val="tx1"/>
+    </cs:fontRef>
+  </cs:plotArea3D>
+  <cs:seriesAxis>
+    <cs:lnRef idx="0"/>
+    <cs:fillRef idx="0"/>
+    <cs:effectRef idx="0"/>
+    <cs:fontRef idx="minor">
+      <a:schemeClr val="tx1">
+        <a:lumMod val="65000"/>
+        <a:lumOff val="35000"/>
+      </a:schemeClr>
+    </cs:fontRef>
+    <cs:defRPr sz="900" kern="1200"/>
+  </cs:seriesAxis>
+  <cs:seriesLine>
+    <cs:lnRef idx="0"/>
+    <cs:fillRef idx="0"/>
+    <cs:effectRef idx="0"/>
+    <cs:fontRef idx="minor">
+      <a:schemeClr val="tx1"/>
+    </cs:fontRef>
+    <cs:spPr>
+      <a:ln w="9525" cap="flat" cmpd="sng" algn="ctr">
+        <a:solidFill>
+          <a:schemeClr val="tx1">
+            <a:lumMod val="35000"/>
+            <a:lumOff val="65000"/>
+          </a:schemeClr>
+        </a:solidFill>
+        <a:round/>
+      </a:ln>
+    </cs:spPr>
+  </cs:seriesLine>
+  <cs:title>
+    <cs:lnRef idx="0"/>
+    <cs:fillRef idx="0"/>
+    <cs:effectRef idx="0"/>
+    <cs:fontRef idx="minor">
+      <a:schemeClr val="tx1">
+        <a:lumMod val="65000"/>
+        <a:lumOff val="35000"/>
+      </a:schemeClr>
+    </cs:fontRef>
+    <cs:defRPr sz="1400" b="0" kern="1200" spc="0" baseline="0"/>
+  </cs:title>
+  <cs:trendline>
+    <cs:lnRef idx="0">
+      <cs:styleClr val="auto"/>
+    </cs:lnRef>
+    <cs:fillRef idx="0"/>
+    <cs:effectRef idx="0"/>
+    <cs:fontRef idx="minor">
+      <a:schemeClr val="tx1"/>
+    </cs:fontRef>
+    <cs:spPr>
+      <a:ln w="19050" cap="rnd">
+        <a:solidFill>
+          <a:schemeClr val="phClr"/>
+        </a:solidFill>
+        <a:prstDash val="sysDot"/>
+      </a:ln>
+    </cs:spPr>
+  </cs:trendline>
+  <cs:trendlineLabel>
+    <cs:lnRef idx="0"/>
+    <cs:fillRef idx="0"/>
+    <cs:effectRef idx="0"/>
+    <cs:fontRef idx="minor">
+      <a:schemeClr val="tx1">
+        <a:lumMod val="65000"/>
+        <a:lumOff val="35000"/>
+      </a:schemeClr>
+    </cs:fontRef>
+    <cs:defRPr sz="900" kern="1200"/>
+  </cs:trendlineLabel>
+  <cs:upBar>
+    <cs:lnRef idx="0"/>
+    <cs:fillRef idx="0"/>
+    <cs:effectRef idx="0"/>
+    <cs:fontRef idx="minor">
+      <a:schemeClr val="dk1"/>
+    </cs:fontRef>
+    <cs:spPr>
+      <a:solidFill>
+        <a:schemeClr val="lt1"/>
+      </a:solidFill>
+      <a:ln w="9525">
+        <a:solidFill>
+          <a:schemeClr val="tx1">
+            <a:lumMod val="15000"/>
+            <a:lumOff val="85000"/>
+          </a:schemeClr>
+        </a:solidFill>
+      </a:ln>
+    </cs:spPr>
+  </cs:upBar>
+  <cs:valueAxis>
+    <cs:lnRef idx="0"/>
+    <cs:fillRef idx="0"/>
+    <cs:effectRef idx="0"/>
+    <cs:fontRef idx="minor">
+      <a:schemeClr val="tx1">
+        <a:lumMod val="65000"/>
+        <a:lumOff val="35000"/>
+      </a:schemeClr>
+    </cs:fontRef>
+    <cs:defRPr sz="900" kern="1200"/>
+  </cs:valueAxis>
+  <cs:wall>
+    <cs:lnRef idx="0"/>
+    <cs:fillRef idx="0"/>
+    <cs:effectRef idx="0"/>
+    <cs:fontRef idx="minor">
+      <a:schemeClr val="tx1"/>
+    </cs:fontRef>
+    <cs:spPr>
+      <a:noFill/>
+      <a:ln>
+        <a:noFill/>
+      </a:ln>
+    </cs:spPr>
+  </cs:wall>
+</cs:chartStyle>
+</file>
+
 <file path=ppt/drawings/drawing1.xml><?xml version="1.0" encoding="utf-8"?>
 <c:userShapes xmlns:c="http://schemas.openxmlformats.org/drawingml/2006/chart">
   <cdr:relSizeAnchor xmlns:cdr="http://schemas.openxmlformats.org/drawingml/2006/chartDrawing">
@@ -4998,7 +6154,7 @@
           <a:p>
             <a:fld id="{1D2B6E0B-CE0C-4226-9022-18809A19516C}" type="datetimeFigureOut">
               <a:rPr kumimoji="1" lang="ja-JP" altLang="en-US" smtClean="0"/>
-              <a:t>2016/2/11</a:t>
+              <a:t>2016/2/12</a:t>
             </a:fld>
             <a:endParaRPr kumimoji="1" lang="ja-JP" altLang="en-US"/>
           </a:p>
@@ -5615,7 +6771,23 @@
           <a:p>
             <a:r>
               <a:rPr kumimoji="1" lang="ja-JP" altLang="en-US" dirty="0" smtClean="0"/>
-              <a:t>・１セグメント構成から３セグメント構成全てにおいて、オーケストレーション定義エディタを使用してのテンプレートファイル作成所要時間が従来方式の作成所要時間とくらべて約</a:t>
+              <a:t>・</a:t>
+            </a:r>
+            <a:r>
+              <a:rPr kumimoji="1" lang="en-US" altLang="ja-JP" dirty="0" smtClean="0"/>
+              <a:t>(</a:t>
+            </a:r>
+            <a:r>
+              <a:rPr kumimoji="1" lang="ja-JP" altLang="en-US" dirty="0" smtClean="0"/>
+              <a:t>１セグメント構成から３セグメント構成全てにおいて、</a:t>
+            </a:r>
+            <a:r>
+              <a:rPr kumimoji="1" lang="en-US" altLang="ja-JP" dirty="0" smtClean="0"/>
+              <a:t>)</a:t>
+            </a:r>
+            <a:r>
+              <a:rPr kumimoji="1" lang="ja-JP" altLang="en-US" dirty="0" smtClean="0"/>
+              <a:t>オーケストレーション定義エディタを使用してのテンプレートファイル作成所要時間が従来方式の作成所要時間とくらべて約</a:t>
             </a:r>
             <a:r>
               <a:rPr kumimoji="1" lang="en-US" altLang="ja-JP" dirty="0" smtClean="0"/>
@@ -5634,7 +6806,25 @@
           <a:p>
             <a:r>
               <a:rPr kumimoji="1" lang="ja-JP" altLang="en-US" dirty="0" smtClean="0"/>
-              <a:t>・更に、従来方式では各被験者作成所要時間のバラ付きが大きい</a:t>
+              <a:t>・更に、</a:t>
+            </a:r>
+            <a:r>
+              <a:rPr kumimoji="1" lang="en-US" altLang="ja-JP" dirty="0" smtClean="0"/>
+              <a:t>”””””</a:t>
+            </a:r>
+            <a:r>
+              <a:rPr kumimoji="1" lang="ja-JP" altLang="en-US" dirty="0" smtClean="0"/>
+              <a:t>従来方式では各被験者作成所要時間のバラ付きが大きい</a:t>
+            </a:r>
+            <a:r>
+              <a:rPr kumimoji="1" lang="en-US" altLang="ja-JP" dirty="0" smtClean="0"/>
+              <a:t>”””””</a:t>
+            </a:r>
+          </a:p>
+          <a:p>
+            <a:r>
+              <a:rPr kumimoji="1" lang="ja-JP" altLang="en-US" dirty="0" smtClean="0"/>
+              <a:t>→記述量増加で時間が掛かる</a:t>
             </a:r>
             <a:endParaRPr kumimoji="1" lang="en-US" altLang="ja-JP" dirty="0" smtClean="0"/>
           </a:p>
@@ -5691,6 +6881,9 @@
               <a:t>→次のスライドへ。</a:t>
             </a:r>
             <a:endParaRPr kumimoji="1" lang="en-US" altLang="ja-JP" dirty="0" smtClean="0"/>
+          </a:p>
+          <a:p>
+            <a:endParaRPr kumimoji="1" lang="ja-JP" altLang="en-US" dirty="0"/>
           </a:p>
         </p:txBody>
       </p:sp>
@@ -5720,7 +6913,7 @@
     </p:spTree>
     <p:extLst>
       <p:ext uri="{BB962C8B-B14F-4D97-AF65-F5344CB8AC3E}">
-        <p14:creationId xmlns:p14="http://schemas.microsoft.com/office/powerpoint/2010/main" val="3760426189"/>
+        <p14:creationId xmlns:p14="http://schemas.microsoft.com/office/powerpoint/2010/main" val="772965095"/>
       </p:ext>
     </p:extLst>
   </p:cSld>
@@ -5774,149 +6967,6 @@
           <a:bodyPr/>
           <a:lstStyle/>
           <a:p>
-            <a:r>
-              <a:rPr kumimoji="1" lang="ja-JP" altLang="en-US" dirty="0" smtClean="0"/>
-              <a:t>エラー発生回数について</a:t>
-            </a:r>
-            <a:endParaRPr kumimoji="1" lang="en-US" altLang="ja-JP" dirty="0" smtClean="0"/>
-          </a:p>
-          <a:p>
-            <a:r>
-              <a:rPr kumimoji="1" lang="ja-JP" altLang="en-US" dirty="0" smtClean="0"/>
-              <a:t>・オーケストレーション定義エディタでは，入力する項目を</a:t>
-            </a:r>
-            <a:endParaRPr kumimoji="1" lang="en-US" altLang="ja-JP" dirty="0" smtClean="0"/>
-          </a:p>
-          <a:p>
-            <a:r>
-              <a:rPr kumimoji="1" lang="ja-JP" altLang="en-US" dirty="0" smtClean="0"/>
-              <a:t>①自動で入力する</a:t>
-            </a:r>
-            <a:endParaRPr kumimoji="1" lang="en-US" altLang="ja-JP" dirty="0" smtClean="0"/>
-          </a:p>
-          <a:p>
-            <a:r>
-              <a:rPr kumimoji="1" lang="ja-JP" altLang="en-US" dirty="0" smtClean="0"/>
-              <a:t>②プルダウンメニューで選択肢を提供してから選んでもらう</a:t>
-            </a:r>
-            <a:endParaRPr kumimoji="1" lang="en-US" altLang="ja-JP" dirty="0" smtClean="0"/>
-          </a:p>
-          <a:p>
-            <a:endParaRPr kumimoji="1" lang="en-US" altLang="ja-JP" dirty="0" smtClean="0"/>
-          </a:p>
-          <a:p>
-            <a:r>
-              <a:rPr kumimoji="1" lang="ja-JP" altLang="en-US" dirty="0" smtClean="0"/>
-              <a:t>という方法で入力しているためそもそも記述ミスが発生することがない。</a:t>
-            </a:r>
-            <a:endParaRPr kumimoji="1" lang="en-US" altLang="ja-JP" dirty="0" smtClean="0"/>
-          </a:p>
-          <a:p>
-            <a:endParaRPr kumimoji="1" lang="en-US" altLang="ja-JP" dirty="0" smtClean="0"/>
-          </a:p>
-          <a:p>
-            <a:r>
-              <a:rPr kumimoji="1" lang="ja-JP" altLang="en-US" dirty="0" smtClean="0"/>
-              <a:t>一方従来の手動で</a:t>
-            </a:r>
-            <a:r>
-              <a:rPr kumimoji="1" lang="en-US" altLang="ja-JP" dirty="0" smtClean="0"/>
-              <a:t>Heat</a:t>
-            </a:r>
-            <a:r>
-              <a:rPr kumimoji="1" lang="ja-JP" altLang="en-US" dirty="0" smtClean="0"/>
-              <a:t>テンプレートファイルを作成する方式では、人が手動で入力することもありエラーが頻発。</a:t>
-            </a:r>
-            <a:endParaRPr kumimoji="1" lang="en-US" altLang="ja-JP" dirty="0" smtClean="0"/>
-          </a:p>
-          <a:p>
-            <a:r>
-              <a:rPr kumimoji="1" lang="ja-JP" altLang="en-US" dirty="0" smtClean="0"/>
-              <a:t>実際の評価実験は　１セグメント構成→２セグメント構成→３セグメント構成　の順番で実施された。</a:t>
-            </a:r>
-            <a:endParaRPr kumimoji="1" lang="en-US" altLang="ja-JP" dirty="0" smtClean="0"/>
-          </a:p>
-          <a:p>
-            <a:r>
-              <a:rPr kumimoji="1" lang="ja-JP" altLang="en-US" dirty="0" smtClean="0"/>
-              <a:t>実験開始時には「手動方式ではテンプレートファイル構築に慣れることでエラー発生回数が減少していくのでは？」と予想。</a:t>
-            </a:r>
-            <a:endParaRPr kumimoji="1" lang="en-US" altLang="ja-JP" dirty="0" smtClean="0"/>
-          </a:p>
-          <a:p>
-            <a:r>
-              <a:rPr kumimoji="1" lang="en-US" altLang="ja-JP" dirty="0" smtClean="0"/>
-              <a:t>	</a:t>
-            </a:r>
-            <a:r>
-              <a:rPr kumimoji="1" lang="ja-JP" altLang="en-US" dirty="0" smtClean="0"/>
-              <a:t>→しかし実際にはエラーが減少していくことはなかった</a:t>
-            </a:r>
-            <a:endParaRPr kumimoji="1" lang="en-US" altLang="ja-JP" dirty="0" smtClean="0"/>
-          </a:p>
-          <a:p>
-            <a:r>
-              <a:rPr kumimoji="1" lang="en-US" altLang="ja-JP" dirty="0" smtClean="0"/>
-              <a:t>	</a:t>
-            </a:r>
-            <a:r>
-              <a:rPr kumimoji="1" lang="ja-JP" altLang="en-US" dirty="0" smtClean="0"/>
-              <a:t>→被験者全員が、</a:t>
-            </a:r>
-            <a:r>
-              <a:rPr kumimoji="1" lang="en-US" altLang="ja-JP" dirty="0" smtClean="0"/>
-              <a:t>Heat</a:t>
-            </a:r>
-            <a:r>
-              <a:rPr kumimoji="1" lang="ja-JP" altLang="en-US" dirty="0" smtClean="0"/>
-              <a:t>テンプレートファイルの書式をまだ理解しきれていなかったのでは。</a:t>
-            </a:r>
-            <a:endParaRPr kumimoji="1" lang="en-US" altLang="ja-JP" dirty="0" smtClean="0"/>
-          </a:p>
-          <a:p>
-            <a:r>
-              <a:rPr kumimoji="1" lang="en-US" altLang="ja-JP" dirty="0" smtClean="0"/>
-              <a:t>	</a:t>
-            </a:r>
-            <a:r>
-              <a:rPr kumimoji="1" lang="ja-JP" altLang="en-US" dirty="0" smtClean="0"/>
-              <a:t>→そもそも構築内容が複雑になればなるほどテキスト記述量は増加していくため、記述ミスは常に発生しやすいのではないか。</a:t>
-            </a:r>
-            <a:endParaRPr kumimoji="1" lang="en-US" altLang="ja-JP" dirty="0" smtClean="0"/>
-          </a:p>
-          <a:p>
-            <a:endParaRPr kumimoji="1" lang="en-US" altLang="ja-JP" dirty="0" smtClean="0"/>
-          </a:p>
-          <a:p>
-            <a:r>
-              <a:rPr kumimoji="1" lang="ja-JP" altLang="en-US" dirty="0" smtClean="0"/>
-              <a:t>ということが考えられた。</a:t>
-            </a:r>
-            <a:endParaRPr kumimoji="1" lang="en-US" altLang="ja-JP" dirty="0" smtClean="0"/>
-          </a:p>
-          <a:p>
-            <a:endParaRPr kumimoji="1" lang="en-US" altLang="ja-JP" dirty="0" smtClean="0"/>
-          </a:p>
-          <a:p>
-            <a:r>
-              <a:rPr kumimoji="1" lang="ja-JP" altLang="en-US" dirty="0" smtClean="0"/>
-              <a:t>全く同じ内容の構成を構築してもらったが、手動ではエラーを発生させ、オーケストレーション定義エディタではエラー発生回数ゼロだった。</a:t>
-            </a:r>
-            <a:endParaRPr kumimoji="1" lang="en-US" altLang="ja-JP" dirty="0" smtClean="0"/>
-          </a:p>
-          <a:p>
-            <a:r>
-              <a:rPr kumimoji="1" lang="ja-JP" altLang="en-US" dirty="0" smtClean="0"/>
-              <a:t>つまり、エディタ利用者は</a:t>
-            </a:r>
-            <a:r>
-              <a:rPr kumimoji="1" lang="en-US" altLang="ja-JP" dirty="0" smtClean="0"/>
-              <a:t>Heat</a:t>
-            </a:r>
-            <a:r>
-              <a:rPr kumimoji="1" lang="ja-JP" altLang="en-US" dirty="0" smtClean="0"/>
-              <a:t>テンプレートファイルに関する専門知識を意識すること無く容易かつ正確にテンプレートファイルを作成できる。</a:t>
-            </a:r>
             <a:endParaRPr kumimoji="1" lang="en-US" altLang="ja-JP" dirty="0" smtClean="0"/>
           </a:p>
         </p:txBody>
@@ -5947,7 +6997,7 @@
     </p:spTree>
     <p:extLst>
       <p:ext uri="{BB962C8B-B14F-4D97-AF65-F5344CB8AC3E}">
-        <p14:creationId xmlns:p14="http://schemas.microsoft.com/office/powerpoint/2010/main" val="130170648"/>
+        <p14:creationId xmlns:p14="http://schemas.microsoft.com/office/powerpoint/2010/main" val="3760426189"/>
       </p:ext>
     </p:extLst>
   </p:cSld>
@@ -6003,31 +7053,38 @@
           <a:p>
             <a:r>
               <a:rPr kumimoji="1" lang="ja-JP" altLang="en-US" dirty="0" smtClean="0"/>
-              <a:t>まとめ</a:t>
+              <a:t>エラー発生回数について</a:t>
             </a:r>
             <a:endParaRPr kumimoji="1" lang="en-US" altLang="ja-JP" dirty="0" smtClean="0"/>
           </a:p>
           <a:p>
+            <a:r>
+              <a:rPr kumimoji="1" lang="ja-JP" altLang="en-US" dirty="0" smtClean="0"/>
+              <a:t>・オーケストレーション定義エディタでは，入力する項目を</a:t>
+            </a:r>
             <a:endParaRPr kumimoji="1" lang="en-US" altLang="ja-JP" dirty="0" smtClean="0"/>
           </a:p>
           <a:p>
             <a:r>
               <a:rPr kumimoji="1" lang="ja-JP" altLang="en-US" dirty="0" smtClean="0"/>
-              <a:t>・オーケストレーション定義エディタでは２つの画面からテンプレートファイルを作成する。</a:t>
+              <a:t>①自動で入力する</a:t>
             </a:r>
             <a:endParaRPr kumimoji="1" lang="en-US" altLang="ja-JP" dirty="0" smtClean="0"/>
           </a:p>
           <a:p>
             <a:r>
               <a:rPr kumimoji="1" lang="ja-JP" altLang="en-US" dirty="0" smtClean="0"/>
-              <a:t>→構成確認画面ではネットワークに関する記述とシステム構成の確認</a:t>
+              <a:t>②プルダウンメニューで選択肢を提供してから選んでもらう</a:t>
             </a:r>
             <a:endParaRPr kumimoji="1" lang="en-US" altLang="ja-JP" dirty="0" smtClean="0"/>
           </a:p>
           <a:p>
+            <a:endParaRPr kumimoji="1" lang="en-US" altLang="ja-JP" dirty="0" smtClean="0"/>
+          </a:p>
+          <a:p>
             <a:r>
               <a:rPr kumimoji="1" lang="ja-JP" altLang="en-US" dirty="0" smtClean="0"/>
-              <a:t>→詳細設定画面ではインスタンスに関する記述</a:t>
+              <a:t>という方法で入力しているためそもそも記述ミスが発生することがない。</a:t>
             </a:r>
             <a:endParaRPr kumimoji="1" lang="en-US" altLang="ja-JP" dirty="0" smtClean="0"/>
           </a:p>
@@ -6037,28 +7094,7 @@
           <a:p>
             <a:r>
               <a:rPr kumimoji="1" lang="ja-JP" altLang="en-US" dirty="0" smtClean="0"/>
-              <a:t>評価実験の結果、オーケストレーション定義エディタは</a:t>
-            </a:r>
-            <a:endParaRPr kumimoji="1" lang="en-US" altLang="ja-JP" dirty="0" smtClean="0"/>
-          </a:p>
-          <a:p>
-            <a:r>
-              <a:rPr kumimoji="1" lang="ja-JP" altLang="en-US" dirty="0" smtClean="0"/>
-              <a:t>・被験者の能力に影響されず短い一定時間でテンプレートファイルを作成可能　　であるといえた</a:t>
-            </a:r>
-            <a:endParaRPr kumimoji="1" lang="en-US" altLang="ja-JP" dirty="0" smtClean="0"/>
-          </a:p>
-          <a:p>
-            <a:r>
-              <a:rPr kumimoji="1" lang="ja-JP" altLang="en-US" dirty="0" smtClean="0"/>
-              <a:t>それは、</a:t>
-            </a:r>
-            <a:endParaRPr kumimoji="1" lang="en-US" altLang="ja-JP" dirty="0" smtClean="0"/>
-          </a:p>
-          <a:p>
-            <a:r>
-              <a:rPr kumimoji="1" lang="ja-JP" altLang="en-US" dirty="0" smtClean="0"/>
-              <a:t>自動入力とプルダウンメニューでの入力方式により入力者は</a:t>
+              <a:t>一方従来の手動で</a:t>
             </a:r>
             <a:r>
               <a:rPr kumimoji="1" lang="en-US" altLang="ja-JP" dirty="0" smtClean="0"/>
@@ -6066,17 +7102,97 @@
             </a:r>
             <a:r>
               <a:rPr kumimoji="1" lang="ja-JP" altLang="en-US" dirty="0" smtClean="0"/>
-              <a:t>の専門知識を意識すること無くテンプレートファイルを作成可能</a:t>
+              <a:t>テンプレートファイルを作成する方式では、人が手動で入力することもありエラーが頻発。</a:t>
             </a:r>
             <a:endParaRPr kumimoji="1" lang="en-US" altLang="ja-JP" dirty="0" smtClean="0"/>
           </a:p>
           <a:p>
+            <a:r>
+              <a:rPr kumimoji="1" lang="ja-JP" altLang="en-US" dirty="0" smtClean="0"/>
+              <a:t>実際の評価実験は　１セグメント構成→２セグメント構成→３セグメント構成　の順番で実施された。</a:t>
+            </a:r>
             <a:endParaRPr kumimoji="1" lang="en-US" altLang="ja-JP" dirty="0" smtClean="0"/>
           </a:p>
           <a:p>
             <a:r>
               <a:rPr kumimoji="1" lang="ja-JP" altLang="en-US" dirty="0" smtClean="0"/>
-              <a:t>であるから。</a:t>
+              <a:t>実験開始時には「手動方式ではテンプレートファイル構築に慣れることでエラー発生回数が減少していくのでは？」と予想。</a:t>
+            </a:r>
+            <a:endParaRPr kumimoji="1" lang="en-US" altLang="ja-JP" dirty="0" smtClean="0"/>
+          </a:p>
+          <a:p>
+            <a:r>
+              <a:rPr kumimoji="1" lang="en-US" altLang="ja-JP" dirty="0" smtClean="0"/>
+              <a:t>	</a:t>
+            </a:r>
+            <a:r>
+              <a:rPr kumimoji="1" lang="ja-JP" altLang="en-US" dirty="0" smtClean="0"/>
+              <a:t>→しかし実際にはエラーが減少していくことはなかった</a:t>
+            </a:r>
+            <a:endParaRPr kumimoji="1" lang="en-US" altLang="ja-JP" dirty="0" smtClean="0"/>
+          </a:p>
+          <a:p>
+            <a:r>
+              <a:rPr kumimoji="1" lang="en-US" altLang="ja-JP" dirty="0" smtClean="0"/>
+              <a:t>	</a:t>
+            </a:r>
+            <a:r>
+              <a:rPr kumimoji="1" lang="ja-JP" altLang="en-US" dirty="0" smtClean="0"/>
+              <a:t>→被験者全員が、</a:t>
+            </a:r>
+            <a:r>
+              <a:rPr kumimoji="1" lang="en-US" altLang="ja-JP" dirty="0" smtClean="0"/>
+              <a:t>Heat</a:t>
+            </a:r>
+            <a:r>
+              <a:rPr kumimoji="1" lang="ja-JP" altLang="en-US" dirty="0" smtClean="0"/>
+              <a:t>テンプレートファイルの書式をまだ理解しきれていなかったのでは。</a:t>
+            </a:r>
+            <a:endParaRPr kumimoji="1" lang="en-US" altLang="ja-JP" dirty="0" smtClean="0"/>
+          </a:p>
+          <a:p>
+            <a:r>
+              <a:rPr kumimoji="1" lang="en-US" altLang="ja-JP" dirty="0" smtClean="0"/>
+              <a:t>	</a:t>
+            </a:r>
+            <a:r>
+              <a:rPr kumimoji="1" lang="ja-JP" altLang="en-US" dirty="0" smtClean="0"/>
+              <a:t>→そもそも構築内容が複雑になればなるほどテキスト記述量は増加していくため、記述ミスは常に発生しやすいのではないか。</a:t>
+            </a:r>
+            <a:endParaRPr kumimoji="1" lang="en-US" altLang="ja-JP" dirty="0" smtClean="0"/>
+          </a:p>
+          <a:p>
+            <a:endParaRPr kumimoji="1" lang="en-US" altLang="ja-JP" dirty="0" smtClean="0"/>
+          </a:p>
+          <a:p>
+            <a:r>
+              <a:rPr kumimoji="1" lang="ja-JP" altLang="en-US" dirty="0" smtClean="0"/>
+              <a:t>ということが考えられた。</a:t>
+            </a:r>
+            <a:endParaRPr kumimoji="1" lang="en-US" altLang="ja-JP" dirty="0" smtClean="0"/>
+          </a:p>
+          <a:p>
+            <a:endParaRPr kumimoji="1" lang="en-US" altLang="ja-JP" dirty="0" smtClean="0"/>
+          </a:p>
+          <a:p>
+            <a:r>
+              <a:rPr kumimoji="1" lang="ja-JP" altLang="en-US" dirty="0" smtClean="0"/>
+              <a:t>全く同じ内容の構成を構築してもらったが、手動ではエラーを発生させ、オーケストレーション定義エディタではエラー発生回数ゼロだった。</a:t>
+            </a:r>
+            <a:endParaRPr kumimoji="1" lang="en-US" altLang="ja-JP" dirty="0" smtClean="0"/>
+          </a:p>
+          <a:p>
+            <a:r>
+              <a:rPr kumimoji="1" lang="ja-JP" altLang="en-US" dirty="0" smtClean="0"/>
+              <a:t>つまり、エディタ利用者は</a:t>
+            </a:r>
+            <a:r>
+              <a:rPr kumimoji="1" lang="en-US" altLang="ja-JP" dirty="0" smtClean="0"/>
+              <a:t>Heat</a:t>
+            </a:r>
+            <a:r>
+              <a:rPr kumimoji="1" lang="ja-JP" altLang="en-US" dirty="0" smtClean="0"/>
+              <a:t>テンプレートファイルに関する専門知識を意識すること無く容易かつ正確にテンプレートファイルを作成できる。</a:t>
             </a:r>
             <a:endParaRPr kumimoji="1" lang="en-US" altLang="ja-JP" dirty="0" smtClean="0"/>
           </a:p>
@@ -6100,6 +7216,167 @@
             <a:fld id="{DF09510C-AA94-416D-B6D7-C4F4BCE6ABE3}" type="slidenum">
               <a:rPr kumimoji="1" lang="ja-JP" altLang="en-US" smtClean="0"/>
               <a:t>14</a:t>
+            </a:fld>
+            <a:endParaRPr kumimoji="1" lang="ja-JP" altLang="en-US"/>
+          </a:p>
+        </p:txBody>
+      </p:sp>
+    </p:spTree>
+    <p:extLst>
+      <p:ext uri="{BB962C8B-B14F-4D97-AF65-F5344CB8AC3E}">
+        <p14:creationId xmlns:p14="http://schemas.microsoft.com/office/powerpoint/2010/main" val="130170648"/>
+      </p:ext>
+    </p:extLst>
+  </p:cSld>
+  <p:clrMapOvr>
+    <a:masterClrMapping/>
+  </p:clrMapOvr>
+</p:notes>
+</file>
+
+<file path=ppt/notesSlides/notesSlide14.xml><?xml version="1.0" encoding="utf-8"?>
+<p:notes xmlns:a="http://schemas.openxmlformats.org/drawingml/2006/main" xmlns:r="http://schemas.openxmlformats.org/officeDocument/2006/relationships" xmlns:p="http://schemas.openxmlformats.org/presentationml/2006/main">
+  <p:cSld>
+    <p:spTree>
+      <p:nvGrpSpPr>
+        <p:cNvPr id="1" name=""/>
+        <p:cNvGrpSpPr/>
+        <p:nvPr/>
+      </p:nvGrpSpPr>
+      <p:grpSpPr>
+        <a:xfrm>
+          <a:off x="0" y="0"/>
+          <a:ext cx="0" cy="0"/>
+          <a:chOff x="0" y="0"/>
+          <a:chExt cx="0" cy="0"/>
+        </a:xfrm>
+      </p:grpSpPr>
+      <p:sp>
+        <p:nvSpPr>
+          <p:cNvPr id="2" name="スライド イメージ プレースホルダー 1"/>
+          <p:cNvSpPr>
+            <a:spLocks noGrp="1" noRot="1" noChangeAspect="1"/>
+          </p:cNvSpPr>
+          <p:nvPr>
+            <p:ph type="sldImg"/>
+          </p:nvPr>
+        </p:nvSpPr>
+        <p:spPr/>
+      </p:sp>
+      <p:sp>
+        <p:nvSpPr>
+          <p:cNvPr id="3" name="ノート プレースホルダー 2"/>
+          <p:cNvSpPr>
+            <a:spLocks noGrp="1"/>
+          </p:cNvSpPr>
+          <p:nvPr>
+            <p:ph type="body" idx="1"/>
+          </p:nvPr>
+        </p:nvSpPr>
+        <p:spPr/>
+        <p:txBody>
+          <a:bodyPr/>
+          <a:lstStyle/>
+          <a:p>
+            <a:r>
+              <a:rPr kumimoji="1" lang="ja-JP" altLang="en-US" dirty="0" smtClean="0"/>
+              <a:t>まとめ</a:t>
+            </a:r>
+            <a:endParaRPr kumimoji="1" lang="en-US" altLang="ja-JP" dirty="0" smtClean="0"/>
+          </a:p>
+          <a:p>
+            <a:endParaRPr kumimoji="1" lang="en-US" altLang="ja-JP" dirty="0" smtClean="0"/>
+          </a:p>
+          <a:p>
+            <a:r>
+              <a:rPr kumimoji="1" lang="ja-JP" altLang="en-US" dirty="0" smtClean="0"/>
+              <a:t>・オーケストレーション定義エディタでは２つの画面からテンプレートファイルを作成する。</a:t>
+            </a:r>
+            <a:endParaRPr kumimoji="1" lang="en-US" altLang="ja-JP" dirty="0" smtClean="0"/>
+          </a:p>
+          <a:p>
+            <a:r>
+              <a:rPr kumimoji="1" lang="ja-JP" altLang="en-US" dirty="0" smtClean="0"/>
+              <a:t>→構成確認画面ではネットワークに関する記述とシステム構成の確認</a:t>
+            </a:r>
+            <a:endParaRPr kumimoji="1" lang="en-US" altLang="ja-JP" dirty="0" smtClean="0"/>
+          </a:p>
+          <a:p>
+            <a:r>
+              <a:rPr kumimoji="1" lang="ja-JP" altLang="en-US" dirty="0" smtClean="0"/>
+              <a:t>→詳細設定画面ではインスタンスに関する記述</a:t>
+            </a:r>
+            <a:endParaRPr kumimoji="1" lang="en-US" altLang="ja-JP" dirty="0" smtClean="0"/>
+          </a:p>
+          <a:p>
+            <a:endParaRPr kumimoji="1" lang="en-US" altLang="ja-JP" dirty="0" smtClean="0"/>
+          </a:p>
+          <a:p>
+            <a:r>
+              <a:rPr kumimoji="1" lang="ja-JP" altLang="en-US" dirty="0" smtClean="0"/>
+              <a:t>評価実験の結果、オーケストレーション定義エディタは</a:t>
+            </a:r>
+            <a:endParaRPr kumimoji="1" lang="en-US" altLang="ja-JP" dirty="0" smtClean="0"/>
+          </a:p>
+          <a:p>
+            <a:r>
+              <a:rPr kumimoji="1" lang="ja-JP" altLang="en-US" dirty="0" smtClean="0"/>
+              <a:t>・被験者の能力に影響されず短い一定時間でテンプレートファイルを作成可能　　であるといえた</a:t>
+            </a:r>
+            <a:endParaRPr kumimoji="1" lang="en-US" altLang="ja-JP" dirty="0" smtClean="0"/>
+          </a:p>
+          <a:p>
+            <a:r>
+              <a:rPr kumimoji="1" lang="ja-JP" altLang="en-US" dirty="0" smtClean="0"/>
+              <a:t>それは、</a:t>
+            </a:r>
+            <a:endParaRPr kumimoji="1" lang="en-US" altLang="ja-JP" dirty="0" smtClean="0"/>
+          </a:p>
+          <a:p>
+            <a:r>
+              <a:rPr kumimoji="1" lang="ja-JP" altLang="en-US" dirty="0" smtClean="0"/>
+              <a:t>自動入力とプルダウンメニューでの入力方式により入力者は</a:t>
+            </a:r>
+            <a:r>
+              <a:rPr kumimoji="1" lang="en-US" altLang="ja-JP" dirty="0" smtClean="0"/>
+              <a:t>Heat</a:t>
+            </a:r>
+            <a:r>
+              <a:rPr kumimoji="1" lang="ja-JP" altLang="en-US" dirty="0" smtClean="0"/>
+              <a:t>の専門知識を意識すること無くテンプレートファイルを作成可能</a:t>
+            </a:r>
+            <a:endParaRPr kumimoji="1" lang="en-US" altLang="ja-JP" dirty="0" smtClean="0"/>
+          </a:p>
+          <a:p>
+            <a:endParaRPr kumimoji="1" lang="en-US" altLang="ja-JP" dirty="0" smtClean="0"/>
+          </a:p>
+          <a:p>
+            <a:r>
+              <a:rPr kumimoji="1" lang="ja-JP" altLang="en-US" dirty="0" smtClean="0"/>
+              <a:t>であるから。</a:t>
+            </a:r>
+            <a:endParaRPr kumimoji="1" lang="en-US" altLang="ja-JP" dirty="0" smtClean="0"/>
+          </a:p>
+        </p:txBody>
+      </p:sp>
+      <p:sp>
+        <p:nvSpPr>
+          <p:cNvPr id="4" name="スライド番号プレースホルダー 3"/>
+          <p:cNvSpPr>
+            <a:spLocks noGrp="1"/>
+          </p:cNvSpPr>
+          <p:nvPr>
+            <p:ph type="sldNum" sz="quarter" idx="10"/>
+          </p:nvPr>
+        </p:nvSpPr>
+        <p:spPr/>
+        <p:txBody>
+          <a:bodyPr/>
+          <a:lstStyle/>
+          <a:p>
+            <a:fld id="{DF09510C-AA94-416D-B6D7-C4F4BCE6ABE3}" type="slidenum">
+              <a:rPr kumimoji="1" lang="ja-JP" altLang="en-US" smtClean="0"/>
+              <a:t>15</a:t>
             </a:fld>
             <a:endParaRPr kumimoji="1" lang="ja-JP" altLang="en-US"/>
           </a:p>
@@ -7454,7 +8731,7 @@
           <a:p>
             <a:fld id="{A6C6E614-4836-42B6-A98A-93C794B969EB}" type="datetimeFigureOut">
               <a:rPr kumimoji="1" lang="ja-JP" altLang="en-US" smtClean="0"/>
-              <a:t>2016/2/11</a:t>
+              <a:t>2016/2/12</a:t>
             </a:fld>
             <a:endParaRPr kumimoji="1" lang="ja-JP" altLang="en-US"/>
           </a:p>
@@ -7656,7 +8933,7 @@
           <a:p>
             <a:fld id="{A6C6E614-4836-42B6-A98A-93C794B969EB}" type="datetimeFigureOut">
               <a:rPr kumimoji="1" lang="ja-JP" altLang="en-US" smtClean="0"/>
-              <a:t>2016/2/11</a:t>
+              <a:t>2016/2/12</a:t>
             </a:fld>
             <a:endParaRPr kumimoji="1" lang="ja-JP" altLang="en-US"/>
           </a:p>
@@ -7875,7 +9152,7 @@
           <a:p>
             <a:fld id="{A6C6E614-4836-42B6-A98A-93C794B969EB}" type="datetimeFigureOut">
               <a:rPr kumimoji="1" lang="ja-JP" altLang="en-US" smtClean="0"/>
-              <a:t>2016/2/11</a:t>
+              <a:t>2016/2/12</a:t>
             </a:fld>
             <a:endParaRPr kumimoji="1" lang="ja-JP" altLang="en-US"/>
           </a:p>
@@ -8421,7 +9698,7 @@
           <a:p>
             <a:fld id="{F5A27BD4-75F9-4C2C-8D66-695067FA1892}" type="datetimeFigureOut">
               <a:rPr kumimoji="1" lang="ja-JP" altLang="en-US" smtClean="0"/>
-              <a:t>2016/2/11</a:t>
+              <a:t>2016/2/12</a:t>
             </a:fld>
             <a:endParaRPr kumimoji="1" lang="ja-JP" altLang="en-US"/>
           </a:p>
@@ -8771,7 +10048,7 @@
           <a:p>
             <a:fld id="{F5A27BD4-75F9-4C2C-8D66-695067FA1892}" type="datetimeFigureOut">
               <a:rPr kumimoji="1" lang="ja-JP" altLang="en-US" smtClean="0"/>
-              <a:t>2016/2/11</a:t>
+              <a:t>2016/2/12</a:t>
             </a:fld>
             <a:endParaRPr kumimoji="1" lang="ja-JP" altLang="en-US"/>
           </a:p>
@@ -9117,7 +10394,7 @@
           <a:p>
             <a:fld id="{F5A27BD4-75F9-4C2C-8D66-695067FA1892}" type="datetimeFigureOut">
               <a:rPr kumimoji="1" lang="ja-JP" altLang="en-US" smtClean="0"/>
-              <a:t>2016/2/11</a:t>
+              <a:t>2016/2/12</a:t>
             </a:fld>
             <a:endParaRPr kumimoji="1" lang="ja-JP" altLang="en-US"/>
           </a:p>
@@ -9567,7 +10844,7 @@
           <a:p>
             <a:fld id="{F5A27BD4-75F9-4C2C-8D66-695067FA1892}" type="datetimeFigureOut">
               <a:rPr kumimoji="1" lang="ja-JP" altLang="en-US" smtClean="0"/>
-              <a:t>2016/2/11</a:t>
+              <a:t>2016/2/12</a:t>
             </a:fld>
             <a:endParaRPr kumimoji="1" lang="ja-JP" altLang="en-US"/>
           </a:p>
@@ -9692,7 +10969,7 @@
           <a:p>
             <a:fld id="{F5A27BD4-75F9-4C2C-8D66-695067FA1892}" type="datetimeFigureOut">
               <a:rPr kumimoji="1" lang="ja-JP" altLang="en-US" smtClean="0"/>
-              <a:t>2016/2/11</a:t>
+              <a:t>2016/2/12</a:t>
             </a:fld>
             <a:endParaRPr kumimoji="1" lang="ja-JP" altLang="en-US"/>
           </a:p>
@@ -9870,7 +11147,7 @@
           <a:p>
             <a:fld id="{F5A27BD4-75F9-4C2C-8D66-695067FA1892}" type="datetimeFigureOut">
               <a:rPr kumimoji="1" lang="ja-JP" altLang="en-US" smtClean="0"/>
-              <a:t>2016/2/11</a:t>
+              <a:t>2016/2/12</a:t>
             </a:fld>
             <a:endParaRPr kumimoji="1" lang="ja-JP" altLang="en-US"/>
           </a:p>
@@ -10263,7 +11540,7 @@
           <a:p>
             <a:fld id="{F5A27BD4-75F9-4C2C-8D66-695067FA1892}" type="datetimeFigureOut">
               <a:rPr kumimoji="1" lang="ja-JP" altLang="en-US" smtClean="0"/>
-              <a:t>2016/2/11</a:t>
+              <a:t>2016/2/12</a:t>
             </a:fld>
             <a:endParaRPr kumimoji="1" lang="ja-JP" altLang="en-US"/>
           </a:p>
@@ -10493,7 +11770,7 @@
           <a:p>
             <a:fld id="{A6C6E614-4836-42B6-A98A-93C794B969EB}" type="datetimeFigureOut">
               <a:rPr kumimoji="1" lang="ja-JP" altLang="en-US" smtClean="0"/>
-              <a:t>2016/2/11</a:t>
+              <a:t>2016/2/12</a:t>
             </a:fld>
             <a:endParaRPr kumimoji="1" lang="ja-JP" altLang="en-US"/>
           </a:p>
@@ -10854,7 +12131,7 @@
           <a:p>
             <a:fld id="{F5A27BD4-75F9-4C2C-8D66-695067FA1892}" type="datetimeFigureOut">
               <a:rPr kumimoji="1" lang="ja-JP" altLang="en-US" smtClean="0"/>
-              <a:t>2016/2/11</a:t>
+              <a:t>2016/2/12</a:t>
             </a:fld>
             <a:endParaRPr kumimoji="1" lang="ja-JP" altLang="en-US"/>
           </a:p>
@@ -11056,7 +12333,7 @@
           <a:p>
             <a:fld id="{F5A27BD4-75F9-4C2C-8D66-695067FA1892}" type="datetimeFigureOut">
               <a:rPr kumimoji="1" lang="ja-JP" altLang="en-US" smtClean="0"/>
-              <a:t>2016/2/11</a:t>
+              <a:t>2016/2/12</a:t>
             </a:fld>
             <a:endParaRPr kumimoji="1" lang="ja-JP" altLang="en-US"/>
           </a:p>
@@ -11344,7 +12621,7 @@
           <a:p>
             <a:fld id="{F5A27BD4-75F9-4C2C-8D66-695067FA1892}" type="datetimeFigureOut">
               <a:rPr kumimoji="1" lang="ja-JP" altLang="en-US" smtClean="0"/>
-              <a:t>2016/2/11</a:t>
+              <a:t>2016/2/12</a:t>
             </a:fld>
             <a:endParaRPr kumimoji="1" lang="ja-JP" altLang="en-US"/>
           </a:p>
@@ -11462,7 +12739,7 @@
           <a:p>
             <a:fld id="{F5A27BD4-75F9-4C2C-8D66-695067FA1892}" type="datetimeFigureOut">
               <a:rPr kumimoji="1" lang="ja-JP" altLang="en-US" smtClean="0"/>
-              <a:t>2016/2/11</a:t>
+              <a:t>2016/2/12</a:t>
             </a:fld>
             <a:endParaRPr kumimoji="1" lang="ja-JP" altLang="en-US"/>
           </a:p>
@@ -11715,7 +12992,7 @@
           <a:p>
             <a:fld id="{A6C6E614-4836-42B6-A98A-93C794B969EB}" type="datetimeFigureOut">
               <a:rPr kumimoji="1" lang="ja-JP" altLang="en-US" smtClean="0"/>
-              <a:t>2016/2/11</a:t>
+              <a:t>2016/2/12</a:t>
             </a:fld>
             <a:endParaRPr kumimoji="1" lang="ja-JP" altLang="en-US"/>
           </a:p>
@@ -12011,7 +13288,7 @@
           <a:p>
             <a:fld id="{A6C6E614-4836-42B6-A98A-93C794B969EB}" type="datetimeFigureOut">
               <a:rPr kumimoji="1" lang="ja-JP" altLang="en-US" smtClean="0"/>
-              <a:t>2016/2/11</a:t>
+              <a:t>2016/2/12</a:t>
             </a:fld>
             <a:endParaRPr kumimoji="1" lang="ja-JP" altLang="en-US"/>
           </a:p>
@@ -12442,7 +13719,7 @@
           <a:p>
             <a:fld id="{A6C6E614-4836-42B6-A98A-93C794B969EB}" type="datetimeFigureOut">
               <a:rPr kumimoji="1" lang="ja-JP" altLang="en-US" smtClean="0"/>
-              <a:t>2016/2/11</a:t>
+              <a:t>2016/2/12</a:t>
             </a:fld>
             <a:endParaRPr kumimoji="1" lang="ja-JP" altLang="en-US"/>
           </a:p>
@@ -12560,7 +13837,7 @@
           <a:p>
             <a:fld id="{A6C6E614-4836-42B6-A98A-93C794B969EB}" type="datetimeFigureOut">
               <a:rPr kumimoji="1" lang="ja-JP" altLang="en-US" smtClean="0"/>
-              <a:t>2016/2/11</a:t>
+              <a:t>2016/2/12</a:t>
             </a:fld>
             <a:endParaRPr kumimoji="1" lang="ja-JP" altLang="en-US"/>
           </a:p>
@@ -12655,7 +13932,7 @@
           <a:p>
             <a:fld id="{A6C6E614-4836-42B6-A98A-93C794B969EB}" type="datetimeFigureOut">
               <a:rPr kumimoji="1" lang="ja-JP" altLang="en-US" smtClean="0"/>
-              <a:t>2016/2/11</a:t>
+              <a:t>2016/2/12</a:t>
             </a:fld>
             <a:endParaRPr kumimoji="1" lang="ja-JP" altLang="en-US"/>
           </a:p>
@@ -12964,7 +14241,7 @@
           <a:p>
             <a:fld id="{A6C6E614-4836-42B6-A98A-93C794B969EB}" type="datetimeFigureOut">
               <a:rPr kumimoji="1" lang="ja-JP" altLang="en-US" smtClean="0"/>
-              <a:t>2016/2/11</a:t>
+              <a:t>2016/2/12</a:t>
             </a:fld>
             <a:endParaRPr kumimoji="1" lang="ja-JP" altLang="en-US"/>
           </a:p>
@@ -13224,7 +14501,7 @@
           <a:p>
             <a:fld id="{A6C6E614-4836-42B6-A98A-93C794B969EB}" type="datetimeFigureOut">
               <a:rPr kumimoji="1" lang="ja-JP" altLang="en-US" smtClean="0"/>
-              <a:t>2016/2/11</a:t>
+              <a:t>2016/2/12</a:t>
             </a:fld>
             <a:endParaRPr kumimoji="1" lang="ja-JP" altLang="en-US"/>
           </a:p>
@@ -13476,7 +14753,7 @@
           <a:p>
             <a:fld id="{A6C6E614-4836-42B6-A98A-93C794B969EB}" type="datetimeFigureOut">
               <a:rPr kumimoji="1" lang="ja-JP" altLang="en-US" smtClean="0"/>
-              <a:t>2016/2/11</a:t>
+              <a:t>2016/2/12</a:t>
             </a:fld>
             <a:endParaRPr kumimoji="1" lang="ja-JP" altLang="en-US"/>
           </a:p>
@@ -14068,7 +15345,7 @@
           <a:p>
             <a:fld id="{A6C6E614-4836-42B6-A98A-93C794B969EB}" type="datetimeFigureOut">
               <a:rPr kumimoji="1" lang="ja-JP" altLang="en-US" smtClean="0"/>
-              <a:t>2016/2/11</a:t>
+              <a:t>2016/2/12</a:t>
             </a:fld>
             <a:endParaRPr kumimoji="1" lang="ja-JP" altLang="en-US"/>
           </a:p>
@@ -14847,11 +16124,7 @@
             </a:r>
             <a:r>
               <a:rPr lang="en-US" altLang="ja-JP" b="1" dirty="0" smtClean="0"/>
-              <a:t>(</a:t>
-            </a:r>
-            <a:r>
-              <a:rPr lang="en-US" altLang="ja-JP" b="1" dirty="0" smtClean="0"/>
-              <a:t>1/3)</a:t>
+              <a:t>(1/3)</a:t>
             </a:r>
             <a:endParaRPr kumimoji="1" lang="ja-JP" altLang="en-US" b="1" dirty="0"/>
           </a:p>
@@ -14879,14 +16152,28 @@
           </a:bodyPr>
           <a:lstStyle/>
           <a:p>
-            <a:pPr algn="ctr"/>
             <a:r>
               <a:rPr kumimoji="1" lang="ja-JP" altLang="en-US" sz="2800" b="1" dirty="0" smtClean="0">
                 <a:solidFill>
                   <a:srgbClr val="00B0F0"/>
                 </a:solidFill>
               </a:rPr>
-              <a:t>被験者の前提知識学習時間，テンプレートファイル作成所要時間と</a:t>
+              <a:t>被験者の学習時間，</a:t>
+            </a:r>
+            <a:endParaRPr kumimoji="1" lang="en-US" altLang="ja-JP" sz="2800" b="1" dirty="0" smtClean="0">
+              <a:solidFill>
+                <a:srgbClr val="00B0F0"/>
+              </a:solidFill>
+            </a:endParaRPr>
+          </a:p>
+          <a:p>
+            <a:r>
+              <a:rPr kumimoji="1" lang="ja-JP" altLang="en-US" sz="2800" b="1" dirty="0" smtClean="0">
+                <a:solidFill>
+                  <a:srgbClr val="00B0F0"/>
+                </a:solidFill>
+              </a:rPr>
+              <a:t>テンプレートファイル作成所要時間</a:t>
             </a:r>
             <a:r>
               <a:rPr lang="ja-JP" altLang="en-US" sz="2800" b="1" dirty="0" smtClean="0">
@@ -14894,23 +16181,7 @@
                   <a:srgbClr val="00B0F0"/>
                 </a:solidFill>
               </a:rPr>
-              <a:t>エラー</a:t>
-            </a:r>
-            <a:r>
-              <a:rPr lang="ja-JP" altLang="en-US" sz="2800" b="1" dirty="0">
-                <a:solidFill>
-                  <a:srgbClr val="00B0F0"/>
-                </a:solidFill>
-              </a:rPr>
-              <a:t>発生</a:t>
-            </a:r>
-            <a:r>
-              <a:rPr lang="ja-JP" altLang="en-US" sz="2800" b="1" dirty="0" smtClean="0">
-                <a:solidFill>
-                  <a:srgbClr val="00B0F0"/>
-                </a:solidFill>
-              </a:rPr>
-              <a:t>回数を記録</a:t>
+              <a:t>を記録</a:t>
             </a:r>
             <a:endParaRPr kumimoji="1" lang="ja-JP" altLang="en-US" sz="2800" b="1" dirty="0">
               <a:solidFill>
@@ -15187,11 +16458,7 @@
           <a:p>
             <a:r>
               <a:rPr kumimoji="1" lang="ja-JP" altLang="en-US" b="1" dirty="0" smtClean="0"/>
-              <a:t>学習時間，作成所要</a:t>
-            </a:r>
-            <a:r>
-              <a:rPr kumimoji="1" lang="ja-JP" altLang="en-US" b="1" dirty="0" smtClean="0"/>
-              <a:t>時間</a:t>
+              <a:t>学習時間，作成所要時間</a:t>
             </a:r>
             <a:endParaRPr kumimoji="1" lang="ja-JP" altLang="en-US" b="1" dirty="0"/>
           </a:p>
@@ -15434,7 +16701,19 @@
             </a:r>
             <a:r>
               <a:rPr kumimoji="1" lang="ja-JP" altLang="en-US" b="1" dirty="0" smtClean="0"/>
-              <a:t>に関する基本的な知識を有したインフラエンジニア５名</a:t>
+              <a:t>に関する基本的な知識を</a:t>
+            </a:r>
+            <a:r>
+              <a:rPr kumimoji="1" lang="ja-JP" altLang="en-US" b="1" dirty="0" smtClean="0"/>
+              <a:t>有した</a:t>
+            </a:r>
+            <a:r>
+              <a:rPr lang="ja-JP" altLang="en-US" b="1" dirty="0"/>
+              <a:t>学生</a:t>
+            </a:r>
+            <a:r>
+              <a:rPr kumimoji="1" lang="ja-JP" altLang="en-US" b="1" dirty="0" smtClean="0"/>
+              <a:t>５名</a:t>
             </a:r>
             <a:endParaRPr kumimoji="1" lang="ja-JP" altLang="en-US" b="1" dirty="0"/>
           </a:p>
@@ -15498,11 +16777,7 @@
             </a:r>
             <a:r>
               <a:rPr kumimoji="1" lang="en-US" altLang="ja-JP" b="1" dirty="0" smtClean="0"/>
-              <a:t>(</a:t>
-            </a:r>
-            <a:r>
-              <a:rPr kumimoji="1" lang="en-US" altLang="ja-JP" b="1" dirty="0" smtClean="0"/>
-              <a:t>2/3)</a:t>
+              <a:t>(2/3)</a:t>
             </a:r>
             <a:endParaRPr kumimoji="1" lang="ja-JP" altLang="en-US" b="1" dirty="0"/>
           </a:p>
@@ -15537,15 +16812,7 @@
                   <a:srgbClr val="00B0F0"/>
                 </a:solidFill>
               </a:rPr>
-              <a:t>学習</a:t>
-            </a:r>
-            <a:r>
-              <a:rPr lang="ja-JP" altLang="en-US" sz="3200" b="1" dirty="0" smtClean="0">
-                <a:solidFill>
-                  <a:srgbClr val="00B0F0"/>
-                </a:solidFill>
-              </a:rPr>
-              <a:t>時間比較</a:t>
+              <a:t>学習時間比較</a:t>
             </a:r>
             <a:endParaRPr kumimoji="1" lang="ja-JP" altLang="en-US" sz="3200" b="1" dirty="0">
               <a:solidFill>
@@ -15564,14 +16831,14 @@
           <p:nvPr>
             <p:extLst>
               <p:ext uri="{D42A27DB-BD31-4B8C-83A1-F6EECF244321}">
-                <p14:modId xmlns:p14="http://schemas.microsoft.com/office/powerpoint/2010/main" val="1383408947"/>
+                <p14:modId xmlns:p14="http://schemas.microsoft.com/office/powerpoint/2010/main" val="3622820601"/>
               </p:ext>
             </p:extLst>
           </p:nvPr>
         </p:nvGraphicFramePr>
         <p:xfrm>
-          <a:off x="875437" y="2373910"/>
-          <a:ext cx="7406416" cy="4484090"/>
+          <a:off x="0" y="1763113"/>
+          <a:ext cx="9144000" cy="5083968"/>
         </p:xfrm>
         <a:graphic>
           <a:graphicData uri="http://schemas.openxmlformats.org/drawingml/2006/chart">
@@ -15618,52 +16885,116 @@
       </p:grpSpPr>
       <p:sp>
         <p:nvSpPr>
-          <p:cNvPr id="2" name="タイトル 1"/>
+          <p:cNvPr id="4" name="タイトル 1"/>
+          <p:cNvSpPr txBox="1">
+            <a:spLocks/>
+          </p:cNvSpPr>
+          <p:nvPr/>
+        </p:nvSpPr>
+        <p:spPr>
+          <a:xfrm>
+            <a:off x="13290" y="140513"/>
+            <a:ext cx="5327748" cy="754154"/>
+          </a:xfrm>
+          <a:prstGeom prst="rect">
+            <a:avLst/>
+          </a:prstGeom>
+        </p:spPr>
+        <p:txBody>
+          <a:bodyPr vert="horz" lIns="91440" tIns="45720" rIns="91440" bIns="45720" rtlCol="0" anchor="b">
+            <a:normAutofit/>
+          </a:bodyPr>
+          <a:lstStyle>
+            <a:lvl1pPr algn="l" defTabSz="914400" rtl="0" eaLnBrk="1" latinLnBrk="0" hangingPunct="1">
+              <a:lnSpc>
+                <a:spcPct val="85000"/>
+              </a:lnSpc>
+              <a:spcBef>
+                <a:spcPct val="0"/>
+              </a:spcBef>
+              <a:buNone/>
+              <a:defRPr kumimoji="1" sz="3200" kern="1200" spc="-50" baseline="0">
+                <a:solidFill>
+                  <a:schemeClr val="tx1">
+                    <a:lumMod val="75000"/>
+                    <a:lumOff val="25000"/>
+                  </a:schemeClr>
+                </a:solidFill>
+                <a:latin typeface="+mj-lt"/>
+                <a:ea typeface="+mj-ea"/>
+                <a:cs typeface="+mj-cs"/>
+              </a:defRPr>
+            </a:lvl1pPr>
+          </a:lstStyle>
+          <a:p>
+            <a:r>
+              <a:rPr lang="ja-JP" altLang="en-US" b="1" smtClean="0"/>
+              <a:t>評価</a:t>
+            </a:r>
+            <a:r>
+              <a:rPr lang="en-US" altLang="ja-JP" b="1" smtClean="0"/>
+              <a:t>(3/3)</a:t>
+            </a:r>
+            <a:endParaRPr lang="ja-JP" altLang="en-US" b="1" dirty="0"/>
+          </a:p>
+        </p:txBody>
+      </p:sp>
+      <p:sp>
+        <p:nvSpPr>
+          <p:cNvPr id="5" name="コンテンツ プレースホルダー 2"/>
           <p:cNvSpPr>
             <a:spLocks noGrp="1"/>
           </p:cNvSpPr>
           <p:nvPr>
-            <p:ph type="title"/>
+            <p:ph idx="1"/>
           </p:nvPr>
         </p:nvSpPr>
-        <p:spPr/>
-        <p:txBody>
-          <a:bodyPr/>
+        <p:spPr>
+          <a:xfrm>
+            <a:off x="13290" y="1147640"/>
+            <a:ext cx="9130710" cy="688845"/>
+          </a:xfrm>
+        </p:spPr>
+        <p:txBody>
+          <a:bodyPr>
+            <a:noAutofit/>
+          </a:bodyPr>
           <a:lstStyle/>
           <a:p>
-            <a:r>
-              <a:rPr kumimoji="1" lang="ja-JP" altLang="en-US" b="1" dirty="0" smtClean="0"/>
-              <a:t>評価</a:t>
-            </a:r>
-            <a:r>
-              <a:rPr kumimoji="1" lang="en-US" altLang="ja-JP" b="1" dirty="0" smtClean="0"/>
-              <a:t>(</a:t>
-            </a:r>
-            <a:r>
-              <a:rPr kumimoji="1" lang="en-US" altLang="ja-JP" b="1" dirty="0" smtClean="0"/>
-              <a:t>3/3)</a:t>
-            </a:r>
-            <a:endParaRPr kumimoji="1" lang="ja-JP" altLang="en-US" b="1" dirty="0"/>
+            <a:pPr algn="ctr"/>
+            <a:r>
+              <a:rPr lang="ja-JP" altLang="en-US" sz="3200" b="1" dirty="0" smtClean="0">
+                <a:solidFill>
+                  <a:srgbClr val="00B0F0"/>
+                </a:solidFill>
+              </a:rPr>
+              <a:t>作成所要時間比較</a:t>
+            </a:r>
+            <a:endParaRPr kumimoji="1" lang="ja-JP" altLang="en-US" sz="3200" b="1" dirty="0">
+              <a:solidFill>
+                <a:srgbClr val="00B0F0"/>
+              </a:solidFill>
+            </a:endParaRPr>
           </a:p>
         </p:txBody>
       </p:sp>
       <p:graphicFrame>
         <p:nvGraphicFramePr>
-          <p:cNvPr id="4" name="グラフ 3"/>
+          <p:cNvPr id="6" name="グラフ 5"/>
           <p:cNvGraphicFramePr>
             <a:graphicFrameLocks/>
           </p:cNvGraphicFramePr>
           <p:nvPr>
             <p:extLst>
               <p:ext uri="{D42A27DB-BD31-4B8C-83A1-F6EECF244321}">
-                <p14:modId xmlns:p14="http://schemas.microsoft.com/office/powerpoint/2010/main" val="2210292100"/>
+                <p14:modId xmlns:p14="http://schemas.microsoft.com/office/powerpoint/2010/main" val="1772059142"/>
               </p:ext>
             </p:extLst>
           </p:nvPr>
         </p:nvGraphicFramePr>
         <p:xfrm>
-          <a:off x="273664" y="1538384"/>
-          <a:ext cx="8609961" cy="5165977"/>
+          <a:off x="0" y="1653540"/>
+          <a:ext cx="9144000" cy="5198364"/>
         </p:xfrm>
         <a:graphic>
           <a:graphicData uri="http://schemas.openxmlformats.org/drawingml/2006/chart">
@@ -15671,91 +17002,10 @@
           </a:graphicData>
         </a:graphic>
       </p:graphicFrame>
-      <p:sp>
-        <p:nvSpPr>
-          <p:cNvPr id="5" name="テキスト ボックス 4"/>
-          <p:cNvSpPr txBox="1"/>
-          <p:nvPr/>
-        </p:nvSpPr>
-        <p:spPr>
-          <a:xfrm>
-            <a:off x="1398880" y="6093439"/>
-            <a:ext cx="2074303" cy="369332"/>
-          </a:xfrm>
-          <a:prstGeom prst="rect">
-            <a:avLst/>
-          </a:prstGeom>
-          <a:noFill/>
-        </p:spPr>
-        <p:txBody>
-          <a:bodyPr wrap="square" rtlCol="0">
-            <a:spAutoFit/>
-          </a:bodyPr>
-          <a:lstStyle/>
-          <a:p>
-            <a:r>
-              <a:rPr kumimoji="1" lang="en-US" altLang="ja-JP" dirty="0" smtClean="0"/>
-              <a:t>(Ⅰ)1</a:t>
-            </a:r>
-            <a:r>
-              <a:rPr kumimoji="1" lang="ja-JP" altLang="en-US" dirty="0" smtClean="0"/>
-              <a:t>セグメント構成</a:t>
-            </a:r>
-            <a:endParaRPr kumimoji="1" lang="ja-JP" altLang="en-US" dirty="0"/>
-          </a:p>
-        </p:txBody>
-      </p:sp>
-      <p:sp>
-        <p:nvSpPr>
-          <p:cNvPr id="7" name="コンテンツ プレースホルダー 2"/>
-          <p:cNvSpPr>
-            <a:spLocks noGrp="1"/>
-          </p:cNvSpPr>
-          <p:nvPr>
-            <p:ph idx="1"/>
-          </p:nvPr>
-        </p:nvSpPr>
-        <p:spPr>
-          <a:xfrm>
-            <a:off x="13290" y="1147640"/>
-            <a:ext cx="9130710" cy="688845"/>
-          </a:xfrm>
-        </p:spPr>
-        <p:txBody>
-          <a:bodyPr>
-            <a:noAutofit/>
-          </a:bodyPr>
-          <a:lstStyle/>
-          <a:p>
-            <a:pPr algn="ctr"/>
-            <a:r>
-              <a:rPr lang="ja-JP" altLang="en-US" sz="3200" b="1" dirty="0" smtClean="0">
-                <a:solidFill>
-                  <a:srgbClr val="00B0F0"/>
-                </a:solidFill>
-              </a:rPr>
-              <a:t>作成</a:t>
-            </a:r>
-            <a:r>
-              <a:rPr lang="ja-JP" altLang="en-US" sz="3200" b="1" dirty="0" smtClean="0">
-                <a:solidFill>
-                  <a:srgbClr val="00B0F0"/>
-                </a:solidFill>
-              </a:rPr>
-              <a:t>所要時間比較</a:t>
-            </a:r>
-            <a:endParaRPr kumimoji="1" lang="ja-JP" altLang="en-US" sz="3200" b="1" dirty="0">
-              <a:solidFill>
-                <a:srgbClr val="00B0F0"/>
-              </a:solidFill>
-            </a:endParaRPr>
-          </a:p>
-        </p:txBody>
-      </p:sp>
     </p:spTree>
     <p:extLst>
       <p:ext uri="{BB962C8B-B14F-4D97-AF65-F5344CB8AC3E}">
-        <p14:creationId xmlns:p14="http://schemas.microsoft.com/office/powerpoint/2010/main" val="500563479"/>
+        <p14:creationId xmlns:p14="http://schemas.microsoft.com/office/powerpoint/2010/main" val="2680035037"/>
       </p:ext>
     </p:extLst>
   </p:cSld>
@@ -15810,7 +17060,184 @@
             </a:r>
             <a:r>
               <a:rPr kumimoji="1" lang="en-US" altLang="ja-JP" b="1" dirty="0" smtClean="0"/>
-              <a:t>(4/4)</a:t>
+              <a:t>(4/3)</a:t>
+            </a:r>
+            <a:endParaRPr kumimoji="1" lang="ja-JP" altLang="en-US" b="1" dirty="0"/>
+          </a:p>
+        </p:txBody>
+      </p:sp>
+      <p:graphicFrame>
+        <p:nvGraphicFramePr>
+          <p:cNvPr id="4" name="グラフ 3"/>
+          <p:cNvGraphicFramePr>
+            <a:graphicFrameLocks/>
+          </p:cNvGraphicFramePr>
+          <p:nvPr>
+            <p:extLst>
+              <p:ext uri="{D42A27DB-BD31-4B8C-83A1-F6EECF244321}">
+                <p14:modId xmlns:p14="http://schemas.microsoft.com/office/powerpoint/2010/main" val="2210292100"/>
+              </p:ext>
+            </p:extLst>
+          </p:nvPr>
+        </p:nvGraphicFramePr>
+        <p:xfrm>
+          <a:off x="273664" y="1538384"/>
+          <a:ext cx="8609961" cy="5165977"/>
+        </p:xfrm>
+        <a:graphic>
+          <a:graphicData uri="http://schemas.openxmlformats.org/drawingml/2006/chart">
+            <c:chart xmlns:c="http://schemas.openxmlformats.org/drawingml/2006/chart" xmlns:r="http://schemas.openxmlformats.org/officeDocument/2006/relationships" r:id="rId3"/>
+          </a:graphicData>
+        </a:graphic>
+      </p:graphicFrame>
+      <p:sp>
+        <p:nvSpPr>
+          <p:cNvPr id="5" name="テキスト ボックス 4"/>
+          <p:cNvSpPr txBox="1"/>
+          <p:nvPr/>
+        </p:nvSpPr>
+        <p:spPr>
+          <a:xfrm>
+            <a:off x="1398880" y="6093439"/>
+            <a:ext cx="2074303" cy="369332"/>
+          </a:xfrm>
+          <a:prstGeom prst="rect">
+            <a:avLst/>
+          </a:prstGeom>
+          <a:noFill/>
+        </p:spPr>
+        <p:txBody>
+          <a:bodyPr wrap="square" rtlCol="0">
+            <a:spAutoFit/>
+          </a:bodyPr>
+          <a:lstStyle/>
+          <a:p>
+            <a:r>
+              <a:rPr kumimoji="1" lang="en-US" altLang="ja-JP" dirty="0" smtClean="0"/>
+              <a:t>(Ⅰ)1</a:t>
+            </a:r>
+            <a:r>
+              <a:rPr kumimoji="1" lang="ja-JP" altLang="en-US" dirty="0" smtClean="0"/>
+              <a:t>セグメント構成</a:t>
+            </a:r>
+            <a:endParaRPr kumimoji="1" lang="ja-JP" altLang="en-US" dirty="0"/>
+          </a:p>
+        </p:txBody>
+      </p:sp>
+      <p:sp>
+        <p:nvSpPr>
+          <p:cNvPr id="7" name="コンテンツ プレースホルダー 2"/>
+          <p:cNvSpPr>
+            <a:spLocks noGrp="1"/>
+          </p:cNvSpPr>
+          <p:nvPr>
+            <p:ph idx="1"/>
+          </p:nvPr>
+        </p:nvSpPr>
+        <p:spPr>
+          <a:xfrm>
+            <a:off x="13290" y="1147640"/>
+            <a:ext cx="9130710" cy="688845"/>
+          </a:xfrm>
+        </p:spPr>
+        <p:txBody>
+          <a:bodyPr>
+            <a:noAutofit/>
+          </a:bodyPr>
+          <a:lstStyle/>
+          <a:p>
+            <a:pPr algn="ctr"/>
+            <a:r>
+              <a:rPr lang="ja-JP" altLang="en-US" sz="3200" b="1" dirty="0" smtClean="0">
+                <a:solidFill>
+                  <a:srgbClr val="00B0F0"/>
+                </a:solidFill>
+              </a:rPr>
+              <a:t>作成所要時間比較</a:t>
+            </a:r>
+            <a:endParaRPr kumimoji="1" lang="ja-JP" altLang="en-US" sz="3200" b="1" dirty="0">
+              <a:solidFill>
+                <a:srgbClr val="00B0F0"/>
+              </a:solidFill>
+            </a:endParaRPr>
+          </a:p>
+        </p:txBody>
+      </p:sp>
+    </p:spTree>
+    <p:extLst>
+      <p:ext uri="{BB962C8B-B14F-4D97-AF65-F5344CB8AC3E}">
+        <p14:creationId xmlns:p14="http://schemas.microsoft.com/office/powerpoint/2010/main" val="500563479"/>
+      </p:ext>
+    </p:extLst>
+  </p:cSld>
+  <p:clrMapOvr>
+    <a:masterClrMapping/>
+  </p:clrMapOvr>
+  <mc:AlternateContent xmlns:mc="http://schemas.openxmlformats.org/markup-compatibility/2006" xmlns:p14="http://schemas.microsoft.com/office/powerpoint/2010/main">
+    <mc:Choice Requires="p14">
+      <p:transition spd="slow" p14:dur="2000"/>
+    </mc:Choice>
+    <mc:Fallback xmlns="">
+      <p:transition spd="slow"/>
+    </mc:Fallback>
+  </mc:AlternateContent>
+  <p:timing>
+    <p:tnLst>
+      <p:par>
+        <p:cTn id="1" dur="indefinite" restart="never" nodeType="tmRoot"/>
+      </p:par>
+    </p:tnLst>
+  </p:timing>
+</p:sld>
+</file>
+
+<file path=ppt/slides/slide14.xml><?xml version="1.0" encoding="utf-8"?>
+<p:sld xmlns:a="http://schemas.openxmlformats.org/drawingml/2006/main" xmlns:r="http://schemas.openxmlformats.org/officeDocument/2006/relationships" xmlns:p="http://schemas.openxmlformats.org/presentationml/2006/main" show="0">
+  <p:cSld>
+    <p:spTree>
+      <p:nvGrpSpPr>
+        <p:cNvPr id="1" name=""/>
+        <p:cNvGrpSpPr/>
+        <p:nvPr/>
+      </p:nvGrpSpPr>
+      <p:grpSpPr>
+        <a:xfrm>
+          <a:off x="0" y="0"/>
+          <a:ext cx="0" cy="0"/>
+          <a:chOff x="0" y="0"/>
+          <a:chExt cx="0" cy="0"/>
+        </a:xfrm>
+      </p:grpSpPr>
+      <p:sp>
+        <p:nvSpPr>
+          <p:cNvPr id="2" name="タイトル 1"/>
+          <p:cNvSpPr>
+            <a:spLocks noGrp="1"/>
+          </p:cNvSpPr>
+          <p:nvPr>
+            <p:ph type="title"/>
+          </p:nvPr>
+        </p:nvSpPr>
+        <p:spPr/>
+        <p:txBody>
+          <a:bodyPr/>
+          <a:lstStyle/>
+          <a:p>
+            <a:r>
+              <a:rPr kumimoji="1" lang="ja-JP" altLang="en-US" b="1" dirty="0" smtClean="0"/>
+              <a:t>評価</a:t>
+            </a:r>
+            <a:r>
+              <a:rPr kumimoji="1" lang="en-US" altLang="ja-JP" b="1" dirty="0" smtClean="0"/>
+              <a:t>(</a:t>
+            </a:r>
+            <a:r>
+              <a:rPr lang="en-US" altLang="ja-JP" b="1" dirty="0"/>
+              <a:t>5</a:t>
+            </a:r>
+            <a:r>
+              <a:rPr kumimoji="1" lang="en-US" altLang="ja-JP" b="1" dirty="0" smtClean="0"/>
+              <a:t>/3)</a:t>
             </a:r>
             <a:endParaRPr kumimoji="1" lang="ja-JP" altLang="en-US" b="1" dirty="0"/>
           </a:p>
@@ -15915,11 +17342,11 @@
   <p:clrMapOvr>
     <a:masterClrMapping/>
   </p:clrMapOvr>
-  <mc:AlternateContent xmlns:mc="http://schemas.openxmlformats.org/markup-compatibility/2006">
-    <mc:Choice xmlns:p14="http://schemas.microsoft.com/office/powerpoint/2010/main" Requires="p14">
+  <mc:AlternateContent xmlns:mc="http://schemas.openxmlformats.org/markup-compatibility/2006" xmlns:p14="http://schemas.microsoft.com/office/powerpoint/2010/main">
+    <mc:Choice Requires="p14">
       <p:transition spd="slow" p14:dur="2000"/>
     </mc:Choice>
-    <mc:Fallback>
+    <mc:Fallback xmlns="">
       <p:transition spd="slow"/>
     </mc:Fallback>
   </mc:AlternateContent>
@@ -15933,7 +17360,7 @@
 </p:sld>
 </file>
 
-<file path=ppt/slides/slide14.xml><?xml version="1.0" encoding="utf-8"?>
+<file path=ppt/slides/slide15.xml><?xml version="1.0" encoding="utf-8"?>
 <p:sld xmlns:a="http://schemas.openxmlformats.org/drawingml/2006/main" xmlns:r="http://schemas.openxmlformats.org/officeDocument/2006/relationships" xmlns:p="http://schemas.openxmlformats.org/presentationml/2006/main">
   <p:cSld>
     <p:spTree>
@@ -16153,6 +17580,49 @@
           </a:p>
         </p:txBody>
       </p:sp>
+      <p:sp>
+        <p:nvSpPr>
+          <p:cNvPr id="3" name="下矢印 2"/>
+          <p:cNvSpPr/>
+          <p:nvPr/>
+        </p:nvSpPr>
+        <p:spPr>
+          <a:xfrm>
+            <a:off x="3962400" y="3162300"/>
+            <a:ext cx="965200" cy="673100"/>
+          </a:xfrm>
+          <a:prstGeom prst="downArrow">
+            <a:avLst/>
+          </a:prstGeom>
+          <a:solidFill>
+            <a:srgbClr val="FF0000"/>
+          </a:solidFill>
+        </p:spPr>
+        <p:style>
+          <a:lnRef idx="2">
+            <a:schemeClr val="accent1">
+              <a:shade val="50000"/>
+            </a:schemeClr>
+          </a:lnRef>
+          <a:fillRef idx="1">
+            <a:schemeClr val="accent1"/>
+          </a:fillRef>
+          <a:effectRef idx="0">
+            <a:schemeClr val="accent1"/>
+          </a:effectRef>
+          <a:fontRef idx="minor">
+            <a:schemeClr val="lt1"/>
+          </a:fontRef>
+        </p:style>
+        <p:txBody>
+          <a:bodyPr rtlCol="0" anchor="ctr"/>
+          <a:lstStyle/>
+          <a:p>
+            <a:pPr algn="ctr"/>
+            <a:endParaRPr kumimoji="1" lang="ja-JP" altLang="en-US"/>
+          </a:p>
+        </p:txBody>
+      </p:sp>
     </p:spTree>
     <p:extLst>
       <p:ext uri="{BB962C8B-B14F-4D97-AF65-F5344CB8AC3E}">
@@ -16166,129 +17636,14 @@
   <p:timing>
     <p:tnLst>
       <p:par>
-        <p:cTn id="1" dur="indefinite" restart="never" nodeType="tmRoot">
-          <p:childTnLst>
-            <p:seq concurrent="1" nextAc="seek">
-              <p:cTn id="2" dur="indefinite" nodeType="mainSeq">
-                <p:childTnLst>
-                  <p:par>
-                    <p:cTn id="3" fill="hold">
-                      <p:stCondLst>
-                        <p:cond delay="indefinite"/>
-                      </p:stCondLst>
-                      <p:childTnLst>
-                        <p:par>
-                          <p:cTn id="4" fill="hold">
-                            <p:stCondLst>
-                              <p:cond delay="0"/>
-                            </p:stCondLst>
-                            <p:childTnLst>
-                              <p:par>
-                                <p:cTn id="5" presetID="10" presetClass="entr" presetSubtype="0" fill="hold" grpId="0" nodeType="clickEffect">
-                                  <p:stCondLst>
-                                    <p:cond delay="0"/>
-                                  </p:stCondLst>
-                                  <p:childTnLst>
-                                    <p:set>
-                                      <p:cBhvr>
-                                        <p:cTn id="6" dur="1" fill="hold">
-                                          <p:stCondLst>
-                                            <p:cond delay="0"/>
-                                          </p:stCondLst>
-                                        </p:cTn>
-                                        <p:tgtEl>
-                                          <p:spTgt spid="7"/>
-                                        </p:tgtEl>
-                                        <p:attrNameLst>
-                                          <p:attrName>style.visibility</p:attrName>
-                                        </p:attrNameLst>
-                                      </p:cBhvr>
-                                      <p:to>
-                                        <p:strVal val="visible"/>
-                                      </p:to>
-                                    </p:set>
-                                    <p:animEffect transition="in" filter="fade">
-                                      <p:cBhvr>
-                                        <p:cTn id="7" dur="500"/>
-                                        <p:tgtEl>
-                                          <p:spTgt spid="7"/>
-                                        </p:tgtEl>
-                                      </p:cBhvr>
-                                    </p:animEffect>
-                                  </p:childTnLst>
-                                </p:cTn>
-                              </p:par>
-                              <p:par>
-                                <p:cTn id="8" presetID="10" presetClass="entr" presetSubtype="0" fill="hold" grpId="0" nodeType="withEffect">
-                                  <p:stCondLst>
-                                    <p:cond delay="0"/>
-                                  </p:stCondLst>
-                                  <p:childTnLst>
-                                    <p:set>
-                                      <p:cBhvr>
-                                        <p:cTn id="9" dur="1" fill="hold">
-                                          <p:stCondLst>
-                                            <p:cond delay="0"/>
-                                          </p:stCondLst>
-                                        </p:cTn>
-                                        <p:tgtEl>
-                                          <p:spTgt spid="9"/>
-                                        </p:tgtEl>
-                                        <p:attrNameLst>
-                                          <p:attrName>style.visibility</p:attrName>
-                                        </p:attrNameLst>
-                                      </p:cBhvr>
-                                      <p:to>
-                                        <p:strVal val="visible"/>
-                                      </p:to>
-                                    </p:set>
-                                    <p:animEffect transition="in" filter="fade">
-                                      <p:cBhvr>
-                                        <p:cTn id="10" dur="500"/>
-                                        <p:tgtEl>
-                                          <p:spTgt spid="9"/>
-                                        </p:tgtEl>
-                                      </p:cBhvr>
-                                    </p:animEffect>
-                                  </p:childTnLst>
-                                </p:cTn>
-                              </p:par>
-                            </p:childTnLst>
-                          </p:cTn>
-                        </p:par>
-                      </p:childTnLst>
-                    </p:cTn>
-                  </p:par>
-                </p:childTnLst>
-              </p:cTn>
-              <p:prevCondLst>
-                <p:cond evt="onPrev" delay="0">
-                  <p:tgtEl>
-                    <p:sldTgt/>
-                  </p:tgtEl>
-                </p:cond>
-              </p:prevCondLst>
-              <p:nextCondLst>
-                <p:cond evt="onNext" delay="0">
-                  <p:tgtEl>
-                    <p:sldTgt/>
-                  </p:tgtEl>
-                </p:cond>
-              </p:nextCondLst>
-            </p:seq>
-          </p:childTnLst>
-        </p:cTn>
+        <p:cTn id="1" dur="indefinite" restart="never" nodeType="tmRoot"/>
       </p:par>
     </p:tnLst>
-    <p:bldLst>
-      <p:bldP spid="7" grpId="0"/>
-      <p:bldP spid="9" grpId="0" animBg="1"/>
-    </p:bldLst>
   </p:timing>
 </p:sld>
 </file>
 
-<file path=ppt/slides/slide15.xml><?xml version="1.0" encoding="utf-8"?>
+<file path=ppt/slides/slide16.xml><?xml version="1.0" encoding="utf-8"?>
 <p:sld xmlns:a="http://schemas.openxmlformats.org/drawingml/2006/main" xmlns:r="http://schemas.openxmlformats.org/officeDocument/2006/relationships" xmlns:p="http://schemas.openxmlformats.org/presentationml/2006/main">
   <p:cSld>
     <p:spTree>
@@ -16451,7 +17806,7 @@
         </p:nvSpPr>
         <p:spPr>
           <a:xfrm>
-            <a:off x="502276" y="2089800"/>
+            <a:off x="502276" y="1945359"/>
             <a:ext cx="8319752" cy="892552"/>
           </a:xfrm>
           <a:prstGeom prst="rect">
@@ -16477,12 +17832,8 @@
               <a:buChar char="u"/>
             </a:pPr>
             <a:r>
-              <a:rPr lang="ja-JP" altLang="en-US" sz="2400" dirty="0"/>
-              <a:t>データ</a:t>
-            </a:r>
-            <a:r>
-              <a:rPr lang="ja-JP" altLang="en-US" sz="2400" dirty="0" smtClean="0"/>
-              <a:t>をインターネット上に保存する手法</a:t>
+              <a:rPr kumimoji="1" lang="ja-JP" altLang="en-US" sz="2400" dirty="0" smtClean="0"/>
+              <a:t>ネットワーク上の資源をネット経由で使用すること</a:t>
             </a:r>
             <a:endParaRPr kumimoji="1" lang="ja-JP" altLang="en-US" sz="2400" dirty="0"/>
           </a:p>
@@ -16496,7 +17847,7 @@
         </p:nvSpPr>
         <p:spPr>
           <a:xfrm>
-            <a:off x="502276" y="3271234"/>
+            <a:off x="502276" y="2837911"/>
             <a:ext cx="8435662" cy="1261884"/>
           </a:xfrm>
           <a:prstGeom prst="rect">
@@ -16527,15 +17878,7 @@
             </a:pPr>
             <a:r>
               <a:rPr kumimoji="1" lang="ja-JP" altLang="en-US" sz="2400" dirty="0" smtClean="0"/>
-              <a:t>クラウドコンピューティング</a:t>
-            </a:r>
-            <a:r>
-              <a:rPr kumimoji="1" lang="ja-JP" altLang="en-US" sz="2400" dirty="0"/>
-              <a:t>で</a:t>
-            </a:r>
-            <a:r>
-              <a:rPr kumimoji="1" lang="ja-JP" altLang="en-US" sz="2400" dirty="0" smtClean="0"/>
-              <a:t>あり，</a:t>
+              <a:t>クラウドコンピューティングであり，</a:t>
             </a:r>
             <a:r>
               <a:rPr kumimoji="1" lang="en-US" altLang="ja-JP" sz="2400" dirty="0" smtClean="0"/>
@@ -16565,7 +17908,7 @@
         </p:nvSpPr>
         <p:spPr>
           <a:xfrm>
-            <a:off x="4031087" y="4636149"/>
+            <a:off x="4031087" y="5298341"/>
             <a:ext cx="1081825" cy="605552"/>
           </a:xfrm>
           <a:prstGeom prst="downArrow">
@@ -16611,7 +17954,7 @@
         </p:nvSpPr>
         <p:spPr>
           <a:xfrm>
-            <a:off x="804930" y="5241701"/>
+            <a:off x="804930" y="5903893"/>
             <a:ext cx="7830354" cy="954107"/>
           </a:xfrm>
           <a:prstGeom prst="rect">
@@ -16626,8 +17969,12 @@
           <a:lstStyle/>
           <a:p>
             <a:r>
+              <a:rPr lang="ja-JP" altLang="en-US" sz="2800" u="sng" dirty="0" smtClean="0"/>
+              <a:t>複数セグメントを持つ</a:t>
+            </a:r>
+            <a:r>
               <a:rPr kumimoji="1" lang="ja-JP" altLang="en-US" sz="2800" u="sng" dirty="0" smtClean="0"/>
-              <a:t>大規模なシステム構成の再現には</a:t>
+              <a:t>システム構成の構築には</a:t>
             </a:r>
             <a:endParaRPr kumimoji="1" lang="en-US" altLang="ja-JP" sz="2800" u="sng" dirty="0" smtClean="0"/>
           </a:p>
@@ -16637,6 +17984,47 @@
               <a:t>作業の効率化が求められている</a:t>
             </a:r>
             <a:endParaRPr kumimoji="1" lang="ja-JP" altLang="en-US" sz="2800" u="sng" dirty="0"/>
+          </a:p>
+        </p:txBody>
+      </p:sp>
+      <p:sp>
+        <p:nvSpPr>
+          <p:cNvPr id="5" name="テキスト ボックス 4"/>
+          <p:cNvSpPr txBox="1"/>
+          <p:nvPr/>
+        </p:nvSpPr>
+        <p:spPr>
+          <a:xfrm>
+            <a:off x="502276" y="4203700"/>
+            <a:ext cx="8319752" cy="1384995"/>
+          </a:xfrm>
+          <a:prstGeom prst="rect">
+            <a:avLst/>
+          </a:prstGeom>
+          <a:noFill/>
+        </p:spPr>
+        <p:txBody>
+          <a:bodyPr wrap="square" rtlCol="0">
+            <a:spAutoFit/>
+          </a:bodyPr>
+          <a:lstStyle/>
+          <a:p>
+            <a:r>
+              <a:rPr lang="ja-JP" altLang="en-US" sz="2800" b="1" dirty="0" smtClean="0"/>
+              <a:t>現状</a:t>
+            </a:r>
+            <a:endParaRPr lang="en-US" altLang="ja-JP" sz="2800" b="1" dirty="0" smtClean="0"/>
+          </a:p>
+          <a:p>
+            <a:pPr marL="342900" indent="-342900">
+              <a:buFont typeface="Wingdings" panose="05000000000000000000" pitchFamily="2" charset="2"/>
+              <a:buChar char="u"/>
+            </a:pPr>
+            <a:r>
+              <a:rPr kumimoji="1" lang="ja-JP" altLang="en-US" sz="2800" b="1" dirty="0" smtClean="0"/>
+              <a:t>複数セグメントを持つシステム構成には時間がかかる</a:t>
+            </a:r>
+            <a:endParaRPr kumimoji="1" lang="ja-JP" altLang="en-US" sz="2400" b="1" dirty="0"/>
           </a:p>
         </p:txBody>
       </p:sp>
@@ -16898,7 +18286,7 @@
         <p:spPr>
           <a:xfrm>
             <a:off x="895149" y="1893194"/>
-            <a:ext cx="7331528" cy="1938992"/>
+            <a:ext cx="7331528" cy="2677656"/>
           </a:xfrm>
           <a:prstGeom prst="rect">
             <a:avLst/>
@@ -16926,17 +18314,6 @@
             <a:endParaRPr kumimoji="1" lang="en-US" altLang="ja-JP" sz="2400" dirty="0" smtClean="0"/>
           </a:p>
           <a:p>
-            <a:pPr marL="285750" indent="-285750">
-              <a:buFont typeface="Wingdings" panose="05000000000000000000" pitchFamily="2" charset="2"/>
-              <a:buChar char="u"/>
-            </a:pPr>
-            <a:r>
-              <a:rPr kumimoji="1" lang="ja-JP" altLang="en-US" sz="2400" dirty="0" smtClean="0"/>
-              <a:t>様々なコンポーネントから構成されている</a:t>
-            </a:r>
-            <a:endParaRPr kumimoji="1" lang="en-US" altLang="ja-JP" sz="2400" dirty="0" smtClean="0"/>
-          </a:p>
-          <a:p>
             <a:pPr marL="742950" lvl="1" indent="-285750">
               <a:buFont typeface="Wingdings" panose="05000000000000000000" pitchFamily="2" charset="2"/>
               <a:buChar char="p"/>
@@ -16959,7 +18336,30 @@
             </a:r>
             <a:r>
               <a:rPr kumimoji="1" lang="ja-JP" altLang="en-US" sz="2400" dirty="0" smtClean="0"/>
-              <a:t>や仮想ネットワーク，仮想ルーターを構築</a:t>
+              <a:t>や仮想ネットワーク，仮想ルーター</a:t>
+            </a:r>
+            <a:r>
+              <a:rPr kumimoji="1" lang="ja-JP" altLang="en-US" sz="2400" dirty="0" smtClean="0"/>
+              <a:t>を定義してシステムを構築</a:t>
+            </a:r>
+            <a:endParaRPr kumimoji="1" lang="en-US" altLang="ja-JP" sz="2400" dirty="0" smtClean="0"/>
+          </a:p>
+          <a:p>
+            <a:pPr marL="742950" lvl="1" indent="-285750">
+              <a:buFont typeface="Wingdings" panose="05000000000000000000" pitchFamily="2" charset="2"/>
+              <a:buChar char="p"/>
+            </a:pPr>
+            <a:r>
+              <a:rPr lang="ja-JP" altLang="en-US" sz="2400" dirty="0" smtClean="0"/>
+              <a:t>これらのリソースは</a:t>
+            </a:r>
+            <a:r>
+              <a:rPr lang="en-US" altLang="ja-JP" sz="2400" dirty="0" smtClean="0"/>
+              <a:t>OpenStack</a:t>
+            </a:r>
+            <a:r>
+              <a:rPr lang="ja-JP" altLang="en-US" sz="2400" dirty="0" smtClean="0"/>
+              <a:t>内のコンポーネント群により制御・管理されている</a:t>
             </a:r>
             <a:endParaRPr lang="en-US" altLang="ja-JP" sz="2400" dirty="0"/>
           </a:p>
@@ -16974,7 +18374,15 @@
             </a:r>
             <a:r>
               <a:rPr kumimoji="1" lang="ja-JP" altLang="en-US" sz="2400" dirty="0" smtClean="0"/>
-              <a:t>はそれらの定義を一括でおこなう</a:t>
+              <a:t>はそれら</a:t>
+            </a:r>
+            <a:r>
+              <a:rPr kumimoji="1" lang="ja-JP" altLang="en-US" sz="2400" dirty="0" smtClean="0"/>
+              <a:t>の</a:t>
+            </a:r>
+            <a:r>
+              <a:rPr lang="ja-JP" altLang="en-US" sz="2400" dirty="0" smtClean="0"/>
+              <a:t>コンポーネントを制御，一括で定義し構築する</a:t>
             </a:r>
             <a:endParaRPr kumimoji="1" lang="en-US" altLang="ja-JP" sz="2400" dirty="0" smtClean="0"/>
           </a:p>
@@ -16988,7 +18396,7 @@
         </p:nvSpPr>
         <p:spPr>
           <a:xfrm>
-            <a:off x="4089304" y="4056845"/>
+            <a:off x="3911504" y="4679145"/>
             <a:ext cx="1159099" cy="888642"/>
           </a:xfrm>
           <a:prstGeom prst="downArrow">
@@ -17031,7 +18439,7 @@
         </p:nvSpPr>
         <p:spPr>
           <a:xfrm>
-            <a:off x="2777032" y="5170146"/>
+            <a:off x="2599232" y="5792446"/>
             <a:ext cx="3783644" cy="584775"/>
           </a:xfrm>
           <a:prstGeom prst="rect">
@@ -17132,33 +18540,15 @@
                                   </p:childTnLst>
                                 </p:cTn>
                               </p:par>
-                            </p:childTnLst>
-                          </p:cTn>
-                        </p:par>
-                      </p:childTnLst>
-                    </p:cTn>
-                  </p:par>
-                  <p:par>
-                    <p:cTn id="8" fill="hold">
-                      <p:stCondLst>
-                        <p:cond delay="indefinite"/>
-                      </p:stCondLst>
-                      <p:childTnLst>
-                        <p:par>
-                          <p:cTn id="9" fill="hold">
-                            <p:stCondLst>
-                              <p:cond delay="0"/>
-                            </p:stCondLst>
-                            <p:childTnLst>
                               <p:par>
-                                <p:cTn id="10" presetID="10" presetClass="entr" presetSubtype="0" fill="hold" grpId="0" nodeType="clickEffect">
+                                <p:cTn id="8" presetID="10" presetClass="entr" presetSubtype="0" fill="hold" grpId="0" nodeType="withEffect">
                                   <p:stCondLst>
                                     <p:cond delay="0"/>
                                   </p:stCondLst>
                                   <p:childTnLst>
                                     <p:set>
                                       <p:cBhvr>
-                                        <p:cTn id="11" dur="1" fill="hold">
+                                        <p:cTn id="9" dur="1" fill="hold">
                                           <p:stCondLst>
                                             <p:cond delay="0"/>
                                           </p:stCondLst>
@@ -17176,7 +18566,7 @@
                                     </p:set>
                                     <p:animEffect transition="in" filter="fade">
                                       <p:cBhvr>
-                                        <p:cTn id="12" dur="500"/>
+                                        <p:cTn id="10" dur="500"/>
                                         <p:tgtEl>
                                           <p:spTgt spid="7"/>
                                         </p:tgtEl>
@@ -17472,7 +18862,7 @@
         </p:blipFill>
         <p:spPr>
           <a:xfrm>
-            <a:off x="4024415" y="2791036"/>
+            <a:off x="4001393" y="2791036"/>
             <a:ext cx="1631085" cy="3810146"/>
           </a:xfrm>
           <a:prstGeom prst="rect">
@@ -17683,6 +19073,98 @@
               <a:t>テンプレートファイル例</a:t>
             </a:r>
             <a:endParaRPr kumimoji="1" lang="ja-JP" altLang="en-US" sz="1600" dirty="0"/>
+          </a:p>
+        </p:txBody>
+      </p:sp>
+      <p:sp>
+        <p:nvSpPr>
+          <p:cNvPr id="5" name="円/楕円 4"/>
+          <p:cNvSpPr/>
+          <p:nvPr/>
+        </p:nvSpPr>
+        <p:spPr>
+          <a:xfrm>
+            <a:off x="3866324" y="3078554"/>
+            <a:ext cx="1687959" cy="987617"/>
+          </a:xfrm>
+          <a:prstGeom prst="ellipse">
+            <a:avLst/>
+          </a:prstGeom>
+          <a:noFill/>
+          <a:ln>
+            <a:solidFill>
+              <a:srgbClr val="0070C0"/>
+            </a:solidFill>
+          </a:ln>
+        </p:spPr>
+        <p:style>
+          <a:lnRef idx="2">
+            <a:schemeClr val="accent1">
+              <a:shade val="50000"/>
+            </a:schemeClr>
+          </a:lnRef>
+          <a:fillRef idx="1">
+            <a:schemeClr val="accent1"/>
+          </a:fillRef>
+          <a:effectRef idx="0">
+            <a:schemeClr val="accent1"/>
+          </a:effectRef>
+          <a:fontRef idx="minor">
+            <a:schemeClr val="lt1"/>
+          </a:fontRef>
+        </p:style>
+        <p:txBody>
+          <a:bodyPr rtlCol="0" anchor="ctr"/>
+          <a:lstStyle/>
+          <a:p>
+            <a:pPr algn="ctr"/>
+            <a:endParaRPr kumimoji="1" lang="ja-JP" altLang="en-US"/>
+          </a:p>
+        </p:txBody>
+      </p:sp>
+      <p:sp>
+        <p:nvSpPr>
+          <p:cNvPr id="17" name="円/楕円 16"/>
+          <p:cNvSpPr/>
+          <p:nvPr/>
+        </p:nvSpPr>
+        <p:spPr>
+          <a:xfrm>
+            <a:off x="5633578" y="4342427"/>
+            <a:ext cx="1712357" cy="1045032"/>
+          </a:xfrm>
+          <a:prstGeom prst="ellipse">
+            <a:avLst/>
+          </a:prstGeom>
+          <a:noFill/>
+          <a:ln>
+            <a:solidFill>
+              <a:srgbClr val="FF0000"/>
+            </a:solidFill>
+          </a:ln>
+        </p:spPr>
+        <p:style>
+          <a:lnRef idx="2">
+            <a:schemeClr val="accent1">
+              <a:shade val="50000"/>
+            </a:schemeClr>
+          </a:lnRef>
+          <a:fillRef idx="1">
+            <a:schemeClr val="accent1"/>
+          </a:fillRef>
+          <a:effectRef idx="0">
+            <a:schemeClr val="accent1"/>
+          </a:effectRef>
+          <a:fontRef idx="minor">
+            <a:schemeClr val="lt1"/>
+          </a:fontRef>
+        </p:style>
+        <p:txBody>
+          <a:bodyPr rtlCol="0" anchor="ctr"/>
+          <a:lstStyle/>
+          <a:p>
+            <a:pPr algn="ctr"/>
+            <a:endParaRPr kumimoji="1" lang="ja-JP" altLang="en-US"/>
           </a:p>
         </p:txBody>
       </p:sp>
@@ -17967,6 +19449,94 @@
                       </p:childTnLst>
                     </p:cTn>
                   </p:par>
+                  <p:par>
+                    <p:cTn id="26" fill="hold">
+                      <p:stCondLst>
+                        <p:cond delay="indefinite"/>
+                      </p:stCondLst>
+                      <p:childTnLst>
+                        <p:par>
+                          <p:cTn id="27" fill="hold">
+                            <p:stCondLst>
+                              <p:cond delay="0"/>
+                            </p:stCondLst>
+                            <p:childTnLst>
+                              <p:par>
+                                <p:cTn id="28" presetID="10" presetClass="entr" presetSubtype="0" fill="hold" grpId="0" nodeType="clickEffect">
+                                  <p:stCondLst>
+                                    <p:cond delay="0"/>
+                                  </p:stCondLst>
+                                  <p:childTnLst>
+                                    <p:set>
+                                      <p:cBhvr>
+                                        <p:cTn id="29" dur="1" fill="hold">
+                                          <p:stCondLst>
+                                            <p:cond delay="0"/>
+                                          </p:stCondLst>
+                                        </p:cTn>
+                                        <p:tgtEl>
+                                          <p:spTgt spid="5"/>
+                                        </p:tgtEl>
+                                        <p:attrNameLst>
+                                          <p:attrName>style.visibility</p:attrName>
+                                        </p:attrNameLst>
+                                      </p:cBhvr>
+                                      <p:to>
+                                        <p:strVal val="visible"/>
+                                      </p:to>
+                                    </p:set>
+                                    <p:animEffect transition="in" filter="fade">
+                                      <p:cBhvr>
+                                        <p:cTn id="30" dur="500"/>
+                                        <p:tgtEl>
+                                          <p:spTgt spid="5"/>
+                                        </p:tgtEl>
+                                      </p:cBhvr>
+                                    </p:animEffect>
+                                  </p:childTnLst>
+                                </p:cTn>
+                              </p:par>
+                              <p:par>
+                                <p:cTn id="31" presetID="10" presetClass="entr" presetSubtype="0" fill="hold" grpId="0" nodeType="withEffect">
+                                  <p:stCondLst>
+                                    <p:cond delay="0"/>
+                                  </p:stCondLst>
+                                  <p:childTnLst>
+                                    <p:set>
+                                      <p:cBhvr>
+                                        <p:cTn id="32" dur="1" fill="hold">
+                                          <p:stCondLst>
+                                            <p:cond delay="0"/>
+                                          </p:stCondLst>
+                                        </p:cTn>
+                                        <p:tgtEl>
+                                          <p:spTgt spid="17"/>
+                                        </p:tgtEl>
+                                        <p:attrNameLst>
+                                          <p:attrName>style.visibility</p:attrName>
+                                        </p:attrNameLst>
+                                      </p:cBhvr>
+                                      <p:to>
+                                        <p:strVal val="visible"/>
+                                      </p:to>
+                                    </p:set>
+                                    <p:animEffect transition="in" filter="fade">
+                                      <p:cBhvr>
+                                        <p:cTn id="33" dur="500"/>
+                                        <p:tgtEl>
+                                          <p:spTgt spid="17"/>
+                                        </p:tgtEl>
+                                      </p:cBhvr>
+                                    </p:animEffect>
+                                  </p:childTnLst>
+                                </p:cTn>
+                              </p:par>
+                            </p:childTnLst>
+                          </p:cTn>
+                        </p:par>
+                      </p:childTnLst>
+                    </p:cTn>
+                  </p:par>
                 </p:childTnLst>
               </p:cTn>
               <p:prevCondLst>
@@ -17991,6 +19561,8 @@
     <p:bldLst>
       <p:bldP spid="15" grpId="0" animBg="1"/>
       <p:bldP spid="19" grpId="0"/>
+      <p:bldP spid="5" grpId="0" animBg="1"/>
+      <p:bldP spid="17" grpId="0" animBg="1"/>
     </p:bldLst>
   </p:timing>
 </p:sld>
@@ -18469,11 +20041,7 @@
             </a:r>
             <a:r>
               <a:rPr lang="ja-JP" altLang="en-US" b="1" dirty="0" smtClean="0"/>
-              <a:t>定義エディタ</a:t>
-            </a:r>
-            <a:r>
-              <a:rPr lang="ja-JP" altLang="en-US" b="1" dirty="0" smtClean="0"/>
-              <a:t>の</a:t>
+              <a:t>定義エディタの</a:t>
             </a:r>
             <a:r>
               <a:rPr lang="ja-JP" altLang="en-US" b="1" dirty="0"/>
@@ -18873,11 +20441,7 @@
           <a:p>
             <a:r>
               <a:rPr kumimoji="1" lang="ja-JP" altLang="en-US" b="1" dirty="0" smtClean="0"/>
-              <a:t>オーケストレーション定義エディタ</a:t>
-            </a:r>
-            <a:r>
-              <a:rPr kumimoji="1" lang="ja-JP" altLang="en-US" b="1" dirty="0" smtClean="0"/>
-              <a:t>の概要</a:t>
+              <a:t>オーケストレーション定義エディタの概要</a:t>
             </a:r>
             <a:r>
               <a:rPr kumimoji="1" lang="en-US" altLang="ja-JP" b="1" dirty="0" smtClean="0"/>
@@ -19913,11 +21477,7 @@
             </a:r>
             <a:r>
               <a:rPr lang="ja-JP" altLang="en-US" b="1" dirty="0" smtClean="0"/>
-              <a:t>エディタ</a:t>
-            </a:r>
-            <a:r>
-              <a:rPr lang="ja-JP" altLang="en-US" b="1" dirty="0" smtClean="0"/>
-              <a:t>の</a:t>
+              <a:t>エディタの</a:t>
             </a:r>
             <a:r>
               <a:rPr lang="ja-JP" altLang="en-US" b="1" dirty="0"/>
@@ -21889,4 +23449,256 @@
     </a:bgFillStyleLst>
   </a:fmtScheme>
 </a:themeOverride>
+</file>
+
+<file path=ppt/theme/themeOverride4.xml><?xml version="1.0" encoding="utf-8"?>
+<a:themeOverride xmlns:a="http://schemas.openxmlformats.org/drawingml/2006/main">
+  <a:clrScheme name="Office">
+    <a:dk1>
+      <a:sysClr val="windowText" lastClr="000000"/>
+    </a:dk1>
+    <a:lt1>
+      <a:sysClr val="window" lastClr="FFFFFF"/>
+    </a:lt1>
+    <a:dk2>
+      <a:srgbClr val="44546A"/>
+    </a:dk2>
+    <a:lt2>
+      <a:srgbClr val="E7E6E6"/>
+    </a:lt2>
+    <a:accent1>
+      <a:srgbClr val="5B9BD5"/>
+    </a:accent1>
+    <a:accent2>
+      <a:srgbClr val="ED7D31"/>
+    </a:accent2>
+    <a:accent3>
+      <a:srgbClr val="A5A5A5"/>
+    </a:accent3>
+    <a:accent4>
+      <a:srgbClr val="FFC000"/>
+    </a:accent4>
+    <a:accent5>
+      <a:srgbClr val="4472C4"/>
+    </a:accent5>
+    <a:accent6>
+      <a:srgbClr val="70AD47"/>
+    </a:accent6>
+    <a:hlink>
+      <a:srgbClr val="0563C1"/>
+    </a:hlink>
+    <a:folHlink>
+      <a:srgbClr val="954F72"/>
+    </a:folHlink>
+  </a:clrScheme>
+  <a:fontScheme name="Office">
+    <a:majorFont>
+      <a:latin typeface="Calibri Light" panose="020F0302020204030204"/>
+      <a:ea typeface=""/>
+      <a:cs typeface=""/>
+      <a:font script="Jpan" typeface="ＭＳ Ｐゴシック"/>
+      <a:font script="Hang" typeface="맑은 고딕"/>
+      <a:font script="Hans" typeface="宋体"/>
+      <a:font script="Hant" typeface="新細明體"/>
+      <a:font script="Arab" typeface="Times New Roman"/>
+      <a:font script="Hebr" typeface="Times New Roman"/>
+      <a:font script="Thai" typeface="Tahoma"/>
+      <a:font script="Ethi" typeface="Nyala"/>
+      <a:font script="Beng" typeface="Vrinda"/>
+      <a:font script="Gujr" typeface="Shruti"/>
+      <a:font script="Khmr" typeface="MoolBoran"/>
+      <a:font script="Knda" typeface="Tunga"/>
+      <a:font script="Guru" typeface="Raavi"/>
+      <a:font script="Cans" typeface="Euphemia"/>
+      <a:font script="Cher" typeface="Plantagenet Cherokee"/>
+      <a:font script="Yiii" typeface="Microsoft Yi Baiti"/>
+      <a:font script="Tibt" typeface="Microsoft Himalaya"/>
+      <a:font script="Thaa" typeface="MV Boli"/>
+      <a:font script="Deva" typeface="Mangal"/>
+      <a:font script="Telu" typeface="Gautami"/>
+      <a:font script="Taml" typeface="Latha"/>
+      <a:font script="Syrc" typeface="Estrangelo Edessa"/>
+      <a:font script="Orya" typeface="Kalinga"/>
+      <a:font script="Mlym" typeface="Kartika"/>
+      <a:font script="Laoo" typeface="DokChampa"/>
+      <a:font script="Sinh" typeface="Iskoola Pota"/>
+      <a:font script="Mong" typeface="Mongolian Baiti"/>
+      <a:font script="Viet" typeface="Times New Roman"/>
+      <a:font script="Uigh" typeface="Microsoft Uighur"/>
+      <a:font script="Geor" typeface="Sylfaen"/>
+    </a:majorFont>
+    <a:minorFont>
+      <a:latin typeface="Calibri" panose="020F0502020204030204"/>
+      <a:ea typeface=""/>
+      <a:cs typeface=""/>
+      <a:font script="Jpan" typeface="ＭＳ Ｐゴシック"/>
+      <a:font script="Hang" typeface="맑은 고딕"/>
+      <a:font script="Hans" typeface="宋体"/>
+      <a:font script="Hant" typeface="新細明體"/>
+      <a:font script="Arab" typeface="Arial"/>
+      <a:font script="Hebr" typeface="Arial"/>
+      <a:font script="Thai" typeface="Tahoma"/>
+      <a:font script="Ethi" typeface="Nyala"/>
+      <a:font script="Beng" typeface="Vrinda"/>
+      <a:font script="Gujr" typeface="Shruti"/>
+      <a:font script="Khmr" typeface="DaunPenh"/>
+      <a:font script="Knda" typeface="Tunga"/>
+      <a:font script="Guru" typeface="Raavi"/>
+      <a:font script="Cans" typeface="Euphemia"/>
+      <a:font script="Cher" typeface="Plantagenet Cherokee"/>
+      <a:font script="Yiii" typeface="Microsoft Yi Baiti"/>
+      <a:font script="Tibt" typeface="Microsoft Himalaya"/>
+      <a:font script="Thaa" typeface="MV Boli"/>
+      <a:font script="Deva" typeface="Mangal"/>
+      <a:font script="Telu" typeface="Gautami"/>
+      <a:font script="Taml" typeface="Latha"/>
+      <a:font script="Syrc" typeface="Estrangelo Edessa"/>
+      <a:font script="Orya" typeface="Kalinga"/>
+      <a:font script="Mlym" typeface="Kartika"/>
+      <a:font script="Laoo" typeface="DokChampa"/>
+      <a:font script="Sinh" typeface="Iskoola Pota"/>
+      <a:font script="Mong" typeface="Mongolian Baiti"/>
+      <a:font script="Viet" typeface="Arial"/>
+      <a:font script="Uigh" typeface="Microsoft Uighur"/>
+      <a:font script="Geor" typeface="Sylfaen"/>
+    </a:minorFont>
+  </a:fontScheme>
+  <a:fmtScheme name="Office">
+    <a:fillStyleLst>
+      <a:solidFill>
+        <a:schemeClr val="phClr"/>
+      </a:solidFill>
+      <a:gradFill rotWithShape="1">
+        <a:gsLst>
+          <a:gs pos="0">
+            <a:schemeClr val="phClr">
+              <a:lumMod val="110000"/>
+              <a:satMod val="105000"/>
+              <a:tint val="67000"/>
+            </a:schemeClr>
+          </a:gs>
+          <a:gs pos="50000">
+            <a:schemeClr val="phClr">
+              <a:lumMod val="105000"/>
+              <a:satMod val="103000"/>
+              <a:tint val="73000"/>
+            </a:schemeClr>
+          </a:gs>
+          <a:gs pos="100000">
+            <a:schemeClr val="phClr">
+              <a:lumMod val="105000"/>
+              <a:satMod val="109000"/>
+              <a:tint val="81000"/>
+            </a:schemeClr>
+          </a:gs>
+        </a:gsLst>
+        <a:lin ang="5400000" scaled="0"/>
+      </a:gradFill>
+      <a:gradFill rotWithShape="1">
+        <a:gsLst>
+          <a:gs pos="0">
+            <a:schemeClr val="phClr">
+              <a:satMod val="103000"/>
+              <a:lumMod val="102000"/>
+              <a:tint val="94000"/>
+            </a:schemeClr>
+          </a:gs>
+          <a:gs pos="50000">
+            <a:schemeClr val="phClr">
+              <a:satMod val="110000"/>
+              <a:lumMod val="100000"/>
+              <a:shade val="100000"/>
+            </a:schemeClr>
+          </a:gs>
+          <a:gs pos="100000">
+            <a:schemeClr val="phClr">
+              <a:lumMod val="99000"/>
+              <a:satMod val="120000"/>
+              <a:shade val="78000"/>
+            </a:schemeClr>
+          </a:gs>
+        </a:gsLst>
+        <a:lin ang="5400000" scaled="0"/>
+      </a:gradFill>
+    </a:fillStyleLst>
+    <a:lnStyleLst>
+      <a:ln w="6350" cap="flat" cmpd="sng" algn="ctr">
+        <a:solidFill>
+          <a:schemeClr val="phClr"/>
+        </a:solidFill>
+        <a:prstDash val="solid"/>
+        <a:miter lim="800000"/>
+      </a:ln>
+      <a:ln w="12700" cap="flat" cmpd="sng" algn="ctr">
+        <a:solidFill>
+          <a:schemeClr val="phClr"/>
+        </a:solidFill>
+        <a:prstDash val="solid"/>
+        <a:miter lim="800000"/>
+      </a:ln>
+      <a:ln w="19050" cap="flat" cmpd="sng" algn="ctr">
+        <a:solidFill>
+          <a:schemeClr val="phClr"/>
+        </a:solidFill>
+        <a:prstDash val="solid"/>
+        <a:miter lim="800000"/>
+      </a:ln>
+    </a:lnStyleLst>
+    <a:effectStyleLst>
+      <a:effectStyle>
+        <a:effectLst/>
+      </a:effectStyle>
+      <a:effectStyle>
+        <a:effectLst/>
+      </a:effectStyle>
+      <a:effectStyle>
+        <a:effectLst>
+          <a:outerShdw blurRad="57150" dist="19050" dir="5400000" algn="ctr" rotWithShape="0">
+            <a:srgbClr val="000000">
+              <a:alpha val="63000"/>
+            </a:srgbClr>
+          </a:outerShdw>
+        </a:effectLst>
+      </a:effectStyle>
+    </a:effectStyleLst>
+    <a:bgFillStyleLst>
+      <a:solidFill>
+        <a:schemeClr val="phClr"/>
+      </a:solidFill>
+      <a:solidFill>
+        <a:schemeClr val="phClr">
+          <a:tint val="95000"/>
+          <a:satMod val="170000"/>
+        </a:schemeClr>
+      </a:solidFill>
+      <a:gradFill rotWithShape="1">
+        <a:gsLst>
+          <a:gs pos="0">
+            <a:schemeClr val="phClr">
+              <a:tint val="93000"/>
+              <a:satMod val="150000"/>
+              <a:shade val="98000"/>
+              <a:lumMod val="102000"/>
+            </a:schemeClr>
+          </a:gs>
+          <a:gs pos="50000">
+            <a:schemeClr val="phClr">
+              <a:tint val="98000"/>
+              <a:satMod val="130000"/>
+              <a:shade val="90000"/>
+              <a:lumMod val="103000"/>
+            </a:schemeClr>
+          </a:gs>
+          <a:gs pos="100000">
+            <a:schemeClr val="phClr">
+              <a:shade val="63000"/>
+              <a:satMod val="120000"/>
+            </a:schemeClr>
+          </a:gs>
+        </a:gsLst>
+        <a:lin ang="5400000" scaled="0"/>
+      </a:gradFill>
+    </a:bgFillStyleLst>
+  </a:fmtScheme>
+</a:themeOverride>
 </file>
--- a/卒業論文本体/発表用スライド_川口.pptx
+++ b/卒業論文本体/発表用スライド_川口.pptx
@@ -6,7 +6,7 @@
     <p:sldMasterId id="2147483813" r:id="rId2"/>
   </p:sldMasterIdLst>
   <p:notesMasterIdLst>
-    <p:notesMasterId r:id="rId19"/>
+    <p:notesMasterId r:id="rId18"/>
   </p:notesMasterIdLst>
   <p:sldIdLst>
     <p:sldId id="256" r:id="rId3"/>
@@ -16,15 +16,14 @@
     <p:sldId id="260" r:id="rId7"/>
     <p:sldId id="261" r:id="rId8"/>
     <p:sldId id="264" r:id="rId9"/>
-    <p:sldId id="270" r:id="rId10"/>
-    <p:sldId id="263" r:id="rId11"/>
-    <p:sldId id="262" r:id="rId12"/>
-    <p:sldId id="265" r:id="rId13"/>
-    <p:sldId id="271" r:id="rId14"/>
-    <p:sldId id="266" r:id="rId15"/>
-    <p:sldId id="267" r:id="rId16"/>
-    <p:sldId id="268" r:id="rId17"/>
-    <p:sldId id="269" r:id="rId18"/>
+    <p:sldId id="263" r:id="rId10"/>
+    <p:sldId id="262" r:id="rId11"/>
+    <p:sldId id="265" r:id="rId12"/>
+    <p:sldId id="271" r:id="rId13"/>
+    <p:sldId id="268" r:id="rId14"/>
+    <p:sldId id="269" r:id="rId15"/>
+    <p:sldId id="266" r:id="rId16"/>
+    <p:sldId id="267" r:id="rId17"/>
   </p:sldIdLst>
   <p:sldSz cx="9144000" cy="6858000" type="screen4x3"/>
   <p:notesSz cx="6858000" cy="9144000"/>
@@ -183,6 +182,7 @@
           </a:p>
         </c:rich>
       </c:tx>
+      <c:layout/>
       <c:overlay val="0"/>
       <c:spPr>
         <a:noFill/>
@@ -283,6 +283,7 @@
             <c:showLeaderLines val="0"/>
             <c:extLst>
               <c:ext xmlns:c15="http://schemas.microsoft.com/office/drawing/2012/chart" uri="{CE6537A1-D6FC-4f65-9D91-7224C49458BB}">
+                <c15:layout/>
                 <c15:showLeaderLines val="1"/>
                 <c15:leaderLines>
                   <c:spPr>
@@ -413,6 +414,7 @@
             <c:showLeaderLines val="0"/>
             <c:extLst>
               <c:ext xmlns:c15="http://schemas.microsoft.com/office/drawing/2012/chart" uri="{CE6537A1-D6FC-4f65-9D91-7224C49458BB}">
+                <c15:layout/>
                 <c15:showLeaderLines val="1"/>
                 <c15:leaderLines>
                   <c:spPr>
@@ -490,11 +492,11 @@
         </c:dLbls>
         <c:gapWidth val="219"/>
         <c:overlap val="-27"/>
-        <c:axId val="-152934208"/>
-        <c:axId val="-152927680"/>
+        <c:axId val="152488480"/>
+        <c:axId val="152487360"/>
       </c:barChart>
       <c:catAx>
-        <c:axId val="-152934208"/>
+        <c:axId val="152488480"/>
         <c:scaling>
           <c:orientation val="minMax"/>
         </c:scaling>
@@ -526,6 +528,7 @@
               </a:p>
             </c:rich>
           </c:tx>
+          <c:layout/>
           <c:overlay val="0"/>
           <c:spPr>
             <a:noFill/>
@@ -592,7 +595,7 @@
             <a:endParaRPr lang="ja-JP"/>
           </a:p>
         </c:txPr>
-        <c:crossAx val="-152927680"/>
+        <c:crossAx val="152487360"/>
         <c:crosses val="autoZero"/>
         <c:auto val="1"/>
         <c:lblAlgn val="ctr"/>
@@ -600,7 +603,7 @@
         <c:noMultiLvlLbl val="0"/>
       </c:catAx>
       <c:valAx>
-        <c:axId val="-152927680"/>
+        <c:axId val="152487360"/>
         <c:scaling>
           <c:orientation val="minMax"/>
         </c:scaling>
@@ -659,6 +662,7 @@
               </a:p>
             </c:rich>
           </c:tx>
+          <c:layout/>
           <c:overlay val="0"/>
           <c:spPr>
             <a:noFill/>
@@ -719,7 +723,7 @@
             <a:endParaRPr lang="ja-JP"/>
           </a:p>
         </c:txPr>
-        <c:crossAx val="-152934208"/>
+        <c:crossAx val="152488480"/>
         <c:crosses val="autoZero"/>
         <c:crossBetween val="between"/>
       </c:valAx>
@@ -733,6 +737,7 @@
     </c:plotArea>
     <c:legend>
       <c:legendPos val="b"/>
+      <c:layout/>
       <c:overlay val="0"/>
       <c:spPr>
         <a:noFill/>
@@ -834,6 +839,7 @@
           </a:p>
         </c:rich>
       </c:tx>
+      <c:layout/>
       <c:overlay val="0"/>
       <c:spPr>
         <a:noFill/>
@@ -934,6 +940,7 @@
             <c:showLeaderLines val="0"/>
             <c:extLst>
               <c:ext xmlns:c15="http://schemas.microsoft.com/office/drawing/2012/chart" uri="{CE6537A1-D6FC-4f65-9D91-7224C49458BB}">
+                <c15:layout/>
                 <c15:showLeaderLines val="1"/>
                 <c15:leaderLines>
                   <c:spPr>
@@ -1064,6 +1071,7 @@
             <c:showLeaderLines val="0"/>
             <c:extLst>
               <c:ext xmlns:c15="http://schemas.microsoft.com/office/drawing/2012/chart" uri="{CE6537A1-D6FC-4f65-9D91-7224C49458BB}">
+                <c15:layout/>
                 <c15:showLeaderLines val="1"/>
                 <c15:leaderLines>
                   <c:spPr>
@@ -1141,11 +1149,11 @@
         </c:dLbls>
         <c:gapWidth val="219"/>
         <c:overlap val="-27"/>
-        <c:axId val="-286819904"/>
-        <c:axId val="-286817728"/>
+        <c:axId val="123527152"/>
+        <c:axId val="123526592"/>
       </c:barChart>
       <c:catAx>
-        <c:axId val="-286819904"/>
+        <c:axId val="123527152"/>
         <c:scaling>
           <c:orientation val="minMax"/>
         </c:scaling>
@@ -1177,6 +1185,7 @@
               </a:p>
             </c:rich>
           </c:tx>
+          <c:layout/>
           <c:overlay val="0"/>
           <c:spPr>
             <a:noFill/>
@@ -1243,7 +1252,7 @@
             <a:endParaRPr lang="ja-JP"/>
           </a:p>
         </c:txPr>
-        <c:crossAx val="-286817728"/>
+        <c:crossAx val="123526592"/>
         <c:crosses val="autoZero"/>
         <c:auto val="1"/>
         <c:lblAlgn val="ctr"/>
@@ -1251,7 +1260,7 @@
         <c:noMultiLvlLbl val="0"/>
       </c:catAx>
       <c:valAx>
-        <c:axId val="-286817728"/>
+        <c:axId val="123526592"/>
         <c:scaling>
           <c:orientation val="minMax"/>
         </c:scaling>
@@ -1310,6 +1319,7 @@
               </a:p>
             </c:rich>
           </c:tx>
+          <c:layout/>
           <c:overlay val="0"/>
           <c:spPr>
             <a:noFill/>
@@ -1370,7 +1380,7 @@
             <a:endParaRPr lang="ja-JP"/>
           </a:p>
         </c:txPr>
-        <c:crossAx val="-286819904"/>
+        <c:crossAx val="123527152"/>
         <c:crosses val="autoZero"/>
         <c:crossBetween val="between"/>
       </c:valAx>
@@ -1384,6 +1394,7 @@
     </c:plotArea>
     <c:legend>
       <c:legendPos val="b"/>
+      <c:layout/>
       <c:overlay val="0"/>
       <c:spPr>
         <a:noFill/>
@@ -1578,7 +1589,9 @@
               <c:showPercent val="0"/>
               <c:showBubbleSize val="0"/>
               <c:extLst>
-                <c:ext xmlns:c15="http://schemas.microsoft.com/office/drawing/2012/chart" uri="{CE6537A1-D6FC-4f65-9D91-7224C49458BB}"/>
+                <c:ext xmlns:c15="http://schemas.microsoft.com/office/drawing/2012/chart" uri="{CE6537A1-D6FC-4f65-9D91-7224C49458BB}">
+                  <c15:layout/>
+                </c:ext>
               </c:extLst>
             </c:dLbl>
             <c:dLbl>
@@ -1597,7 +1610,9 @@
               <c:showPercent val="0"/>
               <c:showBubbleSize val="0"/>
               <c:extLst>
-                <c:ext xmlns:c15="http://schemas.microsoft.com/office/drawing/2012/chart" uri="{CE6537A1-D6FC-4f65-9D91-7224C49458BB}"/>
+                <c:ext xmlns:c15="http://schemas.microsoft.com/office/drawing/2012/chart" uri="{CE6537A1-D6FC-4f65-9D91-7224C49458BB}">
+                  <c15:layout/>
+                </c:ext>
               </c:extLst>
             </c:dLbl>
             <c:dLbl>
@@ -1616,7 +1631,9 @@
               <c:showPercent val="0"/>
               <c:showBubbleSize val="0"/>
               <c:extLst>
-                <c:ext xmlns:c15="http://schemas.microsoft.com/office/drawing/2012/chart" uri="{CE6537A1-D6FC-4f65-9D91-7224C49458BB}"/>
+                <c:ext xmlns:c15="http://schemas.microsoft.com/office/drawing/2012/chart" uri="{CE6537A1-D6FC-4f65-9D91-7224C49458BB}">
+                  <c15:layout/>
+                </c:ext>
               </c:extLst>
             </c:dLbl>
             <c:dLbl>
@@ -1635,7 +1652,9 @@
               <c:showPercent val="0"/>
               <c:showBubbleSize val="0"/>
               <c:extLst>
-                <c:ext xmlns:c15="http://schemas.microsoft.com/office/drawing/2012/chart" uri="{CE6537A1-D6FC-4f65-9D91-7224C49458BB}"/>
+                <c:ext xmlns:c15="http://schemas.microsoft.com/office/drawing/2012/chart" uri="{CE6537A1-D6FC-4f65-9D91-7224C49458BB}">
+                  <c15:layout/>
+                </c:ext>
               </c:extLst>
             </c:dLbl>
             <c:dLbl>
@@ -1654,7 +1673,9 @@
               <c:showPercent val="0"/>
               <c:showBubbleSize val="0"/>
               <c:extLst>
-                <c:ext xmlns:c15="http://schemas.microsoft.com/office/drawing/2012/chart" uri="{CE6537A1-D6FC-4f65-9D91-7224C49458BB}"/>
+                <c:ext xmlns:c15="http://schemas.microsoft.com/office/drawing/2012/chart" uri="{CE6537A1-D6FC-4f65-9D91-7224C49458BB}">
+                  <c15:layout/>
+                </c:ext>
               </c:extLst>
             </c:dLbl>
             <c:dLbl>
@@ -1673,7 +1694,9 @@
               <c:showPercent val="0"/>
               <c:showBubbleSize val="0"/>
               <c:extLst>
-                <c:ext xmlns:c15="http://schemas.microsoft.com/office/drawing/2012/chart" uri="{CE6537A1-D6FC-4f65-9D91-7224C49458BB}"/>
+                <c:ext xmlns:c15="http://schemas.microsoft.com/office/drawing/2012/chart" uri="{CE6537A1-D6FC-4f65-9D91-7224C49458BB}">
+                  <c15:layout/>
+                </c:ext>
               </c:extLst>
             </c:dLbl>
             <c:dLbl>
@@ -1692,7 +1715,9 @@
               <c:showPercent val="0"/>
               <c:showBubbleSize val="0"/>
               <c:extLst>
-                <c:ext xmlns:c15="http://schemas.microsoft.com/office/drawing/2012/chart" uri="{CE6537A1-D6FC-4f65-9D91-7224C49458BB}"/>
+                <c:ext xmlns:c15="http://schemas.microsoft.com/office/drawing/2012/chart" uri="{CE6537A1-D6FC-4f65-9D91-7224C49458BB}">
+                  <c15:layout/>
+                </c:ext>
               </c:extLst>
             </c:dLbl>
             <c:dLbl>
@@ -1711,7 +1736,9 @@
               <c:showPercent val="0"/>
               <c:showBubbleSize val="0"/>
               <c:extLst>
-                <c:ext xmlns:c15="http://schemas.microsoft.com/office/drawing/2012/chart" uri="{CE6537A1-D6FC-4f65-9D91-7224C49458BB}"/>
+                <c:ext xmlns:c15="http://schemas.microsoft.com/office/drawing/2012/chart" uri="{CE6537A1-D6FC-4f65-9D91-7224C49458BB}">
+                  <c15:layout/>
+                </c:ext>
               </c:extLst>
             </c:dLbl>
             <c:dLbl>
@@ -1730,7 +1757,9 @@
               <c:showPercent val="0"/>
               <c:showBubbleSize val="0"/>
               <c:extLst>
-                <c:ext xmlns:c15="http://schemas.microsoft.com/office/drawing/2012/chart" uri="{CE6537A1-D6FC-4f65-9D91-7224C49458BB}"/>
+                <c:ext xmlns:c15="http://schemas.microsoft.com/office/drawing/2012/chart" uri="{CE6537A1-D6FC-4f65-9D91-7224C49458BB}">
+                  <c15:layout/>
+                </c:ext>
               </c:extLst>
             </c:dLbl>
             <c:dLbl>
@@ -1749,7 +1778,9 @@
               <c:showPercent val="0"/>
               <c:showBubbleSize val="0"/>
               <c:extLst>
-                <c:ext xmlns:c15="http://schemas.microsoft.com/office/drawing/2012/chart" uri="{CE6537A1-D6FC-4f65-9D91-7224C49458BB}"/>
+                <c:ext xmlns:c15="http://schemas.microsoft.com/office/drawing/2012/chart" uri="{CE6537A1-D6FC-4f65-9D91-7224C49458BB}">
+                  <c15:layout/>
+                </c:ext>
               </c:extLst>
             </c:dLbl>
             <c:dLbl>
@@ -1768,7 +1799,9 @@
               <c:showPercent val="0"/>
               <c:showBubbleSize val="0"/>
               <c:extLst>
-                <c:ext xmlns:c15="http://schemas.microsoft.com/office/drawing/2012/chart" uri="{CE6537A1-D6FC-4f65-9D91-7224C49458BB}"/>
+                <c:ext xmlns:c15="http://schemas.microsoft.com/office/drawing/2012/chart" uri="{CE6537A1-D6FC-4f65-9D91-7224C49458BB}">
+                  <c15:layout/>
+                </c:ext>
               </c:extLst>
             </c:dLbl>
             <c:dLbl>
@@ -1787,7 +1820,9 @@
               <c:showPercent val="0"/>
               <c:showBubbleSize val="0"/>
               <c:extLst>
-                <c:ext xmlns:c15="http://schemas.microsoft.com/office/drawing/2012/chart" uri="{CE6537A1-D6FC-4f65-9D91-7224C49458BB}"/>
+                <c:ext xmlns:c15="http://schemas.microsoft.com/office/drawing/2012/chart" uri="{CE6537A1-D6FC-4f65-9D91-7224C49458BB}">
+                  <c15:layout/>
+                </c:ext>
               </c:extLst>
             </c:dLbl>
             <c:dLbl>
@@ -1806,7 +1841,9 @@
               <c:showPercent val="0"/>
               <c:showBubbleSize val="0"/>
               <c:extLst>
-                <c:ext xmlns:c15="http://schemas.microsoft.com/office/drawing/2012/chart" uri="{CE6537A1-D6FC-4f65-9D91-7224C49458BB}"/>
+                <c:ext xmlns:c15="http://schemas.microsoft.com/office/drawing/2012/chart" uri="{CE6537A1-D6FC-4f65-9D91-7224C49458BB}">
+                  <c15:layout/>
+                </c:ext>
               </c:extLst>
             </c:dLbl>
             <c:dLbl>
@@ -1825,7 +1862,9 @@
               <c:showPercent val="0"/>
               <c:showBubbleSize val="0"/>
               <c:extLst>
-                <c:ext xmlns:c15="http://schemas.microsoft.com/office/drawing/2012/chart" uri="{CE6537A1-D6FC-4f65-9D91-7224C49458BB}"/>
+                <c:ext xmlns:c15="http://schemas.microsoft.com/office/drawing/2012/chart" uri="{CE6537A1-D6FC-4f65-9D91-7224C49458BB}">
+                  <c15:layout/>
+                </c:ext>
               </c:extLst>
             </c:dLbl>
             <c:dLbl>
@@ -1844,7 +1883,9 @@
               <c:showPercent val="0"/>
               <c:showBubbleSize val="0"/>
               <c:extLst>
-                <c:ext xmlns:c15="http://schemas.microsoft.com/office/drawing/2012/chart" uri="{CE6537A1-D6FC-4f65-9D91-7224C49458BB}"/>
+                <c:ext xmlns:c15="http://schemas.microsoft.com/office/drawing/2012/chart" uri="{CE6537A1-D6FC-4f65-9D91-7224C49458BB}">
+                  <c15:layout/>
+                </c:ext>
               </c:extLst>
             </c:dLbl>
             <c:spPr>
@@ -2078,6 +2119,7 @@
             <c:showLeaderLines val="0"/>
             <c:extLst>
               <c:ext xmlns:c15="http://schemas.microsoft.com/office/drawing/2012/chart" uri="{CE6537A1-D6FC-4f65-9D91-7224C49458BB}">
+                <c15:layout/>
                 <c15:showLeaderLines val="1"/>
                 <c15:leaderLines>
                   <c:spPr>
@@ -2215,11 +2257,11 @@
         </c:dLbls>
         <c:gapWidth val="219"/>
         <c:overlap val="-27"/>
-        <c:axId val="-152924960"/>
-        <c:axId val="-152928768"/>
+        <c:axId val="123522672"/>
+        <c:axId val="123523792"/>
       </c:barChart>
       <c:catAx>
-        <c:axId val="-152924960"/>
+        <c:axId val="123522672"/>
         <c:scaling>
           <c:orientation val="minMax"/>
         </c:scaling>
@@ -2259,7 +2301,7 @@
             <a:endParaRPr lang="ja-JP"/>
           </a:p>
         </c:txPr>
-        <c:crossAx val="-152928768"/>
+        <c:crossAx val="123523792"/>
         <c:crosses val="autoZero"/>
         <c:auto val="1"/>
         <c:lblAlgn val="ctr"/>
@@ -2267,7 +2309,7 @@
         <c:noMultiLvlLbl val="0"/>
       </c:catAx>
       <c:valAx>
-        <c:axId val="-152928768"/>
+        <c:axId val="123523792"/>
         <c:scaling>
           <c:orientation val="minMax"/>
         </c:scaling>
@@ -2326,6 +2368,7 @@
               </a:p>
             </c:rich>
           </c:tx>
+          <c:layout/>
           <c:overlay val="0"/>
           <c:spPr>
             <a:noFill/>
@@ -2386,7 +2429,7 @@
             <a:endParaRPr lang="ja-JP"/>
           </a:p>
         </c:txPr>
-        <c:crossAx val="-152924960"/>
+        <c:crossAx val="123522672"/>
         <c:crosses val="autoZero"/>
         <c:crossBetween val="between"/>
       </c:valAx>
@@ -2400,6 +2443,7 @@
     </c:plotArea>
     <c:legend>
       <c:legendPos val="b"/>
+      <c:layout/>
       <c:overlay val="0"/>
       <c:spPr>
         <a:noFill/>
@@ -2945,11 +2989,11 @@
         </c:dLbls>
         <c:gapWidth val="219"/>
         <c:overlap val="-27"/>
-        <c:axId val="-152927136"/>
-        <c:axId val="-152930400"/>
+        <c:axId val="158454352"/>
+        <c:axId val="156649456"/>
       </c:barChart>
       <c:catAx>
-        <c:axId val="-152927136"/>
+        <c:axId val="158454352"/>
         <c:scaling>
           <c:orientation val="minMax"/>
         </c:scaling>
@@ -2992,7 +3036,7 @@
             <a:endParaRPr lang="ja-JP"/>
           </a:p>
         </c:txPr>
-        <c:crossAx val="-152930400"/>
+        <c:crossAx val="156649456"/>
         <c:crosses val="autoZero"/>
         <c:auto val="1"/>
         <c:lblAlgn val="ctr"/>
@@ -3000,7 +3044,7 @@
         <c:noMultiLvlLbl val="0"/>
       </c:catAx>
       <c:valAx>
-        <c:axId val="-152930400"/>
+        <c:axId val="156649456"/>
         <c:scaling>
           <c:orientation val="minMax"/>
         </c:scaling>
@@ -3120,7 +3164,7 @@
             <a:endParaRPr lang="ja-JP"/>
           </a:p>
         </c:txPr>
-        <c:crossAx val="-152927136"/>
+        <c:crossAx val="158454352"/>
         <c:crosses val="autoZero"/>
         <c:crossBetween val="between"/>
       </c:valAx>
@@ -6154,7 +6198,7 @@
           <a:p>
             <a:fld id="{1D2B6E0B-CE0C-4226-9022-18809A19516C}" type="datetimeFigureOut">
               <a:rPr kumimoji="1" lang="ja-JP" altLang="en-US" smtClean="0"/>
-              <a:t>2016/2/12</a:t>
+              <a:t>2016/2/13</a:t>
             </a:fld>
             <a:endParaRPr kumimoji="1" lang="ja-JP" altLang="en-US"/>
           </a:p>
@@ -6699,7 +6743,7 @@
           <a:p>
             <a:fld id="{DF09510C-AA94-416D-B6D7-C4F4BCE6ABE3}" type="slidenum">
               <a:rPr kumimoji="1" lang="ja-JP" altLang="en-US" smtClean="0"/>
-              <a:t>11</a:t>
+              <a:t>10</a:t>
             </a:fld>
             <a:endParaRPr kumimoji="1" lang="ja-JP" altLang="en-US"/>
           </a:p>
@@ -6904,7 +6948,7 @@
           <a:p>
             <a:fld id="{DF09510C-AA94-416D-B6D7-C4F4BCE6ABE3}" type="slidenum">
               <a:rPr kumimoji="1" lang="ja-JP" altLang="en-US" smtClean="0"/>
-              <a:t>12</a:t>
+              <a:t>11</a:t>
             </a:fld>
             <a:endParaRPr kumimoji="1" lang="ja-JP" altLang="en-US"/>
           </a:p>
@@ -6967,6 +7011,83 @@
           <a:bodyPr/>
           <a:lstStyle/>
           <a:p>
+            <a:r>
+              <a:rPr kumimoji="1" lang="ja-JP" altLang="en-US" dirty="0" smtClean="0"/>
+              <a:t>まとめ</a:t>
+            </a:r>
+            <a:endParaRPr kumimoji="1" lang="en-US" altLang="ja-JP" dirty="0" smtClean="0"/>
+          </a:p>
+          <a:p>
+            <a:endParaRPr kumimoji="1" lang="en-US" altLang="ja-JP" dirty="0" smtClean="0"/>
+          </a:p>
+          <a:p>
+            <a:r>
+              <a:rPr kumimoji="1" lang="ja-JP" altLang="en-US" dirty="0" smtClean="0"/>
+              <a:t>・オーケストレーション定義エディタでは２つの画面からテンプレートファイルを作成する。</a:t>
+            </a:r>
+            <a:endParaRPr kumimoji="1" lang="en-US" altLang="ja-JP" dirty="0" smtClean="0"/>
+          </a:p>
+          <a:p>
+            <a:r>
+              <a:rPr kumimoji="1" lang="ja-JP" altLang="en-US" dirty="0" smtClean="0"/>
+              <a:t>→構成確認画面ではネットワークに関する記述とシステム構成の確認</a:t>
+            </a:r>
+            <a:endParaRPr kumimoji="1" lang="en-US" altLang="ja-JP" dirty="0" smtClean="0"/>
+          </a:p>
+          <a:p>
+            <a:r>
+              <a:rPr kumimoji="1" lang="ja-JP" altLang="en-US" dirty="0" smtClean="0"/>
+              <a:t>→詳細設定画面ではインスタンスに関する記述</a:t>
+            </a:r>
+            <a:endParaRPr kumimoji="1" lang="en-US" altLang="ja-JP" dirty="0" smtClean="0"/>
+          </a:p>
+          <a:p>
+            <a:endParaRPr kumimoji="1" lang="en-US" altLang="ja-JP" dirty="0" smtClean="0"/>
+          </a:p>
+          <a:p>
+            <a:r>
+              <a:rPr kumimoji="1" lang="ja-JP" altLang="en-US" dirty="0" smtClean="0"/>
+              <a:t>評価実験の結果、オーケストレーション定義エディタは</a:t>
+            </a:r>
+            <a:endParaRPr kumimoji="1" lang="en-US" altLang="ja-JP" dirty="0" smtClean="0"/>
+          </a:p>
+          <a:p>
+            <a:r>
+              <a:rPr kumimoji="1" lang="ja-JP" altLang="en-US" dirty="0" smtClean="0"/>
+              <a:t>・被験者の能力に影響されず短い一定時間でテンプレートファイルを作成可能　　であるといえた</a:t>
+            </a:r>
+            <a:endParaRPr kumimoji="1" lang="en-US" altLang="ja-JP" dirty="0" smtClean="0"/>
+          </a:p>
+          <a:p>
+            <a:r>
+              <a:rPr kumimoji="1" lang="ja-JP" altLang="en-US" dirty="0" smtClean="0"/>
+              <a:t>それは、</a:t>
+            </a:r>
+            <a:endParaRPr kumimoji="1" lang="en-US" altLang="ja-JP" dirty="0" smtClean="0"/>
+          </a:p>
+          <a:p>
+            <a:r>
+              <a:rPr kumimoji="1" lang="ja-JP" altLang="en-US" dirty="0" smtClean="0"/>
+              <a:t>自動入力とプルダウンメニューでの入力方式により入力者は</a:t>
+            </a:r>
+            <a:r>
+              <a:rPr kumimoji="1" lang="en-US" altLang="ja-JP" dirty="0" smtClean="0"/>
+              <a:t>Heat</a:t>
+            </a:r>
+            <a:r>
+              <a:rPr kumimoji="1" lang="ja-JP" altLang="en-US" dirty="0" smtClean="0"/>
+              <a:t>の専門知識を意識すること無くテンプレートファイルを作成可能</a:t>
+            </a:r>
+            <a:endParaRPr kumimoji="1" lang="en-US" altLang="ja-JP" dirty="0" smtClean="0"/>
+          </a:p>
+          <a:p>
+            <a:endParaRPr kumimoji="1" lang="en-US" altLang="ja-JP" dirty="0" smtClean="0"/>
+          </a:p>
+          <a:p>
+            <a:r>
+              <a:rPr kumimoji="1" lang="ja-JP" altLang="en-US" dirty="0" smtClean="0"/>
+              <a:t>であるから。</a:t>
+            </a:r>
             <a:endParaRPr kumimoji="1" lang="en-US" altLang="ja-JP" dirty="0" smtClean="0"/>
           </a:p>
         </p:txBody>
@@ -6988,7 +7109,7 @@
           <a:p>
             <a:fld id="{DF09510C-AA94-416D-B6D7-C4F4BCE6ABE3}" type="slidenum">
               <a:rPr kumimoji="1" lang="ja-JP" altLang="en-US" smtClean="0"/>
-              <a:t>13</a:t>
+              <a:t>12</a:t>
             </a:fld>
             <a:endParaRPr kumimoji="1" lang="ja-JP" altLang="en-US"/>
           </a:p>
@@ -6997,7 +7118,7 @@
     </p:spTree>
     <p:extLst>
       <p:ext uri="{BB962C8B-B14F-4D97-AF65-F5344CB8AC3E}">
-        <p14:creationId xmlns:p14="http://schemas.microsoft.com/office/powerpoint/2010/main" val="3760426189"/>
+        <p14:creationId xmlns:p14="http://schemas.microsoft.com/office/powerpoint/2010/main" val="3142388179"/>
       </p:ext>
     </p:extLst>
   </p:cSld>
@@ -7051,149 +7172,6 @@
           <a:bodyPr/>
           <a:lstStyle/>
           <a:p>
-            <a:r>
-              <a:rPr kumimoji="1" lang="ja-JP" altLang="en-US" dirty="0" smtClean="0"/>
-              <a:t>エラー発生回数について</a:t>
-            </a:r>
-            <a:endParaRPr kumimoji="1" lang="en-US" altLang="ja-JP" dirty="0" smtClean="0"/>
-          </a:p>
-          <a:p>
-            <a:r>
-              <a:rPr kumimoji="1" lang="ja-JP" altLang="en-US" dirty="0" smtClean="0"/>
-              <a:t>・オーケストレーション定義エディタでは，入力する項目を</a:t>
-            </a:r>
-            <a:endParaRPr kumimoji="1" lang="en-US" altLang="ja-JP" dirty="0" smtClean="0"/>
-          </a:p>
-          <a:p>
-            <a:r>
-              <a:rPr kumimoji="1" lang="ja-JP" altLang="en-US" dirty="0" smtClean="0"/>
-              <a:t>①自動で入力する</a:t>
-            </a:r>
-            <a:endParaRPr kumimoji="1" lang="en-US" altLang="ja-JP" dirty="0" smtClean="0"/>
-          </a:p>
-          <a:p>
-            <a:r>
-              <a:rPr kumimoji="1" lang="ja-JP" altLang="en-US" dirty="0" smtClean="0"/>
-              <a:t>②プルダウンメニューで選択肢を提供してから選んでもらう</a:t>
-            </a:r>
-            <a:endParaRPr kumimoji="1" lang="en-US" altLang="ja-JP" dirty="0" smtClean="0"/>
-          </a:p>
-          <a:p>
-            <a:endParaRPr kumimoji="1" lang="en-US" altLang="ja-JP" dirty="0" smtClean="0"/>
-          </a:p>
-          <a:p>
-            <a:r>
-              <a:rPr kumimoji="1" lang="ja-JP" altLang="en-US" dirty="0" smtClean="0"/>
-              <a:t>という方法で入力しているためそもそも記述ミスが発生することがない。</a:t>
-            </a:r>
-            <a:endParaRPr kumimoji="1" lang="en-US" altLang="ja-JP" dirty="0" smtClean="0"/>
-          </a:p>
-          <a:p>
-            <a:endParaRPr kumimoji="1" lang="en-US" altLang="ja-JP" dirty="0" smtClean="0"/>
-          </a:p>
-          <a:p>
-            <a:r>
-              <a:rPr kumimoji="1" lang="ja-JP" altLang="en-US" dirty="0" smtClean="0"/>
-              <a:t>一方従来の手動で</a:t>
-            </a:r>
-            <a:r>
-              <a:rPr kumimoji="1" lang="en-US" altLang="ja-JP" dirty="0" smtClean="0"/>
-              <a:t>Heat</a:t>
-            </a:r>
-            <a:r>
-              <a:rPr kumimoji="1" lang="ja-JP" altLang="en-US" dirty="0" smtClean="0"/>
-              <a:t>テンプレートファイルを作成する方式では、人が手動で入力することもありエラーが頻発。</a:t>
-            </a:r>
-            <a:endParaRPr kumimoji="1" lang="en-US" altLang="ja-JP" dirty="0" smtClean="0"/>
-          </a:p>
-          <a:p>
-            <a:r>
-              <a:rPr kumimoji="1" lang="ja-JP" altLang="en-US" dirty="0" smtClean="0"/>
-              <a:t>実際の評価実験は　１セグメント構成→２セグメント構成→３セグメント構成　の順番で実施された。</a:t>
-            </a:r>
-            <a:endParaRPr kumimoji="1" lang="en-US" altLang="ja-JP" dirty="0" smtClean="0"/>
-          </a:p>
-          <a:p>
-            <a:r>
-              <a:rPr kumimoji="1" lang="ja-JP" altLang="en-US" dirty="0" smtClean="0"/>
-              <a:t>実験開始時には「手動方式ではテンプレートファイル構築に慣れることでエラー発生回数が減少していくのでは？」と予想。</a:t>
-            </a:r>
-            <a:endParaRPr kumimoji="1" lang="en-US" altLang="ja-JP" dirty="0" smtClean="0"/>
-          </a:p>
-          <a:p>
-            <a:r>
-              <a:rPr kumimoji="1" lang="en-US" altLang="ja-JP" dirty="0" smtClean="0"/>
-              <a:t>	</a:t>
-            </a:r>
-            <a:r>
-              <a:rPr kumimoji="1" lang="ja-JP" altLang="en-US" dirty="0" smtClean="0"/>
-              <a:t>→しかし実際にはエラーが減少していくことはなかった</a:t>
-            </a:r>
-            <a:endParaRPr kumimoji="1" lang="en-US" altLang="ja-JP" dirty="0" smtClean="0"/>
-          </a:p>
-          <a:p>
-            <a:r>
-              <a:rPr kumimoji="1" lang="en-US" altLang="ja-JP" dirty="0" smtClean="0"/>
-              <a:t>	</a:t>
-            </a:r>
-            <a:r>
-              <a:rPr kumimoji="1" lang="ja-JP" altLang="en-US" dirty="0" smtClean="0"/>
-              <a:t>→被験者全員が、</a:t>
-            </a:r>
-            <a:r>
-              <a:rPr kumimoji="1" lang="en-US" altLang="ja-JP" dirty="0" smtClean="0"/>
-              <a:t>Heat</a:t>
-            </a:r>
-            <a:r>
-              <a:rPr kumimoji="1" lang="ja-JP" altLang="en-US" dirty="0" smtClean="0"/>
-              <a:t>テンプレートファイルの書式をまだ理解しきれていなかったのでは。</a:t>
-            </a:r>
-            <a:endParaRPr kumimoji="1" lang="en-US" altLang="ja-JP" dirty="0" smtClean="0"/>
-          </a:p>
-          <a:p>
-            <a:r>
-              <a:rPr kumimoji="1" lang="en-US" altLang="ja-JP" dirty="0" smtClean="0"/>
-              <a:t>	</a:t>
-            </a:r>
-            <a:r>
-              <a:rPr kumimoji="1" lang="ja-JP" altLang="en-US" dirty="0" smtClean="0"/>
-              <a:t>→そもそも構築内容が複雑になればなるほどテキスト記述量は増加していくため、記述ミスは常に発生しやすいのではないか。</a:t>
-            </a:r>
-            <a:endParaRPr kumimoji="1" lang="en-US" altLang="ja-JP" dirty="0" smtClean="0"/>
-          </a:p>
-          <a:p>
-            <a:endParaRPr kumimoji="1" lang="en-US" altLang="ja-JP" dirty="0" smtClean="0"/>
-          </a:p>
-          <a:p>
-            <a:r>
-              <a:rPr kumimoji="1" lang="ja-JP" altLang="en-US" dirty="0" smtClean="0"/>
-              <a:t>ということが考えられた。</a:t>
-            </a:r>
-            <a:endParaRPr kumimoji="1" lang="en-US" altLang="ja-JP" dirty="0" smtClean="0"/>
-          </a:p>
-          <a:p>
-            <a:endParaRPr kumimoji="1" lang="en-US" altLang="ja-JP" dirty="0" smtClean="0"/>
-          </a:p>
-          <a:p>
-            <a:r>
-              <a:rPr kumimoji="1" lang="ja-JP" altLang="en-US" dirty="0" smtClean="0"/>
-              <a:t>全く同じ内容の構成を構築してもらったが、手動ではエラーを発生させ、オーケストレーション定義エディタではエラー発生回数ゼロだった。</a:t>
-            </a:r>
-            <a:endParaRPr kumimoji="1" lang="en-US" altLang="ja-JP" dirty="0" smtClean="0"/>
-          </a:p>
-          <a:p>
-            <a:r>
-              <a:rPr kumimoji="1" lang="ja-JP" altLang="en-US" dirty="0" smtClean="0"/>
-              <a:t>つまり、エディタ利用者は</a:t>
-            </a:r>
-            <a:r>
-              <a:rPr kumimoji="1" lang="en-US" altLang="ja-JP" dirty="0" smtClean="0"/>
-              <a:t>Heat</a:t>
-            </a:r>
-            <a:r>
-              <a:rPr kumimoji="1" lang="ja-JP" altLang="en-US" dirty="0" smtClean="0"/>
-              <a:t>テンプレートファイルに関する専門知識を意識すること無く容易かつ正確にテンプレートファイルを作成できる。</a:t>
-            </a:r>
             <a:endParaRPr kumimoji="1" lang="en-US" altLang="ja-JP" dirty="0" smtClean="0"/>
           </a:p>
         </p:txBody>
@@ -7224,7 +7202,7 @@
     </p:spTree>
     <p:extLst>
       <p:ext uri="{BB962C8B-B14F-4D97-AF65-F5344CB8AC3E}">
-        <p14:creationId xmlns:p14="http://schemas.microsoft.com/office/powerpoint/2010/main" val="130170648"/>
+        <p14:creationId xmlns:p14="http://schemas.microsoft.com/office/powerpoint/2010/main" val="3760426189"/>
       </p:ext>
     </p:extLst>
   </p:cSld>
@@ -7280,31 +7258,38 @@
           <a:p>
             <a:r>
               <a:rPr kumimoji="1" lang="ja-JP" altLang="en-US" dirty="0" smtClean="0"/>
-              <a:t>まとめ</a:t>
+              <a:t>エラー発生回数について</a:t>
             </a:r>
             <a:endParaRPr kumimoji="1" lang="en-US" altLang="ja-JP" dirty="0" smtClean="0"/>
           </a:p>
           <a:p>
+            <a:r>
+              <a:rPr kumimoji="1" lang="ja-JP" altLang="en-US" dirty="0" smtClean="0"/>
+              <a:t>・オーケストレーション定義エディタでは，入力する項目を</a:t>
+            </a:r>
             <a:endParaRPr kumimoji="1" lang="en-US" altLang="ja-JP" dirty="0" smtClean="0"/>
           </a:p>
           <a:p>
             <a:r>
               <a:rPr kumimoji="1" lang="ja-JP" altLang="en-US" dirty="0" smtClean="0"/>
-              <a:t>・オーケストレーション定義エディタでは２つの画面からテンプレートファイルを作成する。</a:t>
+              <a:t>①自動で入力する</a:t>
             </a:r>
             <a:endParaRPr kumimoji="1" lang="en-US" altLang="ja-JP" dirty="0" smtClean="0"/>
           </a:p>
           <a:p>
             <a:r>
               <a:rPr kumimoji="1" lang="ja-JP" altLang="en-US" dirty="0" smtClean="0"/>
-              <a:t>→構成確認画面ではネットワークに関する記述とシステム構成の確認</a:t>
+              <a:t>②プルダウンメニューで選択肢を提供してから選んでもらう</a:t>
             </a:r>
             <a:endParaRPr kumimoji="1" lang="en-US" altLang="ja-JP" dirty="0" smtClean="0"/>
           </a:p>
           <a:p>
+            <a:endParaRPr kumimoji="1" lang="en-US" altLang="ja-JP" dirty="0" smtClean="0"/>
+          </a:p>
+          <a:p>
             <a:r>
               <a:rPr kumimoji="1" lang="ja-JP" altLang="en-US" dirty="0" smtClean="0"/>
-              <a:t>→詳細設定画面ではインスタンスに関する記述</a:t>
+              <a:t>という方法で入力しているためそもそも記述ミスが発生することがない。</a:t>
             </a:r>
             <a:endParaRPr kumimoji="1" lang="en-US" altLang="ja-JP" dirty="0" smtClean="0"/>
           </a:p>
@@ -7314,28 +7299,7 @@
           <a:p>
             <a:r>
               <a:rPr kumimoji="1" lang="ja-JP" altLang="en-US" dirty="0" smtClean="0"/>
-              <a:t>評価実験の結果、オーケストレーション定義エディタは</a:t>
-            </a:r>
-            <a:endParaRPr kumimoji="1" lang="en-US" altLang="ja-JP" dirty="0" smtClean="0"/>
-          </a:p>
-          <a:p>
-            <a:r>
-              <a:rPr kumimoji="1" lang="ja-JP" altLang="en-US" dirty="0" smtClean="0"/>
-              <a:t>・被験者の能力に影響されず短い一定時間でテンプレートファイルを作成可能　　であるといえた</a:t>
-            </a:r>
-            <a:endParaRPr kumimoji="1" lang="en-US" altLang="ja-JP" dirty="0" smtClean="0"/>
-          </a:p>
-          <a:p>
-            <a:r>
-              <a:rPr kumimoji="1" lang="ja-JP" altLang="en-US" dirty="0" smtClean="0"/>
-              <a:t>それは、</a:t>
-            </a:r>
-            <a:endParaRPr kumimoji="1" lang="en-US" altLang="ja-JP" dirty="0" smtClean="0"/>
-          </a:p>
-          <a:p>
-            <a:r>
-              <a:rPr kumimoji="1" lang="ja-JP" altLang="en-US" dirty="0" smtClean="0"/>
-              <a:t>自動入力とプルダウンメニューでの入力方式により入力者は</a:t>
+              <a:t>一方従来の手動で</a:t>
             </a:r>
             <a:r>
               <a:rPr kumimoji="1" lang="en-US" altLang="ja-JP" dirty="0" smtClean="0"/>
@@ -7343,17 +7307,97 @@
             </a:r>
             <a:r>
               <a:rPr kumimoji="1" lang="ja-JP" altLang="en-US" dirty="0" smtClean="0"/>
-              <a:t>の専門知識を意識すること無くテンプレートファイルを作成可能</a:t>
+              <a:t>テンプレートファイルを作成する方式では、人が手動で入力することもありエラーが頻発。</a:t>
             </a:r>
             <a:endParaRPr kumimoji="1" lang="en-US" altLang="ja-JP" dirty="0" smtClean="0"/>
           </a:p>
           <a:p>
+            <a:r>
+              <a:rPr kumimoji="1" lang="ja-JP" altLang="en-US" dirty="0" smtClean="0"/>
+              <a:t>実際の評価実験は　１セグメント構成→２セグメント構成→３セグメント構成　の順番で実施された。</a:t>
+            </a:r>
             <a:endParaRPr kumimoji="1" lang="en-US" altLang="ja-JP" dirty="0" smtClean="0"/>
           </a:p>
           <a:p>
             <a:r>
               <a:rPr kumimoji="1" lang="ja-JP" altLang="en-US" dirty="0" smtClean="0"/>
-              <a:t>であるから。</a:t>
+              <a:t>実験開始時には「手動方式ではテンプレートファイル構築に慣れることでエラー発生回数が減少していくのでは？」と予想。</a:t>
+            </a:r>
+            <a:endParaRPr kumimoji="1" lang="en-US" altLang="ja-JP" dirty="0" smtClean="0"/>
+          </a:p>
+          <a:p>
+            <a:r>
+              <a:rPr kumimoji="1" lang="en-US" altLang="ja-JP" dirty="0" smtClean="0"/>
+              <a:t>	</a:t>
+            </a:r>
+            <a:r>
+              <a:rPr kumimoji="1" lang="ja-JP" altLang="en-US" dirty="0" smtClean="0"/>
+              <a:t>→しかし実際にはエラーが減少していくことはなかった</a:t>
+            </a:r>
+            <a:endParaRPr kumimoji="1" lang="en-US" altLang="ja-JP" dirty="0" smtClean="0"/>
+          </a:p>
+          <a:p>
+            <a:r>
+              <a:rPr kumimoji="1" lang="en-US" altLang="ja-JP" dirty="0" smtClean="0"/>
+              <a:t>	</a:t>
+            </a:r>
+            <a:r>
+              <a:rPr kumimoji="1" lang="ja-JP" altLang="en-US" dirty="0" smtClean="0"/>
+              <a:t>→被験者全員が、</a:t>
+            </a:r>
+            <a:r>
+              <a:rPr kumimoji="1" lang="en-US" altLang="ja-JP" dirty="0" smtClean="0"/>
+              <a:t>Heat</a:t>
+            </a:r>
+            <a:r>
+              <a:rPr kumimoji="1" lang="ja-JP" altLang="en-US" dirty="0" smtClean="0"/>
+              <a:t>テンプレートファイルの書式をまだ理解しきれていなかったのでは。</a:t>
+            </a:r>
+            <a:endParaRPr kumimoji="1" lang="en-US" altLang="ja-JP" dirty="0" smtClean="0"/>
+          </a:p>
+          <a:p>
+            <a:r>
+              <a:rPr kumimoji="1" lang="en-US" altLang="ja-JP" dirty="0" smtClean="0"/>
+              <a:t>	</a:t>
+            </a:r>
+            <a:r>
+              <a:rPr kumimoji="1" lang="ja-JP" altLang="en-US" dirty="0" smtClean="0"/>
+              <a:t>→そもそも構築内容が複雑になればなるほどテキスト記述量は増加していくため、記述ミスは常に発生しやすいのではないか。</a:t>
+            </a:r>
+            <a:endParaRPr kumimoji="1" lang="en-US" altLang="ja-JP" dirty="0" smtClean="0"/>
+          </a:p>
+          <a:p>
+            <a:endParaRPr kumimoji="1" lang="en-US" altLang="ja-JP" dirty="0" smtClean="0"/>
+          </a:p>
+          <a:p>
+            <a:r>
+              <a:rPr kumimoji="1" lang="ja-JP" altLang="en-US" dirty="0" smtClean="0"/>
+              <a:t>ということが考えられた。</a:t>
+            </a:r>
+            <a:endParaRPr kumimoji="1" lang="en-US" altLang="ja-JP" dirty="0" smtClean="0"/>
+          </a:p>
+          <a:p>
+            <a:endParaRPr kumimoji="1" lang="en-US" altLang="ja-JP" dirty="0" smtClean="0"/>
+          </a:p>
+          <a:p>
+            <a:r>
+              <a:rPr kumimoji="1" lang="ja-JP" altLang="en-US" dirty="0" smtClean="0"/>
+              <a:t>全く同じ内容の構成を構築してもらったが、手動ではエラーを発生させ、オーケストレーション定義エディタではエラー発生回数ゼロだった。</a:t>
+            </a:r>
+            <a:endParaRPr kumimoji="1" lang="en-US" altLang="ja-JP" dirty="0" smtClean="0"/>
+          </a:p>
+          <a:p>
+            <a:r>
+              <a:rPr kumimoji="1" lang="ja-JP" altLang="en-US" dirty="0" smtClean="0"/>
+              <a:t>つまり、エディタ利用者は</a:t>
+            </a:r>
+            <a:r>
+              <a:rPr kumimoji="1" lang="en-US" altLang="ja-JP" dirty="0" smtClean="0"/>
+              <a:t>Heat</a:t>
+            </a:r>
+            <a:r>
+              <a:rPr kumimoji="1" lang="ja-JP" altLang="en-US" dirty="0" smtClean="0"/>
+              <a:t>テンプレートファイルに関する専門知識を意識すること無く容易かつ正確にテンプレートファイルを作成できる。</a:t>
             </a:r>
             <a:endParaRPr kumimoji="1" lang="en-US" altLang="ja-JP" dirty="0" smtClean="0"/>
           </a:p>
@@ -7385,7 +7429,7 @@
     </p:spTree>
     <p:extLst>
       <p:ext uri="{BB962C8B-B14F-4D97-AF65-F5344CB8AC3E}">
-        <p14:creationId xmlns:p14="http://schemas.microsoft.com/office/powerpoint/2010/main" val="3142388179"/>
+        <p14:creationId xmlns:p14="http://schemas.microsoft.com/office/powerpoint/2010/main" val="130170648"/>
       </p:ext>
     </p:extLst>
   </p:cSld>
@@ -8415,7 +8459,7 @@
           <a:p>
             <a:fld id="{DF09510C-AA94-416D-B6D7-C4F4BCE6ABE3}" type="slidenum">
               <a:rPr kumimoji="1" lang="ja-JP" altLang="en-US" smtClean="0"/>
-              <a:t>9</a:t>
+              <a:t>8</a:t>
             </a:fld>
             <a:endParaRPr kumimoji="1" lang="ja-JP" altLang="en-US"/>
           </a:p>
@@ -8581,7 +8625,7 @@
           <a:p>
             <a:fld id="{DF09510C-AA94-416D-B6D7-C4F4BCE6ABE3}" type="slidenum">
               <a:rPr kumimoji="1" lang="ja-JP" altLang="en-US" smtClean="0"/>
-              <a:t>10</a:t>
+              <a:t>9</a:t>
             </a:fld>
             <a:endParaRPr kumimoji="1" lang="ja-JP" altLang="en-US"/>
           </a:p>
@@ -8729,10 +8773,10 @@
           <a:bodyPr/>
           <a:lstStyle/>
           <a:p>
-            <a:fld id="{A6C6E614-4836-42B6-A98A-93C794B969EB}" type="datetimeFigureOut">
-              <a:rPr kumimoji="1" lang="ja-JP" altLang="en-US" smtClean="0"/>
-              <a:t>2016/2/12</a:t>
-            </a:fld>
+            <a:r>
+              <a:rPr kumimoji="1" lang="en-US" altLang="ja-JP" smtClean="0"/>
+              <a:t>2016/02/15</a:t>
+            </a:r>
             <a:endParaRPr kumimoji="1" lang="ja-JP" altLang="en-US"/>
           </a:p>
         </p:txBody>
@@ -8789,6 +8833,13 @@
   <p:clrMapOvr>
     <a:masterClrMapping/>
   </p:clrMapOvr>
+  <p:timing>
+    <p:tnLst>
+      <p:par>
+        <p:cTn id="1" dur="indefinite" restart="never" nodeType="tmRoot"/>
+      </p:par>
+    </p:tnLst>
+  </p:timing>
 </p:sldLayout>
 </file>
 
@@ -8931,10 +8982,10 @@
           <a:bodyPr/>
           <a:lstStyle/>
           <a:p>
-            <a:fld id="{A6C6E614-4836-42B6-A98A-93C794B969EB}" type="datetimeFigureOut">
-              <a:rPr kumimoji="1" lang="ja-JP" altLang="en-US" smtClean="0"/>
-              <a:t>2016/2/12</a:t>
-            </a:fld>
+            <a:r>
+              <a:rPr kumimoji="1" lang="en-US" altLang="ja-JP" smtClean="0"/>
+              <a:t>2016/02/15</a:t>
+            </a:r>
             <a:endParaRPr kumimoji="1" lang="ja-JP" altLang="en-US"/>
           </a:p>
         </p:txBody>
@@ -9150,10 +9201,10 @@
           <a:bodyPr/>
           <a:lstStyle/>
           <a:p>
-            <a:fld id="{A6C6E614-4836-42B6-A98A-93C794B969EB}" type="datetimeFigureOut">
-              <a:rPr kumimoji="1" lang="ja-JP" altLang="en-US" smtClean="0"/>
-              <a:t>2016/2/12</a:t>
-            </a:fld>
+            <a:r>
+              <a:rPr kumimoji="1" lang="en-US" altLang="ja-JP" smtClean="0"/>
+              <a:t>2016/02/15</a:t>
+            </a:r>
             <a:endParaRPr kumimoji="1" lang="ja-JP" altLang="en-US"/>
           </a:p>
         </p:txBody>
@@ -9532,6 +9583,36 @@
           </a:fontRef>
         </p:style>
       </p:cxnSp>
+      <p:sp>
+        <p:nvSpPr>
+          <p:cNvPr id="10" name="テキスト ボックス 9"/>
+          <p:cNvSpPr txBox="1"/>
+          <p:nvPr userDrawn="1"/>
+        </p:nvSpPr>
+        <p:spPr>
+          <a:xfrm>
+            <a:off x="8823569" y="6596390"/>
+            <a:ext cx="211016" cy="261610"/>
+          </a:xfrm>
+          <a:prstGeom prst="rect">
+            <a:avLst/>
+          </a:prstGeom>
+          <a:noFill/>
+        </p:spPr>
+        <p:txBody>
+          <a:bodyPr wrap="square" rtlCol="0">
+            <a:spAutoFit/>
+          </a:bodyPr>
+          <a:lstStyle/>
+          <a:p>
+            <a:r>
+              <a:rPr kumimoji="1" lang="en-US" altLang="ja-JP" sz="1100" dirty="0" smtClean="0"/>
+              <a:t>1</a:t>
+            </a:r>
+            <a:endParaRPr kumimoji="1" lang="ja-JP" altLang="en-US" sz="1100" dirty="0"/>
+          </a:p>
+        </p:txBody>
+      </p:sp>
     </p:spTree>
     <p:extLst>
       <p:ext uri="{BB962C8B-B14F-4D97-AF65-F5344CB8AC3E}">
@@ -9696,10 +9777,10 @@
           <a:bodyPr/>
           <a:lstStyle/>
           <a:p>
-            <a:fld id="{F5A27BD4-75F9-4C2C-8D66-695067FA1892}" type="datetimeFigureOut">
-              <a:rPr kumimoji="1" lang="ja-JP" altLang="en-US" smtClean="0"/>
-              <a:t>2016/2/12</a:t>
-            </a:fld>
+            <a:r>
+              <a:rPr kumimoji="1" lang="en-US" altLang="ja-JP" smtClean="0"/>
+              <a:t>2016/02/15</a:t>
+            </a:r>
             <a:endParaRPr kumimoji="1" lang="ja-JP" altLang="en-US"/>
           </a:p>
         </p:txBody>
@@ -10046,10 +10127,10 @@
           <a:bodyPr/>
           <a:lstStyle/>
           <a:p>
-            <a:fld id="{F5A27BD4-75F9-4C2C-8D66-695067FA1892}" type="datetimeFigureOut">
-              <a:rPr kumimoji="1" lang="ja-JP" altLang="en-US" smtClean="0"/>
-              <a:t>2016/2/12</a:t>
-            </a:fld>
+            <a:r>
+              <a:rPr kumimoji="1" lang="en-US" altLang="ja-JP" smtClean="0"/>
+              <a:t>2016/02/15</a:t>
+            </a:r>
             <a:endParaRPr kumimoji="1" lang="ja-JP" altLang="en-US"/>
           </a:p>
         </p:txBody>
@@ -10392,10 +10473,10 @@
           <a:bodyPr/>
           <a:lstStyle/>
           <a:p>
-            <a:fld id="{F5A27BD4-75F9-4C2C-8D66-695067FA1892}" type="datetimeFigureOut">
-              <a:rPr kumimoji="1" lang="ja-JP" altLang="en-US" smtClean="0"/>
-              <a:t>2016/2/12</a:t>
-            </a:fld>
+            <a:r>
+              <a:rPr kumimoji="1" lang="en-US" altLang="ja-JP" smtClean="0"/>
+              <a:t>2016/02/15</a:t>
+            </a:r>
             <a:endParaRPr kumimoji="1" lang="ja-JP" altLang="en-US"/>
           </a:p>
         </p:txBody>
@@ -10842,10 +10923,10 @@
           <a:bodyPr/>
           <a:lstStyle/>
           <a:p>
-            <a:fld id="{F5A27BD4-75F9-4C2C-8D66-695067FA1892}" type="datetimeFigureOut">
-              <a:rPr kumimoji="1" lang="ja-JP" altLang="en-US" smtClean="0"/>
-              <a:t>2016/2/12</a:t>
-            </a:fld>
+            <a:r>
+              <a:rPr kumimoji="1" lang="en-US" altLang="ja-JP" smtClean="0"/>
+              <a:t>2016/02/15</a:t>
+            </a:r>
             <a:endParaRPr kumimoji="1" lang="ja-JP" altLang="en-US"/>
           </a:p>
         </p:txBody>
@@ -10967,10 +11048,10 @@
           <a:bodyPr/>
           <a:lstStyle/>
           <a:p>
-            <a:fld id="{F5A27BD4-75F9-4C2C-8D66-695067FA1892}" type="datetimeFigureOut">
-              <a:rPr kumimoji="1" lang="ja-JP" altLang="en-US" smtClean="0"/>
-              <a:t>2016/2/12</a:t>
-            </a:fld>
+            <a:r>
+              <a:rPr kumimoji="1" lang="en-US" altLang="ja-JP" smtClean="0"/>
+              <a:t>2016/02/15</a:t>
+            </a:r>
             <a:endParaRPr kumimoji="1" lang="ja-JP" altLang="en-US"/>
           </a:p>
         </p:txBody>
@@ -11145,10 +11226,10 @@
           <a:bodyPr/>
           <a:lstStyle/>
           <a:p>
-            <a:fld id="{F5A27BD4-75F9-4C2C-8D66-695067FA1892}" type="datetimeFigureOut">
-              <a:rPr kumimoji="1" lang="ja-JP" altLang="en-US" smtClean="0"/>
-              <a:t>2016/2/12</a:t>
-            </a:fld>
+            <a:r>
+              <a:rPr kumimoji="1" lang="en-US" altLang="ja-JP" smtClean="0"/>
+              <a:t>2016/02/15</a:t>
+            </a:r>
             <a:endParaRPr kumimoji="1" lang="ja-JP" altLang="en-US"/>
           </a:p>
         </p:txBody>
@@ -11538,10 +11619,10 @@
             </a:lvl1pPr>
           </a:lstStyle>
           <a:p>
-            <a:fld id="{F5A27BD4-75F9-4C2C-8D66-695067FA1892}" type="datetimeFigureOut">
-              <a:rPr kumimoji="1" lang="ja-JP" altLang="en-US" smtClean="0"/>
-              <a:t>2016/2/12</a:t>
-            </a:fld>
+            <a:r>
+              <a:rPr kumimoji="1" lang="en-US" altLang="ja-JP" smtClean="0"/>
+              <a:t>2016/02/15</a:t>
+            </a:r>
             <a:endParaRPr kumimoji="1" lang="ja-JP" altLang="en-US"/>
           </a:p>
         </p:txBody>
@@ -11768,10 +11849,10 @@
           <a:bodyPr/>
           <a:lstStyle/>
           <a:p>
-            <a:fld id="{A6C6E614-4836-42B6-A98A-93C794B969EB}" type="datetimeFigureOut">
-              <a:rPr kumimoji="1" lang="ja-JP" altLang="en-US" smtClean="0"/>
-              <a:t>2016/2/12</a:t>
-            </a:fld>
+            <a:r>
+              <a:rPr kumimoji="1" lang="en-US" altLang="ja-JP" smtClean="0"/>
+              <a:t>2016/02/15</a:t>
+            </a:r>
             <a:endParaRPr kumimoji="1" lang="ja-JP" altLang="en-US"/>
           </a:p>
         </p:txBody>
@@ -12129,10 +12210,10 @@
           <a:bodyPr/>
           <a:lstStyle/>
           <a:p>
-            <a:fld id="{F5A27BD4-75F9-4C2C-8D66-695067FA1892}" type="datetimeFigureOut">
-              <a:rPr kumimoji="1" lang="ja-JP" altLang="en-US" smtClean="0"/>
-              <a:t>2016/2/12</a:t>
-            </a:fld>
+            <a:r>
+              <a:rPr kumimoji="1" lang="en-US" altLang="ja-JP" smtClean="0"/>
+              <a:t>2016/02/15</a:t>
+            </a:r>
             <a:endParaRPr kumimoji="1" lang="ja-JP" altLang="en-US"/>
           </a:p>
         </p:txBody>
@@ -12331,10 +12412,10 @@
           <a:bodyPr/>
           <a:lstStyle/>
           <a:p>
-            <a:fld id="{F5A27BD4-75F9-4C2C-8D66-695067FA1892}" type="datetimeFigureOut">
-              <a:rPr kumimoji="1" lang="ja-JP" altLang="en-US" smtClean="0"/>
-              <a:t>2016/2/12</a:t>
-            </a:fld>
+            <a:r>
+              <a:rPr kumimoji="1" lang="en-US" altLang="ja-JP" smtClean="0"/>
+              <a:t>2016/02/15</a:t>
+            </a:r>
             <a:endParaRPr kumimoji="1" lang="ja-JP" altLang="en-US"/>
           </a:p>
         </p:txBody>
@@ -12619,10 +12700,10 @@
           <a:bodyPr/>
           <a:lstStyle/>
           <a:p>
-            <a:fld id="{F5A27BD4-75F9-4C2C-8D66-695067FA1892}" type="datetimeFigureOut">
-              <a:rPr kumimoji="1" lang="ja-JP" altLang="en-US" smtClean="0"/>
-              <a:t>2016/2/12</a:t>
-            </a:fld>
+            <a:r>
+              <a:rPr kumimoji="1" lang="en-US" altLang="ja-JP" smtClean="0"/>
+              <a:t>2016/02/15</a:t>
+            </a:r>
             <a:endParaRPr kumimoji="1" lang="ja-JP" altLang="en-US"/>
           </a:p>
         </p:txBody>
@@ -12737,10 +12818,10 @@
           <a:bodyPr/>
           <a:lstStyle/>
           <a:p>
-            <a:fld id="{F5A27BD4-75F9-4C2C-8D66-695067FA1892}" type="datetimeFigureOut">
-              <a:rPr kumimoji="1" lang="ja-JP" altLang="en-US" smtClean="0"/>
-              <a:t>2016/2/12</a:t>
-            </a:fld>
+            <a:r>
+              <a:rPr kumimoji="1" lang="en-US" altLang="ja-JP" smtClean="0"/>
+              <a:t>2016/02/15</a:t>
+            </a:r>
             <a:endParaRPr kumimoji="1" lang="ja-JP" altLang="en-US"/>
           </a:p>
         </p:txBody>
@@ -12990,10 +13071,10 @@
           <a:bodyPr/>
           <a:lstStyle/>
           <a:p>
-            <a:fld id="{A6C6E614-4836-42B6-A98A-93C794B969EB}" type="datetimeFigureOut">
-              <a:rPr kumimoji="1" lang="ja-JP" altLang="en-US" smtClean="0"/>
-              <a:t>2016/2/12</a:t>
-            </a:fld>
+            <a:r>
+              <a:rPr kumimoji="1" lang="en-US" altLang="ja-JP" smtClean="0"/>
+              <a:t>2016/02/15</a:t>
+            </a:r>
             <a:endParaRPr kumimoji="1" lang="ja-JP" altLang="en-US"/>
           </a:p>
         </p:txBody>
@@ -13286,10 +13367,10 @@
           <a:bodyPr/>
           <a:lstStyle/>
           <a:p>
-            <a:fld id="{A6C6E614-4836-42B6-A98A-93C794B969EB}" type="datetimeFigureOut">
-              <a:rPr kumimoji="1" lang="ja-JP" altLang="en-US" smtClean="0"/>
-              <a:t>2016/2/12</a:t>
-            </a:fld>
+            <a:r>
+              <a:rPr kumimoji="1" lang="en-US" altLang="ja-JP" smtClean="0"/>
+              <a:t>2016/02/15</a:t>
+            </a:r>
             <a:endParaRPr kumimoji="1" lang="ja-JP" altLang="en-US"/>
           </a:p>
         </p:txBody>
@@ -13717,10 +13798,10 @@
           <a:bodyPr/>
           <a:lstStyle/>
           <a:p>
-            <a:fld id="{A6C6E614-4836-42B6-A98A-93C794B969EB}" type="datetimeFigureOut">
-              <a:rPr kumimoji="1" lang="ja-JP" altLang="en-US" smtClean="0"/>
-              <a:t>2016/2/12</a:t>
-            </a:fld>
+            <a:r>
+              <a:rPr kumimoji="1" lang="en-US" altLang="ja-JP" smtClean="0"/>
+              <a:t>2016/02/15</a:t>
+            </a:r>
             <a:endParaRPr kumimoji="1" lang="ja-JP" altLang="en-US"/>
           </a:p>
         </p:txBody>
@@ -13835,10 +13916,10 @@
           <a:bodyPr/>
           <a:lstStyle/>
           <a:p>
-            <a:fld id="{A6C6E614-4836-42B6-A98A-93C794B969EB}" type="datetimeFigureOut">
-              <a:rPr kumimoji="1" lang="ja-JP" altLang="en-US" smtClean="0"/>
-              <a:t>2016/2/12</a:t>
-            </a:fld>
+            <a:r>
+              <a:rPr kumimoji="1" lang="en-US" altLang="ja-JP" smtClean="0"/>
+              <a:t>2016/02/15</a:t>
+            </a:r>
             <a:endParaRPr kumimoji="1" lang="ja-JP" altLang="en-US"/>
           </a:p>
         </p:txBody>
@@ -13930,10 +14011,10 @@
           <a:bodyPr/>
           <a:lstStyle/>
           <a:p>
-            <a:fld id="{A6C6E614-4836-42B6-A98A-93C794B969EB}" type="datetimeFigureOut">
-              <a:rPr kumimoji="1" lang="ja-JP" altLang="en-US" smtClean="0"/>
-              <a:t>2016/2/12</a:t>
-            </a:fld>
+            <a:r>
+              <a:rPr kumimoji="1" lang="en-US" altLang="ja-JP" smtClean="0"/>
+              <a:t>2016/02/15</a:t>
+            </a:r>
             <a:endParaRPr kumimoji="1" lang="ja-JP" altLang="en-US"/>
           </a:p>
         </p:txBody>
@@ -14239,10 +14320,10 @@
           <a:bodyPr/>
           <a:lstStyle/>
           <a:p>
-            <a:fld id="{A6C6E614-4836-42B6-A98A-93C794B969EB}" type="datetimeFigureOut">
-              <a:rPr kumimoji="1" lang="ja-JP" altLang="en-US" smtClean="0"/>
-              <a:t>2016/2/12</a:t>
-            </a:fld>
+            <a:r>
+              <a:rPr kumimoji="1" lang="en-US" altLang="ja-JP" smtClean="0"/>
+              <a:t>2016/02/15</a:t>
+            </a:r>
             <a:endParaRPr kumimoji="1" lang="ja-JP" altLang="en-US"/>
           </a:p>
         </p:txBody>
@@ -14499,10 +14580,10 @@
           <a:bodyPr/>
           <a:lstStyle/>
           <a:p>
-            <a:fld id="{A6C6E614-4836-42B6-A98A-93C794B969EB}" type="datetimeFigureOut">
-              <a:rPr kumimoji="1" lang="ja-JP" altLang="en-US" smtClean="0"/>
-              <a:t>2016/2/12</a:t>
-            </a:fld>
+            <a:r>
+              <a:rPr kumimoji="1" lang="en-US" altLang="ja-JP" smtClean="0"/>
+              <a:t>2016/02/15</a:t>
+            </a:r>
             <a:endParaRPr kumimoji="1" lang="ja-JP" altLang="en-US"/>
           </a:p>
         </p:txBody>
@@ -14751,10 +14832,10 @@
             </a:lvl1pPr>
           </a:lstStyle>
           <a:p>
-            <a:fld id="{A6C6E614-4836-42B6-A98A-93C794B969EB}" type="datetimeFigureOut">
-              <a:rPr kumimoji="1" lang="ja-JP" altLang="en-US" smtClean="0"/>
-              <a:t>2016/2/12</a:t>
-            </a:fld>
+            <a:r>
+              <a:rPr kumimoji="1" lang="en-US" altLang="ja-JP" smtClean="0"/>
+              <a:t>2016/02/15</a:t>
+            </a:r>
             <a:endParaRPr kumimoji="1" lang="ja-JP" altLang="en-US"/>
           </a:p>
         </p:txBody>
@@ -14865,6 +14946,7 @@
       </p:par>
     </p:tnLst>
   </p:timing>
+  <p:hf hdr="0" ftr="0" dt="0"/>
   <p:txStyles>
     <p:titleStyle>
       <a:lvl1pPr algn="l" defTabSz="914400" rtl="0" eaLnBrk="1" latinLnBrk="0" hangingPunct="1">
@@ -15343,10 +15425,10 @@
             </a:lvl1pPr>
           </a:lstStyle>
           <a:p>
-            <a:fld id="{A6C6E614-4836-42B6-A98A-93C794B969EB}" type="datetimeFigureOut">
-              <a:rPr kumimoji="1" lang="ja-JP" altLang="en-US" smtClean="0"/>
-              <a:t>2016/2/12</a:t>
-            </a:fld>
+            <a:r>
+              <a:rPr kumimoji="1" lang="en-US" altLang="ja-JP" smtClean="0"/>
+              <a:t>2016/02/15</a:t>
+            </a:r>
             <a:endParaRPr kumimoji="1" lang="ja-JP" altLang="en-US"/>
           </a:p>
         </p:txBody>
@@ -15463,6 +15545,36 @@
           </a:fontRef>
         </p:style>
       </p:cxnSp>
+      <p:sp>
+        <p:nvSpPr>
+          <p:cNvPr id="8" name="テキスト ボックス 7"/>
+          <p:cNvSpPr txBox="1"/>
+          <p:nvPr userDrawn="1"/>
+        </p:nvSpPr>
+        <p:spPr>
+          <a:xfrm>
+            <a:off x="8793037" y="6581001"/>
+            <a:ext cx="984019" cy="276999"/>
+          </a:xfrm>
+          <a:prstGeom prst="rect">
+            <a:avLst/>
+          </a:prstGeom>
+          <a:noFill/>
+        </p:spPr>
+        <p:txBody>
+          <a:bodyPr wrap="square" rtlCol="0">
+            <a:spAutoFit/>
+          </a:bodyPr>
+          <a:lstStyle/>
+          <a:p>
+            <a:fld id="{458DE898-CB0D-4ADC-87FC-CA886A9F2E35}" type="slidenum">
+              <a:rPr kumimoji="1" lang="en-US" altLang="ja-JP" sz="1200" smtClean="0"/>
+              <a:t>‹#›</a:t>
+            </a:fld>
+            <a:endParaRPr kumimoji="1" lang="ja-JP" altLang="en-US" sz="1200" dirty="0"/>
+          </a:p>
+        </p:txBody>
+      </p:sp>
     </p:spTree>
     <p:extLst>
       <p:ext uri="{BB962C8B-B14F-4D97-AF65-F5344CB8AC3E}">
@@ -15492,6 +15604,7 @@
       </p:par>
     </p:tnLst>
   </p:timing>
+  <p:hf hdr="0" ftr="0" dt="0"/>
   <p:txStyles>
     <p:titleStyle>
       <a:lvl1pPr algn="l" defTabSz="914400" rtl="0" eaLnBrk="1" latinLnBrk="0" hangingPunct="1">
@@ -15942,8 +16055,8 @@
         </p:nvSpPr>
         <p:spPr>
           <a:xfrm>
-            <a:off x="1600043" y="5094514"/>
-            <a:ext cx="6184706" cy="923330"/>
+            <a:off x="2652414" y="5094514"/>
+            <a:ext cx="4079963" cy="1200329"/>
           </a:xfrm>
           <a:prstGeom prst="rect">
             <a:avLst/>
@@ -15959,7 +16072,19 @@
             <a:pPr algn="ctr"/>
             <a:r>
               <a:rPr kumimoji="1" lang="ja-JP" altLang="en-US" dirty="0" smtClean="0"/>
-              <a:t>情報学群　コンピュータサイエンス専攻　（分散処理</a:t>
+              <a:t>情報学群　コンピュータサイエンス専攻　</a:t>
+            </a:r>
+            <a:endParaRPr kumimoji="1" lang="en-US" altLang="ja-JP" dirty="0" smtClean="0"/>
+          </a:p>
+          <a:p>
+            <a:pPr algn="ctr"/>
+            <a:r>
+              <a:rPr kumimoji="1" lang="ja-JP" altLang="en-US" dirty="0" smtClean="0"/>
+              <a:t>（</a:t>
+            </a:r>
+            <a:r>
+              <a:rPr kumimoji="1" lang="ja-JP" altLang="en-US" dirty="0" smtClean="0"/>
+              <a:t>分散処理</a:t>
             </a:r>
             <a:r>
               <a:rPr kumimoji="1" lang="en-US" altLang="ja-JP" dirty="0" smtClean="0"/>
@@ -16009,6 +16134,29 @@
               <a:rPr kumimoji="1" lang="ja-JP" altLang="en-US" dirty="0" smtClean="0"/>
               <a:t>日</a:t>
             </a:r>
+            <a:endParaRPr kumimoji="1" lang="ja-JP" altLang="en-US" dirty="0"/>
+          </a:p>
+        </p:txBody>
+      </p:sp>
+      <p:sp>
+        <p:nvSpPr>
+          <p:cNvPr id="3" name="スライド番号プレースホルダー 2"/>
+          <p:cNvSpPr>
+            <a:spLocks noGrp="1"/>
+          </p:cNvSpPr>
+          <p:nvPr>
+            <p:ph type="sldNum" sz="quarter" idx="12"/>
+          </p:nvPr>
+        </p:nvSpPr>
+        <p:spPr/>
+        <p:txBody>
+          <a:bodyPr/>
+          <a:lstStyle/>
+          <a:p>
+            <a:fld id="{2545C336-1DFE-4309-99B0-717416AB1325}" type="slidenum">
+              <a:rPr kumimoji="1" lang="ja-JP" altLang="en-US" smtClean="0"/>
+              <a:t>1</a:t>
+            </a:fld>
             <a:endParaRPr kumimoji="1" lang="ja-JP" altLang="en-US" dirty="0"/>
           </a:p>
         </p:txBody>
@@ -16052,52 +16200,6 @@
       </p:grpSpPr>
       <p:sp>
         <p:nvSpPr>
-          <p:cNvPr id="20" name="正方形/長方形 19"/>
-          <p:cNvSpPr/>
-          <p:nvPr/>
-        </p:nvSpPr>
-        <p:spPr>
-          <a:xfrm>
-            <a:off x="354978" y="2410460"/>
-            <a:ext cx="1921207" cy="3554569"/>
-          </a:xfrm>
-          <a:prstGeom prst="rect">
-            <a:avLst/>
-          </a:prstGeom>
-          <a:solidFill>
-            <a:schemeClr val="accent2">
-              <a:lumMod val="20000"/>
-              <a:lumOff val="80000"/>
-            </a:schemeClr>
-          </a:solidFill>
-        </p:spPr>
-        <p:style>
-          <a:lnRef idx="2">
-            <a:schemeClr val="accent1">
-              <a:shade val="50000"/>
-            </a:schemeClr>
-          </a:lnRef>
-          <a:fillRef idx="1">
-            <a:schemeClr val="accent1"/>
-          </a:fillRef>
-          <a:effectRef idx="0">
-            <a:schemeClr val="accent1"/>
-          </a:effectRef>
-          <a:fontRef idx="minor">
-            <a:schemeClr val="lt1"/>
-          </a:fontRef>
-        </p:style>
-        <p:txBody>
-          <a:bodyPr rtlCol="0" anchor="ctr"/>
-          <a:lstStyle/>
-          <a:p>
-            <a:pPr algn="ctr"/>
-            <a:endParaRPr kumimoji="1" lang="ja-JP" altLang="en-US"/>
-          </a:p>
-        </p:txBody>
-      </p:sp>
-      <p:sp>
-        <p:nvSpPr>
           <p:cNvPr id="2" name="タイトル 1"/>
           <p:cNvSpPr>
             <a:spLocks noGrp="1"/>
@@ -16106,25 +16208,18 @@
             <p:ph type="title"/>
           </p:nvPr>
         </p:nvSpPr>
-        <p:spPr>
-          <a:xfrm>
-            <a:off x="13290" y="140513"/>
-            <a:ext cx="6451904" cy="754154"/>
-          </a:xfrm>
-        </p:spPr>
-        <p:txBody>
-          <a:bodyPr>
-            <a:normAutofit/>
-          </a:bodyPr>
+        <p:spPr/>
+        <p:txBody>
+          <a:bodyPr/>
           <a:lstStyle/>
           <a:p>
             <a:r>
-              <a:rPr lang="ja-JP" altLang="en-US" b="1" dirty="0" smtClean="0"/>
+              <a:rPr kumimoji="1" lang="ja-JP" altLang="en-US" b="1" dirty="0" smtClean="0"/>
               <a:t>評価</a:t>
             </a:r>
             <a:r>
-              <a:rPr lang="en-US" altLang="ja-JP" b="1" dirty="0" smtClean="0"/>
-              <a:t>(1/3)</a:t>
+              <a:rPr kumimoji="1" lang="en-US" altLang="ja-JP" b="1" dirty="0" smtClean="0"/>
+              <a:t>(2/3)</a:t>
             </a:r>
             <a:endParaRPr kumimoji="1" lang="ja-JP" altLang="en-US" b="1" dirty="0"/>
           </a:p>
@@ -16142,587 +16237,84 @@
         </p:nvSpPr>
         <p:spPr>
           <a:xfrm>
-            <a:off x="744722" y="1255216"/>
-            <a:ext cx="7547410" cy="959950"/>
+            <a:off x="13290" y="1255216"/>
+            <a:ext cx="9130710" cy="1015794"/>
           </a:xfrm>
         </p:spPr>
         <p:txBody>
           <a:bodyPr>
-            <a:noAutofit/>
+            <a:normAutofit/>
           </a:bodyPr>
           <a:lstStyle/>
           <a:p>
-            <a:r>
-              <a:rPr kumimoji="1" lang="ja-JP" altLang="en-US" sz="2800" b="1" dirty="0" smtClean="0">
+            <a:pPr algn="ctr"/>
+            <a:r>
+              <a:rPr lang="ja-JP" altLang="en-US" sz="3200" b="1" dirty="0" smtClean="0">
                 <a:solidFill>
                   <a:srgbClr val="00B0F0"/>
                 </a:solidFill>
               </a:rPr>
-              <a:t>被験者の学習時間，</a:t>
-            </a:r>
-            <a:endParaRPr kumimoji="1" lang="en-US" altLang="ja-JP" sz="2800" b="1" dirty="0" smtClean="0">
+              <a:t>学習時間比較</a:t>
+            </a:r>
+            <a:endParaRPr kumimoji="1" lang="ja-JP" altLang="en-US" sz="3200" b="1" dirty="0">
               <a:solidFill>
                 <a:srgbClr val="00B0F0"/>
               </a:solidFill>
             </a:endParaRPr>
           </a:p>
-          <a:p>
-            <a:r>
-              <a:rPr kumimoji="1" lang="ja-JP" altLang="en-US" sz="2800" b="1" dirty="0" smtClean="0">
-                <a:solidFill>
-                  <a:srgbClr val="00B0F0"/>
-                </a:solidFill>
-              </a:rPr>
-              <a:t>テンプレートファイル作成所要時間</a:t>
-            </a:r>
-            <a:r>
-              <a:rPr lang="ja-JP" altLang="en-US" sz="2800" b="1" dirty="0" smtClean="0">
-                <a:solidFill>
-                  <a:srgbClr val="00B0F0"/>
-                </a:solidFill>
-              </a:rPr>
-              <a:t>を記録</a:t>
-            </a:r>
-            <a:endParaRPr kumimoji="1" lang="ja-JP" altLang="en-US" sz="2800" b="1" dirty="0">
-              <a:solidFill>
-                <a:srgbClr val="00B0F0"/>
-              </a:solidFill>
-            </a:endParaRPr>
-          </a:p>
-        </p:txBody>
-      </p:sp>
-      <p:sp>
-        <p:nvSpPr>
-          <p:cNvPr id="4" name="正方形/長方形 3"/>
-          <p:cNvSpPr/>
-          <p:nvPr/>
-        </p:nvSpPr>
-        <p:spPr>
-          <a:xfrm>
-            <a:off x="357230" y="2410460"/>
-            <a:ext cx="8397025" cy="3554569"/>
-          </a:xfrm>
-          <a:prstGeom prst="rect">
-            <a:avLst/>
-          </a:prstGeom>
-          <a:noFill/>
-        </p:spPr>
-        <p:style>
-          <a:lnRef idx="2">
-            <a:schemeClr val="accent1">
-              <a:shade val="50000"/>
-            </a:schemeClr>
-          </a:lnRef>
-          <a:fillRef idx="1">
-            <a:schemeClr val="accent1"/>
-          </a:fillRef>
-          <a:effectRef idx="0">
-            <a:schemeClr val="accent1"/>
-          </a:effectRef>
-          <a:fontRef idx="minor">
-            <a:schemeClr val="lt1"/>
-          </a:fontRef>
-        </p:style>
-        <p:txBody>
-          <a:bodyPr rtlCol="0" anchor="ctr"/>
+        </p:txBody>
+      </p:sp>
+      <p:graphicFrame>
+        <p:nvGraphicFramePr>
+          <p:cNvPr id="4" name="グラフ 3"/>
+          <p:cNvGraphicFramePr>
+            <a:graphicFrameLocks/>
+          </p:cNvGraphicFramePr>
+          <p:nvPr>
+            <p:extLst>
+              <p:ext uri="{D42A27DB-BD31-4B8C-83A1-F6EECF244321}">
+                <p14:modId xmlns:p14="http://schemas.microsoft.com/office/powerpoint/2010/main" val="3622820601"/>
+              </p:ext>
+            </p:extLst>
+          </p:nvPr>
+        </p:nvGraphicFramePr>
+        <p:xfrm>
+          <a:off x="0" y="1763113"/>
+          <a:ext cx="9144000" cy="5083968"/>
+        </p:xfrm>
+        <a:graphic>
+          <a:graphicData uri="http://schemas.openxmlformats.org/drawingml/2006/chart">
+            <c:chart xmlns:c="http://schemas.openxmlformats.org/drawingml/2006/chart" xmlns:r="http://schemas.openxmlformats.org/officeDocument/2006/relationships" r:id="rId3"/>
+          </a:graphicData>
+        </a:graphic>
+      </p:graphicFrame>
+      <p:sp>
+        <p:nvSpPr>
+          <p:cNvPr id="5" name="スライド番号プレースホルダー 4"/>
+          <p:cNvSpPr>
+            <a:spLocks noGrp="1"/>
+          </p:cNvSpPr>
+          <p:nvPr>
+            <p:ph type="sldNum" sz="quarter" idx="12"/>
+          </p:nvPr>
+        </p:nvSpPr>
+        <p:spPr/>
+        <p:txBody>
+          <a:bodyPr/>
           <a:lstStyle/>
           <a:p>
-            <a:pPr algn="ctr"/>
+            <a:fld id="{2545C336-1DFE-4309-99B0-717416AB1325}" type="slidenum">
+              <a:rPr kumimoji="1" lang="ja-JP" altLang="en-US" smtClean="0"/>
+              <a:t>10</a:t>
+            </a:fld>
             <a:endParaRPr kumimoji="1" lang="ja-JP" altLang="en-US"/>
-          </a:p>
-        </p:txBody>
-      </p:sp>
-      <p:cxnSp>
-        <p:nvCxnSpPr>
-          <p:cNvPr id="6" name="直線コネクタ 5"/>
-          <p:cNvCxnSpPr/>
-          <p:nvPr/>
-        </p:nvCxnSpPr>
-        <p:spPr>
-          <a:xfrm>
-            <a:off x="354978" y="3170314"/>
-            <a:ext cx="8399277" cy="0"/>
-          </a:xfrm>
-          <a:prstGeom prst="line">
-            <a:avLst/>
-          </a:prstGeom>
-          <a:ln>
-            <a:solidFill>
-              <a:schemeClr val="tx1"/>
-            </a:solidFill>
-          </a:ln>
-        </p:spPr>
-        <p:style>
-          <a:lnRef idx="1">
-            <a:schemeClr val="accent1"/>
-          </a:lnRef>
-          <a:fillRef idx="0">
-            <a:schemeClr val="accent1"/>
-          </a:fillRef>
-          <a:effectRef idx="0">
-            <a:schemeClr val="accent1"/>
-          </a:effectRef>
-          <a:fontRef idx="minor">
-            <a:schemeClr val="tx1"/>
-          </a:fontRef>
-        </p:style>
-      </p:cxnSp>
-      <p:sp>
-        <p:nvSpPr>
-          <p:cNvPr id="7" name="テキスト ボックス 6"/>
-          <p:cNvSpPr txBox="1"/>
-          <p:nvPr/>
-        </p:nvSpPr>
-        <p:spPr>
-          <a:xfrm>
-            <a:off x="324906" y="2592741"/>
-            <a:ext cx="1481070" cy="461665"/>
-          </a:xfrm>
-          <a:prstGeom prst="rect">
-            <a:avLst/>
-          </a:prstGeom>
-          <a:noFill/>
-        </p:spPr>
-        <p:txBody>
-          <a:bodyPr wrap="square" rtlCol="0">
-            <a:spAutoFit/>
-          </a:bodyPr>
-          <a:lstStyle/>
-          <a:p>
-            <a:r>
-              <a:rPr kumimoji="1" lang="ja-JP" altLang="en-US" sz="2400" b="1" dirty="0" smtClean="0"/>
-              <a:t>実験内容</a:t>
-            </a:r>
-            <a:endParaRPr kumimoji="1" lang="ja-JP" altLang="en-US" sz="2400" b="1" dirty="0"/>
-          </a:p>
-        </p:txBody>
-      </p:sp>
-      <p:cxnSp>
-        <p:nvCxnSpPr>
-          <p:cNvPr id="9" name="直線コネクタ 8"/>
-          <p:cNvCxnSpPr/>
-          <p:nvPr/>
-        </p:nvCxnSpPr>
-        <p:spPr>
-          <a:xfrm>
-            <a:off x="2284617" y="2410460"/>
-            <a:ext cx="0" cy="3554569"/>
-          </a:xfrm>
-          <a:prstGeom prst="line">
-            <a:avLst/>
-          </a:prstGeom>
-          <a:ln>
-            <a:solidFill>
-              <a:schemeClr val="tx1"/>
-            </a:solidFill>
-          </a:ln>
-        </p:spPr>
-        <p:style>
-          <a:lnRef idx="1">
-            <a:schemeClr val="accent1"/>
-          </a:lnRef>
-          <a:fillRef idx="0">
-            <a:schemeClr val="accent1"/>
-          </a:fillRef>
-          <a:effectRef idx="0">
-            <a:schemeClr val="accent1"/>
-          </a:effectRef>
-          <a:fontRef idx="minor">
-            <a:schemeClr val="tx1"/>
-          </a:fontRef>
-        </p:style>
-      </p:cxnSp>
-      <p:sp>
-        <p:nvSpPr>
-          <p:cNvPr id="10" name="テキスト ボックス 9"/>
-          <p:cNvSpPr txBox="1"/>
-          <p:nvPr/>
-        </p:nvSpPr>
-        <p:spPr>
-          <a:xfrm>
-            <a:off x="2276185" y="2473659"/>
-            <a:ext cx="5583580" cy="646331"/>
-          </a:xfrm>
-          <a:prstGeom prst="rect">
-            <a:avLst/>
-          </a:prstGeom>
-          <a:noFill/>
-        </p:spPr>
-        <p:txBody>
-          <a:bodyPr wrap="none" rtlCol="0">
-            <a:spAutoFit/>
-          </a:bodyPr>
-          <a:lstStyle/>
-          <a:p>
-            <a:r>
-              <a:rPr kumimoji="1" lang="ja-JP" altLang="en-US" b="1" dirty="0" smtClean="0"/>
-              <a:t>従来方式とオーケストレーション定義エディタそれぞれで</a:t>
-            </a:r>
-            <a:endParaRPr kumimoji="1" lang="en-US" altLang="ja-JP" b="1" dirty="0" smtClean="0"/>
-          </a:p>
-          <a:p>
-            <a:r>
-              <a:rPr kumimoji="1" lang="ja-JP" altLang="en-US" b="1" dirty="0" smtClean="0"/>
-              <a:t>同じシステム構成を構築</a:t>
-            </a:r>
-            <a:endParaRPr kumimoji="1" lang="ja-JP" altLang="en-US" b="1" dirty="0"/>
-          </a:p>
-        </p:txBody>
-      </p:sp>
-      <p:cxnSp>
-        <p:nvCxnSpPr>
-          <p:cNvPr id="12" name="直線コネクタ 11"/>
-          <p:cNvCxnSpPr/>
-          <p:nvPr/>
-        </p:nvCxnSpPr>
-        <p:spPr>
-          <a:xfrm>
-            <a:off x="354978" y="3736984"/>
-            <a:ext cx="8399277" cy="0"/>
-          </a:xfrm>
-          <a:prstGeom prst="line">
-            <a:avLst/>
-          </a:prstGeom>
-          <a:ln>
-            <a:solidFill>
-              <a:schemeClr val="tx1"/>
-            </a:solidFill>
-          </a:ln>
-        </p:spPr>
-        <p:style>
-          <a:lnRef idx="1">
-            <a:schemeClr val="accent1"/>
-          </a:lnRef>
-          <a:fillRef idx="0">
-            <a:schemeClr val="accent1"/>
-          </a:fillRef>
-          <a:effectRef idx="0">
-            <a:schemeClr val="accent1"/>
-          </a:effectRef>
-          <a:fontRef idx="minor">
-            <a:schemeClr val="tx1"/>
-          </a:fontRef>
-        </p:style>
-      </p:cxnSp>
-      <p:sp>
-        <p:nvSpPr>
-          <p:cNvPr id="13" name="テキスト ボックス 12"/>
-          <p:cNvSpPr txBox="1"/>
-          <p:nvPr/>
-        </p:nvSpPr>
-        <p:spPr>
-          <a:xfrm>
-            <a:off x="354978" y="3220639"/>
-            <a:ext cx="2453426" cy="461665"/>
-          </a:xfrm>
-          <a:prstGeom prst="rect">
-            <a:avLst/>
-          </a:prstGeom>
-          <a:noFill/>
-        </p:spPr>
-        <p:txBody>
-          <a:bodyPr wrap="square" rtlCol="0">
-            <a:spAutoFit/>
-          </a:bodyPr>
-          <a:lstStyle/>
-          <a:p>
-            <a:r>
-              <a:rPr kumimoji="1" lang="ja-JP" altLang="en-US" sz="2400" dirty="0" smtClean="0"/>
-              <a:t>計測項目</a:t>
-            </a:r>
-            <a:endParaRPr kumimoji="1" lang="ja-JP" altLang="en-US" sz="2400" dirty="0"/>
-          </a:p>
-        </p:txBody>
-      </p:sp>
-      <p:sp>
-        <p:nvSpPr>
-          <p:cNvPr id="15" name="テキスト ボックス 14"/>
-          <p:cNvSpPr txBox="1"/>
-          <p:nvPr/>
-        </p:nvSpPr>
-        <p:spPr>
-          <a:xfrm>
-            <a:off x="2284617" y="3237874"/>
-            <a:ext cx="5454791" cy="369332"/>
-          </a:xfrm>
-          <a:prstGeom prst="rect">
-            <a:avLst/>
-          </a:prstGeom>
-          <a:noFill/>
-        </p:spPr>
-        <p:txBody>
-          <a:bodyPr wrap="square" rtlCol="0">
-            <a:spAutoFit/>
-          </a:bodyPr>
-          <a:lstStyle/>
-          <a:p>
-            <a:r>
-              <a:rPr kumimoji="1" lang="ja-JP" altLang="en-US" b="1" dirty="0" smtClean="0"/>
-              <a:t>学習時間，作成所要時間</a:t>
-            </a:r>
-            <a:endParaRPr kumimoji="1" lang="ja-JP" altLang="en-US" b="1" dirty="0"/>
-          </a:p>
-        </p:txBody>
-      </p:sp>
-      <p:cxnSp>
-        <p:nvCxnSpPr>
-          <p:cNvPr id="17" name="直線コネクタ 16"/>
-          <p:cNvCxnSpPr/>
-          <p:nvPr/>
-        </p:nvCxnSpPr>
-        <p:spPr>
-          <a:xfrm>
-            <a:off x="354978" y="4265018"/>
-            <a:ext cx="8399278" cy="0"/>
-          </a:xfrm>
-          <a:prstGeom prst="line">
-            <a:avLst/>
-          </a:prstGeom>
-          <a:ln>
-            <a:solidFill>
-              <a:schemeClr val="tx1"/>
-            </a:solidFill>
-          </a:ln>
-        </p:spPr>
-        <p:style>
-          <a:lnRef idx="1">
-            <a:schemeClr val="accent1"/>
-          </a:lnRef>
-          <a:fillRef idx="0">
-            <a:schemeClr val="accent1"/>
-          </a:fillRef>
-          <a:effectRef idx="0">
-            <a:schemeClr val="accent1"/>
-          </a:effectRef>
-          <a:fontRef idx="minor">
-            <a:schemeClr val="tx1"/>
-          </a:fontRef>
-        </p:style>
-      </p:cxnSp>
-      <p:sp>
-        <p:nvSpPr>
-          <p:cNvPr id="18" name="テキスト ボックス 17"/>
-          <p:cNvSpPr txBox="1"/>
-          <p:nvPr/>
-        </p:nvSpPr>
-        <p:spPr>
-          <a:xfrm>
-            <a:off x="357231" y="3771466"/>
-            <a:ext cx="1738648" cy="461665"/>
-          </a:xfrm>
-          <a:prstGeom prst="rect">
-            <a:avLst/>
-          </a:prstGeom>
-          <a:noFill/>
-        </p:spPr>
-        <p:txBody>
-          <a:bodyPr wrap="square" rtlCol="0">
-            <a:spAutoFit/>
-          </a:bodyPr>
-          <a:lstStyle/>
-          <a:p>
-            <a:r>
-              <a:rPr kumimoji="1" lang="ja-JP" altLang="en-US" sz="2400" dirty="0" smtClean="0"/>
-              <a:t>被験者</a:t>
-            </a:r>
-            <a:endParaRPr kumimoji="1" lang="ja-JP" altLang="en-US" sz="2400" dirty="0"/>
-          </a:p>
-        </p:txBody>
-      </p:sp>
-      <p:sp>
-        <p:nvSpPr>
-          <p:cNvPr id="19" name="テキスト ボックス 18"/>
-          <p:cNvSpPr txBox="1"/>
-          <p:nvPr/>
-        </p:nvSpPr>
-        <p:spPr>
-          <a:xfrm>
-            <a:off x="354978" y="4331387"/>
-            <a:ext cx="1996226" cy="461665"/>
-          </a:xfrm>
-          <a:prstGeom prst="rect">
-            <a:avLst/>
-          </a:prstGeom>
-          <a:noFill/>
-        </p:spPr>
-        <p:txBody>
-          <a:bodyPr wrap="square" rtlCol="0">
-            <a:spAutoFit/>
-          </a:bodyPr>
-          <a:lstStyle/>
-          <a:p>
-            <a:r>
-              <a:rPr kumimoji="1" lang="ja-JP" altLang="en-US" sz="2400" dirty="0" smtClean="0"/>
-              <a:t>システム構成</a:t>
-            </a:r>
-            <a:endParaRPr kumimoji="1" lang="ja-JP" altLang="en-US" sz="2400" dirty="0"/>
-          </a:p>
-        </p:txBody>
-      </p:sp>
-      <p:sp>
-        <p:nvSpPr>
-          <p:cNvPr id="21" name="テキスト ボックス 20"/>
-          <p:cNvSpPr txBox="1"/>
-          <p:nvPr/>
-        </p:nvSpPr>
-        <p:spPr>
-          <a:xfrm>
-            <a:off x="2351203" y="4331385"/>
-            <a:ext cx="5810942" cy="923330"/>
-          </a:xfrm>
-          <a:prstGeom prst="rect">
-            <a:avLst/>
-          </a:prstGeom>
-          <a:noFill/>
-        </p:spPr>
-        <p:txBody>
-          <a:bodyPr wrap="square" rtlCol="0">
-            <a:spAutoFit/>
-          </a:bodyPr>
-          <a:lstStyle/>
-          <a:p>
-            <a:r>
-              <a:rPr kumimoji="1" lang="en-US" altLang="ja-JP" b="1" dirty="0" smtClean="0"/>
-              <a:t>(Ⅰ)1</a:t>
-            </a:r>
-            <a:r>
-              <a:rPr kumimoji="1" lang="ja-JP" altLang="en-US" b="1" dirty="0" smtClean="0"/>
-              <a:t>セグメント構成</a:t>
-            </a:r>
-            <a:r>
-              <a:rPr kumimoji="1" lang="en-US" altLang="ja-JP" b="1" dirty="0" smtClean="0"/>
-              <a:t>(</a:t>
-            </a:r>
-            <a:r>
-              <a:rPr kumimoji="1" lang="ja-JP" altLang="en-US" b="1" dirty="0" smtClean="0"/>
-              <a:t>インスタンス数</a:t>
-            </a:r>
-            <a:r>
-              <a:rPr kumimoji="1" lang="en-US" altLang="ja-JP" b="1" dirty="0" smtClean="0"/>
-              <a:t>5</a:t>
-            </a:r>
-            <a:r>
-              <a:rPr kumimoji="1" lang="ja-JP" altLang="en-US" b="1" dirty="0" smtClean="0"/>
-              <a:t>台</a:t>
-            </a:r>
-            <a:r>
-              <a:rPr kumimoji="1" lang="en-US" altLang="ja-JP" b="1" dirty="0" smtClean="0"/>
-              <a:t>)</a:t>
-            </a:r>
-          </a:p>
-          <a:p>
-            <a:r>
-              <a:rPr lang="en-US" altLang="ja-JP" b="1" dirty="0" smtClean="0"/>
-              <a:t>(Ⅱ)2</a:t>
-            </a:r>
-            <a:r>
-              <a:rPr lang="ja-JP" altLang="en-US" b="1" dirty="0" smtClean="0"/>
-              <a:t>セグメント構成</a:t>
-            </a:r>
-            <a:r>
-              <a:rPr lang="en-US" altLang="ja-JP" b="1" dirty="0" smtClean="0"/>
-              <a:t>(</a:t>
-            </a:r>
-            <a:r>
-              <a:rPr lang="ja-JP" altLang="en-US" b="1" dirty="0" smtClean="0"/>
-              <a:t>インスタンス数</a:t>
-            </a:r>
-            <a:r>
-              <a:rPr lang="en-US" altLang="ja-JP" b="1" dirty="0" smtClean="0"/>
-              <a:t>5</a:t>
-            </a:r>
-            <a:r>
-              <a:rPr lang="ja-JP" altLang="en-US" b="1" dirty="0" smtClean="0"/>
-              <a:t>台</a:t>
-            </a:r>
-            <a:r>
-              <a:rPr lang="en-US" altLang="ja-JP" b="1" dirty="0" smtClean="0"/>
-              <a:t>)</a:t>
-            </a:r>
-          </a:p>
-          <a:p>
-            <a:r>
-              <a:rPr kumimoji="1" lang="en-US" altLang="ja-JP" b="1" dirty="0" smtClean="0"/>
-              <a:t>(Ⅲ)3</a:t>
-            </a:r>
-            <a:r>
-              <a:rPr kumimoji="1" lang="ja-JP" altLang="en-US" b="1" dirty="0" smtClean="0"/>
-              <a:t>セグメント構成</a:t>
-            </a:r>
-            <a:r>
-              <a:rPr kumimoji="1" lang="en-US" altLang="ja-JP" b="1" dirty="0" smtClean="0"/>
-              <a:t>(</a:t>
-            </a:r>
-            <a:r>
-              <a:rPr kumimoji="1" lang="ja-JP" altLang="en-US" b="1" dirty="0" smtClean="0"/>
-              <a:t>インスタンス数</a:t>
-            </a:r>
-            <a:r>
-              <a:rPr kumimoji="1" lang="en-US" altLang="ja-JP" b="1" dirty="0" smtClean="0"/>
-              <a:t>5</a:t>
-            </a:r>
-            <a:r>
-              <a:rPr kumimoji="1" lang="ja-JP" altLang="en-US" b="1" dirty="0" smtClean="0"/>
-              <a:t>台</a:t>
-            </a:r>
-            <a:r>
-              <a:rPr kumimoji="1" lang="en-US" altLang="ja-JP" b="1" dirty="0" smtClean="0"/>
-              <a:t>)</a:t>
-            </a:r>
-            <a:endParaRPr kumimoji="1" lang="ja-JP" altLang="en-US" b="1" dirty="0"/>
-          </a:p>
-        </p:txBody>
-      </p:sp>
-      <p:sp>
-        <p:nvSpPr>
-          <p:cNvPr id="5" name="テキスト ボックス 4"/>
-          <p:cNvSpPr txBox="1"/>
-          <p:nvPr/>
-        </p:nvSpPr>
-        <p:spPr>
-          <a:xfrm>
-            <a:off x="2284616" y="3771466"/>
-            <a:ext cx="6469639" cy="369332"/>
-          </a:xfrm>
-          <a:prstGeom prst="rect">
-            <a:avLst/>
-          </a:prstGeom>
-          <a:noFill/>
-        </p:spPr>
-        <p:txBody>
-          <a:bodyPr wrap="square" rtlCol="0">
-            <a:spAutoFit/>
-          </a:bodyPr>
-          <a:lstStyle/>
-          <a:p>
-            <a:r>
-              <a:rPr kumimoji="1" lang="en-US" altLang="ja-JP" b="1" dirty="0" smtClean="0"/>
-              <a:t>OpenStack</a:t>
-            </a:r>
-            <a:r>
-              <a:rPr kumimoji="1" lang="ja-JP" altLang="en-US" b="1" dirty="0" smtClean="0"/>
-              <a:t>に関する基本的な知識を</a:t>
-            </a:r>
-            <a:r>
-              <a:rPr kumimoji="1" lang="ja-JP" altLang="en-US" b="1" dirty="0" smtClean="0"/>
-              <a:t>有した</a:t>
-            </a:r>
-            <a:r>
-              <a:rPr lang="ja-JP" altLang="en-US" b="1" dirty="0"/>
-              <a:t>学生</a:t>
-            </a:r>
-            <a:r>
-              <a:rPr kumimoji="1" lang="ja-JP" altLang="en-US" b="1" dirty="0" smtClean="0"/>
-              <a:t>５名</a:t>
-            </a:r>
-            <a:endParaRPr kumimoji="1" lang="ja-JP" altLang="en-US" b="1" dirty="0"/>
           </a:p>
         </p:txBody>
       </p:sp>
     </p:spTree>
     <p:extLst>
       <p:ext uri="{BB962C8B-B14F-4D97-AF65-F5344CB8AC3E}">
-        <p14:creationId xmlns:p14="http://schemas.microsoft.com/office/powerpoint/2010/main" val="3352068285"/>
+        <p14:creationId xmlns:p14="http://schemas.microsoft.com/office/powerpoint/2010/main" val="1183621855"/>
       </p:ext>
     </p:extLst>
   </p:cSld>
@@ -16758,34 +16350,63 @@
       </p:grpSpPr>
       <p:sp>
         <p:nvSpPr>
-          <p:cNvPr id="2" name="タイトル 1"/>
-          <p:cNvSpPr>
-            <a:spLocks noGrp="1"/>
+          <p:cNvPr id="4" name="タイトル 1"/>
+          <p:cNvSpPr txBox="1">
+            <a:spLocks/>
           </p:cNvSpPr>
-          <p:nvPr>
-            <p:ph type="title"/>
-          </p:nvPr>
-        </p:nvSpPr>
-        <p:spPr/>
-        <p:txBody>
-          <a:bodyPr/>
-          <a:lstStyle/>
-          <a:p>
-            <a:r>
-              <a:rPr kumimoji="1" lang="ja-JP" altLang="en-US" b="1" dirty="0" smtClean="0"/>
+          <p:nvPr/>
+        </p:nvSpPr>
+        <p:spPr>
+          <a:xfrm>
+            <a:off x="13290" y="140513"/>
+            <a:ext cx="5327748" cy="754154"/>
+          </a:xfrm>
+          <a:prstGeom prst="rect">
+            <a:avLst/>
+          </a:prstGeom>
+        </p:spPr>
+        <p:txBody>
+          <a:bodyPr vert="horz" lIns="91440" tIns="45720" rIns="91440" bIns="45720" rtlCol="0" anchor="b">
+            <a:normAutofit/>
+          </a:bodyPr>
+          <a:lstStyle>
+            <a:lvl1pPr algn="l" defTabSz="914400" rtl="0" eaLnBrk="1" latinLnBrk="0" hangingPunct="1">
+              <a:lnSpc>
+                <a:spcPct val="85000"/>
+              </a:lnSpc>
+              <a:spcBef>
+                <a:spcPct val="0"/>
+              </a:spcBef>
+              <a:buNone/>
+              <a:defRPr kumimoji="1" sz="3200" kern="1200" spc="-50" baseline="0">
+                <a:solidFill>
+                  <a:schemeClr val="tx1">
+                    <a:lumMod val="75000"/>
+                    <a:lumOff val="25000"/>
+                  </a:schemeClr>
+                </a:solidFill>
+                <a:latin typeface="+mj-lt"/>
+                <a:ea typeface="+mj-ea"/>
+                <a:cs typeface="+mj-cs"/>
+              </a:defRPr>
+            </a:lvl1pPr>
+          </a:lstStyle>
+          <a:p>
+            <a:r>
+              <a:rPr lang="ja-JP" altLang="en-US" b="1" smtClean="0"/>
               <a:t>評価</a:t>
             </a:r>
             <a:r>
-              <a:rPr kumimoji="1" lang="en-US" altLang="ja-JP" b="1" dirty="0" smtClean="0"/>
-              <a:t>(2/3)</a:t>
-            </a:r>
-            <a:endParaRPr kumimoji="1" lang="ja-JP" altLang="en-US" b="1" dirty="0"/>
-          </a:p>
-        </p:txBody>
-      </p:sp>
-      <p:sp>
-        <p:nvSpPr>
-          <p:cNvPr id="3" name="コンテンツ プレースホルダー 2"/>
+              <a:rPr lang="en-US" altLang="ja-JP" b="1" smtClean="0"/>
+              <a:t>(3/3)</a:t>
+            </a:r>
+            <a:endParaRPr lang="ja-JP" altLang="en-US" b="1" dirty="0"/>
+          </a:p>
+        </p:txBody>
+      </p:sp>
+      <p:sp>
+        <p:nvSpPr>
+          <p:cNvPr id="5" name="コンテンツ プレースホルダー 2"/>
           <p:cNvSpPr>
             <a:spLocks noGrp="1"/>
           </p:cNvSpPr>
@@ -16795,13 +16416,13 @@
         </p:nvSpPr>
         <p:spPr>
           <a:xfrm>
-            <a:off x="13290" y="1255216"/>
-            <a:ext cx="9130710" cy="1015794"/>
+            <a:off x="13290" y="1147640"/>
+            <a:ext cx="9130710" cy="688845"/>
           </a:xfrm>
         </p:spPr>
         <p:txBody>
           <a:bodyPr>
-            <a:normAutofit/>
+            <a:noAutofit/>
           </a:bodyPr>
           <a:lstStyle/>
           <a:p>
@@ -16812,7 +16433,7 @@
                   <a:srgbClr val="00B0F0"/>
                 </a:solidFill>
               </a:rPr>
-              <a:t>学習時間比較</a:t>
+              <a:t>作成所要時間比較</a:t>
             </a:r>
             <a:endParaRPr kumimoji="1" lang="ja-JP" altLang="en-US" sz="3200" b="1" dirty="0">
               <a:solidFill>
@@ -16824,21 +16445,21 @@
       </p:sp>
       <p:graphicFrame>
         <p:nvGraphicFramePr>
-          <p:cNvPr id="4" name="グラフ 3"/>
+          <p:cNvPr id="6" name="グラフ 5"/>
           <p:cNvGraphicFramePr>
             <a:graphicFrameLocks/>
           </p:cNvGraphicFramePr>
           <p:nvPr>
             <p:extLst>
               <p:ext uri="{D42A27DB-BD31-4B8C-83A1-F6EECF244321}">
-                <p14:modId xmlns:p14="http://schemas.microsoft.com/office/powerpoint/2010/main" val="3622820601"/>
+                <p14:modId xmlns:p14="http://schemas.microsoft.com/office/powerpoint/2010/main" val="1772059142"/>
               </p:ext>
             </p:extLst>
           </p:nvPr>
         </p:nvGraphicFramePr>
         <p:xfrm>
-          <a:off x="0" y="1763113"/>
-          <a:ext cx="9144000" cy="5083968"/>
+          <a:off x="0" y="1653540"/>
+          <a:ext cx="9144000" cy="5198364"/>
         </p:xfrm>
         <a:graphic>
           <a:graphicData uri="http://schemas.openxmlformats.org/drawingml/2006/chart">
@@ -16846,10 +16467,33 @@
           </a:graphicData>
         </a:graphic>
       </p:graphicFrame>
+      <p:sp>
+        <p:nvSpPr>
+          <p:cNvPr id="2" name="スライド番号プレースホルダー 1"/>
+          <p:cNvSpPr>
+            <a:spLocks noGrp="1"/>
+          </p:cNvSpPr>
+          <p:nvPr>
+            <p:ph type="sldNum" sz="quarter" idx="12"/>
+          </p:nvPr>
+        </p:nvSpPr>
+        <p:spPr/>
+        <p:txBody>
+          <a:bodyPr/>
+          <a:lstStyle/>
+          <a:p>
+            <a:fld id="{2545C336-1DFE-4309-99B0-717416AB1325}" type="slidenum">
+              <a:rPr kumimoji="1" lang="ja-JP" altLang="en-US" smtClean="0"/>
+              <a:t>11</a:t>
+            </a:fld>
+            <a:endParaRPr kumimoji="1" lang="ja-JP" altLang="en-US"/>
+          </a:p>
+        </p:txBody>
+      </p:sp>
     </p:spTree>
     <p:extLst>
       <p:ext uri="{BB962C8B-B14F-4D97-AF65-F5344CB8AC3E}">
-        <p14:creationId xmlns:p14="http://schemas.microsoft.com/office/powerpoint/2010/main" val="1183621855"/>
+        <p14:creationId xmlns:p14="http://schemas.microsoft.com/office/powerpoint/2010/main" val="2680035037"/>
       </p:ext>
     </p:extLst>
   </p:cSld>
@@ -16885,500 +16529,6 @@
       </p:grpSpPr>
       <p:sp>
         <p:nvSpPr>
-          <p:cNvPr id="4" name="タイトル 1"/>
-          <p:cNvSpPr txBox="1">
-            <a:spLocks/>
-          </p:cNvSpPr>
-          <p:nvPr/>
-        </p:nvSpPr>
-        <p:spPr>
-          <a:xfrm>
-            <a:off x="13290" y="140513"/>
-            <a:ext cx="5327748" cy="754154"/>
-          </a:xfrm>
-          <a:prstGeom prst="rect">
-            <a:avLst/>
-          </a:prstGeom>
-        </p:spPr>
-        <p:txBody>
-          <a:bodyPr vert="horz" lIns="91440" tIns="45720" rIns="91440" bIns="45720" rtlCol="0" anchor="b">
-            <a:normAutofit/>
-          </a:bodyPr>
-          <a:lstStyle>
-            <a:lvl1pPr algn="l" defTabSz="914400" rtl="0" eaLnBrk="1" latinLnBrk="0" hangingPunct="1">
-              <a:lnSpc>
-                <a:spcPct val="85000"/>
-              </a:lnSpc>
-              <a:spcBef>
-                <a:spcPct val="0"/>
-              </a:spcBef>
-              <a:buNone/>
-              <a:defRPr kumimoji="1" sz="3200" kern="1200" spc="-50" baseline="0">
-                <a:solidFill>
-                  <a:schemeClr val="tx1">
-                    <a:lumMod val="75000"/>
-                    <a:lumOff val="25000"/>
-                  </a:schemeClr>
-                </a:solidFill>
-                <a:latin typeface="+mj-lt"/>
-                <a:ea typeface="+mj-ea"/>
-                <a:cs typeface="+mj-cs"/>
-              </a:defRPr>
-            </a:lvl1pPr>
-          </a:lstStyle>
-          <a:p>
-            <a:r>
-              <a:rPr lang="ja-JP" altLang="en-US" b="1" smtClean="0"/>
-              <a:t>評価</a:t>
-            </a:r>
-            <a:r>
-              <a:rPr lang="en-US" altLang="ja-JP" b="1" smtClean="0"/>
-              <a:t>(3/3)</a:t>
-            </a:r>
-            <a:endParaRPr lang="ja-JP" altLang="en-US" b="1" dirty="0"/>
-          </a:p>
-        </p:txBody>
-      </p:sp>
-      <p:sp>
-        <p:nvSpPr>
-          <p:cNvPr id="5" name="コンテンツ プレースホルダー 2"/>
-          <p:cNvSpPr>
-            <a:spLocks noGrp="1"/>
-          </p:cNvSpPr>
-          <p:nvPr>
-            <p:ph idx="1"/>
-          </p:nvPr>
-        </p:nvSpPr>
-        <p:spPr>
-          <a:xfrm>
-            <a:off x="13290" y="1147640"/>
-            <a:ext cx="9130710" cy="688845"/>
-          </a:xfrm>
-        </p:spPr>
-        <p:txBody>
-          <a:bodyPr>
-            <a:noAutofit/>
-          </a:bodyPr>
-          <a:lstStyle/>
-          <a:p>
-            <a:pPr algn="ctr"/>
-            <a:r>
-              <a:rPr lang="ja-JP" altLang="en-US" sz="3200" b="1" dirty="0" smtClean="0">
-                <a:solidFill>
-                  <a:srgbClr val="00B0F0"/>
-                </a:solidFill>
-              </a:rPr>
-              <a:t>作成所要時間比較</a:t>
-            </a:r>
-            <a:endParaRPr kumimoji="1" lang="ja-JP" altLang="en-US" sz="3200" b="1" dirty="0">
-              <a:solidFill>
-                <a:srgbClr val="00B0F0"/>
-              </a:solidFill>
-            </a:endParaRPr>
-          </a:p>
-        </p:txBody>
-      </p:sp>
-      <p:graphicFrame>
-        <p:nvGraphicFramePr>
-          <p:cNvPr id="6" name="グラフ 5"/>
-          <p:cNvGraphicFramePr>
-            <a:graphicFrameLocks/>
-          </p:cNvGraphicFramePr>
-          <p:nvPr>
-            <p:extLst>
-              <p:ext uri="{D42A27DB-BD31-4B8C-83A1-F6EECF244321}">
-                <p14:modId xmlns:p14="http://schemas.microsoft.com/office/powerpoint/2010/main" val="1772059142"/>
-              </p:ext>
-            </p:extLst>
-          </p:nvPr>
-        </p:nvGraphicFramePr>
-        <p:xfrm>
-          <a:off x="0" y="1653540"/>
-          <a:ext cx="9144000" cy="5198364"/>
-        </p:xfrm>
-        <a:graphic>
-          <a:graphicData uri="http://schemas.openxmlformats.org/drawingml/2006/chart">
-            <c:chart xmlns:c="http://schemas.openxmlformats.org/drawingml/2006/chart" xmlns:r="http://schemas.openxmlformats.org/officeDocument/2006/relationships" r:id="rId3"/>
-          </a:graphicData>
-        </a:graphic>
-      </p:graphicFrame>
-    </p:spTree>
-    <p:extLst>
-      <p:ext uri="{BB962C8B-B14F-4D97-AF65-F5344CB8AC3E}">
-        <p14:creationId xmlns:p14="http://schemas.microsoft.com/office/powerpoint/2010/main" val="2680035037"/>
-      </p:ext>
-    </p:extLst>
-  </p:cSld>
-  <p:clrMapOvr>
-    <a:masterClrMapping/>
-  </p:clrMapOvr>
-  <p:timing>
-    <p:tnLst>
-      <p:par>
-        <p:cTn id="1" dur="indefinite" restart="never" nodeType="tmRoot"/>
-      </p:par>
-    </p:tnLst>
-  </p:timing>
-</p:sld>
-</file>
-
-<file path=ppt/slides/slide13.xml><?xml version="1.0" encoding="utf-8"?>
-<p:sld xmlns:a="http://schemas.openxmlformats.org/drawingml/2006/main" xmlns:r="http://schemas.openxmlformats.org/officeDocument/2006/relationships" xmlns:p="http://schemas.openxmlformats.org/presentationml/2006/main" show="0">
-  <p:cSld>
-    <p:spTree>
-      <p:nvGrpSpPr>
-        <p:cNvPr id="1" name=""/>
-        <p:cNvGrpSpPr/>
-        <p:nvPr/>
-      </p:nvGrpSpPr>
-      <p:grpSpPr>
-        <a:xfrm>
-          <a:off x="0" y="0"/>
-          <a:ext cx="0" cy="0"/>
-          <a:chOff x="0" y="0"/>
-          <a:chExt cx="0" cy="0"/>
-        </a:xfrm>
-      </p:grpSpPr>
-      <p:sp>
-        <p:nvSpPr>
-          <p:cNvPr id="2" name="タイトル 1"/>
-          <p:cNvSpPr>
-            <a:spLocks noGrp="1"/>
-          </p:cNvSpPr>
-          <p:nvPr>
-            <p:ph type="title"/>
-          </p:nvPr>
-        </p:nvSpPr>
-        <p:spPr/>
-        <p:txBody>
-          <a:bodyPr/>
-          <a:lstStyle/>
-          <a:p>
-            <a:r>
-              <a:rPr kumimoji="1" lang="ja-JP" altLang="en-US" b="1" dirty="0" smtClean="0"/>
-              <a:t>評価</a:t>
-            </a:r>
-            <a:r>
-              <a:rPr kumimoji="1" lang="en-US" altLang="ja-JP" b="1" dirty="0" smtClean="0"/>
-              <a:t>(4/3)</a:t>
-            </a:r>
-            <a:endParaRPr kumimoji="1" lang="ja-JP" altLang="en-US" b="1" dirty="0"/>
-          </a:p>
-        </p:txBody>
-      </p:sp>
-      <p:graphicFrame>
-        <p:nvGraphicFramePr>
-          <p:cNvPr id="4" name="グラフ 3"/>
-          <p:cNvGraphicFramePr>
-            <a:graphicFrameLocks/>
-          </p:cNvGraphicFramePr>
-          <p:nvPr>
-            <p:extLst>
-              <p:ext uri="{D42A27DB-BD31-4B8C-83A1-F6EECF244321}">
-                <p14:modId xmlns:p14="http://schemas.microsoft.com/office/powerpoint/2010/main" val="2210292100"/>
-              </p:ext>
-            </p:extLst>
-          </p:nvPr>
-        </p:nvGraphicFramePr>
-        <p:xfrm>
-          <a:off x="273664" y="1538384"/>
-          <a:ext cx="8609961" cy="5165977"/>
-        </p:xfrm>
-        <a:graphic>
-          <a:graphicData uri="http://schemas.openxmlformats.org/drawingml/2006/chart">
-            <c:chart xmlns:c="http://schemas.openxmlformats.org/drawingml/2006/chart" xmlns:r="http://schemas.openxmlformats.org/officeDocument/2006/relationships" r:id="rId3"/>
-          </a:graphicData>
-        </a:graphic>
-      </p:graphicFrame>
-      <p:sp>
-        <p:nvSpPr>
-          <p:cNvPr id="5" name="テキスト ボックス 4"/>
-          <p:cNvSpPr txBox="1"/>
-          <p:nvPr/>
-        </p:nvSpPr>
-        <p:spPr>
-          <a:xfrm>
-            <a:off x="1398880" y="6093439"/>
-            <a:ext cx="2074303" cy="369332"/>
-          </a:xfrm>
-          <a:prstGeom prst="rect">
-            <a:avLst/>
-          </a:prstGeom>
-          <a:noFill/>
-        </p:spPr>
-        <p:txBody>
-          <a:bodyPr wrap="square" rtlCol="0">
-            <a:spAutoFit/>
-          </a:bodyPr>
-          <a:lstStyle/>
-          <a:p>
-            <a:r>
-              <a:rPr kumimoji="1" lang="en-US" altLang="ja-JP" dirty="0" smtClean="0"/>
-              <a:t>(Ⅰ)1</a:t>
-            </a:r>
-            <a:r>
-              <a:rPr kumimoji="1" lang="ja-JP" altLang="en-US" dirty="0" smtClean="0"/>
-              <a:t>セグメント構成</a:t>
-            </a:r>
-            <a:endParaRPr kumimoji="1" lang="ja-JP" altLang="en-US" dirty="0"/>
-          </a:p>
-        </p:txBody>
-      </p:sp>
-      <p:sp>
-        <p:nvSpPr>
-          <p:cNvPr id="7" name="コンテンツ プレースホルダー 2"/>
-          <p:cNvSpPr>
-            <a:spLocks noGrp="1"/>
-          </p:cNvSpPr>
-          <p:nvPr>
-            <p:ph idx="1"/>
-          </p:nvPr>
-        </p:nvSpPr>
-        <p:spPr>
-          <a:xfrm>
-            <a:off x="13290" y="1147640"/>
-            <a:ext cx="9130710" cy="688845"/>
-          </a:xfrm>
-        </p:spPr>
-        <p:txBody>
-          <a:bodyPr>
-            <a:noAutofit/>
-          </a:bodyPr>
-          <a:lstStyle/>
-          <a:p>
-            <a:pPr algn="ctr"/>
-            <a:r>
-              <a:rPr lang="ja-JP" altLang="en-US" sz="3200" b="1" dirty="0" smtClean="0">
-                <a:solidFill>
-                  <a:srgbClr val="00B0F0"/>
-                </a:solidFill>
-              </a:rPr>
-              <a:t>作成所要時間比較</a:t>
-            </a:r>
-            <a:endParaRPr kumimoji="1" lang="ja-JP" altLang="en-US" sz="3200" b="1" dirty="0">
-              <a:solidFill>
-                <a:srgbClr val="00B0F0"/>
-              </a:solidFill>
-            </a:endParaRPr>
-          </a:p>
-        </p:txBody>
-      </p:sp>
-    </p:spTree>
-    <p:extLst>
-      <p:ext uri="{BB962C8B-B14F-4D97-AF65-F5344CB8AC3E}">
-        <p14:creationId xmlns:p14="http://schemas.microsoft.com/office/powerpoint/2010/main" val="500563479"/>
-      </p:ext>
-    </p:extLst>
-  </p:cSld>
-  <p:clrMapOvr>
-    <a:masterClrMapping/>
-  </p:clrMapOvr>
-  <mc:AlternateContent xmlns:mc="http://schemas.openxmlformats.org/markup-compatibility/2006" xmlns:p14="http://schemas.microsoft.com/office/powerpoint/2010/main">
-    <mc:Choice Requires="p14">
-      <p:transition spd="slow" p14:dur="2000"/>
-    </mc:Choice>
-    <mc:Fallback xmlns="">
-      <p:transition spd="slow"/>
-    </mc:Fallback>
-  </mc:AlternateContent>
-  <p:timing>
-    <p:tnLst>
-      <p:par>
-        <p:cTn id="1" dur="indefinite" restart="never" nodeType="tmRoot"/>
-      </p:par>
-    </p:tnLst>
-  </p:timing>
-</p:sld>
-</file>
-
-<file path=ppt/slides/slide14.xml><?xml version="1.0" encoding="utf-8"?>
-<p:sld xmlns:a="http://schemas.openxmlformats.org/drawingml/2006/main" xmlns:r="http://schemas.openxmlformats.org/officeDocument/2006/relationships" xmlns:p="http://schemas.openxmlformats.org/presentationml/2006/main" show="0">
-  <p:cSld>
-    <p:spTree>
-      <p:nvGrpSpPr>
-        <p:cNvPr id="1" name=""/>
-        <p:cNvGrpSpPr/>
-        <p:nvPr/>
-      </p:nvGrpSpPr>
-      <p:grpSpPr>
-        <a:xfrm>
-          <a:off x="0" y="0"/>
-          <a:ext cx="0" cy="0"/>
-          <a:chOff x="0" y="0"/>
-          <a:chExt cx="0" cy="0"/>
-        </a:xfrm>
-      </p:grpSpPr>
-      <p:sp>
-        <p:nvSpPr>
-          <p:cNvPr id="2" name="タイトル 1"/>
-          <p:cNvSpPr>
-            <a:spLocks noGrp="1"/>
-          </p:cNvSpPr>
-          <p:nvPr>
-            <p:ph type="title"/>
-          </p:nvPr>
-        </p:nvSpPr>
-        <p:spPr/>
-        <p:txBody>
-          <a:bodyPr/>
-          <a:lstStyle/>
-          <a:p>
-            <a:r>
-              <a:rPr kumimoji="1" lang="ja-JP" altLang="en-US" b="1" dirty="0" smtClean="0"/>
-              <a:t>評価</a:t>
-            </a:r>
-            <a:r>
-              <a:rPr kumimoji="1" lang="en-US" altLang="ja-JP" b="1" dirty="0" smtClean="0"/>
-              <a:t>(</a:t>
-            </a:r>
-            <a:r>
-              <a:rPr lang="en-US" altLang="ja-JP" b="1" dirty="0"/>
-              <a:t>5</a:t>
-            </a:r>
-            <a:r>
-              <a:rPr kumimoji="1" lang="en-US" altLang="ja-JP" b="1" dirty="0" smtClean="0"/>
-              <a:t>/3)</a:t>
-            </a:r>
-            <a:endParaRPr kumimoji="1" lang="ja-JP" altLang="en-US" b="1" dirty="0"/>
-          </a:p>
-        </p:txBody>
-      </p:sp>
-      <p:graphicFrame>
-        <p:nvGraphicFramePr>
-          <p:cNvPr id="4" name="グラフ 3"/>
-          <p:cNvGraphicFramePr>
-            <a:graphicFrameLocks/>
-          </p:cNvGraphicFramePr>
-          <p:nvPr>
-            <p:extLst>
-              <p:ext uri="{D42A27DB-BD31-4B8C-83A1-F6EECF244321}">
-                <p14:modId xmlns:p14="http://schemas.microsoft.com/office/powerpoint/2010/main" val="3738613619"/>
-              </p:ext>
-            </p:extLst>
-          </p:nvPr>
-        </p:nvGraphicFramePr>
-        <p:xfrm>
-          <a:off x="415819" y="1981361"/>
-          <a:ext cx="8325652" cy="4995392"/>
-        </p:xfrm>
-        <a:graphic>
-          <a:graphicData uri="http://schemas.openxmlformats.org/drawingml/2006/chart">
-            <c:chart xmlns:c="http://schemas.openxmlformats.org/drawingml/2006/chart" xmlns:r="http://schemas.openxmlformats.org/officeDocument/2006/relationships" r:id="rId3"/>
-          </a:graphicData>
-        </a:graphic>
-      </p:graphicFrame>
-      <p:sp>
-        <p:nvSpPr>
-          <p:cNvPr id="5" name="コンテンツ プレースホルダー 2"/>
-          <p:cNvSpPr>
-            <a:spLocks noGrp="1"/>
-          </p:cNvSpPr>
-          <p:nvPr>
-            <p:ph idx="1"/>
-          </p:nvPr>
-        </p:nvSpPr>
-        <p:spPr>
-          <a:xfrm>
-            <a:off x="13290" y="1147640"/>
-            <a:ext cx="9130710" cy="688845"/>
-          </a:xfrm>
-        </p:spPr>
-        <p:txBody>
-          <a:bodyPr>
-            <a:noAutofit/>
-          </a:bodyPr>
-          <a:lstStyle/>
-          <a:p>
-            <a:pPr algn="ctr"/>
-            <a:r>
-              <a:rPr lang="ja-JP" altLang="en-US" sz="2400" b="1" dirty="0">
-                <a:solidFill>
-                  <a:srgbClr val="00B0F0"/>
-                </a:solidFill>
-              </a:rPr>
-              <a:t>従来</a:t>
-            </a:r>
-            <a:r>
-              <a:rPr lang="ja-JP" altLang="en-US" sz="2400" b="1" dirty="0" smtClean="0">
-                <a:solidFill>
-                  <a:srgbClr val="00B0F0"/>
-                </a:solidFill>
-              </a:rPr>
-              <a:t>方式とオーケストレーション定義エディタ</a:t>
-            </a:r>
-            <a:endParaRPr lang="en-US" altLang="ja-JP" sz="2400" b="1" dirty="0" smtClean="0">
-              <a:solidFill>
-                <a:srgbClr val="00B0F0"/>
-              </a:solidFill>
-            </a:endParaRPr>
-          </a:p>
-          <a:p>
-            <a:pPr marL="0" indent="0" algn="ctr">
-              <a:buNone/>
-            </a:pPr>
-            <a:r>
-              <a:rPr lang="ja-JP" altLang="en-US" sz="2400" b="1" dirty="0" smtClean="0">
-                <a:solidFill>
-                  <a:srgbClr val="00B0F0"/>
-                </a:solidFill>
-              </a:rPr>
-              <a:t>それぞれのエラー発生回数比較</a:t>
-            </a:r>
-            <a:endParaRPr kumimoji="1" lang="ja-JP" altLang="en-US" sz="2400" b="1" dirty="0">
-              <a:solidFill>
-                <a:srgbClr val="00B0F0"/>
-              </a:solidFill>
-            </a:endParaRPr>
-          </a:p>
-        </p:txBody>
-      </p:sp>
-    </p:spTree>
-    <p:extLst>
-      <p:ext uri="{BB962C8B-B14F-4D97-AF65-F5344CB8AC3E}">
-        <p14:creationId xmlns:p14="http://schemas.microsoft.com/office/powerpoint/2010/main" val="3032026900"/>
-      </p:ext>
-    </p:extLst>
-  </p:cSld>
-  <p:clrMapOvr>
-    <a:masterClrMapping/>
-  </p:clrMapOvr>
-  <mc:AlternateContent xmlns:mc="http://schemas.openxmlformats.org/markup-compatibility/2006" xmlns:p14="http://schemas.microsoft.com/office/powerpoint/2010/main">
-    <mc:Choice Requires="p14">
-      <p:transition spd="slow" p14:dur="2000"/>
-    </mc:Choice>
-    <mc:Fallback xmlns="">
-      <p:transition spd="slow"/>
-    </mc:Fallback>
-  </mc:AlternateContent>
-  <p:timing>
-    <p:tnLst>
-      <p:par>
-        <p:cTn id="1" dur="indefinite" restart="never" nodeType="tmRoot"/>
-      </p:par>
-    </p:tnLst>
-  </p:timing>
-</p:sld>
-</file>
-
-<file path=ppt/slides/slide15.xml><?xml version="1.0" encoding="utf-8"?>
-<p:sld xmlns:a="http://schemas.openxmlformats.org/drawingml/2006/main" xmlns:r="http://schemas.openxmlformats.org/officeDocument/2006/relationships" xmlns:p="http://schemas.openxmlformats.org/presentationml/2006/main">
-  <p:cSld>
-    <p:spTree>
-      <p:nvGrpSpPr>
-        <p:cNvPr id="1" name=""/>
-        <p:cNvGrpSpPr/>
-        <p:nvPr/>
-      </p:nvGrpSpPr>
-      <p:grpSpPr>
-        <a:xfrm>
-          <a:off x="0" y="0"/>
-          <a:ext cx="0" cy="0"/>
-          <a:chOff x="0" y="0"/>
-          <a:chExt cx="0" cy="0"/>
-        </a:xfrm>
-      </p:grpSpPr>
-      <p:sp>
-        <p:nvSpPr>
           <p:cNvPr id="2" name="タイトル 1"/>
           <p:cNvSpPr>
             <a:spLocks noGrp="1"/>
@@ -17623,6 +16773,29 @@
           </a:p>
         </p:txBody>
       </p:sp>
+      <p:sp>
+        <p:nvSpPr>
+          <p:cNvPr id="6" name="スライド番号プレースホルダー 5"/>
+          <p:cNvSpPr>
+            <a:spLocks noGrp="1"/>
+          </p:cNvSpPr>
+          <p:nvPr>
+            <p:ph type="sldNum" sz="quarter" idx="12"/>
+          </p:nvPr>
+        </p:nvSpPr>
+        <p:spPr/>
+        <p:txBody>
+          <a:bodyPr/>
+          <a:lstStyle/>
+          <a:p>
+            <a:fld id="{2545C336-1DFE-4309-99B0-717416AB1325}" type="slidenum">
+              <a:rPr kumimoji="1" lang="ja-JP" altLang="en-US" smtClean="0"/>
+              <a:t>12</a:t>
+            </a:fld>
+            <a:endParaRPr kumimoji="1" lang="ja-JP" altLang="en-US"/>
+          </a:p>
+        </p:txBody>
+      </p:sp>
     </p:spTree>
     <p:extLst>
       <p:ext uri="{BB962C8B-B14F-4D97-AF65-F5344CB8AC3E}">
@@ -17643,7 +16816,7 @@
 </p:sld>
 </file>
 
-<file path=ppt/slides/slide16.xml><?xml version="1.0" encoding="utf-8"?>
+<file path=ppt/slides/slide13.xml><?xml version="1.0" encoding="utf-8"?>
 <p:sld xmlns:a="http://schemas.openxmlformats.org/drawingml/2006/main" xmlns:r="http://schemas.openxmlformats.org/officeDocument/2006/relationships" xmlns:p="http://schemas.openxmlformats.org/presentationml/2006/main">
   <p:cSld>
     <p:spTree>
@@ -17691,6 +16864,29 @@
           </a:p>
         </p:txBody>
       </p:sp>
+      <p:sp>
+        <p:nvSpPr>
+          <p:cNvPr id="2" name="スライド番号プレースホルダー 1"/>
+          <p:cNvSpPr>
+            <a:spLocks noGrp="1"/>
+          </p:cNvSpPr>
+          <p:nvPr>
+            <p:ph type="sldNum" sz="quarter" idx="12"/>
+          </p:nvPr>
+        </p:nvSpPr>
+        <p:spPr/>
+        <p:txBody>
+          <a:bodyPr/>
+          <a:lstStyle/>
+          <a:p>
+            <a:fld id="{2545C336-1DFE-4309-99B0-717416AB1325}" type="slidenum">
+              <a:rPr kumimoji="1" lang="ja-JP" altLang="en-US" smtClean="0"/>
+              <a:t>13</a:t>
+            </a:fld>
+            <a:endParaRPr kumimoji="1" lang="ja-JP" altLang="en-US"/>
+          </a:p>
+        </p:txBody>
+      </p:sp>
     </p:spTree>
     <p:extLst>
       <p:ext uri="{BB962C8B-B14F-4D97-AF65-F5344CB8AC3E}">
@@ -17701,6 +16897,390 @@
   <p:clrMapOvr>
     <a:masterClrMapping/>
   </p:clrMapOvr>
+  <p:timing>
+    <p:tnLst>
+      <p:par>
+        <p:cTn id="1" dur="indefinite" restart="never" nodeType="tmRoot"/>
+      </p:par>
+    </p:tnLst>
+  </p:timing>
+</p:sld>
+</file>
+
+<file path=ppt/slides/slide14.xml><?xml version="1.0" encoding="utf-8"?>
+<p:sld xmlns:a="http://schemas.openxmlformats.org/drawingml/2006/main" xmlns:r="http://schemas.openxmlformats.org/officeDocument/2006/relationships" xmlns:p="http://schemas.openxmlformats.org/presentationml/2006/main" show="0">
+  <p:cSld>
+    <p:spTree>
+      <p:nvGrpSpPr>
+        <p:cNvPr id="1" name=""/>
+        <p:cNvGrpSpPr/>
+        <p:nvPr/>
+      </p:nvGrpSpPr>
+      <p:grpSpPr>
+        <a:xfrm>
+          <a:off x="0" y="0"/>
+          <a:ext cx="0" cy="0"/>
+          <a:chOff x="0" y="0"/>
+          <a:chExt cx="0" cy="0"/>
+        </a:xfrm>
+      </p:grpSpPr>
+      <p:sp>
+        <p:nvSpPr>
+          <p:cNvPr id="2" name="タイトル 1"/>
+          <p:cNvSpPr>
+            <a:spLocks noGrp="1"/>
+          </p:cNvSpPr>
+          <p:nvPr>
+            <p:ph type="title"/>
+          </p:nvPr>
+        </p:nvSpPr>
+        <p:spPr/>
+        <p:txBody>
+          <a:bodyPr/>
+          <a:lstStyle/>
+          <a:p>
+            <a:r>
+              <a:rPr kumimoji="1" lang="ja-JP" altLang="en-US" b="1" dirty="0" smtClean="0"/>
+              <a:t>評価</a:t>
+            </a:r>
+            <a:r>
+              <a:rPr kumimoji="1" lang="en-US" altLang="ja-JP" b="1" dirty="0" smtClean="0"/>
+              <a:t>(4/3)</a:t>
+            </a:r>
+            <a:endParaRPr kumimoji="1" lang="ja-JP" altLang="en-US" b="1" dirty="0"/>
+          </a:p>
+        </p:txBody>
+      </p:sp>
+      <p:graphicFrame>
+        <p:nvGraphicFramePr>
+          <p:cNvPr id="4" name="グラフ 3"/>
+          <p:cNvGraphicFramePr>
+            <a:graphicFrameLocks/>
+          </p:cNvGraphicFramePr>
+          <p:nvPr>
+            <p:extLst>
+              <p:ext uri="{D42A27DB-BD31-4B8C-83A1-F6EECF244321}">
+                <p14:modId xmlns:p14="http://schemas.microsoft.com/office/powerpoint/2010/main" val="2210292100"/>
+              </p:ext>
+            </p:extLst>
+          </p:nvPr>
+        </p:nvGraphicFramePr>
+        <p:xfrm>
+          <a:off x="273664" y="1538384"/>
+          <a:ext cx="8609961" cy="5165977"/>
+        </p:xfrm>
+        <a:graphic>
+          <a:graphicData uri="http://schemas.openxmlformats.org/drawingml/2006/chart">
+            <c:chart xmlns:c="http://schemas.openxmlformats.org/drawingml/2006/chart" xmlns:r="http://schemas.openxmlformats.org/officeDocument/2006/relationships" r:id="rId3"/>
+          </a:graphicData>
+        </a:graphic>
+      </p:graphicFrame>
+      <p:sp>
+        <p:nvSpPr>
+          <p:cNvPr id="5" name="テキスト ボックス 4"/>
+          <p:cNvSpPr txBox="1"/>
+          <p:nvPr/>
+        </p:nvSpPr>
+        <p:spPr>
+          <a:xfrm>
+            <a:off x="1398880" y="6093439"/>
+            <a:ext cx="2074303" cy="369332"/>
+          </a:xfrm>
+          <a:prstGeom prst="rect">
+            <a:avLst/>
+          </a:prstGeom>
+          <a:noFill/>
+        </p:spPr>
+        <p:txBody>
+          <a:bodyPr wrap="square" rtlCol="0">
+            <a:spAutoFit/>
+          </a:bodyPr>
+          <a:lstStyle/>
+          <a:p>
+            <a:r>
+              <a:rPr kumimoji="1" lang="en-US" altLang="ja-JP" dirty="0" smtClean="0"/>
+              <a:t>(Ⅰ)1</a:t>
+            </a:r>
+            <a:r>
+              <a:rPr kumimoji="1" lang="ja-JP" altLang="en-US" dirty="0" smtClean="0"/>
+              <a:t>セグメント構成</a:t>
+            </a:r>
+            <a:endParaRPr kumimoji="1" lang="ja-JP" altLang="en-US" dirty="0"/>
+          </a:p>
+        </p:txBody>
+      </p:sp>
+      <p:sp>
+        <p:nvSpPr>
+          <p:cNvPr id="7" name="コンテンツ プレースホルダー 2"/>
+          <p:cNvSpPr>
+            <a:spLocks noGrp="1"/>
+          </p:cNvSpPr>
+          <p:nvPr>
+            <p:ph idx="1"/>
+          </p:nvPr>
+        </p:nvSpPr>
+        <p:spPr>
+          <a:xfrm>
+            <a:off x="13290" y="1147640"/>
+            <a:ext cx="9130710" cy="688845"/>
+          </a:xfrm>
+        </p:spPr>
+        <p:txBody>
+          <a:bodyPr>
+            <a:noAutofit/>
+          </a:bodyPr>
+          <a:lstStyle/>
+          <a:p>
+            <a:pPr algn="ctr"/>
+            <a:r>
+              <a:rPr lang="ja-JP" altLang="en-US" sz="3200" b="1" dirty="0" smtClean="0">
+                <a:solidFill>
+                  <a:srgbClr val="00B0F0"/>
+                </a:solidFill>
+              </a:rPr>
+              <a:t>作成所要時間比較</a:t>
+            </a:r>
+            <a:endParaRPr kumimoji="1" lang="ja-JP" altLang="en-US" sz="3200" b="1" dirty="0">
+              <a:solidFill>
+                <a:srgbClr val="00B0F0"/>
+              </a:solidFill>
+            </a:endParaRPr>
+          </a:p>
+        </p:txBody>
+      </p:sp>
+      <p:sp>
+        <p:nvSpPr>
+          <p:cNvPr id="3" name="スライド番号プレースホルダー 2"/>
+          <p:cNvSpPr>
+            <a:spLocks noGrp="1"/>
+          </p:cNvSpPr>
+          <p:nvPr>
+            <p:ph type="sldNum" sz="quarter" idx="12"/>
+          </p:nvPr>
+        </p:nvSpPr>
+        <p:spPr/>
+        <p:txBody>
+          <a:bodyPr/>
+          <a:lstStyle/>
+          <a:p>
+            <a:fld id="{2545C336-1DFE-4309-99B0-717416AB1325}" type="slidenum">
+              <a:rPr kumimoji="1" lang="ja-JP" altLang="en-US" smtClean="0"/>
+              <a:t>14</a:t>
+            </a:fld>
+            <a:endParaRPr kumimoji="1" lang="ja-JP" altLang="en-US"/>
+          </a:p>
+        </p:txBody>
+      </p:sp>
+    </p:spTree>
+    <p:extLst>
+      <p:ext uri="{BB962C8B-B14F-4D97-AF65-F5344CB8AC3E}">
+        <p14:creationId xmlns:p14="http://schemas.microsoft.com/office/powerpoint/2010/main" val="500563479"/>
+      </p:ext>
+    </p:extLst>
+  </p:cSld>
+  <p:clrMapOvr>
+    <a:masterClrMapping/>
+  </p:clrMapOvr>
+  <mc:AlternateContent xmlns:mc="http://schemas.openxmlformats.org/markup-compatibility/2006" xmlns:p14="http://schemas.microsoft.com/office/powerpoint/2010/main">
+    <mc:Choice Requires="p14">
+      <p:transition spd="slow" p14:dur="2000"/>
+    </mc:Choice>
+    <mc:Fallback xmlns="">
+      <p:transition spd="slow"/>
+    </mc:Fallback>
+  </mc:AlternateContent>
+  <p:timing>
+    <p:tnLst>
+      <p:par>
+        <p:cTn id="1" dur="indefinite" restart="never" nodeType="tmRoot"/>
+      </p:par>
+    </p:tnLst>
+  </p:timing>
+</p:sld>
+</file>
+
+<file path=ppt/slides/slide15.xml><?xml version="1.0" encoding="utf-8"?>
+<p:sld xmlns:a="http://schemas.openxmlformats.org/drawingml/2006/main" xmlns:r="http://schemas.openxmlformats.org/officeDocument/2006/relationships" xmlns:p="http://schemas.openxmlformats.org/presentationml/2006/main" show="0">
+  <p:cSld>
+    <p:spTree>
+      <p:nvGrpSpPr>
+        <p:cNvPr id="1" name=""/>
+        <p:cNvGrpSpPr/>
+        <p:nvPr/>
+      </p:nvGrpSpPr>
+      <p:grpSpPr>
+        <a:xfrm>
+          <a:off x="0" y="0"/>
+          <a:ext cx="0" cy="0"/>
+          <a:chOff x="0" y="0"/>
+          <a:chExt cx="0" cy="0"/>
+        </a:xfrm>
+      </p:grpSpPr>
+      <p:sp>
+        <p:nvSpPr>
+          <p:cNvPr id="2" name="タイトル 1"/>
+          <p:cNvSpPr>
+            <a:spLocks noGrp="1"/>
+          </p:cNvSpPr>
+          <p:nvPr>
+            <p:ph type="title"/>
+          </p:nvPr>
+        </p:nvSpPr>
+        <p:spPr/>
+        <p:txBody>
+          <a:bodyPr/>
+          <a:lstStyle/>
+          <a:p>
+            <a:r>
+              <a:rPr kumimoji="1" lang="ja-JP" altLang="en-US" b="1" dirty="0" smtClean="0"/>
+              <a:t>評価</a:t>
+            </a:r>
+            <a:r>
+              <a:rPr kumimoji="1" lang="en-US" altLang="ja-JP" b="1" dirty="0" smtClean="0"/>
+              <a:t>(</a:t>
+            </a:r>
+            <a:r>
+              <a:rPr lang="en-US" altLang="ja-JP" b="1" dirty="0"/>
+              <a:t>5</a:t>
+            </a:r>
+            <a:r>
+              <a:rPr kumimoji="1" lang="en-US" altLang="ja-JP" b="1" dirty="0" smtClean="0"/>
+              <a:t>/3)</a:t>
+            </a:r>
+            <a:endParaRPr kumimoji="1" lang="ja-JP" altLang="en-US" b="1" dirty="0"/>
+          </a:p>
+        </p:txBody>
+      </p:sp>
+      <p:graphicFrame>
+        <p:nvGraphicFramePr>
+          <p:cNvPr id="4" name="グラフ 3"/>
+          <p:cNvGraphicFramePr>
+            <a:graphicFrameLocks/>
+          </p:cNvGraphicFramePr>
+          <p:nvPr>
+            <p:extLst>
+              <p:ext uri="{D42A27DB-BD31-4B8C-83A1-F6EECF244321}">
+                <p14:modId xmlns:p14="http://schemas.microsoft.com/office/powerpoint/2010/main" val="3738613619"/>
+              </p:ext>
+            </p:extLst>
+          </p:nvPr>
+        </p:nvGraphicFramePr>
+        <p:xfrm>
+          <a:off x="415819" y="1981361"/>
+          <a:ext cx="8325652" cy="4995392"/>
+        </p:xfrm>
+        <a:graphic>
+          <a:graphicData uri="http://schemas.openxmlformats.org/drawingml/2006/chart">
+            <c:chart xmlns:c="http://schemas.openxmlformats.org/drawingml/2006/chart" xmlns:r="http://schemas.openxmlformats.org/officeDocument/2006/relationships" r:id="rId3"/>
+          </a:graphicData>
+        </a:graphic>
+      </p:graphicFrame>
+      <p:sp>
+        <p:nvSpPr>
+          <p:cNvPr id="5" name="コンテンツ プレースホルダー 2"/>
+          <p:cNvSpPr>
+            <a:spLocks noGrp="1"/>
+          </p:cNvSpPr>
+          <p:nvPr>
+            <p:ph idx="1"/>
+          </p:nvPr>
+        </p:nvSpPr>
+        <p:spPr>
+          <a:xfrm>
+            <a:off x="13290" y="1147640"/>
+            <a:ext cx="9130710" cy="688845"/>
+          </a:xfrm>
+        </p:spPr>
+        <p:txBody>
+          <a:bodyPr>
+            <a:noAutofit/>
+          </a:bodyPr>
+          <a:lstStyle/>
+          <a:p>
+            <a:pPr algn="ctr"/>
+            <a:r>
+              <a:rPr lang="ja-JP" altLang="en-US" sz="2400" b="1" dirty="0">
+                <a:solidFill>
+                  <a:srgbClr val="00B0F0"/>
+                </a:solidFill>
+              </a:rPr>
+              <a:t>従来</a:t>
+            </a:r>
+            <a:r>
+              <a:rPr lang="ja-JP" altLang="en-US" sz="2400" b="1" dirty="0" smtClean="0">
+                <a:solidFill>
+                  <a:srgbClr val="00B0F0"/>
+                </a:solidFill>
+              </a:rPr>
+              <a:t>方式とオーケストレーション定義エディタ</a:t>
+            </a:r>
+            <a:endParaRPr lang="en-US" altLang="ja-JP" sz="2400" b="1" dirty="0" smtClean="0">
+              <a:solidFill>
+                <a:srgbClr val="00B0F0"/>
+              </a:solidFill>
+            </a:endParaRPr>
+          </a:p>
+          <a:p>
+            <a:pPr marL="0" indent="0" algn="ctr">
+              <a:buNone/>
+            </a:pPr>
+            <a:r>
+              <a:rPr lang="ja-JP" altLang="en-US" sz="2400" b="1" dirty="0" smtClean="0">
+                <a:solidFill>
+                  <a:srgbClr val="00B0F0"/>
+                </a:solidFill>
+              </a:rPr>
+              <a:t>それぞれのエラー発生回数比較</a:t>
+            </a:r>
+            <a:endParaRPr kumimoji="1" lang="ja-JP" altLang="en-US" sz="2400" b="1" dirty="0">
+              <a:solidFill>
+                <a:srgbClr val="00B0F0"/>
+              </a:solidFill>
+            </a:endParaRPr>
+          </a:p>
+        </p:txBody>
+      </p:sp>
+      <p:sp>
+        <p:nvSpPr>
+          <p:cNvPr id="3" name="スライド番号プレースホルダー 2"/>
+          <p:cNvSpPr>
+            <a:spLocks noGrp="1"/>
+          </p:cNvSpPr>
+          <p:nvPr>
+            <p:ph type="sldNum" sz="quarter" idx="12"/>
+          </p:nvPr>
+        </p:nvSpPr>
+        <p:spPr/>
+        <p:txBody>
+          <a:bodyPr/>
+          <a:lstStyle/>
+          <a:p>
+            <a:fld id="{2545C336-1DFE-4309-99B0-717416AB1325}" type="slidenum">
+              <a:rPr kumimoji="1" lang="ja-JP" altLang="en-US" smtClean="0"/>
+              <a:t>15</a:t>
+            </a:fld>
+            <a:endParaRPr kumimoji="1" lang="ja-JP" altLang="en-US"/>
+          </a:p>
+        </p:txBody>
+      </p:sp>
+    </p:spTree>
+    <p:extLst>
+      <p:ext uri="{BB962C8B-B14F-4D97-AF65-F5344CB8AC3E}">
+        <p14:creationId xmlns:p14="http://schemas.microsoft.com/office/powerpoint/2010/main" val="3032026900"/>
+      </p:ext>
+    </p:extLst>
+  </p:cSld>
+  <p:clrMapOvr>
+    <a:masterClrMapping/>
+  </p:clrMapOvr>
+  <mc:AlternateContent xmlns:mc="http://schemas.openxmlformats.org/markup-compatibility/2006" xmlns:p14="http://schemas.microsoft.com/office/powerpoint/2010/main">
+    <mc:Choice Requires="p14">
+      <p:transition spd="slow" p14:dur="2000"/>
+    </mc:Choice>
+    <mc:Fallback xmlns="">
+      <p:transition spd="slow"/>
+    </mc:Fallback>
+  </mc:AlternateContent>
   <p:timing>
     <p:tnLst>
       <p:par>
@@ -17894,7 +17474,15 @@
             </a:r>
             <a:r>
               <a:rPr kumimoji="1" lang="ja-JP" altLang="en-US" sz="2400" dirty="0" smtClean="0"/>
-              <a:t>インフラをインターネット経由で提供するサービス</a:t>
+              <a:t>インフラ</a:t>
+            </a:r>
+            <a:r>
+              <a:rPr kumimoji="1" lang="ja-JP" altLang="en-US" sz="2400" smtClean="0"/>
+              <a:t>をネット経由</a:t>
+            </a:r>
+            <a:r>
+              <a:rPr kumimoji="1" lang="ja-JP" altLang="en-US" sz="2400" dirty="0" smtClean="0"/>
+              <a:t>で提供するサービス</a:t>
             </a:r>
             <a:endParaRPr kumimoji="1" lang="ja-JP" altLang="en-US" sz="2400" dirty="0"/>
           </a:p>
@@ -18025,6 +17613,29 @@
               <a:t>複数セグメントを持つシステム構成には時間がかかる</a:t>
             </a:r>
             <a:endParaRPr kumimoji="1" lang="ja-JP" altLang="en-US" sz="2400" b="1" dirty="0"/>
+          </a:p>
+        </p:txBody>
+      </p:sp>
+      <p:sp>
+        <p:nvSpPr>
+          <p:cNvPr id="6" name="スライド番号プレースホルダー 5"/>
+          <p:cNvSpPr>
+            <a:spLocks noGrp="1"/>
+          </p:cNvSpPr>
+          <p:nvPr>
+            <p:ph type="sldNum" sz="quarter" idx="12"/>
+          </p:nvPr>
+        </p:nvSpPr>
+        <p:spPr/>
+        <p:txBody>
+          <a:bodyPr/>
+          <a:lstStyle/>
+          <a:p>
+            <a:fld id="{2545C336-1DFE-4309-99B0-717416AB1325}" type="slidenum">
+              <a:rPr kumimoji="1" lang="ja-JP" altLang="en-US" smtClean="0"/>
+              <a:t>2</a:t>
+            </a:fld>
+            <a:endParaRPr kumimoji="1" lang="ja-JP" altLang="en-US"/>
           </a:p>
         </p:txBody>
       </p:sp>
@@ -18336,11 +17947,7 @@
             </a:r>
             <a:r>
               <a:rPr kumimoji="1" lang="ja-JP" altLang="en-US" sz="2400" dirty="0" smtClean="0"/>
-              <a:t>や仮想ネットワーク，仮想ルーター</a:t>
-            </a:r>
-            <a:r>
-              <a:rPr kumimoji="1" lang="ja-JP" altLang="en-US" sz="2400" dirty="0" smtClean="0"/>
-              <a:t>を定義してシステムを構築</a:t>
+              <a:t>や仮想ネットワーク，仮想ルーターを定義してシステムを構築</a:t>
             </a:r>
             <a:endParaRPr kumimoji="1" lang="en-US" altLang="ja-JP" sz="2400" dirty="0" smtClean="0"/>
           </a:p>
@@ -18374,15 +17981,23 @@
             </a:r>
             <a:r>
               <a:rPr kumimoji="1" lang="ja-JP" altLang="en-US" sz="2400" dirty="0" smtClean="0"/>
-              <a:t>はそれら</a:t>
-            </a:r>
-            <a:r>
-              <a:rPr kumimoji="1" lang="ja-JP" altLang="en-US" sz="2400" dirty="0" smtClean="0"/>
-              <a:t>の</a:t>
+              <a:t>はそれらの</a:t>
             </a:r>
             <a:r>
               <a:rPr lang="ja-JP" altLang="en-US" sz="2400" dirty="0" smtClean="0"/>
-              <a:t>コンポーネントを制御，一括で定義し構築する</a:t>
+              <a:t>コンポーネント</a:t>
+            </a:r>
+            <a:r>
+              <a:rPr lang="ja-JP" altLang="en-US" sz="2400" dirty="0"/>
+              <a:t>群</a:t>
+            </a:r>
+            <a:r>
+              <a:rPr lang="ja-JP" altLang="en-US" sz="2400" dirty="0" smtClean="0"/>
+              <a:t>を</a:t>
+            </a:r>
+            <a:r>
+              <a:rPr lang="ja-JP" altLang="en-US" sz="2400" dirty="0" smtClean="0"/>
+              <a:t>制御，一括で定義し構築する</a:t>
             </a:r>
             <a:endParaRPr kumimoji="1" lang="en-US" altLang="ja-JP" sz="2400" dirty="0" smtClean="0"/>
           </a:p>
@@ -18472,6 +18087,29 @@
                 </a:schemeClr>
               </a:solidFill>
             </a:endParaRPr>
+          </a:p>
+        </p:txBody>
+      </p:sp>
+      <p:sp>
+        <p:nvSpPr>
+          <p:cNvPr id="5" name="スライド番号プレースホルダー 4"/>
+          <p:cNvSpPr>
+            <a:spLocks noGrp="1"/>
+          </p:cNvSpPr>
+          <p:nvPr>
+            <p:ph type="sldNum" sz="quarter" idx="12"/>
+          </p:nvPr>
+        </p:nvSpPr>
+        <p:spPr/>
+        <p:txBody>
+          <a:bodyPr/>
+          <a:lstStyle/>
+          <a:p>
+            <a:fld id="{2545C336-1DFE-4309-99B0-717416AB1325}" type="slidenum">
+              <a:rPr kumimoji="1" lang="ja-JP" altLang="en-US" smtClean="0"/>
+              <a:t>3</a:t>
+            </a:fld>
+            <a:endParaRPr kumimoji="1" lang="ja-JP" altLang="en-US"/>
           </a:p>
         </p:txBody>
       </p:sp>
@@ -18666,7 +18304,7 @@
         </p:nvSpPr>
         <p:spPr>
           <a:xfrm>
-            <a:off x="744722" y="1255216"/>
+            <a:off x="263349" y="1077222"/>
             <a:ext cx="7547410" cy="438429"/>
           </a:xfrm>
         </p:spPr>
@@ -18706,8 +18344,8 @@
         </p:nvSpPr>
         <p:spPr>
           <a:xfrm>
-            <a:off x="895149" y="1737845"/>
-            <a:ext cx="7547410" cy="707886"/>
+            <a:off x="330468" y="1535282"/>
+            <a:ext cx="7547410" cy="830997"/>
           </a:xfrm>
           <a:prstGeom prst="rect">
             <a:avLst/>
@@ -18725,10 +18363,10 @@
               <a:buChar char="u"/>
             </a:pPr>
             <a:r>
-              <a:rPr kumimoji="1" lang="ja-JP" altLang="en-US" sz="2000" dirty="0" smtClean="0"/>
+              <a:rPr kumimoji="1" lang="ja-JP" altLang="en-US" sz="2400" dirty="0" smtClean="0"/>
               <a:t>仮想環境構築をオーケストレーション（自動化）</a:t>
             </a:r>
-            <a:endParaRPr kumimoji="1" lang="en-US" altLang="ja-JP" sz="2000" dirty="0" smtClean="0"/>
+            <a:endParaRPr kumimoji="1" lang="en-US" altLang="ja-JP" sz="2400" dirty="0" smtClean="0"/>
           </a:p>
           <a:p>
             <a:pPr marL="285750" indent="-285750">
@@ -18736,10 +18374,10 @@
               <a:buChar char="u"/>
             </a:pPr>
             <a:r>
-              <a:rPr kumimoji="1" lang="ja-JP" altLang="en-US" sz="2000" dirty="0" smtClean="0"/>
+              <a:rPr kumimoji="1" lang="ja-JP" altLang="en-US" sz="2400" dirty="0" smtClean="0"/>
               <a:t>テンプレートファイルに構築内容を記述</a:t>
             </a:r>
-            <a:endParaRPr kumimoji="1" lang="ja-JP" altLang="en-US" sz="2000" dirty="0"/>
+            <a:endParaRPr kumimoji="1" lang="ja-JP" altLang="en-US" sz="2400" dirty="0"/>
           </a:p>
         </p:txBody>
       </p:sp>
@@ -18751,7 +18389,7 @@
         </p:nvSpPr>
         <p:spPr>
           <a:xfrm>
-            <a:off x="744722" y="2601000"/>
+            <a:off x="263349" y="2431282"/>
             <a:ext cx="7347857" cy="461665"/>
           </a:xfrm>
           <a:prstGeom prst="rect">
@@ -18781,8 +18419,8 @@
         </p:nvSpPr>
         <p:spPr>
           <a:xfrm>
-            <a:off x="878961" y="3185388"/>
-            <a:ext cx="7413171" cy="1015663"/>
+            <a:off x="330468" y="2957950"/>
+            <a:ext cx="7413171" cy="1200329"/>
           </a:xfrm>
           <a:prstGeom prst="rect">
             <a:avLst/>
@@ -18800,10 +18438,10 @@
               <a:buChar char="u"/>
             </a:pPr>
             <a:r>
-              <a:rPr kumimoji="1" lang="ja-JP" altLang="en-US" sz="2000" dirty="0" smtClean="0"/>
+              <a:rPr kumimoji="1" lang="ja-JP" altLang="en-US" sz="2400" dirty="0" smtClean="0"/>
               <a:t>テキスト記述量が膨大</a:t>
             </a:r>
-            <a:endParaRPr kumimoji="1" lang="en-US" altLang="ja-JP" sz="2000" dirty="0" smtClean="0"/>
+            <a:endParaRPr kumimoji="1" lang="en-US" altLang="ja-JP" sz="2400" dirty="0" smtClean="0"/>
           </a:p>
           <a:p>
             <a:pPr marL="285750" indent="-285750">
@@ -18811,14 +18449,14 @@
               <a:buChar char="u"/>
             </a:pPr>
             <a:r>
-              <a:rPr lang="ja-JP" altLang="en-US" sz="2000" dirty="0"/>
+              <a:rPr lang="ja-JP" altLang="en-US" sz="2400" dirty="0"/>
               <a:t>構成</a:t>
             </a:r>
             <a:r>
-              <a:rPr lang="ja-JP" altLang="en-US" sz="2000" dirty="0" smtClean="0"/>
+              <a:rPr lang="ja-JP" altLang="en-US" sz="2400" dirty="0" smtClean="0"/>
               <a:t>情報を把握しづらい</a:t>
             </a:r>
-            <a:endParaRPr lang="en-US" altLang="ja-JP" sz="2000" dirty="0" smtClean="0"/>
+            <a:endParaRPr lang="en-US" altLang="ja-JP" sz="2400" dirty="0" smtClean="0"/>
           </a:p>
           <a:p>
             <a:pPr marL="285750" indent="-285750">
@@ -18826,15 +18464,15 @@
               <a:buChar char="u"/>
             </a:pPr>
             <a:r>
-              <a:rPr kumimoji="1" lang="ja-JP" altLang="en-US" sz="2000" dirty="0"/>
+              <a:rPr kumimoji="1" lang="ja-JP" altLang="en-US" sz="2400" dirty="0"/>
               <a:t>書式</a:t>
             </a:r>
             <a:r>
-              <a:rPr kumimoji="1" lang="ja-JP" altLang="en-US" sz="2000" dirty="0" smtClean="0"/>
+              <a:rPr kumimoji="1" lang="ja-JP" altLang="en-US" sz="2400" dirty="0" smtClean="0"/>
               <a:t>が</a:t>
             </a:r>
             <a:r>
-              <a:rPr kumimoji="1" lang="ja-JP" altLang="en-US" sz="2000" dirty="0"/>
+              <a:rPr kumimoji="1" lang="ja-JP" altLang="en-US" sz="2400" dirty="0"/>
               <a:t>複雑</a:t>
             </a:r>
           </a:p>
@@ -19054,7 +18692,7 @@
         </p:nvSpPr>
         <p:spPr>
           <a:xfrm>
-            <a:off x="5341038" y="2366821"/>
+            <a:off x="5341038" y="2436593"/>
             <a:ext cx="3117955" cy="338554"/>
           </a:xfrm>
           <a:prstGeom prst="rect">
@@ -19164,6 +18802,29 @@
           <a:lstStyle/>
           <a:p>
             <a:pPr algn="ctr"/>
+            <a:endParaRPr kumimoji="1" lang="ja-JP" altLang="en-US"/>
+          </a:p>
+        </p:txBody>
+      </p:sp>
+      <p:sp>
+        <p:nvSpPr>
+          <p:cNvPr id="4" name="スライド番号プレースホルダー 3"/>
+          <p:cNvSpPr>
+            <a:spLocks noGrp="1"/>
+          </p:cNvSpPr>
+          <p:nvPr>
+            <p:ph type="sldNum" sz="quarter" idx="12"/>
+          </p:nvPr>
+        </p:nvSpPr>
+        <p:spPr/>
+        <p:txBody>
+          <a:bodyPr/>
+          <a:lstStyle/>
+          <a:p>
+            <a:fld id="{2545C336-1DFE-4309-99B0-717416AB1325}" type="slidenum">
+              <a:rPr kumimoji="1" lang="ja-JP" altLang="en-US" smtClean="0"/>
+              <a:t>4</a:t>
+            </a:fld>
             <a:endParaRPr kumimoji="1" lang="ja-JP" altLang="en-US"/>
           </a:p>
         </p:txBody>
@@ -19976,6 +19637,29 @@
           </a:p>
         </p:txBody>
       </p:sp>
+      <p:sp>
+        <p:nvSpPr>
+          <p:cNvPr id="3" name="スライド番号プレースホルダー 2"/>
+          <p:cNvSpPr>
+            <a:spLocks noGrp="1"/>
+          </p:cNvSpPr>
+          <p:nvPr>
+            <p:ph type="sldNum" sz="quarter" idx="12"/>
+          </p:nvPr>
+        </p:nvSpPr>
+        <p:spPr/>
+        <p:txBody>
+          <a:bodyPr/>
+          <a:lstStyle/>
+          <a:p>
+            <a:fld id="{2545C336-1DFE-4309-99B0-717416AB1325}" type="slidenum">
+              <a:rPr kumimoji="1" lang="ja-JP" altLang="en-US" smtClean="0"/>
+              <a:t>5</a:t>
+            </a:fld>
+            <a:endParaRPr kumimoji="1" lang="ja-JP" altLang="en-US"/>
+          </a:p>
+        </p:txBody>
+      </p:sp>
     </p:spTree>
     <p:extLst>
       <p:ext uri="{BB962C8B-B14F-4D97-AF65-F5344CB8AC3E}">
@@ -20049,7 +19733,11 @@
             </a:r>
             <a:r>
               <a:rPr lang="en-US" altLang="ja-JP" b="1" dirty="0" smtClean="0"/>
-              <a:t>(1/4)</a:t>
+              <a:t>(</a:t>
+            </a:r>
+            <a:r>
+              <a:rPr lang="en-US" altLang="ja-JP" b="1" dirty="0" smtClean="0"/>
+              <a:t>1/3)</a:t>
             </a:r>
             <a:endParaRPr kumimoji="1" lang="ja-JP" altLang="en-US" b="1" dirty="0"/>
           </a:p>
@@ -20166,7 +19854,7 @@
       </p:sp>
       <p:pic>
         <p:nvPicPr>
-          <p:cNvPr id="5" name="図 4"/>
+          <p:cNvPr id="6" name="図 5"/>
           <p:cNvPicPr>
             <a:picLocks noChangeAspect="1"/>
           </p:cNvPicPr>
@@ -20186,44 +19874,14 @@
         </p:blipFill>
         <p:spPr>
           <a:xfrm>
-            <a:off x="1651326" y="3045279"/>
-            <a:ext cx="2195162" cy="3706585"/>
+            <a:off x="4808721" y="3166604"/>
+            <a:ext cx="4027966" cy="2785160"/>
           </a:xfrm>
           <a:prstGeom prst="rect">
             <a:avLst/>
           </a:prstGeom>
         </p:spPr>
       </p:pic>
-      <p:pic>
-        <p:nvPicPr>
-          <p:cNvPr id="6" name="図 5"/>
-          <p:cNvPicPr>
-            <a:picLocks noChangeAspect="1"/>
-          </p:cNvPicPr>
-          <p:nvPr/>
-        </p:nvPicPr>
-        <p:blipFill>
-          <a:blip r:embed="rId4">
-            <a:extLst>
-              <a:ext uri="{28A0092B-C50C-407E-A947-70E740481C1C}">
-                <a14:useLocalDpi xmlns:a14="http://schemas.microsoft.com/office/drawing/2010/main" val="0"/>
-              </a:ext>
-            </a:extLst>
-          </a:blip>
-          <a:stretch>
-            <a:fillRect/>
-          </a:stretch>
-        </p:blipFill>
-        <p:spPr>
-          <a:xfrm>
-            <a:off x="4743450" y="3199167"/>
-            <a:ext cx="3878036" cy="2681490"/>
-          </a:xfrm>
-          <a:prstGeom prst="rect">
-            <a:avLst/>
-          </a:prstGeom>
-        </p:spPr>
-      </p:pic>
       <p:sp>
         <p:nvSpPr>
           <p:cNvPr id="7" name="テキスト ボックス 6"/>
@@ -20232,7 +19890,7 @@
         </p:nvSpPr>
         <p:spPr>
           <a:xfrm>
-            <a:off x="2002311" y="2891390"/>
+            <a:off x="2002311" y="2781879"/>
             <a:ext cx="1261884" cy="307777"/>
           </a:xfrm>
           <a:prstGeom prst="rect">
@@ -20342,8 +20000,8 @@
         </p:nvSpPr>
         <p:spPr>
           <a:xfrm>
-            <a:off x="1038489" y="2891389"/>
-            <a:ext cx="3247761" cy="3721681"/>
+            <a:off x="744722" y="2672370"/>
+            <a:ext cx="3742611" cy="4148158"/>
           </a:xfrm>
           <a:prstGeom prst="roundRect">
             <a:avLst/>
@@ -20380,6 +20038,179 @@
           </a:p>
         </p:txBody>
       </p:sp>
+      <p:pic>
+        <p:nvPicPr>
+          <p:cNvPr id="12" name="図 11"/>
+          <p:cNvPicPr>
+            <a:picLocks noChangeAspect="1"/>
+          </p:cNvPicPr>
+          <p:nvPr/>
+        </p:nvPicPr>
+        <p:blipFill>
+          <a:blip r:embed="rId4">
+            <a:extLst>
+              <a:ext uri="{28A0092B-C50C-407E-A947-70E740481C1C}">
+                <a14:useLocalDpi xmlns:a14="http://schemas.microsoft.com/office/drawing/2010/main" val="0"/>
+              </a:ext>
+            </a:extLst>
+          </a:blip>
+          <a:stretch>
+            <a:fillRect/>
+          </a:stretch>
+        </p:blipFill>
+        <p:spPr>
+          <a:xfrm>
+            <a:off x="1534548" y="3089656"/>
+            <a:ext cx="2158135" cy="3641296"/>
+          </a:xfrm>
+          <a:prstGeom prst="rect">
+            <a:avLst/>
+          </a:prstGeom>
+        </p:spPr>
+      </p:pic>
+      <p:pic>
+        <p:nvPicPr>
+          <p:cNvPr id="13" name="図 12"/>
+          <p:cNvPicPr>
+            <a:picLocks noChangeAspect="1"/>
+          </p:cNvPicPr>
+          <p:nvPr/>
+        </p:nvPicPr>
+        <p:blipFill>
+          <a:blip r:embed="rId5">
+            <a:extLst>
+              <a:ext uri="{28A0092B-C50C-407E-A947-70E740481C1C}">
+                <a14:useLocalDpi xmlns:a14="http://schemas.microsoft.com/office/drawing/2010/main" val="0"/>
+              </a:ext>
+            </a:extLst>
+          </a:blip>
+          <a:stretch>
+            <a:fillRect/>
+          </a:stretch>
+        </p:blipFill>
+        <p:spPr>
+          <a:xfrm>
+            <a:off x="1521795" y="3089656"/>
+            <a:ext cx="2183639" cy="3679589"/>
+          </a:xfrm>
+          <a:prstGeom prst="rect">
+            <a:avLst/>
+          </a:prstGeom>
+        </p:spPr>
+      </p:pic>
+      <p:pic>
+        <p:nvPicPr>
+          <p:cNvPr id="14" name="図 13"/>
+          <p:cNvPicPr>
+            <a:picLocks noChangeAspect="1"/>
+          </p:cNvPicPr>
+          <p:nvPr/>
+        </p:nvPicPr>
+        <p:blipFill>
+          <a:blip r:embed="rId6">
+            <a:extLst>
+              <a:ext uri="{28A0092B-C50C-407E-A947-70E740481C1C}">
+                <a14:useLocalDpi xmlns:a14="http://schemas.microsoft.com/office/drawing/2010/main" val="0"/>
+              </a:ext>
+            </a:extLst>
+          </a:blip>
+          <a:stretch>
+            <a:fillRect/>
+          </a:stretch>
+        </p:blipFill>
+        <p:spPr>
+          <a:xfrm>
+            <a:off x="1521795" y="3094759"/>
+            <a:ext cx="2184104" cy="3674486"/>
+          </a:xfrm>
+          <a:prstGeom prst="rect">
+            <a:avLst/>
+          </a:prstGeom>
+        </p:spPr>
+      </p:pic>
+      <p:pic>
+        <p:nvPicPr>
+          <p:cNvPr id="15" name="図 14"/>
+          <p:cNvPicPr>
+            <a:picLocks noChangeAspect="1"/>
+          </p:cNvPicPr>
+          <p:nvPr/>
+        </p:nvPicPr>
+        <p:blipFill>
+          <a:blip r:embed="rId7">
+            <a:extLst>
+              <a:ext uri="{28A0092B-C50C-407E-A947-70E740481C1C}">
+                <a14:useLocalDpi xmlns:a14="http://schemas.microsoft.com/office/drawing/2010/main" val="0"/>
+              </a:ext>
+            </a:extLst>
+          </a:blip>
+          <a:stretch>
+            <a:fillRect/>
+          </a:stretch>
+        </p:blipFill>
+        <p:spPr>
+          <a:xfrm>
+            <a:off x="1517378" y="3097564"/>
+            <a:ext cx="2189089" cy="3691845"/>
+          </a:xfrm>
+          <a:prstGeom prst="rect">
+            <a:avLst/>
+          </a:prstGeom>
+        </p:spPr>
+      </p:pic>
+      <p:pic>
+        <p:nvPicPr>
+          <p:cNvPr id="16" name="図 15"/>
+          <p:cNvPicPr>
+            <a:picLocks noChangeAspect="1"/>
+          </p:cNvPicPr>
+          <p:nvPr/>
+        </p:nvPicPr>
+        <p:blipFill>
+          <a:blip r:embed="rId8">
+            <a:extLst>
+              <a:ext uri="{28A0092B-C50C-407E-A947-70E740481C1C}">
+                <a14:useLocalDpi xmlns:a14="http://schemas.microsoft.com/office/drawing/2010/main" val="0"/>
+              </a:ext>
+            </a:extLst>
+          </a:blip>
+          <a:stretch>
+            <a:fillRect/>
+          </a:stretch>
+        </p:blipFill>
+        <p:spPr>
+          <a:xfrm>
+            <a:off x="1509828" y="3089656"/>
+            <a:ext cx="2195606" cy="3699753"/>
+          </a:xfrm>
+          <a:prstGeom prst="rect">
+            <a:avLst/>
+          </a:prstGeom>
+        </p:spPr>
+      </p:pic>
+      <p:sp>
+        <p:nvSpPr>
+          <p:cNvPr id="9" name="スライド番号プレースホルダー 8"/>
+          <p:cNvSpPr>
+            <a:spLocks noGrp="1"/>
+          </p:cNvSpPr>
+          <p:nvPr>
+            <p:ph type="sldNum" sz="quarter" idx="12"/>
+          </p:nvPr>
+        </p:nvSpPr>
+        <p:spPr/>
+        <p:txBody>
+          <a:bodyPr/>
+          <a:lstStyle/>
+          <a:p>
+            <a:fld id="{2545C336-1DFE-4309-99B0-717416AB1325}" type="slidenum">
+              <a:rPr kumimoji="1" lang="ja-JP" altLang="en-US" smtClean="0"/>
+              <a:t>6</a:t>
+            </a:fld>
+            <a:endParaRPr kumimoji="1" lang="ja-JP" altLang="en-US"/>
+          </a:p>
+        </p:txBody>
+      </p:sp>
     </p:spTree>
     <p:extLst>
       <p:ext uri="{BB962C8B-B14F-4D97-AF65-F5344CB8AC3E}">
@@ -20393,7 +20224,242 @@
   <p:timing>
     <p:tnLst>
       <p:par>
-        <p:cTn id="1" dur="indefinite" restart="never" nodeType="tmRoot"/>
+        <p:cTn id="1" dur="indefinite" restart="never" nodeType="tmRoot">
+          <p:childTnLst>
+            <p:seq concurrent="1" nextAc="seek">
+              <p:cTn id="2" dur="indefinite" nodeType="mainSeq">
+                <p:childTnLst>
+                  <p:par>
+                    <p:cTn id="3" fill="hold">
+                      <p:stCondLst>
+                        <p:cond delay="indefinite"/>
+                      </p:stCondLst>
+                      <p:childTnLst>
+                        <p:par>
+                          <p:cTn id="4" fill="hold">
+                            <p:stCondLst>
+                              <p:cond delay="0"/>
+                            </p:stCondLst>
+                            <p:childTnLst>
+                              <p:par>
+                                <p:cTn id="5" presetID="10" presetClass="entr" presetSubtype="0" fill="hold" nodeType="clickEffect">
+                                  <p:stCondLst>
+                                    <p:cond delay="0"/>
+                                  </p:stCondLst>
+                                  <p:childTnLst>
+                                    <p:set>
+                                      <p:cBhvr>
+                                        <p:cTn id="6" dur="1" fill="hold">
+                                          <p:stCondLst>
+                                            <p:cond delay="0"/>
+                                          </p:stCondLst>
+                                        </p:cTn>
+                                        <p:tgtEl>
+                                          <p:spTgt spid="13"/>
+                                        </p:tgtEl>
+                                        <p:attrNameLst>
+                                          <p:attrName>style.visibility</p:attrName>
+                                        </p:attrNameLst>
+                                      </p:cBhvr>
+                                      <p:to>
+                                        <p:strVal val="visible"/>
+                                      </p:to>
+                                    </p:set>
+                                    <p:animEffect transition="in" filter="fade">
+                                      <p:cBhvr>
+                                        <p:cTn id="7" dur="500"/>
+                                        <p:tgtEl>
+                                          <p:spTgt spid="13"/>
+                                        </p:tgtEl>
+                                      </p:cBhvr>
+                                    </p:animEffect>
+                                  </p:childTnLst>
+                                </p:cTn>
+                              </p:par>
+                            </p:childTnLst>
+                          </p:cTn>
+                        </p:par>
+                      </p:childTnLst>
+                    </p:cTn>
+                  </p:par>
+                  <p:par>
+                    <p:cTn id="8" fill="hold">
+                      <p:stCondLst>
+                        <p:cond delay="indefinite"/>
+                      </p:stCondLst>
+                      <p:childTnLst>
+                        <p:par>
+                          <p:cTn id="9" fill="hold">
+                            <p:stCondLst>
+                              <p:cond delay="0"/>
+                            </p:stCondLst>
+                            <p:childTnLst>
+                              <p:par>
+                                <p:cTn id="10" presetID="10" presetClass="entr" presetSubtype="0" fill="hold" nodeType="clickEffect">
+                                  <p:stCondLst>
+                                    <p:cond delay="0"/>
+                                  </p:stCondLst>
+                                  <p:childTnLst>
+                                    <p:set>
+                                      <p:cBhvr>
+                                        <p:cTn id="11" dur="1" fill="hold">
+                                          <p:stCondLst>
+                                            <p:cond delay="0"/>
+                                          </p:stCondLst>
+                                        </p:cTn>
+                                        <p:tgtEl>
+                                          <p:spTgt spid="14"/>
+                                        </p:tgtEl>
+                                        <p:attrNameLst>
+                                          <p:attrName>style.visibility</p:attrName>
+                                        </p:attrNameLst>
+                                      </p:cBhvr>
+                                      <p:to>
+                                        <p:strVal val="visible"/>
+                                      </p:to>
+                                    </p:set>
+                                    <p:animEffect transition="in" filter="fade">
+                                      <p:cBhvr>
+                                        <p:cTn id="12" dur="500"/>
+                                        <p:tgtEl>
+                                          <p:spTgt spid="14"/>
+                                        </p:tgtEl>
+                                      </p:cBhvr>
+                                    </p:animEffect>
+                                  </p:childTnLst>
+                                </p:cTn>
+                              </p:par>
+                            </p:childTnLst>
+                          </p:cTn>
+                        </p:par>
+                      </p:childTnLst>
+                    </p:cTn>
+                  </p:par>
+                  <p:par>
+                    <p:cTn id="13" fill="hold">
+                      <p:stCondLst>
+                        <p:cond delay="indefinite"/>
+                      </p:stCondLst>
+                      <p:childTnLst>
+                        <p:par>
+                          <p:cTn id="14" fill="hold">
+                            <p:stCondLst>
+                              <p:cond delay="0"/>
+                            </p:stCondLst>
+                            <p:childTnLst>
+                              <p:par>
+                                <p:cTn id="15" presetID="10" presetClass="entr" presetSubtype="0" fill="hold" nodeType="clickEffect">
+                                  <p:stCondLst>
+                                    <p:cond delay="0"/>
+                                  </p:stCondLst>
+                                  <p:childTnLst>
+                                    <p:set>
+                                      <p:cBhvr>
+                                        <p:cTn id="16" dur="1" fill="hold">
+                                          <p:stCondLst>
+                                            <p:cond delay="0"/>
+                                          </p:stCondLst>
+                                        </p:cTn>
+                                        <p:tgtEl>
+                                          <p:spTgt spid="15"/>
+                                        </p:tgtEl>
+                                        <p:attrNameLst>
+                                          <p:attrName>style.visibility</p:attrName>
+                                        </p:attrNameLst>
+                                      </p:cBhvr>
+                                      <p:to>
+                                        <p:strVal val="visible"/>
+                                      </p:to>
+                                    </p:set>
+                                    <p:animEffect transition="in" filter="fade">
+                                      <p:cBhvr>
+                                        <p:cTn id="17" dur="500"/>
+                                        <p:tgtEl>
+                                          <p:spTgt spid="15"/>
+                                        </p:tgtEl>
+                                      </p:cBhvr>
+                                    </p:animEffect>
+                                  </p:childTnLst>
+                                </p:cTn>
+                              </p:par>
+                            </p:childTnLst>
+                          </p:cTn>
+                        </p:par>
+                      </p:childTnLst>
+                    </p:cTn>
+                  </p:par>
+                  <p:par>
+                    <p:cTn id="18" fill="hold">
+                      <p:stCondLst>
+                        <p:cond delay="indefinite"/>
+                      </p:stCondLst>
+                      <p:childTnLst>
+                        <p:par>
+                          <p:cTn id="19" fill="hold">
+                            <p:stCondLst>
+                              <p:cond delay="0"/>
+                            </p:stCondLst>
+                            <p:childTnLst>
+                              <p:par>
+                                <p:cTn id="20" presetID="10" presetClass="entr" presetSubtype="0" fill="hold" nodeType="clickEffect">
+                                  <p:stCondLst>
+                                    <p:cond delay="0"/>
+                                  </p:stCondLst>
+                                  <p:childTnLst>
+                                    <p:set>
+                                      <p:cBhvr>
+                                        <p:cTn id="21" dur="1" fill="hold">
+                                          <p:stCondLst>
+                                            <p:cond delay="0"/>
+                                          </p:stCondLst>
+                                        </p:cTn>
+                                        <p:tgtEl>
+                                          <p:spTgt spid="16"/>
+                                        </p:tgtEl>
+                                        <p:attrNameLst>
+                                          <p:attrName>style.visibility</p:attrName>
+                                        </p:attrNameLst>
+                                      </p:cBhvr>
+                                      <p:to>
+                                        <p:strVal val="visible"/>
+                                      </p:to>
+                                    </p:set>
+                                    <p:animEffect transition="in" filter="fade">
+                                      <p:cBhvr>
+                                        <p:cTn id="22" dur="500"/>
+                                        <p:tgtEl>
+                                          <p:spTgt spid="16"/>
+                                        </p:tgtEl>
+                                      </p:cBhvr>
+                                    </p:animEffect>
+                                  </p:childTnLst>
+                                </p:cTn>
+                              </p:par>
+                            </p:childTnLst>
+                          </p:cTn>
+                        </p:par>
+                      </p:childTnLst>
+                    </p:cTn>
+                  </p:par>
+                </p:childTnLst>
+              </p:cTn>
+              <p:prevCondLst>
+                <p:cond evt="onPrev" delay="0">
+                  <p:tgtEl>
+                    <p:sldTgt/>
+                  </p:tgtEl>
+                </p:cond>
+              </p:prevCondLst>
+              <p:nextCondLst>
+                <p:cond evt="onNext" delay="0">
+                  <p:tgtEl>
+                    <p:sldTgt/>
+                  </p:tgtEl>
+                </p:cond>
+              </p:nextCondLst>
+            </p:seq>
+          </p:childTnLst>
+        </p:cTn>
       </p:par>
     </p:tnLst>
   </p:timing>
@@ -20445,7 +20511,11 @@
             </a:r>
             <a:r>
               <a:rPr kumimoji="1" lang="en-US" altLang="ja-JP" b="1" dirty="0" smtClean="0"/>
-              <a:t>(2/4)</a:t>
+              <a:t>(</a:t>
+            </a:r>
+            <a:r>
+              <a:rPr kumimoji="1" lang="en-US" altLang="ja-JP" b="1" dirty="0" smtClean="0"/>
+              <a:t>2/3)</a:t>
             </a:r>
             <a:endParaRPr kumimoji="1" lang="ja-JP" altLang="en-US" b="1" dirty="0"/>
           </a:p>
@@ -20847,7 +20917,7 @@
         </p:nvSpPr>
         <p:spPr>
           <a:xfrm>
-            <a:off x="5643230" y="6488668"/>
+            <a:off x="5578255" y="6515066"/>
             <a:ext cx="3379451" cy="369332"/>
           </a:xfrm>
           <a:prstGeom prst="rect">
@@ -20866,6 +20936,29 @@
               <a:t>オーケストレーション定義エディタ</a:t>
             </a:r>
             <a:endParaRPr kumimoji="1" lang="ja-JP" altLang="en-US" dirty="0"/>
+          </a:p>
+        </p:txBody>
+      </p:sp>
+      <p:sp>
+        <p:nvSpPr>
+          <p:cNvPr id="3" name="スライド番号プレースホルダー 2"/>
+          <p:cNvSpPr>
+            <a:spLocks noGrp="1"/>
+          </p:cNvSpPr>
+          <p:nvPr>
+            <p:ph type="sldNum" sz="quarter" idx="12"/>
+          </p:nvPr>
+        </p:nvSpPr>
+        <p:spPr/>
+        <p:txBody>
+          <a:bodyPr/>
+          <a:lstStyle/>
+          <a:p>
+            <a:fld id="{2545C336-1DFE-4309-99B0-717416AB1325}" type="slidenum">
+              <a:rPr kumimoji="1" lang="ja-JP" altLang="en-US" smtClean="0"/>
+              <a:t>7</a:t>
+            </a:fld>
+            <a:endParaRPr kumimoji="1" lang="ja-JP" altLang="en-US"/>
           </a:p>
         </p:txBody>
       </p:sp>
@@ -20919,7 +21012,7 @@
         <p:spPr>
           <a:xfrm>
             <a:off x="13290" y="140513"/>
-            <a:ext cx="8808738" cy="754154"/>
+            <a:ext cx="9033274" cy="754154"/>
           </a:xfrm>
         </p:spPr>
         <p:txBody>
@@ -20929,549 +21022,6 @@
           <a:lstStyle/>
           <a:p>
             <a:r>
-              <a:rPr kumimoji="1" lang="ja-JP" altLang="en-US" dirty="0" smtClean="0"/>
-              <a:t>オーケストレーション定義エディタの概要</a:t>
-            </a:r>
-            <a:r>
-              <a:rPr kumimoji="1" lang="en-US" altLang="ja-JP" dirty="0" smtClean="0"/>
-              <a:t>(3/4)</a:t>
-            </a:r>
-            <a:endParaRPr kumimoji="1" lang="ja-JP" altLang="en-US" dirty="0"/>
-          </a:p>
-        </p:txBody>
-      </p:sp>
-      <p:sp>
-        <p:nvSpPr>
-          <p:cNvPr id="4" name="テキスト ボックス 3"/>
-          <p:cNvSpPr txBox="1"/>
-          <p:nvPr/>
-        </p:nvSpPr>
-        <p:spPr>
-          <a:xfrm>
-            <a:off x="76841" y="1156321"/>
-            <a:ext cx="5566390" cy="523220"/>
-          </a:xfrm>
-          <a:prstGeom prst="rect">
-            <a:avLst/>
-          </a:prstGeom>
-          <a:noFill/>
-        </p:spPr>
-        <p:txBody>
-          <a:bodyPr wrap="square" rtlCol="0">
-            <a:spAutoFit/>
-          </a:bodyPr>
-          <a:lstStyle/>
-          <a:p>
-            <a:pPr marL="342900" indent="-342900">
-              <a:buFont typeface="Wingdings" panose="05000000000000000000" pitchFamily="2" charset="2"/>
-              <a:buChar char="u"/>
-            </a:pPr>
-            <a:r>
-              <a:rPr kumimoji="1" lang="ja-JP" altLang="en-US" sz="2800" dirty="0" smtClean="0"/>
-              <a:t>構成確認画面の動き</a:t>
-            </a:r>
-            <a:endParaRPr kumimoji="1" lang="ja-JP" altLang="en-US" sz="2800" dirty="0"/>
-          </a:p>
-        </p:txBody>
-      </p:sp>
-      <p:pic>
-        <p:nvPicPr>
-          <p:cNvPr id="5" name="図 4"/>
-          <p:cNvPicPr>
-            <a:picLocks noChangeAspect="1"/>
-          </p:cNvPicPr>
-          <p:nvPr/>
-        </p:nvPicPr>
-        <p:blipFill>
-          <a:blip r:embed="rId2">
-            <a:extLst>
-              <a:ext uri="{28A0092B-C50C-407E-A947-70E740481C1C}">
-                <a14:useLocalDpi xmlns:a14="http://schemas.microsoft.com/office/drawing/2010/main" val="0"/>
-              </a:ext>
-            </a:extLst>
-          </a:blip>
-          <a:stretch>
-            <a:fillRect/>
-          </a:stretch>
-        </p:blipFill>
-        <p:spPr>
-          <a:xfrm>
-            <a:off x="2816314" y="1679541"/>
-            <a:ext cx="2826917" cy="4769694"/>
-          </a:xfrm>
-          <a:prstGeom prst="rect">
-            <a:avLst/>
-          </a:prstGeom>
-        </p:spPr>
-      </p:pic>
-      <p:pic>
-        <p:nvPicPr>
-          <p:cNvPr id="6" name="図 5"/>
-          <p:cNvPicPr>
-            <a:picLocks noChangeAspect="1"/>
-          </p:cNvPicPr>
-          <p:nvPr/>
-        </p:nvPicPr>
-        <p:blipFill>
-          <a:blip r:embed="rId3">
-            <a:extLst>
-              <a:ext uri="{28A0092B-C50C-407E-A947-70E740481C1C}">
-                <a14:useLocalDpi xmlns:a14="http://schemas.microsoft.com/office/drawing/2010/main" val="0"/>
-              </a:ext>
-            </a:extLst>
-          </a:blip>
-          <a:stretch>
-            <a:fillRect/>
-          </a:stretch>
-        </p:blipFill>
-        <p:spPr>
-          <a:xfrm>
-            <a:off x="2860036" y="1670022"/>
-            <a:ext cx="2841857" cy="4788732"/>
-          </a:xfrm>
-          <a:prstGeom prst="rect">
-            <a:avLst/>
-          </a:prstGeom>
-        </p:spPr>
-      </p:pic>
-      <p:pic>
-        <p:nvPicPr>
-          <p:cNvPr id="7" name="図 6"/>
-          <p:cNvPicPr>
-            <a:picLocks noChangeAspect="1"/>
-          </p:cNvPicPr>
-          <p:nvPr/>
-        </p:nvPicPr>
-        <p:blipFill>
-          <a:blip r:embed="rId4">
-            <a:extLst>
-              <a:ext uri="{28A0092B-C50C-407E-A947-70E740481C1C}">
-                <a14:useLocalDpi xmlns:a14="http://schemas.microsoft.com/office/drawing/2010/main" val="0"/>
-              </a:ext>
-            </a:extLst>
-          </a:blip>
-          <a:stretch>
-            <a:fillRect/>
-          </a:stretch>
-        </p:blipFill>
-        <p:spPr>
-          <a:xfrm>
-            <a:off x="2865371" y="1670022"/>
-            <a:ext cx="2836522" cy="4772099"/>
-          </a:xfrm>
-          <a:prstGeom prst="rect">
-            <a:avLst/>
-          </a:prstGeom>
-        </p:spPr>
-      </p:pic>
-      <p:pic>
-        <p:nvPicPr>
-          <p:cNvPr id="8" name="図 7"/>
-          <p:cNvPicPr>
-            <a:picLocks noChangeAspect="1"/>
-          </p:cNvPicPr>
-          <p:nvPr/>
-        </p:nvPicPr>
-        <p:blipFill>
-          <a:blip r:embed="rId5">
-            <a:extLst>
-              <a:ext uri="{28A0092B-C50C-407E-A947-70E740481C1C}">
-                <a14:useLocalDpi xmlns:a14="http://schemas.microsoft.com/office/drawing/2010/main" val="0"/>
-              </a:ext>
-            </a:extLst>
-          </a:blip>
-          <a:stretch>
-            <a:fillRect/>
-          </a:stretch>
-        </p:blipFill>
-        <p:spPr>
-          <a:xfrm>
-            <a:off x="2860036" y="1670022"/>
-            <a:ext cx="2842331" cy="4793522"/>
-          </a:xfrm>
-          <a:prstGeom prst="rect">
-            <a:avLst/>
-          </a:prstGeom>
-        </p:spPr>
-      </p:pic>
-      <p:pic>
-        <p:nvPicPr>
-          <p:cNvPr id="9" name="図 8"/>
-          <p:cNvPicPr>
-            <a:picLocks noChangeAspect="1"/>
-          </p:cNvPicPr>
-          <p:nvPr/>
-        </p:nvPicPr>
-        <p:blipFill>
-          <a:blip r:embed="rId6">
-            <a:extLst>
-              <a:ext uri="{28A0092B-C50C-407E-A947-70E740481C1C}">
-                <a14:useLocalDpi xmlns:a14="http://schemas.microsoft.com/office/drawing/2010/main" val="0"/>
-              </a:ext>
-            </a:extLst>
-          </a:blip>
-          <a:stretch>
-            <a:fillRect/>
-          </a:stretch>
-        </p:blipFill>
-        <p:spPr>
-          <a:xfrm>
-            <a:off x="2866923" y="1684021"/>
-            <a:ext cx="2834970" cy="4777128"/>
-          </a:xfrm>
-          <a:prstGeom prst="rect">
-            <a:avLst/>
-          </a:prstGeom>
-        </p:spPr>
-      </p:pic>
-    </p:spTree>
-    <p:extLst>
-      <p:ext uri="{BB962C8B-B14F-4D97-AF65-F5344CB8AC3E}">
-        <p14:creationId xmlns:p14="http://schemas.microsoft.com/office/powerpoint/2010/main" val="3681186858"/>
-      </p:ext>
-    </p:extLst>
-  </p:cSld>
-  <p:clrMapOvr>
-    <a:masterClrMapping/>
-  </p:clrMapOvr>
-  <p:timing>
-    <p:tnLst>
-      <p:par>
-        <p:cTn id="1" dur="indefinite" restart="never" nodeType="tmRoot">
-          <p:childTnLst>
-            <p:seq concurrent="1" nextAc="seek">
-              <p:cTn id="2" dur="indefinite" nodeType="mainSeq">
-                <p:childTnLst>
-                  <p:par>
-                    <p:cTn id="3" fill="hold">
-                      <p:stCondLst>
-                        <p:cond delay="indefinite"/>
-                      </p:stCondLst>
-                      <p:childTnLst>
-                        <p:par>
-                          <p:cTn id="4" fill="hold">
-                            <p:stCondLst>
-                              <p:cond delay="0"/>
-                            </p:stCondLst>
-                            <p:childTnLst>
-                              <p:par>
-                                <p:cTn id="5" presetID="10" presetClass="entr" presetSubtype="0" fill="hold" nodeType="clickEffect">
-                                  <p:stCondLst>
-                                    <p:cond delay="0"/>
-                                  </p:stCondLst>
-                                  <p:childTnLst>
-                                    <p:set>
-                                      <p:cBhvr>
-                                        <p:cTn id="6" dur="1" fill="hold">
-                                          <p:stCondLst>
-                                            <p:cond delay="0"/>
-                                          </p:stCondLst>
-                                        </p:cTn>
-                                        <p:tgtEl>
-                                          <p:spTgt spid="5"/>
-                                        </p:tgtEl>
-                                        <p:attrNameLst>
-                                          <p:attrName>style.visibility</p:attrName>
-                                        </p:attrNameLst>
-                                      </p:cBhvr>
-                                      <p:to>
-                                        <p:strVal val="visible"/>
-                                      </p:to>
-                                    </p:set>
-                                    <p:animEffect transition="in" filter="fade">
-                                      <p:cBhvr>
-                                        <p:cTn id="7" dur="500"/>
-                                        <p:tgtEl>
-                                          <p:spTgt spid="5"/>
-                                        </p:tgtEl>
-                                      </p:cBhvr>
-                                    </p:animEffect>
-                                  </p:childTnLst>
-                                </p:cTn>
-                              </p:par>
-                            </p:childTnLst>
-                          </p:cTn>
-                        </p:par>
-                      </p:childTnLst>
-                    </p:cTn>
-                  </p:par>
-                  <p:par>
-                    <p:cTn id="8" fill="hold">
-                      <p:stCondLst>
-                        <p:cond delay="indefinite"/>
-                      </p:stCondLst>
-                      <p:childTnLst>
-                        <p:par>
-                          <p:cTn id="9" fill="hold">
-                            <p:stCondLst>
-                              <p:cond delay="0"/>
-                            </p:stCondLst>
-                            <p:childTnLst>
-                              <p:par>
-                                <p:cTn id="10" presetID="10" presetClass="entr" presetSubtype="0" fill="hold" nodeType="clickEffect">
-                                  <p:stCondLst>
-                                    <p:cond delay="0"/>
-                                  </p:stCondLst>
-                                  <p:childTnLst>
-                                    <p:set>
-                                      <p:cBhvr>
-                                        <p:cTn id="11" dur="1" fill="hold">
-                                          <p:stCondLst>
-                                            <p:cond delay="0"/>
-                                          </p:stCondLst>
-                                        </p:cTn>
-                                        <p:tgtEl>
-                                          <p:spTgt spid="6"/>
-                                        </p:tgtEl>
-                                        <p:attrNameLst>
-                                          <p:attrName>style.visibility</p:attrName>
-                                        </p:attrNameLst>
-                                      </p:cBhvr>
-                                      <p:to>
-                                        <p:strVal val="visible"/>
-                                      </p:to>
-                                    </p:set>
-                                    <p:animEffect transition="in" filter="fade">
-                                      <p:cBhvr>
-                                        <p:cTn id="12" dur="500"/>
-                                        <p:tgtEl>
-                                          <p:spTgt spid="6"/>
-                                        </p:tgtEl>
-                                      </p:cBhvr>
-                                    </p:animEffect>
-                                  </p:childTnLst>
-                                </p:cTn>
-                              </p:par>
-                            </p:childTnLst>
-                          </p:cTn>
-                        </p:par>
-                      </p:childTnLst>
-                    </p:cTn>
-                  </p:par>
-                  <p:par>
-                    <p:cTn id="13" fill="hold">
-                      <p:stCondLst>
-                        <p:cond delay="indefinite"/>
-                      </p:stCondLst>
-                      <p:childTnLst>
-                        <p:par>
-                          <p:cTn id="14" fill="hold">
-                            <p:stCondLst>
-                              <p:cond delay="0"/>
-                            </p:stCondLst>
-                            <p:childTnLst>
-                              <p:par>
-                                <p:cTn id="15" presetID="10" presetClass="entr" presetSubtype="0" fill="hold" nodeType="clickEffect">
-                                  <p:stCondLst>
-                                    <p:cond delay="0"/>
-                                  </p:stCondLst>
-                                  <p:childTnLst>
-                                    <p:set>
-                                      <p:cBhvr>
-                                        <p:cTn id="16" dur="1" fill="hold">
-                                          <p:stCondLst>
-                                            <p:cond delay="0"/>
-                                          </p:stCondLst>
-                                        </p:cTn>
-                                        <p:tgtEl>
-                                          <p:spTgt spid="7"/>
-                                        </p:tgtEl>
-                                        <p:attrNameLst>
-                                          <p:attrName>style.visibility</p:attrName>
-                                        </p:attrNameLst>
-                                      </p:cBhvr>
-                                      <p:to>
-                                        <p:strVal val="visible"/>
-                                      </p:to>
-                                    </p:set>
-                                    <p:animEffect transition="in" filter="fade">
-                                      <p:cBhvr>
-                                        <p:cTn id="17" dur="500"/>
-                                        <p:tgtEl>
-                                          <p:spTgt spid="7"/>
-                                        </p:tgtEl>
-                                      </p:cBhvr>
-                                    </p:animEffect>
-                                  </p:childTnLst>
-                                </p:cTn>
-                              </p:par>
-                            </p:childTnLst>
-                          </p:cTn>
-                        </p:par>
-                      </p:childTnLst>
-                    </p:cTn>
-                  </p:par>
-                  <p:par>
-                    <p:cTn id="18" fill="hold">
-                      <p:stCondLst>
-                        <p:cond delay="indefinite"/>
-                      </p:stCondLst>
-                      <p:childTnLst>
-                        <p:par>
-                          <p:cTn id="19" fill="hold">
-                            <p:stCondLst>
-                              <p:cond delay="0"/>
-                            </p:stCondLst>
-                            <p:childTnLst>
-                              <p:par>
-                                <p:cTn id="20" presetID="10" presetClass="entr" presetSubtype="0" fill="hold" nodeType="clickEffect">
-                                  <p:stCondLst>
-                                    <p:cond delay="0"/>
-                                  </p:stCondLst>
-                                  <p:childTnLst>
-                                    <p:set>
-                                      <p:cBhvr>
-                                        <p:cTn id="21" dur="1" fill="hold">
-                                          <p:stCondLst>
-                                            <p:cond delay="0"/>
-                                          </p:stCondLst>
-                                        </p:cTn>
-                                        <p:tgtEl>
-                                          <p:spTgt spid="8"/>
-                                        </p:tgtEl>
-                                        <p:attrNameLst>
-                                          <p:attrName>style.visibility</p:attrName>
-                                        </p:attrNameLst>
-                                      </p:cBhvr>
-                                      <p:to>
-                                        <p:strVal val="visible"/>
-                                      </p:to>
-                                    </p:set>
-                                    <p:animEffect transition="in" filter="fade">
-                                      <p:cBhvr>
-                                        <p:cTn id="22" dur="500"/>
-                                        <p:tgtEl>
-                                          <p:spTgt spid="8"/>
-                                        </p:tgtEl>
-                                      </p:cBhvr>
-                                    </p:animEffect>
-                                  </p:childTnLst>
-                                </p:cTn>
-                              </p:par>
-                            </p:childTnLst>
-                          </p:cTn>
-                        </p:par>
-                      </p:childTnLst>
-                    </p:cTn>
-                  </p:par>
-                  <p:par>
-                    <p:cTn id="23" fill="hold">
-                      <p:stCondLst>
-                        <p:cond delay="indefinite"/>
-                      </p:stCondLst>
-                      <p:childTnLst>
-                        <p:par>
-                          <p:cTn id="24" fill="hold">
-                            <p:stCondLst>
-                              <p:cond delay="0"/>
-                            </p:stCondLst>
-                            <p:childTnLst>
-                              <p:par>
-                                <p:cTn id="25" presetID="10" presetClass="entr" presetSubtype="0" fill="hold" nodeType="clickEffect">
-                                  <p:stCondLst>
-                                    <p:cond delay="0"/>
-                                  </p:stCondLst>
-                                  <p:childTnLst>
-                                    <p:set>
-                                      <p:cBhvr>
-                                        <p:cTn id="26" dur="1" fill="hold">
-                                          <p:stCondLst>
-                                            <p:cond delay="0"/>
-                                          </p:stCondLst>
-                                        </p:cTn>
-                                        <p:tgtEl>
-                                          <p:spTgt spid="9"/>
-                                        </p:tgtEl>
-                                        <p:attrNameLst>
-                                          <p:attrName>style.visibility</p:attrName>
-                                        </p:attrNameLst>
-                                      </p:cBhvr>
-                                      <p:to>
-                                        <p:strVal val="visible"/>
-                                      </p:to>
-                                    </p:set>
-                                    <p:animEffect transition="in" filter="fade">
-                                      <p:cBhvr>
-                                        <p:cTn id="27" dur="500"/>
-                                        <p:tgtEl>
-                                          <p:spTgt spid="9"/>
-                                        </p:tgtEl>
-                                      </p:cBhvr>
-                                    </p:animEffect>
-                                  </p:childTnLst>
-                                </p:cTn>
-                              </p:par>
-                            </p:childTnLst>
-                          </p:cTn>
-                        </p:par>
-                      </p:childTnLst>
-                    </p:cTn>
-                  </p:par>
-                </p:childTnLst>
-              </p:cTn>
-              <p:prevCondLst>
-                <p:cond evt="onPrev" delay="0">
-                  <p:tgtEl>
-                    <p:sldTgt/>
-                  </p:tgtEl>
-                </p:cond>
-              </p:prevCondLst>
-              <p:nextCondLst>
-                <p:cond evt="onNext" delay="0">
-                  <p:tgtEl>
-                    <p:sldTgt/>
-                  </p:tgtEl>
-                </p:cond>
-              </p:nextCondLst>
-            </p:seq>
-          </p:childTnLst>
-        </p:cTn>
-      </p:par>
-    </p:tnLst>
-  </p:timing>
-</p:sld>
-</file>
-
-<file path=ppt/slides/slide9.xml><?xml version="1.0" encoding="utf-8"?>
-<p:sld xmlns:a="http://schemas.openxmlformats.org/drawingml/2006/main" xmlns:r="http://schemas.openxmlformats.org/officeDocument/2006/relationships" xmlns:p="http://schemas.openxmlformats.org/presentationml/2006/main">
-  <p:cSld>
-    <p:spTree>
-      <p:nvGrpSpPr>
-        <p:cNvPr id="1" name=""/>
-        <p:cNvGrpSpPr/>
-        <p:nvPr/>
-      </p:nvGrpSpPr>
-      <p:grpSpPr>
-        <a:xfrm>
-          <a:off x="0" y="0"/>
-          <a:ext cx="0" cy="0"/>
-          <a:chOff x="0" y="0"/>
-          <a:chExt cx="0" cy="0"/>
-        </a:xfrm>
-      </p:grpSpPr>
-      <p:sp>
-        <p:nvSpPr>
-          <p:cNvPr id="2" name="タイトル 1"/>
-          <p:cNvSpPr>
-            <a:spLocks noGrp="1"/>
-          </p:cNvSpPr>
-          <p:nvPr>
-            <p:ph type="title"/>
-          </p:nvPr>
-        </p:nvSpPr>
-        <p:spPr>
-          <a:xfrm>
-            <a:off x="13290" y="140513"/>
-            <a:ext cx="9033274" cy="754154"/>
-          </a:xfrm>
-        </p:spPr>
-        <p:txBody>
-          <a:bodyPr>
-            <a:normAutofit/>
-          </a:bodyPr>
-          <a:lstStyle/>
-          <a:p>
-            <a:r>
               <a:rPr lang="ja-JP" altLang="en-US" b="1" dirty="0"/>
               <a:t>オーケストレーション定義</a:t>
             </a:r>
@@ -21485,7 +21035,15 @@
             </a:r>
             <a:r>
               <a:rPr lang="en-US" altLang="ja-JP" b="1" dirty="0" smtClean="0"/>
-              <a:t>(4/4)</a:t>
+              <a:t>(</a:t>
+            </a:r>
+            <a:r>
+              <a:rPr lang="en-US" altLang="ja-JP" b="1" dirty="0"/>
+              <a:t>3</a:t>
+            </a:r>
+            <a:r>
+              <a:rPr lang="en-US" altLang="ja-JP" b="1" dirty="0" smtClean="0"/>
+              <a:t>/3)</a:t>
             </a:r>
             <a:endParaRPr kumimoji="1" lang="ja-JP" altLang="en-US" b="1" dirty="0"/>
           </a:p>
@@ -21540,7 +21098,7 @@
         <p:spPr>
           <a:xfrm>
             <a:off x="738649" y="1186251"/>
-            <a:ext cx="7522669" cy="1323439"/>
+            <a:ext cx="7522669" cy="1261884"/>
           </a:xfrm>
           <a:prstGeom prst="rect">
             <a:avLst/>
@@ -21558,10 +21116,10 @@
               <a:buChar char="u"/>
             </a:pPr>
             <a:r>
-              <a:rPr lang="ja-JP" altLang="en-US" sz="2000" dirty="0" smtClean="0"/>
+              <a:rPr lang="ja-JP" altLang="en-US" sz="2800" dirty="0" smtClean="0"/>
               <a:t>テキスト手動入力を極力撤廃</a:t>
             </a:r>
-            <a:endParaRPr lang="en-US" altLang="ja-JP" sz="2000" dirty="0" smtClean="0"/>
+            <a:endParaRPr lang="en-US" altLang="ja-JP" sz="2800" dirty="0" smtClean="0"/>
           </a:p>
           <a:p>
             <a:pPr marL="800100" lvl="1" indent="-342900">
@@ -21569,18 +21127,18 @@
               <a:buChar char="Ø"/>
             </a:pPr>
             <a:r>
-              <a:rPr kumimoji="1" lang="ja-JP" altLang="en-US" sz="2000" dirty="0" smtClean="0"/>
+              <a:rPr kumimoji="1" lang="ja-JP" altLang="en-US" sz="2400" dirty="0" smtClean="0"/>
               <a:t>プルダウンメニュー</a:t>
             </a:r>
             <a:r>
-              <a:rPr kumimoji="1" lang="ja-JP" altLang="en-US" sz="2000" dirty="0"/>
+              <a:rPr kumimoji="1" lang="ja-JP" altLang="en-US" sz="2400" dirty="0"/>
               <a:t>に</a:t>
             </a:r>
             <a:r>
-              <a:rPr kumimoji="1" lang="ja-JP" altLang="en-US" sz="2000" dirty="0" smtClean="0"/>
+              <a:rPr kumimoji="1" lang="ja-JP" altLang="en-US" sz="2400" dirty="0" smtClean="0"/>
               <a:t>よりクリックだけで入力可能</a:t>
             </a:r>
-            <a:endParaRPr kumimoji="1" lang="en-US" altLang="ja-JP" sz="2000" dirty="0" smtClean="0"/>
+            <a:endParaRPr kumimoji="1" lang="en-US" altLang="ja-JP" sz="2400" dirty="0" smtClean="0"/>
           </a:p>
           <a:p>
             <a:pPr marL="800100" lvl="1" indent="-342900">
@@ -21588,29 +21146,14 @@
               <a:buChar char="Ø"/>
             </a:pPr>
             <a:r>
-              <a:rPr kumimoji="1" lang="ja-JP" altLang="en-US" sz="2000" dirty="0" smtClean="0"/>
-              <a:t>記述量の削減，入力ミスの</a:t>
-            </a:r>
-            <a:r>
-              <a:rPr lang="ja-JP" altLang="en-US" sz="2000" dirty="0" smtClean="0"/>
-              <a:t>抑止</a:t>
-            </a:r>
-            <a:endParaRPr lang="en-US" altLang="ja-JP" sz="2000" dirty="0" smtClean="0"/>
-          </a:p>
-          <a:p>
-            <a:pPr marL="800100" lvl="1" indent="-342900">
-              <a:buFont typeface="Wingdings" panose="05000000000000000000" pitchFamily="2" charset="2"/>
-              <a:buChar char="Ø"/>
-            </a:pPr>
-            <a:r>
-              <a:rPr kumimoji="1" lang="ja-JP" altLang="en-US" sz="2000" dirty="0"/>
+              <a:rPr kumimoji="1" lang="ja-JP" altLang="en-US" sz="2400" dirty="0" smtClean="0"/>
               <a:t>入力</a:t>
             </a:r>
             <a:r>
-              <a:rPr kumimoji="1" lang="ja-JP" altLang="en-US" sz="2000" dirty="0" smtClean="0"/>
+              <a:rPr kumimoji="1" lang="ja-JP" altLang="en-US" sz="2400" dirty="0" smtClean="0"/>
               <a:t>内容が決まっているものは自動入力</a:t>
             </a:r>
-            <a:endParaRPr kumimoji="1" lang="ja-JP" altLang="en-US" sz="2000" dirty="0"/>
+            <a:endParaRPr kumimoji="1" lang="ja-JP" altLang="en-US" sz="2400" dirty="0"/>
           </a:p>
         </p:txBody>
       </p:sp>
@@ -21636,8 +21179,8 @@
         </p:blipFill>
         <p:spPr>
           <a:xfrm>
-            <a:off x="3999782" y="2885521"/>
-            <a:ext cx="5144218" cy="3972479"/>
+            <a:off x="4233796" y="2911717"/>
+            <a:ext cx="4860893" cy="3753689"/>
           </a:xfrm>
           <a:prstGeom prst="rect">
             <a:avLst/>
@@ -21870,10 +21413,758 @@
           </a:p>
         </p:txBody>
       </p:sp>
+      <p:sp>
+        <p:nvSpPr>
+          <p:cNvPr id="12" name="スライド番号プレースホルダー 11"/>
+          <p:cNvSpPr>
+            <a:spLocks noGrp="1"/>
+          </p:cNvSpPr>
+          <p:nvPr>
+            <p:ph type="sldNum" sz="quarter" idx="12"/>
+          </p:nvPr>
+        </p:nvSpPr>
+        <p:spPr/>
+        <p:txBody>
+          <a:bodyPr/>
+          <a:lstStyle/>
+          <a:p>
+            <a:fld id="{2545C336-1DFE-4309-99B0-717416AB1325}" type="slidenum">
+              <a:rPr kumimoji="1" lang="ja-JP" altLang="en-US" smtClean="0"/>
+              <a:t>8</a:t>
+            </a:fld>
+            <a:endParaRPr kumimoji="1" lang="ja-JP" altLang="en-US"/>
+          </a:p>
+        </p:txBody>
+      </p:sp>
     </p:spTree>
     <p:extLst>
       <p:ext uri="{BB962C8B-B14F-4D97-AF65-F5344CB8AC3E}">
         <p14:creationId xmlns:p14="http://schemas.microsoft.com/office/powerpoint/2010/main" val="573159715"/>
+      </p:ext>
+    </p:extLst>
+  </p:cSld>
+  <p:clrMapOvr>
+    <a:masterClrMapping/>
+  </p:clrMapOvr>
+  <p:timing>
+    <p:tnLst>
+      <p:par>
+        <p:cTn id="1" dur="indefinite" restart="never" nodeType="tmRoot"/>
+      </p:par>
+    </p:tnLst>
+  </p:timing>
+</p:sld>
+</file>
+
+<file path=ppt/slides/slide9.xml><?xml version="1.0" encoding="utf-8"?>
+<p:sld xmlns:a="http://schemas.openxmlformats.org/drawingml/2006/main" xmlns:r="http://schemas.openxmlformats.org/officeDocument/2006/relationships" xmlns:p="http://schemas.openxmlformats.org/presentationml/2006/main">
+  <p:cSld>
+    <p:spTree>
+      <p:nvGrpSpPr>
+        <p:cNvPr id="1" name=""/>
+        <p:cNvGrpSpPr/>
+        <p:nvPr/>
+      </p:nvGrpSpPr>
+      <p:grpSpPr>
+        <a:xfrm>
+          <a:off x="0" y="0"/>
+          <a:ext cx="0" cy="0"/>
+          <a:chOff x="0" y="0"/>
+          <a:chExt cx="0" cy="0"/>
+        </a:xfrm>
+      </p:grpSpPr>
+      <p:sp>
+        <p:nvSpPr>
+          <p:cNvPr id="20" name="正方形/長方形 19"/>
+          <p:cNvSpPr/>
+          <p:nvPr/>
+        </p:nvSpPr>
+        <p:spPr>
+          <a:xfrm>
+            <a:off x="354978" y="2410460"/>
+            <a:ext cx="1921207" cy="3554569"/>
+          </a:xfrm>
+          <a:prstGeom prst="rect">
+            <a:avLst/>
+          </a:prstGeom>
+          <a:solidFill>
+            <a:schemeClr val="accent2">
+              <a:lumMod val="20000"/>
+              <a:lumOff val="80000"/>
+            </a:schemeClr>
+          </a:solidFill>
+        </p:spPr>
+        <p:style>
+          <a:lnRef idx="2">
+            <a:schemeClr val="accent1">
+              <a:shade val="50000"/>
+            </a:schemeClr>
+          </a:lnRef>
+          <a:fillRef idx="1">
+            <a:schemeClr val="accent1"/>
+          </a:fillRef>
+          <a:effectRef idx="0">
+            <a:schemeClr val="accent1"/>
+          </a:effectRef>
+          <a:fontRef idx="minor">
+            <a:schemeClr val="lt1"/>
+          </a:fontRef>
+        </p:style>
+        <p:txBody>
+          <a:bodyPr rtlCol="0" anchor="ctr"/>
+          <a:lstStyle/>
+          <a:p>
+            <a:pPr algn="ctr"/>
+            <a:endParaRPr kumimoji="1" lang="ja-JP" altLang="en-US"/>
+          </a:p>
+        </p:txBody>
+      </p:sp>
+      <p:sp>
+        <p:nvSpPr>
+          <p:cNvPr id="2" name="タイトル 1"/>
+          <p:cNvSpPr>
+            <a:spLocks noGrp="1"/>
+          </p:cNvSpPr>
+          <p:nvPr>
+            <p:ph type="title"/>
+          </p:nvPr>
+        </p:nvSpPr>
+        <p:spPr>
+          <a:xfrm>
+            <a:off x="13290" y="140513"/>
+            <a:ext cx="6451904" cy="754154"/>
+          </a:xfrm>
+        </p:spPr>
+        <p:txBody>
+          <a:bodyPr>
+            <a:normAutofit/>
+          </a:bodyPr>
+          <a:lstStyle/>
+          <a:p>
+            <a:r>
+              <a:rPr lang="ja-JP" altLang="en-US" b="1" dirty="0" smtClean="0"/>
+              <a:t>評価</a:t>
+            </a:r>
+            <a:r>
+              <a:rPr lang="en-US" altLang="ja-JP" b="1" dirty="0" smtClean="0"/>
+              <a:t>(1/3)</a:t>
+            </a:r>
+            <a:endParaRPr kumimoji="1" lang="ja-JP" altLang="en-US" b="1" dirty="0"/>
+          </a:p>
+        </p:txBody>
+      </p:sp>
+      <p:sp>
+        <p:nvSpPr>
+          <p:cNvPr id="3" name="コンテンツ プレースホルダー 2"/>
+          <p:cNvSpPr>
+            <a:spLocks noGrp="1"/>
+          </p:cNvSpPr>
+          <p:nvPr>
+            <p:ph idx="1"/>
+          </p:nvPr>
+        </p:nvSpPr>
+        <p:spPr>
+          <a:xfrm>
+            <a:off x="744722" y="1255216"/>
+            <a:ext cx="7547410" cy="959950"/>
+          </a:xfrm>
+        </p:spPr>
+        <p:txBody>
+          <a:bodyPr>
+            <a:noAutofit/>
+          </a:bodyPr>
+          <a:lstStyle/>
+          <a:p>
+            <a:r>
+              <a:rPr kumimoji="1" lang="ja-JP" altLang="en-US" sz="2800" b="1" dirty="0" smtClean="0">
+                <a:solidFill>
+                  <a:srgbClr val="00B0F0"/>
+                </a:solidFill>
+              </a:rPr>
+              <a:t>被験者の学習時間，</a:t>
+            </a:r>
+            <a:endParaRPr kumimoji="1" lang="en-US" altLang="ja-JP" sz="2800" b="1" dirty="0" smtClean="0">
+              <a:solidFill>
+                <a:srgbClr val="00B0F0"/>
+              </a:solidFill>
+            </a:endParaRPr>
+          </a:p>
+          <a:p>
+            <a:r>
+              <a:rPr kumimoji="1" lang="ja-JP" altLang="en-US" sz="2800" b="1" dirty="0" smtClean="0">
+                <a:solidFill>
+                  <a:srgbClr val="00B0F0"/>
+                </a:solidFill>
+              </a:rPr>
+              <a:t>テンプレートファイル作成所要時間</a:t>
+            </a:r>
+            <a:r>
+              <a:rPr lang="ja-JP" altLang="en-US" sz="2800" b="1" dirty="0" smtClean="0">
+                <a:solidFill>
+                  <a:srgbClr val="00B0F0"/>
+                </a:solidFill>
+              </a:rPr>
+              <a:t>を記録</a:t>
+            </a:r>
+            <a:endParaRPr kumimoji="1" lang="ja-JP" altLang="en-US" sz="2800" b="1" dirty="0">
+              <a:solidFill>
+                <a:srgbClr val="00B0F0"/>
+              </a:solidFill>
+            </a:endParaRPr>
+          </a:p>
+        </p:txBody>
+      </p:sp>
+      <p:sp>
+        <p:nvSpPr>
+          <p:cNvPr id="4" name="正方形/長方形 3"/>
+          <p:cNvSpPr/>
+          <p:nvPr/>
+        </p:nvSpPr>
+        <p:spPr>
+          <a:xfrm>
+            <a:off x="357230" y="2410460"/>
+            <a:ext cx="8397025" cy="3554569"/>
+          </a:xfrm>
+          <a:prstGeom prst="rect">
+            <a:avLst/>
+          </a:prstGeom>
+          <a:noFill/>
+        </p:spPr>
+        <p:style>
+          <a:lnRef idx="2">
+            <a:schemeClr val="accent1">
+              <a:shade val="50000"/>
+            </a:schemeClr>
+          </a:lnRef>
+          <a:fillRef idx="1">
+            <a:schemeClr val="accent1"/>
+          </a:fillRef>
+          <a:effectRef idx="0">
+            <a:schemeClr val="accent1"/>
+          </a:effectRef>
+          <a:fontRef idx="minor">
+            <a:schemeClr val="lt1"/>
+          </a:fontRef>
+        </p:style>
+        <p:txBody>
+          <a:bodyPr rtlCol="0" anchor="ctr"/>
+          <a:lstStyle/>
+          <a:p>
+            <a:pPr algn="ctr"/>
+            <a:endParaRPr kumimoji="1" lang="ja-JP" altLang="en-US"/>
+          </a:p>
+        </p:txBody>
+      </p:sp>
+      <p:cxnSp>
+        <p:nvCxnSpPr>
+          <p:cNvPr id="6" name="直線コネクタ 5"/>
+          <p:cNvCxnSpPr/>
+          <p:nvPr/>
+        </p:nvCxnSpPr>
+        <p:spPr>
+          <a:xfrm>
+            <a:off x="354978" y="3170314"/>
+            <a:ext cx="8399277" cy="0"/>
+          </a:xfrm>
+          <a:prstGeom prst="line">
+            <a:avLst/>
+          </a:prstGeom>
+          <a:ln>
+            <a:solidFill>
+              <a:schemeClr val="tx1"/>
+            </a:solidFill>
+          </a:ln>
+        </p:spPr>
+        <p:style>
+          <a:lnRef idx="1">
+            <a:schemeClr val="accent1"/>
+          </a:lnRef>
+          <a:fillRef idx="0">
+            <a:schemeClr val="accent1"/>
+          </a:fillRef>
+          <a:effectRef idx="0">
+            <a:schemeClr val="accent1"/>
+          </a:effectRef>
+          <a:fontRef idx="minor">
+            <a:schemeClr val="tx1"/>
+          </a:fontRef>
+        </p:style>
+      </p:cxnSp>
+      <p:sp>
+        <p:nvSpPr>
+          <p:cNvPr id="7" name="テキスト ボックス 6"/>
+          <p:cNvSpPr txBox="1"/>
+          <p:nvPr/>
+        </p:nvSpPr>
+        <p:spPr>
+          <a:xfrm>
+            <a:off x="324906" y="2592741"/>
+            <a:ext cx="1481070" cy="461665"/>
+          </a:xfrm>
+          <a:prstGeom prst="rect">
+            <a:avLst/>
+          </a:prstGeom>
+          <a:noFill/>
+        </p:spPr>
+        <p:txBody>
+          <a:bodyPr wrap="square" rtlCol="0">
+            <a:spAutoFit/>
+          </a:bodyPr>
+          <a:lstStyle/>
+          <a:p>
+            <a:r>
+              <a:rPr kumimoji="1" lang="ja-JP" altLang="en-US" sz="2400" b="1" dirty="0" smtClean="0"/>
+              <a:t>実験内容</a:t>
+            </a:r>
+            <a:endParaRPr kumimoji="1" lang="ja-JP" altLang="en-US" sz="2400" b="1" dirty="0"/>
+          </a:p>
+        </p:txBody>
+      </p:sp>
+      <p:cxnSp>
+        <p:nvCxnSpPr>
+          <p:cNvPr id="9" name="直線コネクタ 8"/>
+          <p:cNvCxnSpPr/>
+          <p:nvPr/>
+        </p:nvCxnSpPr>
+        <p:spPr>
+          <a:xfrm>
+            <a:off x="2284617" y="2410460"/>
+            <a:ext cx="0" cy="3554569"/>
+          </a:xfrm>
+          <a:prstGeom prst="line">
+            <a:avLst/>
+          </a:prstGeom>
+          <a:ln>
+            <a:solidFill>
+              <a:schemeClr val="tx1"/>
+            </a:solidFill>
+          </a:ln>
+        </p:spPr>
+        <p:style>
+          <a:lnRef idx="1">
+            <a:schemeClr val="accent1"/>
+          </a:lnRef>
+          <a:fillRef idx="0">
+            <a:schemeClr val="accent1"/>
+          </a:fillRef>
+          <a:effectRef idx="0">
+            <a:schemeClr val="accent1"/>
+          </a:effectRef>
+          <a:fontRef idx="minor">
+            <a:schemeClr val="tx1"/>
+          </a:fontRef>
+        </p:style>
+      </p:cxnSp>
+      <p:sp>
+        <p:nvSpPr>
+          <p:cNvPr id="10" name="テキスト ボックス 9"/>
+          <p:cNvSpPr txBox="1"/>
+          <p:nvPr/>
+        </p:nvSpPr>
+        <p:spPr>
+          <a:xfrm>
+            <a:off x="2276185" y="2473659"/>
+            <a:ext cx="5583580" cy="646331"/>
+          </a:xfrm>
+          <a:prstGeom prst="rect">
+            <a:avLst/>
+          </a:prstGeom>
+          <a:noFill/>
+        </p:spPr>
+        <p:txBody>
+          <a:bodyPr wrap="none" rtlCol="0">
+            <a:spAutoFit/>
+          </a:bodyPr>
+          <a:lstStyle/>
+          <a:p>
+            <a:r>
+              <a:rPr kumimoji="1" lang="ja-JP" altLang="en-US" b="1" dirty="0" smtClean="0"/>
+              <a:t>従来方式とオーケストレーション定義エディタそれぞれで</a:t>
+            </a:r>
+            <a:endParaRPr kumimoji="1" lang="en-US" altLang="ja-JP" b="1" dirty="0" smtClean="0"/>
+          </a:p>
+          <a:p>
+            <a:r>
+              <a:rPr kumimoji="1" lang="ja-JP" altLang="en-US" b="1" dirty="0" smtClean="0"/>
+              <a:t>同じシステム構成を構築</a:t>
+            </a:r>
+            <a:endParaRPr kumimoji="1" lang="ja-JP" altLang="en-US" b="1" dirty="0"/>
+          </a:p>
+        </p:txBody>
+      </p:sp>
+      <p:cxnSp>
+        <p:nvCxnSpPr>
+          <p:cNvPr id="12" name="直線コネクタ 11"/>
+          <p:cNvCxnSpPr/>
+          <p:nvPr/>
+        </p:nvCxnSpPr>
+        <p:spPr>
+          <a:xfrm>
+            <a:off x="354978" y="3736984"/>
+            <a:ext cx="8399277" cy="0"/>
+          </a:xfrm>
+          <a:prstGeom prst="line">
+            <a:avLst/>
+          </a:prstGeom>
+          <a:ln>
+            <a:solidFill>
+              <a:schemeClr val="tx1"/>
+            </a:solidFill>
+          </a:ln>
+        </p:spPr>
+        <p:style>
+          <a:lnRef idx="1">
+            <a:schemeClr val="accent1"/>
+          </a:lnRef>
+          <a:fillRef idx="0">
+            <a:schemeClr val="accent1"/>
+          </a:fillRef>
+          <a:effectRef idx="0">
+            <a:schemeClr val="accent1"/>
+          </a:effectRef>
+          <a:fontRef idx="minor">
+            <a:schemeClr val="tx1"/>
+          </a:fontRef>
+        </p:style>
+      </p:cxnSp>
+      <p:sp>
+        <p:nvSpPr>
+          <p:cNvPr id="13" name="テキスト ボックス 12"/>
+          <p:cNvSpPr txBox="1"/>
+          <p:nvPr/>
+        </p:nvSpPr>
+        <p:spPr>
+          <a:xfrm>
+            <a:off x="354978" y="3220639"/>
+            <a:ext cx="2453426" cy="461665"/>
+          </a:xfrm>
+          <a:prstGeom prst="rect">
+            <a:avLst/>
+          </a:prstGeom>
+          <a:noFill/>
+        </p:spPr>
+        <p:txBody>
+          <a:bodyPr wrap="square" rtlCol="0">
+            <a:spAutoFit/>
+          </a:bodyPr>
+          <a:lstStyle/>
+          <a:p>
+            <a:r>
+              <a:rPr kumimoji="1" lang="ja-JP" altLang="en-US" sz="2400" dirty="0" smtClean="0"/>
+              <a:t>計測項目</a:t>
+            </a:r>
+            <a:endParaRPr kumimoji="1" lang="ja-JP" altLang="en-US" sz="2400" dirty="0"/>
+          </a:p>
+        </p:txBody>
+      </p:sp>
+      <p:sp>
+        <p:nvSpPr>
+          <p:cNvPr id="15" name="テキスト ボックス 14"/>
+          <p:cNvSpPr txBox="1"/>
+          <p:nvPr/>
+        </p:nvSpPr>
+        <p:spPr>
+          <a:xfrm>
+            <a:off x="2284617" y="3237874"/>
+            <a:ext cx="5454791" cy="369332"/>
+          </a:xfrm>
+          <a:prstGeom prst="rect">
+            <a:avLst/>
+          </a:prstGeom>
+          <a:noFill/>
+        </p:spPr>
+        <p:txBody>
+          <a:bodyPr wrap="square" rtlCol="0">
+            <a:spAutoFit/>
+          </a:bodyPr>
+          <a:lstStyle/>
+          <a:p>
+            <a:r>
+              <a:rPr kumimoji="1" lang="ja-JP" altLang="en-US" b="1" dirty="0" smtClean="0"/>
+              <a:t>学習時間，作成所要時間</a:t>
+            </a:r>
+            <a:endParaRPr kumimoji="1" lang="ja-JP" altLang="en-US" b="1" dirty="0"/>
+          </a:p>
+        </p:txBody>
+      </p:sp>
+      <p:cxnSp>
+        <p:nvCxnSpPr>
+          <p:cNvPr id="17" name="直線コネクタ 16"/>
+          <p:cNvCxnSpPr/>
+          <p:nvPr/>
+        </p:nvCxnSpPr>
+        <p:spPr>
+          <a:xfrm>
+            <a:off x="354978" y="4265018"/>
+            <a:ext cx="8399278" cy="0"/>
+          </a:xfrm>
+          <a:prstGeom prst="line">
+            <a:avLst/>
+          </a:prstGeom>
+          <a:ln>
+            <a:solidFill>
+              <a:schemeClr val="tx1"/>
+            </a:solidFill>
+          </a:ln>
+        </p:spPr>
+        <p:style>
+          <a:lnRef idx="1">
+            <a:schemeClr val="accent1"/>
+          </a:lnRef>
+          <a:fillRef idx="0">
+            <a:schemeClr val="accent1"/>
+          </a:fillRef>
+          <a:effectRef idx="0">
+            <a:schemeClr val="accent1"/>
+          </a:effectRef>
+          <a:fontRef idx="minor">
+            <a:schemeClr val="tx1"/>
+          </a:fontRef>
+        </p:style>
+      </p:cxnSp>
+      <p:sp>
+        <p:nvSpPr>
+          <p:cNvPr id="18" name="テキスト ボックス 17"/>
+          <p:cNvSpPr txBox="1"/>
+          <p:nvPr/>
+        </p:nvSpPr>
+        <p:spPr>
+          <a:xfrm>
+            <a:off x="357231" y="3771466"/>
+            <a:ext cx="1738648" cy="461665"/>
+          </a:xfrm>
+          <a:prstGeom prst="rect">
+            <a:avLst/>
+          </a:prstGeom>
+          <a:noFill/>
+        </p:spPr>
+        <p:txBody>
+          <a:bodyPr wrap="square" rtlCol="0">
+            <a:spAutoFit/>
+          </a:bodyPr>
+          <a:lstStyle/>
+          <a:p>
+            <a:r>
+              <a:rPr kumimoji="1" lang="ja-JP" altLang="en-US" sz="2400" dirty="0" smtClean="0"/>
+              <a:t>被験者</a:t>
+            </a:r>
+            <a:endParaRPr kumimoji="1" lang="ja-JP" altLang="en-US" sz="2400" dirty="0"/>
+          </a:p>
+        </p:txBody>
+      </p:sp>
+      <p:sp>
+        <p:nvSpPr>
+          <p:cNvPr id="19" name="テキスト ボックス 18"/>
+          <p:cNvSpPr txBox="1"/>
+          <p:nvPr/>
+        </p:nvSpPr>
+        <p:spPr>
+          <a:xfrm>
+            <a:off x="354978" y="4331387"/>
+            <a:ext cx="1996226" cy="461665"/>
+          </a:xfrm>
+          <a:prstGeom prst="rect">
+            <a:avLst/>
+          </a:prstGeom>
+          <a:noFill/>
+        </p:spPr>
+        <p:txBody>
+          <a:bodyPr wrap="square" rtlCol="0">
+            <a:spAutoFit/>
+          </a:bodyPr>
+          <a:lstStyle/>
+          <a:p>
+            <a:r>
+              <a:rPr kumimoji="1" lang="ja-JP" altLang="en-US" sz="2400" dirty="0" smtClean="0"/>
+              <a:t>システム構成</a:t>
+            </a:r>
+            <a:endParaRPr kumimoji="1" lang="ja-JP" altLang="en-US" sz="2400" dirty="0"/>
+          </a:p>
+        </p:txBody>
+      </p:sp>
+      <p:sp>
+        <p:nvSpPr>
+          <p:cNvPr id="21" name="テキスト ボックス 20"/>
+          <p:cNvSpPr txBox="1"/>
+          <p:nvPr/>
+        </p:nvSpPr>
+        <p:spPr>
+          <a:xfrm>
+            <a:off x="2351203" y="4331385"/>
+            <a:ext cx="5810942" cy="923330"/>
+          </a:xfrm>
+          <a:prstGeom prst="rect">
+            <a:avLst/>
+          </a:prstGeom>
+          <a:noFill/>
+        </p:spPr>
+        <p:txBody>
+          <a:bodyPr wrap="square" rtlCol="0">
+            <a:spAutoFit/>
+          </a:bodyPr>
+          <a:lstStyle/>
+          <a:p>
+            <a:r>
+              <a:rPr kumimoji="1" lang="en-US" altLang="ja-JP" b="1" dirty="0" smtClean="0"/>
+              <a:t>(Ⅰ)1</a:t>
+            </a:r>
+            <a:r>
+              <a:rPr kumimoji="1" lang="ja-JP" altLang="en-US" b="1" dirty="0" smtClean="0"/>
+              <a:t>セグメント構成</a:t>
+            </a:r>
+            <a:r>
+              <a:rPr kumimoji="1" lang="en-US" altLang="ja-JP" b="1" dirty="0" smtClean="0"/>
+              <a:t>(</a:t>
+            </a:r>
+            <a:r>
+              <a:rPr kumimoji="1" lang="ja-JP" altLang="en-US" b="1" dirty="0" smtClean="0"/>
+              <a:t>インスタンス数</a:t>
+            </a:r>
+            <a:r>
+              <a:rPr kumimoji="1" lang="en-US" altLang="ja-JP" b="1" dirty="0" smtClean="0"/>
+              <a:t>5</a:t>
+            </a:r>
+            <a:r>
+              <a:rPr kumimoji="1" lang="ja-JP" altLang="en-US" b="1" dirty="0" smtClean="0"/>
+              <a:t>台</a:t>
+            </a:r>
+            <a:r>
+              <a:rPr kumimoji="1" lang="en-US" altLang="ja-JP" b="1" dirty="0" smtClean="0"/>
+              <a:t>)</a:t>
+            </a:r>
+          </a:p>
+          <a:p>
+            <a:r>
+              <a:rPr lang="en-US" altLang="ja-JP" b="1" dirty="0" smtClean="0"/>
+              <a:t>(Ⅱ)2</a:t>
+            </a:r>
+            <a:r>
+              <a:rPr lang="ja-JP" altLang="en-US" b="1" dirty="0" smtClean="0"/>
+              <a:t>セグメント構成</a:t>
+            </a:r>
+            <a:r>
+              <a:rPr lang="en-US" altLang="ja-JP" b="1" dirty="0" smtClean="0"/>
+              <a:t>(</a:t>
+            </a:r>
+            <a:r>
+              <a:rPr lang="ja-JP" altLang="en-US" b="1" dirty="0" smtClean="0"/>
+              <a:t>インスタンス数</a:t>
+            </a:r>
+            <a:r>
+              <a:rPr lang="en-US" altLang="ja-JP" b="1" dirty="0" smtClean="0"/>
+              <a:t>5</a:t>
+            </a:r>
+            <a:r>
+              <a:rPr lang="ja-JP" altLang="en-US" b="1" dirty="0" smtClean="0"/>
+              <a:t>台</a:t>
+            </a:r>
+            <a:r>
+              <a:rPr lang="en-US" altLang="ja-JP" b="1" dirty="0" smtClean="0"/>
+              <a:t>)</a:t>
+            </a:r>
+          </a:p>
+          <a:p>
+            <a:r>
+              <a:rPr kumimoji="1" lang="en-US" altLang="ja-JP" b="1" dirty="0" smtClean="0"/>
+              <a:t>(Ⅲ)3</a:t>
+            </a:r>
+            <a:r>
+              <a:rPr kumimoji="1" lang="ja-JP" altLang="en-US" b="1" dirty="0" smtClean="0"/>
+              <a:t>セグメント構成</a:t>
+            </a:r>
+            <a:r>
+              <a:rPr kumimoji="1" lang="en-US" altLang="ja-JP" b="1" dirty="0" smtClean="0"/>
+              <a:t>(</a:t>
+            </a:r>
+            <a:r>
+              <a:rPr kumimoji="1" lang="ja-JP" altLang="en-US" b="1" dirty="0" smtClean="0"/>
+              <a:t>インスタンス数</a:t>
+            </a:r>
+            <a:r>
+              <a:rPr kumimoji="1" lang="en-US" altLang="ja-JP" b="1" dirty="0" smtClean="0"/>
+              <a:t>5</a:t>
+            </a:r>
+            <a:r>
+              <a:rPr kumimoji="1" lang="ja-JP" altLang="en-US" b="1" dirty="0" smtClean="0"/>
+              <a:t>台</a:t>
+            </a:r>
+            <a:r>
+              <a:rPr kumimoji="1" lang="en-US" altLang="ja-JP" b="1" dirty="0" smtClean="0"/>
+              <a:t>)</a:t>
+            </a:r>
+            <a:endParaRPr kumimoji="1" lang="ja-JP" altLang="en-US" b="1" dirty="0"/>
+          </a:p>
+        </p:txBody>
+      </p:sp>
+      <p:sp>
+        <p:nvSpPr>
+          <p:cNvPr id="5" name="テキスト ボックス 4"/>
+          <p:cNvSpPr txBox="1"/>
+          <p:nvPr/>
+        </p:nvSpPr>
+        <p:spPr>
+          <a:xfrm>
+            <a:off x="2284616" y="3771466"/>
+            <a:ext cx="6469639" cy="369332"/>
+          </a:xfrm>
+          <a:prstGeom prst="rect">
+            <a:avLst/>
+          </a:prstGeom>
+          <a:noFill/>
+        </p:spPr>
+        <p:txBody>
+          <a:bodyPr wrap="square" rtlCol="0">
+            <a:spAutoFit/>
+          </a:bodyPr>
+          <a:lstStyle/>
+          <a:p>
+            <a:r>
+              <a:rPr kumimoji="1" lang="en-US" altLang="ja-JP" b="1" dirty="0" smtClean="0"/>
+              <a:t>OpenStack</a:t>
+            </a:r>
+            <a:r>
+              <a:rPr kumimoji="1" lang="ja-JP" altLang="en-US" b="1" dirty="0" smtClean="0"/>
+              <a:t>に関する基本的な知識を有した</a:t>
+            </a:r>
+            <a:r>
+              <a:rPr lang="ja-JP" altLang="en-US" b="1" dirty="0"/>
+              <a:t>学生</a:t>
+            </a:r>
+            <a:r>
+              <a:rPr kumimoji="1" lang="ja-JP" altLang="en-US" b="1" dirty="0" smtClean="0"/>
+              <a:t>５名</a:t>
+            </a:r>
+            <a:endParaRPr kumimoji="1" lang="ja-JP" altLang="en-US" b="1" dirty="0"/>
+          </a:p>
+        </p:txBody>
+      </p:sp>
+      <p:sp>
+        <p:nvSpPr>
+          <p:cNvPr id="8" name="スライド番号プレースホルダー 7"/>
+          <p:cNvSpPr>
+            <a:spLocks noGrp="1"/>
+          </p:cNvSpPr>
+          <p:nvPr>
+            <p:ph type="sldNum" sz="quarter" idx="12"/>
+          </p:nvPr>
+        </p:nvSpPr>
+        <p:spPr/>
+        <p:txBody>
+          <a:bodyPr/>
+          <a:lstStyle/>
+          <a:p>
+            <a:fld id="{2545C336-1DFE-4309-99B0-717416AB1325}" type="slidenum">
+              <a:rPr kumimoji="1" lang="ja-JP" altLang="en-US" smtClean="0"/>
+              <a:t>9</a:t>
+            </a:fld>
+            <a:endParaRPr kumimoji="1" lang="ja-JP" altLang="en-US"/>
+          </a:p>
+        </p:txBody>
+      </p:sp>
+    </p:spTree>
+    <p:extLst>
+      <p:ext uri="{BB962C8B-B14F-4D97-AF65-F5344CB8AC3E}">
+        <p14:creationId xmlns:p14="http://schemas.microsoft.com/office/powerpoint/2010/main" val="3352068285"/>
       </p:ext>
     </p:extLst>
   </p:cSld>

--- a/卒業論文本体/発表用スライド_川口.pptx
+++ b/卒業論文本体/発表用スライド_川口.pptx
@@ -492,11 +492,11 @@
         </c:dLbls>
         <c:gapWidth val="219"/>
         <c:overlap val="-27"/>
-        <c:axId val="152488480"/>
-        <c:axId val="152487360"/>
+        <c:axId val="-1267768160"/>
+        <c:axId val="-1267769248"/>
       </c:barChart>
       <c:catAx>
-        <c:axId val="152488480"/>
+        <c:axId val="-1267768160"/>
         <c:scaling>
           <c:orientation val="minMax"/>
         </c:scaling>
@@ -595,7 +595,7 @@
             <a:endParaRPr lang="ja-JP"/>
           </a:p>
         </c:txPr>
-        <c:crossAx val="152487360"/>
+        <c:crossAx val="-1267769248"/>
         <c:crosses val="autoZero"/>
         <c:auto val="1"/>
         <c:lblAlgn val="ctr"/>
@@ -603,7 +603,7 @@
         <c:noMultiLvlLbl val="0"/>
       </c:catAx>
       <c:valAx>
-        <c:axId val="152487360"/>
+        <c:axId val="-1267769248"/>
         <c:scaling>
           <c:orientation val="minMax"/>
         </c:scaling>
@@ -723,7 +723,7 @@
             <a:endParaRPr lang="ja-JP"/>
           </a:p>
         </c:txPr>
-        <c:crossAx val="152488480"/>
+        <c:crossAx val="-1267768160"/>
         <c:crosses val="autoZero"/>
         <c:crossBetween val="between"/>
       </c:valAx>
@@ -1149,11 +1149,11 @@
         </c:dLbls>
         <c:gapWidth val="219"/>
         <c:overlap val="-27"/>
-        <c:axId val="123527152"/>
-        <c:axId val="123526592"/>
+        <c:axId val="-1267757280"/>
+        <c:axId val="-1267767072"/>
       </c:barChart>
       <c:catAx>
-        <c:axId val="123527152"/>
+        <c:axId val="-1267757280"/>
         <c:scaling>
           <c:orientation val="minMax"/>
         </c:scaling>
@@ -1252,7 +1252,7 @@
             <a:endParaRPr lang="ja-JP"/>
           </a:p>
         </c:txPr>
-        <c:crossAx val="123526592"/>
+        <c:crossAx val="-1267767072"/>
         <c:crosses val="autoZero"/>
         <c:auto val="1"/>
         <c:lblAlgn val="ctr"/>
@@ -1260,7 +1260,7 @@
         <c:noMultiLvlLbl val="0"/>
       </c:catAx>
       <c:valAx>
-        <c:axId val="123526592"/>
+        <c:axId val="-1267767072"/>
         <c:scaling>
           <c:orientation val="minMax"/>
         </c:scaling>
@@ -1380,7 +1380,7 @@
             <a:endParaRPr lang="ja-JP"/>
           </a:p>
         </c:txPr>
-        <c:crossAx val="123527152"/>
+        <c:crossAx val="-1267757280"/>
         <c:crosses val="autoZero"/>
         <c:crossBetween val="between"/>
       </c:valAx>
@@ -1589,9 +1589,7 @@
               <c:showPercent val="0"/>
               <c:showBubbleSize val="0"/>
               <c:extLst>
-                <c:ext xmlns:c15="http://schemas.microsoft.com/office/drawing/2012/chart" uri="{CE6537A1-D6FC-4f65-9D91-7224C49458BB}">
-                  <c15:layout/>
-                </c:ext>
+                <c:ext xmlns:c15="http://schemas.microsoft.com/office/drawing/2012/chart" uri="{CE6537A1-D6FC-4f65-9D91-7224C49458BB}"/>
               </c:extLst>
             </c:dLbl>
             <c:dLbl>
@@ -1610,9 +1608,7 @@
               <c:showPercent val="0"/>
               <c:showBubbleSize val="0"/>
               <c:extLst>
-                <c:ext xmlns:c15="http://schemas.microsoft.com/office/drawing/2012/chart" uri="{CE6537A1-D6FC-4f65-9D91-7224C49458BB}">
-                  <c15:layout/>
-                </c:ext>
+                <c:ext xmlns:c15="http://schemas.microsoft.com/office/drawing/2012/chart" uri="{CE6537A1-D6FC-4f65-9D91-7224C49458BB}"/>
               </c:extLst>
             </c:dLbl>
             <c:dLbl>
@@ -1631,9 +1627,7 @@
               <c:showPercent val="0"/>
               <c:showBubbleSize val="0"/>
               <c:extLst>
-                <c:ext xmlns:c15="http://schemas.microsoft.com/office/drawing/2012/chart" uri="{CE6537A1-D6FC-4f65-9D91-7224C49458BB}">
-                  <c15:layout/>
-                </c:ext>
+                <c:ext xmlns:c15="http://schemas.microsoft.com/office/drawing/2012/chart" uri="{CE6537A1-D6FC-4f65-9D91-7224C49458BB}"/>
               </c:extLst>
             </c:dLbl>
             <c:dLbl>
@@ -1652,9 +1646,7 @@
               <c:showPercent val="0"/>
               <c:showBubbleSize val="0"/>
               <c:extLst>
-                <c:ext xmlns:c15="http://schemas.microsoft.com/office/drawing/2012/chart" uri="{CE6537A1-D6FC-4f65-9D91-7224C49458BB}">
-                  <c15:layout/>
-                </c:ext>
+                <c:ext xmlns:c15="http://schemas.microsoft.com/office/drawing/2012/chart" uri="{CE6537A1-D6FC-4f65-9D91-7224C49458BB}"/>
               </c:extLst>
             </c:dLbl>
             <c:dLbl>
@@ -1673,9 +1665,7 @@
               <c:showPercent val="0"/>
               <c:showBubbleSize val="0"/>
               <c:extLst>
-                <c:ext xmlns:c15="http://schemas.microsoft.com/office/drawing/2012/chart" uri="{CE6537A1-D6FC-4f65-9D91-7224C49458BB}">
-                  <c15:layout/>
-                </c:ext>
+                <c:ext xmlns:c15="http://schemas.microsoft.com/office/drawing/2012/chart" uri="{CE6537A1-D6FC-4f65-9D91-7224C49458BB}"/>
               </c:extLst>
             </c:dLbl>
             <c:dLbl>
@@ -1694,9 +1684,7 @@
               <c:showPercent val="0"/>
               <c:showBubbleSize val="0"/>
               <c:extLst>
-                <c:ext xmlns:c15="http://schemas.microsoft.com/office/drawing/2012/chart" uri="{CE6537A1-D6FC-4f65-9D91-7224C49458BB}">
-                  <c15:layout/>
-                </c:ext>
+                <c:ext xmlns:c15="http://schemas.microsoft.com/office/drawing/2012/chart" uri="{CE6537A1-D6FC-4f65-9D91-7224C49458BB}"/>
               </c:extLst>
             </c:dLbl>
             <c:dLbl>
@@ -1715,9 +1703,7 @@
               <c:showPercent val="0"/>
               <c:showBubbleSize val="0"/>
               <c:extLst>
-                <c:ext xmlns:c15="http://schemas.microsoft.com/office/drawing/2012/chart" uri="{CE6537A1-D6FC-4f65-9D91-7224C49458BB}">
-                  <c15:layout/>
-                </c:ext>
+                <c:ext xmlns:c15="http://schemas.microsoft.com/office/drawing/2012/chart" uri="{CE6537A1-D6FC-4f65-9D91-7224C49458BB}"/>
               </c:extLst>
             </c:dLbl>
             <c:dLbl>
@@ -1736,9 +1722,7 @@
               <c:showPercent val="0"/>
               <c:showBubbleSize val="0"/>
               <c:extLst>
-                <c:ext xmlns:c15="http://schemas.microsoft.com/office/drawing/2012/chart" uri="{CE6537A1-D6FC-4f65-9D91-7224C49458BB}">
-                  <c15:layout/>
-                </c:ext>
+                <c:ext xmlns:c15="http://schemas.microsoft.com/office/drawing/2012/chart" uri="{CE6537A1-D6FC-4f65-9D91-7224C49458BB}"/>
               </c:extLst>
             </c:dLbl>
             <c:dLbl>
@@ -1757,9 +1741,7 @@
               <c:showPercent val="0"/>
               <c:showBubbleSize val="0"/>
               <c:extLst>
-                <c:ext xmlns:c15="http://schemas.microsoft.com/office/drawing/2012/chart" uri="{CE6537A1-D6FC-4f65-9D91-7224C49458BB}">
-                  <c15:layout/>
-                </c:ext>
+                <c:ext xmlns:c15="http://schemas.microsoft.com/office/drawing/2012/chart" uri="{CE6537A1-D6FC-4f65-9D91-7224C49458BB}"/>
               </c:extLst>
             </c:dLbl>
             <c:dLbl>
@@ -1778,9 +1760,7 @@
               <c:showPercent val="0"/>
               <c:showBubbleSize val="0"/>
               <c:extLst>
-                <c:ext xmlns:c15="http://schemas.microsoft.com/office/drawing/2012/chart" uri="{CE6537A1-D6FC-4f65-9D91-7224C49458BB}">
-                  <c15:layout/>
-                </c:ext>
+                <c:ext xmlns:c15="http://schemas.microsoft.com/office/drawing/2012/chart" uri="{CE6537A1-D6FC-4f65-9D91-7224C49458BB}"/>
               </c:extLst>
             </c:dLbl>
             <c:dLbl>
@@ -1799,9 +1779,7 @@
               <c:showPercent val="0"/>
               <c:showBubbleSize val="0"/>
               <c:extLst>
-                <c:ext xmlns:c15="http://schemas.microsoft.com/office/drawing/2012/chart" uri="{CE6537A1-D6FC-4f65-9D91-7224C49458BB}">
-                  <c15:layout/>
-                </c:ext>
+                <c:ext xmlns:c15="http://schemas.microsoft.com/office/drawing/2012/chart" uri="{CE6537A1-D6FC-4f65-9D91-7224C49458BB}"/>
               </c:extLst>
             </c:dLbl>
             <c:dLbl>
@@ -1820,9 +1798,7 @@
               <c:showPercent val="0"/>
               <c:showBubbleSize val="0"/>
               <c:extLst>
-                <c:ext xmlns:c15="http://schemas.microsoft.com/office/drawing/2012/chart" uri="{CE6537A1-D6FC-4f65-9D91-7224C49458BB}">
-                  <c15:layout/>
-                </c:ext>
+                <c:ext xmlns:c15="http://schemas.microsoft.com/office/drawing/2012/chart" uri="{CE6537A1-D6FC-4f65-9D91-7224C49458BB}"/>
               </c:extLst>
             </c:dLbl>
             <c:dLbl>
@@ -1841,9 +1817,7 @@
               <c:showPercent val="0"/>
               <c:showBubbleSize val="0"/>
               <c:extLst>
-                <c:ext xmlns:c15="http://schemas.microsoft.com/office/drawing/2012/chart" uri="{CE6537A1-D6FC-4f65-9D91-7224C49458BB}">
-                  <c15:layout/>
-                </c:ext>
+                <c:ext xmlns:c15="http://schemas.microsoft.com/office/drawing/2012/chart" uri="{CE6537A1-D6FC-4f65-9D91-7224C49458BB}"/>
               </c:extLst>
             </c:dLbl>
             <c:dLbl>
@@ -1862,9 +1836,7 @@
               <c:showPercent val="0"/>
               <c:showBubbleSize val="0"/>
               <c:extLst>
-                <c:ext xmlns:c15="http://schemas.microsoft.com/office/drawing/2012/chart" uri="{CE6537A1-D6FC-4f65-9D91-7224C49458BB}">
-                  <c15:layout/>
-                </c:ext>
+                <c:ext xmlns:c15="http://schemas.microsoft.com/office/drawing/2012/chart" uri="{CE6537A1-D6FC-4f65-9D91-7224C49458BB}"/>
               </c:extLst>
             </c:dLbl>
             <c:dLbl>
@@ -1883,9 +1855,7 @@
               <c:showPercent val="0"/>
               <c:showBubbleSize val="0"/>
               <c:extLst>
-                <c:ext xmlns:c15="http://schemas.microsoft.com/office/drawing/2012/chart" uri="{CE6537A1-D6FC-4f65-9D91-7224C49458BB}">
-                  <c15:layout/>
-                </c:ext>
+                <c:ext xmlns:c15="http://schemas.microsoft.com/office/drawing/2012/chart" uri="{CE6537A1-D6FC-4f65-9D91-7224C49458BB}"/>
               </c:extLst>
             </c:dLbl>
             <c:spPr>
@@ -2119,7 +2089,6 @@
             <c:showLeaderLines val="0"/>
             <c:extLst>
               <c:ext xmlns:c15="http://schemas.microsoft.com/office/drawing/2012/chart" uri="{CE6537A1-D6FC-4f65-9D91-7224C49458BB}">
-                <c15:layout/>
                 <c15:showLeaderLines val="1"/>
                 <c15:leaderLines>
                   <c:spPr>
@@ -2257,11 +2226,11 @@
         </c:dLbls>
         <c:gapWidth val="219"/>
         <c:overlap val="-27"/>
-        <c:axId val="123522672"/>
-        <c:axId val="123523792"/>
+        <c:axId val="-1267761088"/>
+        <c:axId val="-1267763264"/>
       </c:barChart>
       <c:catAx>
-        <c:axId val="123522672"/>
+        <c:axId val="-1267761088"/>
         <c:scaling>
           <c:orientation val="minMax"/>
         </c:scaling>
@@ -2301,7 +2270,7 @@
             <a:endParaRPr lang="ja-JP"/>
           </a:p>
         </c:txPr>
-        <c:crossAx val="123523792"/>
+        <c:crossAx val="-1267763264"/>
         <c:crosses val="autoZero"/>
         <c:auto val="1"/>
         <c:lblAlgn val="ctr"/>
@@ -2309,7 +2278,7 @@
         <c:noMultiLvlLbl val="0"/>
       </c:catAx>
       <c:valAx>
-        <c:axId val="123523792"/>
+        <c:axId val="-1267763264"/>
         <c:scaling>
           <c:orientation val="minMax"/>
         </c:scaling>
@@ -2368,7 +2337,6 @@
               </a:p>
             </c:rich>
           </c:tx>
-          <c:layout/>
           <c:overlay val="0"/>
           <c:spPr>
             <a:noFill/>
@@ -2429,7 +2397,7 @@
             <a:endParaRPr lang="ja-JP"/>
           </a:p>
         </c:txPr>
-        <c:crossAx val="123522672"/>
+        <c:crossAx val="-1267761088"/>
         <c:crosses val="autoZero"/>
         <c:crossBetween val="between"/>
       </c:valAx>
@@ -2443,7 +2411,6 @@
     </c:plotArea>
     <c:legend>
       <c:legendPos val="b"/>
-      <c:layout/>
       <c:overlay val="0"/>
       <c:spPr>
         <a:noFill/>
@@ -2547,7 +2514,6 @@
           </a:p>
         </c:rich>
       </c:tx>
-      <c:layout/>
       <c:overlay val="0"/>
       <c:spPr>
         <a:noFill/>
@@ -2660,7 +2626,6 @@
             <c:showLeaderLines val="0"/>
             <c:extLst>
               <c:ext xmlns:c15="http://schemas.microsoft.com/office/drawing/2012/chart" uri="{CE6537A1-D6FC-4f65-9D91-7224C49458BB}">
-                <c15:layout/>
                 <c15:showLeaderLines val="1"/>
                 <c15:leaderLines>
                   <c:spPr>
@@ -2851,7 +2816,6 @@
             <c:showLeaderLines val="0"/>
             <c:extLst>
               <c:ext xmlns:c15="http://schemas.microsoft.com/office/drawing/2012/chart" uri="{CE6537A1-D6FC-4f65-9D91-7224C49458BB}">
-                <c15:layout/>
                 <c15:showLeaderLines val="1"/>
                 <c15:leaderLines>
                   <c:spPr>
@@ -2989,11 +2953,11 @@
         </c:dLbls>
         <c:gapWidth val="219"/>
         <c:overlap val="-27"/>
-        <c:axId val="158454352"/>
-        <c:axId val="156649456"/>
+        <c:axId val="-1267758912"/>
+        <c:axId val="-1267756736"/>
       </c:barChart>
       <c:catAx>
-        <c:axId val="158454352"/>
+        <c:axId val="-1267758912"/>
         <c:scaling>
           <c:orientation val="minMax"/>
         </c:scaling>
@@ -3036,7 +3000,7 @@
             <a:endParaRPr lang="ja-JP"/>
           </a:p>
         </c:txPr>
-        <c:crossAx val="156649456"/>
+        <c:crossAx val="-1267756736"/>
         <c:crosses val="autoZero"/>
         <c:auto val="1"/>
         <c:lblAlgn val="ctr"/>
@@ -3044,7 +3008,7 @@
         <c:noMultiLvlLbl val="0"/>
       </c:catAx>
       <c:valAx>
-        <c:axId val="156649456"/>
+        <c:axId val="-1267756736"/>
         <c:scaling>
           <c:orientation val="minMax"/>
         </c:scaling>
@@ -3103,7 +3067,6 @@
               </a:p>
             </c:rich>
           </c:tx>
-          <c:layout/>
           <c:overlay val="0"/>
           <c:spPr>
             <a:noFill/>
@@ -3164,7 +3127,7 @@
             <a:endParaRPr lang="ja-JP"/>
           </a:p>
         </c:txPr>
-        <c:crossAx val="158454352"/>
+        <c:crossAx val="-1267758912"/>
         <c:crosses val="autoZero"/>
         <c:crossBetween val="between"/>
       </c:valAx>
@@ -3178,7 +3141,6 @@
     </c:plotArea>
     <c:legend>
       <c:legendPos val="b"/>
-      <c:layout/>
       <c:overlay val="0"/>
       <c:spPr>
         <a:noFill/>
@@ -6198,7 +6160,7 @@
           <a:p>
             <a:fld id="{1D2B6E0B-CE0C-4226-9022-18809A19516C}" type="datetimeFigureOut">
               <a:rPr kumimoji="1" lang="ja-JP" altLang="en-US" smtClean="0"/>
-              <a:t>2016/2/13</a:t>
+              <a:t>2016/2/15</a:t>
             </a:fld>
             <a:endParaRPr kumimoji="1" lang="ja-JP" altLang="en-US"/>
           </a:p>
@@ -16080,11 +16042,7 @@
             <a:pPr algn="ctr"/>
             <a:r>
               <a:rPr kumimoji="1" lang="ja-JP" altLang="en-US" dirty="0" smtClean="0"/>
-              <a:t>（</a:t>
-            </a:r>
-            <a:r>
-              <a:rPr kumimoji="1" lang="ja-JP" altLang="en-US" dirty="0" smtClean="0"/>
-              <a:t>分散処理</a:t>
+              <a:t>（分散処理</a:t>
             </a:r>
             <a:r>
               <a:rPr kumimoji="1" lang="en-US" altLang="ja-JP" dirty="0" smtClean="0"/>
@@ -16626,15 +16584,15 @@
             </a:r>
             <a:r>
               <a:rPr kumimoji="1" lang="ja-JP" altLang="en-US" sz="2400" dirty="0" smtClean="0"/>
-              <a:t>専門知識を意識することなく</a:t>
-            </a:r>
-            <a:r>
-              <a:rPr kumimoji="1" lang="en-US" altLang="ja-JP" sz="2400" dirty="0" smtClean="0"/>
-              <a:t>Heat</a:t>
+              <a:t>専門知識を意識すること</a:t>
             </a:r>
             <a:r>
               <a:rPr kumimoji="1" lang="ja-JP" altLang="en-US" sz="2400" dirty="0" smtClean="0"/>
-              <a:t>テンプレートファイルを作成可能なオーケストレーション定義エディタを実現</a:t>
+              <a:t>なくテンプレートファイル</a:t>
+            </a:r>
+            <a:r>
+              <a:rPr kumimoji="1" lang="ja-JP" altLang="en-US" sz="2400" dirty="0" smtClean="0"/>
+              <a:t>を作成可能なオーケストレーション定義エディタを実現</a:t>
             </a:r>
             <a:endParaRPr kumimoji="1" lang="en-US" altLang="ja-JP" sz="2400" dirty="0" smtClean="0"/>
           </a:p>
@@ -16668,15 +16626,19 @@
             </a:pPr>
             <a:r>
               <a:rPr lang="ja-JP" altLang="en-US" sz="2800" u="sng" dirty="0"/>
-              <a:t>従来の方式よりも少ない学習時間で容易に短時間かつ正確に</a:t>
-            </a:r>
-            <a:r>
-              <a:rPr lang="en-US" altLang="ja-JP" sz="2800" u="sng" dirty="0"/>
-              <a:t>Heat</a:t>
+              <a:t>従来の方式よりも少ない学習時間で容易に短時間かつ</a:t>
+            </a:r>
+            <a:r>
+              <a:rPr lang="ja-JP" altLang="en-US" sz="2800" u="sng"/>
+              <a:t>正確</a:t>
+            </a:r>
+            <a:r>
+              <a:rPr lang="ja-JP" altLang="en-US" sz="2800" u="sng" smtClean="0"/>
+              <a:t>にテンプレートファイル</a:t>
             </a:r>
             <a:r>
               <a:rPr lang="ja-JP" altLang="en-US" sz="2800" u="sng" dirty="0"/>
-              <a:t>テンプレートファイルを作成可能</a:t>
+              <a:t>を作成可能</a:t>
             </a:r>
           </a:p>
           <a:p>
@@ -17474,15 +17436,7 @@
             </a:r>
             <a:r>
               <a:rPr kumimoji="1" lang="ja-JP" altLang="en-US" sz="2400" dirty="0" smtClean="0"/>
-              <a:t>インフラ</a:t>
-            </a:r>
-            <a:r>
-              <a:rPr kumimoji="1" lang="ja-JP" altLang="en-US" sz="2400" smtClean="0"/>
-              <a:t>をネット経由</a:t>
-            </a:r>
-            <a:r>
-              <a:rPr kumimoji="1" lang="ja-JP" altLang="en-US" sz="2400" dirty="0" smtClean="0"/>
-              <a:t>で提供するサービス</a:t>
+              <a:t>インフラをネットワーク経由で提供するサービス</a:t>
             </a:r>
             <a:endParaRPr kumimoji="1" lang="ja-JP" altLang="en-US" sz="2400" dirty="0"/>
           </a:p>
@@ -17993,11 +17947,7 @@
             </a:r>
             <a:r>
               <a:rPr lang="ja-JP" altLang="en-US" sz="2400" dirty="0" smtClean="0"/>
-              <a:t>を</a:t>
-            </a:r>
-            <a:r>
-              <a:rPr lang="ja-JP" altLang="en-US" sz="2400" dirty="0" smtClean="0"/>
-              <a:t>制御，一括で定義し構築する</a:t>
+              <a:t>を制御，一括で定義し構築する</a:t>
             </a:r>
             <a:endParaRPr kumimoji="1" lang="en-US" altLang="ja-JP" sz="2400" dirty="0" smtClean="0"/>
           </a:p>
@@ -19733,11 +19683,7 @@
             </a:r>
             <a:r>
               <a:rPr lang="en-US" altLang="ja-JP" b="1" dirty="0" smtClean="0"/>
-              <a:t>(</a:t>
-            </a:r>
-            <a:r>
-              <a:rPr lang="en-US" altLang="ja-JP" b="1" dirty="0" smtClean="0"/>
-              <a:t>1/3)</a:t>
+              <a:t>(1/3)</a:t>
             </a:r>
             <a:endParaRPr kumimoji="1" lang="ja-JP" altLang="en-US" b="1" dirty="0"/>
           </a:p>
@@ -20511,11 +20457,7 @@
             </a:r>
             <a:r>
               <a:rPr kumimoji="1" lang="en-US" altLang="ja-JP" b="1" dirty="0" smtClean="0"/>
-              <a:t>(</a:t>
-            </a:r>
-            <a:r>
-              <a:rPr kumimoji="1" lang="en-US" altLang="ja-JP" b="1" dirty="0" smtClean="0"/>
-              <a:t>2/3)</a:t>
+              <a:t>(2/3)</a:t>
             </a:r>
             <a:endParaRPr kumimoji="1" lang="ja-JP" altLang="en-US" b="1" dirty="0"/>
           </a:p>
@@ -20883,8 +20825,8 @@
         </p:nvSpPr>
         <p:spPr>
           <a:xfrm>
-            <a:off x="1452770" y="6533778"/>
-            <a:ext cx="2587055" cy="369332"/>
+            <a:off x="1675331" y="6516229"/>
+            <a:ext cx="2141933" cy="369332"/>
           </a:xfrm>
           <a:prstGeom prst="rect">
             <a:avLst/>
@@ -20898,11 +20840,7 @@
           <a:lstStyle/>
           <a:p>
             <a:r>
-              <a:rPr lang="en-US" altLang="ja-JP" dirty="0" smtClean="0"/>
-              <a:t>Heat</a:t>
-            </a:r>
-            <a:r>
-              <a:rPr lang="ja-JP" altLang="en-US" dirty="0"/>
+              <a:rPr lang="ja-JP" altLang="en-US" dirty="0" smtClean="0"/>
               <a:t>テンプレートファイル</a:t>
             </a:r>
             <a:endParaRPr kumimoji="1" lang="ja-JP" altLang="en-US" dirty="0"/>
@@ -21147,11 +21085,7 @@
             </a:pPr>
             <a:r>
               <a:rPr kumimoji="1" lang="ja-JP" altLang="en-US" sz="2400" dirty="0" smtClean="0"/>
-              <a:t>入力</a:t>
-            </a:r>
-            <a:r>
-              <a:rPr kumimoji="1" lang="ja-JP" altLang="en-US" sz="2400" dirty="0" smtClean="0"/>
-              <a:t>内容が決まっているものは自動入力</a:t>
+              <a:t>入力内容が決まっているものは自動入力</a:t>
             </a:r>
             <a:endParaRPr kumimoji="1" lang="ja-JP" altLang="en-US" sz="2400" dirty="0"/>
           </a:p>
@@ -21357,8 +21291,8 @@
         </p:nvSpPr>
         <p:spPr>
           <a:xfrm>
-            <a:off x="687861" y="2971001"/>
-            <a:ext cx="2587055" cy="369332"/>
+            <a:off x="892304" y="3015242"/>
+            <a:ext cx="2141933" cy="369332"/>
           </a:xfrm>
           <a:prstGeom prst="rect">
             <a:avLst/>
@@ -21371,10 +21305,6 @@
           </a:bodyPr>
           <a:lstStyle/>
           <a:p>
-            <a:r>
-              <a:rPr kumimoji="1" lang="en-US" altLang="ja-JP" dirty="0" smtClean="0"/>
-              <a:t>Heat</a:t>
-            </a:r>
             <a:r>
               <a:rPr kumimoji="1" lang="ja-JP" altLang="en-US" dirty="0" smtClean="0"/>
               <a:t>テンプレートファイル</a:t>

--- a/卒業論文本体/発表用スライド_川口.pptx
+++ b/卒業論文本体/発表用スライド_川口.pptx
@@ -182,7 +182,6 @@
           </a:p>
         </c:rich>
       </c:tx>
-      <c:layout/>
       <c:overlay val="0"/>
       <c:spPr>
         <a:noFill/>
@@ -283,7 +282,6 @@
             <c:showLeaderLines val="0"/>
             <c:extLst>
               <c:ext xmlns:c15="http://schemas.microsoft.com/office/drawing/2012/chart" uri="{CE6537A1-D6FC-4f65-9D91-7224C49458BB}">
-                <c15:layout/>
                 <c15:showLeaderLines val="1"/>
                 <c15:leaderLines>
                   <c:spPr>
@@ -414,7 +412,6 @@
             <c:showLeaderLines val="0"/>
             <c:extLst>
               <c:ext xmlns:c15="http://schemas.microsoft.com/office/drawing/2012/chart" uri="{CE6537A1-D6FC-4f65-9D91-7224C49458BB}">
-                <c15:layout/>
                 <c15:showLeaderLines val="1"/>
                 <c15:leaderLines>
                   <c:spPr>
@@ -492,11 +489,11 @@
         </c:dLbls>
         <c:gapWidth val="219"/>
         <c:overlap val="-27"/>
-        <c:axId val="-1267768160"/>
-        <c:axId val="-1267769248"/>
+        <c:axId val="2064405648"/>
+        <c:axId val="2064408912"/>
       </c:barChart>
       <c:catAx>
-        <c:axId val="-1267768160"/>
+        <c:axId val="2064405648"/>
         <c:scaling>
           <c:orientation val="minMax"/>
         </c:scaling>
@@ -528,7 +525,6 @@
               </a:p>
             </c:rich>
           </c:tx>
-          <c:layout/>
           <c:overlay val="0"/>
           <c:spPr>
             <a:noFill/>
@@ -595,7 +591,7 @@
             <a:endParaRPr lang="ja-JP"/>
           </a:p>
         </c:txPr>
-        <c:crossAx val="-1267769248"/>
+        <c:crossAx val="2064408912"/>
         <c:crosses val="autoZero"/>
         <c:auto val="1"/>
         <c:lblAlgn val="ctr"/>
@@ -603,7 +599,7 @@
         <c:noMultiLvlLbl val="0"/>
       </c:catAx>
       <c:valAx>
-        <c:axId val="-1267769248"/>
+        <c:axId val="2064408912"/>
         <c:scaling>
           <c:orientation val="minMax"/>
         </c:scaling>
@@ -662,7 +658,6 @@
               </a:p>
             </c:rich>
           </c:tx>
-          <c:layout/>
           <c:overlay val="0"/>
           <c:spPr>
             <a:noFill/>
@@ -723,7 +718,7 @@
             <a:endParaRPr lang="ja-JP"/>
           </a:p>
         </c:txPr>
-        <c:crossAx val="-1267768160"/>
+        <c:crossAx val="2064405648"/>
         <c:crosses val="autoZero"/>
         <c:crossBetween val="between"/>
       </c:valAx>
@@ -737,7 +732,6 @@
     </c:plotArea>
     <c:legend>
       <c:legendPos val="b"/>
-      <c:layout/>
       <c:overlay val="0"/>
       <c:spPr>
         <a:noFill/>
@@ -839,7 +833,6 @@
           </a:p>
         </c:rich>
       </c:tx>
-      <c:layout/>
       <c:overlay val="0"/>
       <c:spPr>
         <a:noFill/>
@@ -940,7 +933,6 @@
             <c:showLeaderLines val="0"/>
             <c:extLst>
               <c:ext xmlns:c15="http://schemas.microsoft.com/office/drawing/2012/chart" uri="{CE6537A1-D6FC-4f65-9D91-7224C49458BB}">
-                <c15:layout/>
                 <c15:showLeaderLines val="1"/>
                 <c15:leaderLines>
                   <c:spPr>
@@ -1071,7 +1063,6 @@
             <c:showLeaderLines val="0"/>
             <c:extLst>
               <c:ext xmlns:c15="http://schemas.microsoft.com/office/drawing/2012/chart" uri="{CE6537A1-D6FC-4f65-9D91-7224C49458BB}">
-                <c15:layout/>
                 <c15:showLeaderLines val="1"/>
                 <c15:leaderLines>
                   <c:spPr>
@@ -1149,11 +1140,11 @@
         </c:dLbls>
         <c:gapWidth val="219"/>
         <c:overlap val="-27"/>
-        <c:axId val="-1267757280"/>
-        <c:axId val="-1267767072"/>
+        <c:axId val="2064411088"/>
+        <c:axId val="2064399664"/>
       </c:barChart>
       <c:catAx>
-        <c:axId val="-1267757280"/>
+        <c:axId val="2064411088"/>
         <c:scaling>
           <c:orientation val="minMax"/>
         </c:scaling>
@@ -1185,7 +1176,6 @@
               </a:p>
             </c:rich>
           </c:tx>
-          <c:layout/>
           <c:overlay val="0"/>
           <c:spPr>
             <a:noFill/>
@@ -1252,7 +1242,7 @@
             <a:endParaRPr lang="ja-JP"/>
           </a:p>
         </c:txPr>
-        <c:crossAx val="-1267767072"/>
+        <c:crossAx val="2064399664"/>
         <c:crosses val="autoZero"/>
         <c:auto val="1"/>
         <c:lblAlgn val="ctr"/>
@@ -1260,7 +1250,7 @@
         <c:noMultiLvlLbl val="0"/>
       </c:catAx>
       <c:valAx>
-        <c:axId val="-1267767072"/>
+        <c:axId val="2064399664"/>
         <c:scaling>
           <c:orientation val="minMax"/>
         </c:scaling>
@@ -1319,7 +1309,6 @@
               </a:p>
             </c:rich>
           </c:tx>
-          <c:layout/>
           <c:overlay val="0"/>
           <c:spPr>
             <a:noFill/>
@@ -1380,7 +1369,7 @@
             <a:endParaRPr lang="ja-JP"/>
           </a:p>
         </c:txPr>
-        <c:crossAx val="-1267757280"/>
+        <c:crossAx val="2064411088"/>
         <c:crosses val="autoZero"/>
         <c:crossBetween val="between"/>
       </c:valAx>
@@ -1394,7 +1383,6 @@
     </c:plotArea>
     <c:legend>
       <c:legendPos val="b"/>
-      <c:layout/>
       <c:overlay val="0"/>
       <c:spPr>
         <a:noFill/>
@@ -2226,11 +2214,11 @@
         </c:dLbls>
         <c:gapWidth val="219"/>
         <c:overlap val="-27"/>
-        <c:axId val="-1267761088"/>
-        <c:axId val="-1267763264"/>
+        <c:axId val="2064401296"/>
+        <c:axId val="2064403472"/>
       </c:barChart>
       <c:catAx>
-        <c:axId val="-1267761088"/>
+        <c:axId val="2064401296"/>
         <c:scaling>
           <c:orientation val="minMax"/>
         </c:scaling>
@@ -2270,7 +2258,7 @@
             <a:endParaRPr lang="ja-JP"/>
           </a:p>
         </c:txPr>
-        <c:crossAx val="-1267763264"/>
+        <c:crossAx val="2064403472"/>
         <c:crosses val="autoZero"/>
         <c:auto val="1"/>
         <c:lblAlgn val="ctr"/>
@@ -2278,7 +2266,7 @@
         <c:noMultiLvlLbl val="0"/>
       </c:catAx>
       <c:valAx>
-        <c:axId val="-1267763264"/>
+        <c:axId val="2064403472"/>
         <c:scaling>
           <c:orientation val="minMax"/>
         </c:scaling>
@@ -2397,7 +2385,7 @@
             <a:endParaRPr lang="ja-JP"/>
           </a:p>
         </c:txPr>
-        <c:crossAx val="-1267761088"/>
+        <c:crossAx val="2064401296"/>
         <c:crosses val="autoZero"/>
         <c:crossBetween val="between"/>
       </c:valAx>
@@ -2953,11 +2941,11 @@
         </c:dLbls>
         <c:gapWidth val="219"/>
         <c:overlap val="-27"/>
-        <c:axId val="-1267758912"/>
-        <c:axId val="-1267756736"/>
+        <c:axId val="2064412176"/>
+        <c:axId val="2064413808"/>
       </c:barChart>
       <c:catAx>
-        <c:axId val="-1267758912"/>
+        <c:axId val="2064412176"/>
         <c:scaling>
           <c:orientation val="minMax"/>
         </c:scaling>
@@ -3000,7 +2988,7 @@
             <a:endParaRPr lang="ja-JP"/>
           </a:p>
         </c:txPr>
-        <c:crossAx val="-1267756736"/>
+        <c:crossAx val="2064413808"/>
         <c:crosses val="autoZero"/>
         <c:auto val="1"/>
         <c:lblAlgn val="ctr"/>
@@ -3008,7 +2996,7 @@
         <c:noMultiLvlLbl val="0"/>
       </c:catAx>
       <c:valAx>
-        <c:axId val="-1267756736"/>
+        <c:axId val="2064413808"/>
         <c:scaling>
           <c:orientation val="minMax"/>
         </c:scaling>
@@ -3127,7 +3115,7 @@
             <a:endParaRPr lang="ja-JP"/>
           </a:p>
         </c:txPr>
-        <c:crossAx val="-1267758912"/>
+        <c:crossAx val="2064412176"/>
         <c:crosses val="autoZero"/>
         <c:crossBetween val="between"/>
       </c:valAx>
@@ -16584,15 +16572,7 @@
             </a:r>
             <a:r>
               <a:rPr kumimoji="1" lang="ja-JP" altLang="en-US" sz="2400" dirty="0" smtClean="0"/>
-              <a:t>専門知識を意識すること</a:t>
-            </a:r>
-            <a:r>
-              <a:rPr kumimoji="1" lang="ja-JP" altLang="en-US" sz="2400" dirty="0" smtClean="0"/>
-              <a:t>なくテンプレートファイル</a:t>
-            </a:r>
-            <a:r>
-              <a:rPr kumimoji="1" lang="ja-JP" altLang="en-US" sz="2400" dirty="0" smtClean="0"/>
-              <a:t>を作成可能なオーケストレーション定義エディタを実現</a:t>
+              <a:t>専門知識を意識することなくテンプレートファイルを作成可能なオーケストレーション定義エディタを実現</a:t>
             </a:r>
             <a:endParaRPr kumimoji="1" lang="en-US" altLang="ja-JP" sz="2400" dirty="0" smtClean="0"/>
           </a:p>
@@ -17375,7 +17355,19 @@
             </a:pPr>
             <a:r>
               <a:rPr kumimoji="1" lang="ja-JP" altLang="en-US" sz="2400" dirty="0" smtClean="0"/>
-              <a:t>ネットワーク上の資源をネット経由で使用すること</a:t>
+              <a:t>ネットワーク上の資源</a:t>
+            </a:r>
+            <a:r>
+              <a:rPr kumimoji="1" lang="ja-JP" altLang="en-US" sz="2400" smtClean="0"/>
+              <a:t>を</a:t>
+            </a:r>
+            <a:r>
+              <a:rPr kumimoji="1" lang="ja-JP" altLang="en-US" sz="2400" smtClean="0"/>
+              <a:t>ネットワーク経由</a:t>
+            </a:r>
+            <a:r>
+              <a:rPr kumimoji="1" lang="ja-JP" altLang="en-US" sz="2400" dirty="0" smtClean="0"/>
+              <a:t>で使用すること</a:t>
             </a:r>
             <a:endParaRPr kumimoji="1" lang="ja-JP" altLang="en-US" sz="2400" dirty="0"/>
           </a:p>

--- a/卒業論文本体/発表用スライド_川口.pptx
+++ b/卒業論文本体/発表用スライド_川口.pptx
@@ -489,11 +489,11 @@
         </c:dLbls>
         <c:gapWidth val="219"/>
         <c:overlap val="-27"/>
-        <c:axId val="2064405648"/>
-        <c:axId val="2064408912"/>
+        <c:axId val="-123865120"/>
+        <c:axId val="-123851520"/>
       </c:barChart>
       <c:catAx>
-        <c:axId val="2064405648"/>
+        <c:axId val="-123865120"/>
         <c:scaling>
           <c:orientation val="minMax"/>
         </c:scaling>
@@ -591,7 +591,7 @@
             <a:endParaRPr lang="ja-JP"/>
           </a:p>
         </c:txPr>
-        <c:crossAx val="2064408912"/>
+        <c:crossAx val="-123851520"/>
         <c:crosses val="autoZero"/>
         <c:auto val="1"/>
         <c:lblAlgn val="ctr"/>
@@ -599,7 +599,7 @@
         <c:noMultiLvlLbl val="0"/>
       </c:catAx>
       <c:valAx>
-        <c:axId val="2064408912"/>
+        <c:axId val="-123851520"/>
         <c:scaling>
           <c:orientation val="minMax"/>
         </c:scaling>
@@ -718,7 +718,7 @@
             <a:endParaRPr lang="ja-JP"/>
           </a:p>
         </c:txPr>
-        <c:crossAx val="2064405648"/>
+        <c:crossAx val="-123865120"/>
         <c:crosses val="autoZero"/>
         <c:crossBetween val="between"/>
       </c:valAx>
@@ -1140,11 +1140,11 @@
         </c:dLbls>
         <c:gapWidth val="219"/>
         <c:overlap val="-27"/>
-        <c:axId val="2064411088"/>
-        <c:axId val="2064399664"/>
+        <c:axId val="-123865664"/>
+        <c:axId val="-123859136"/>
       </c:barChart>
       <c:catAx>
-        <c:axId val="2064411088"/>
+        <c:axId val="-123865664"/>
         <c:scaling>
           <c:orientation val="minMax"/>
         </c:scaling>
@@ -1242,7 +1242,7 @@
             <a:endParaRPr lang="ja-JP"/>
           </a:p>
         </c:txPr>
-        <c:crossAx val="2064399664"/>
+        <c:crossAx val="-123859136"/>
         <c:crosses val="autoZero"/>
         <c:auto val="1"/>
         <c:lblAlgn val="ctr"/>
@@ -1250,7 +1250,7 @@
         <c:noMultiLvlLbl val="0"/>
       </c:catAx>
       <c:valAx>
-        <c:axId val="2064399664"/>
+        <c:axId val="-123859136"/>
         <c:scaling>
           <c:orientation val="minMax"/>
         </c:scaling>
@@ -1369,7 +1369,7 @@
             <a:endParaRPr lang="ja-JP"/>
           </a:p>
         </c:txPr>
-        <c:crossAx val="2064411088"/>
+        <c:crossAx val="-123865664"/>
         <c:crosses val="autoZero"/>
         <c:crossBetween val="between"/>
       </c:valAx>
@@ -2214,11 +2214,11 @@
         </c:dLbls>
         <c:gapWidth val="219"/>
         <c:overlap val="-27"/>
-        <c:axId val="2064401296"/>
-        <c:axId val="2064403472"/>
+        <c:axId val="-123858592"/>
+        <c:axId val="-123864576"/>
       </c:barChart>
       <c:catAx>
-        <c:axId val="2064401296"/>
+        <c:axId val="-123858592"/>
         <c:scaling>
           <c:orientation val="minMax"/>
         </c:scaling>
@@ -2258,7 +2258,7 @@
             <a:endParaRPr lang="ja-JP"/>
           </a:p>
         </c:txPr>
-        <c:crossAx val="2064403472"/>
+        <c:crossAx val="-123864576"/>
         <c:crosses val="autoZero"/>
         <c:auto val="1"/>
         <c:lblAlgn val="ctr"/>
@@ -2266,7 +2266,7 @@
         <c:noMultiLvlLbl val="0"/>
       </c:catAx>
       <c:valAx>
-        <c:axId val="2064403472"/>
+        <c:axId val="-123864576"/>
         <c:scaling>
           <c:orientation val="minMax"/>
         </c:scaling>
@@ -2385,7 +2385,7 @@
             <a:endParaRPr lang="ja-JP"/>
           </a:p>
         </c:txPr>
-        <c:crossAx val="2064401296"/>
+        <c:crossAx val="-123858592"/>
         <c:crosses val="autoZero"/>
         <c:crossBetween val="between"/>
       </c:valAx>
@@ -2941,11 +2941,11 @@
         </c:dLbls>
         <c:gapWidth val="219"/>
         <c:overlap val="-27"/>
-        <c:axId val="2064412176"/>
-        <c:axId val="2064413808"/>
+        <c:axId val="-123855328"/>
+        <c:axId val="-123853152"/>
       </c:barChart>
       <c:catAx>
-        <c:axId val="2064412176"/>
+        <c:axId val="-123855328"/>
         <c:scaling>
           <c:orientation val="minMax"/>
         </c:scaling>
@@ -2988,7 +2988,7 @@
             <a:endParaRPr lang="ja-JP"/>
           </a:p>
         </c:txPr>
-        <c:crossAx val="2064413808"/>
+        <c:crossAx val="-123853152"/>
         <c:crosses val="autoZero"/>
         <c:auto val="1"/>
         <c:lblAlgn val="ctr"/>
@@ -2996,7 +2996,7 @@
         <c:noMultiLvlLbl val="0"/>
       </c:catAx>
       <c:valAx>
-        <c:axId val="2064413808"/>
+        <c:axId val="-123853152"/>
         <c:scaling>
           <c:orientation val="minMax"/>
         </c:scaling>
@@ -3115,7 +3115,7 @@
             <a:endParaRPr lang="ja-JP"/>
           </a:p>
         </c:txPr>
-        <c:crossAx val="2064412176"/>
+        <c:crossAx val="-123855328"/>
         <c:crosses val="autoZero"/>
         <c:crossBetween val="between"/>
       </c:valAx>
@@ -6148,7 +6148,7 @@
           <a:p>
             <a:fld id="{1D2B6E0B-CE0C-4226-9022-18809A19516C}" type="datetimeFigureOut">
               <a:rPr kumimoji="1" lang="ja-JP" altLang="en-US" smtClean="0"/>
-              <a:t>2016/2/15</a:t>
+              <a:t>2016/2/22</a:t>
             </a:fld>
             <a:endParaRPr kumimoji="1" lang="ja-JP" altLang="en-US"/>
           </a:p>
@@ -17355,19 +17355,7 @@
             </a:pPr>
             <a:r>
               <a:rPr kumimoji="1" lang="ja-JP" altLang="en-US" sz="2400" dirty="0" smtClean="0"/>
-              <a:t>ネットワーク上の資源</a:t>
-            </a:r>
-            <a:r>
-              <a:rPr kumimoji="1" lang="ja-JP" altLang="en-US" sz="2400" smtClean="0"/>
-              <a:t>を</a:t>
-            </a:r>
-            <a:r>
-              <a:rPr kumimoji="1" lang="ja-JP" altLang="en-US" sz="2400" smtClean="0"/>
-              <a:t>ネットワーク経由</a:t>
-            </a:r>
-            <a:r>
-              <a:rPr kumimoji="1" lang="ja-JP" altLang="en-US" sz="2400" dirty="0" smtClean="0"/>
-              <a:t>で使用すること</a:t>
+              <a:t>ネットワーク上の資源をネット経由で使用すること</a:t>
             </a:r>
             <a:endParaRPr kumimoji="1" lang="ja-JP" altLang="en-US" sz="2400" dirty="0"/>
           </a:p>
